--- a/Final_project_presentation.pptx
+++ b/Final_project_presentation.pptx
@@ -2,7 +2,7 @@
 <file path=ppt/presentation.xml><?xml version="1.0" encoding="utf-8"?>
 <p:presentation xmlns:a="http://schemas.openxmlformats.org/drawingml/2006/main" xmlns:r="http://schemas.openxmlformats.org/officeDocument/2006/relationships" xmlns:p="http://schemas.openxmlformats.org/presentationml/2006/main" saveSubsetFonts="1">
   <p:sldMasterIdLst>
-    <p:sldMasterId id="2147483648" r:id="rId1"/>
+    <p:sldMasterId id="2147483660" r:id="rId1"/>
   </p:sldMasterIdLst>
   <p:sldIdLst>
     <p:sldId id="256" r:id="rId2"/>
@@ -19,7 +19,7 @@
     <a:defPPr>
       <a:defRPr lang="en-US"/>
     </a:defPPr>
-    <a:lvl1pPr marL="0" algn="l" defTabSz="914400" rtl="0" eaLnBrk="1" latinLnBrk="0" hangingPunct="1">
+    <a:lvl1pPr marL="0" algn="l" defTabSz="457200" rtl="0" eaLnBrk="1" latinLnBrk="0" hangingPunct="1">
       <a:defRPr sz="1800" kern="1200">
         <a:solidFill>
           <a:schemeClr val="tx1"/>
@@ -29,7 +29,7 @@
         <a:cs typeface="+mn-cs"/>
       </a:defRPr>
     </a:lvl1pPr>
-    <a:lvl2pPr marL="457200" algn="l" defTabSz="914400" rtl="0" eaLnBrk="1" latinLnBrk="0" hangingPunct="1">
+    <a:lvl2pPr marL="457200" algn="l" defTabSz="457200" rtl="0" eaLnBrk="1" latinLnBrk="0" hangingPunct="1">
       <a:defRPr sz="1800" kern="1200">
         <a:solidFill>
           <a:schemeClr val="tx1"/>
@@ -39,7 +39,7 @@
         <a:cs typeface="+mn-cs"/>
       </a:defRPr>
     </a:lvl2pPr>
-    <a:lvl3pPr marL="914400" algn="l" defTabSz="914400" rtl="0" eaLnBrk="1" latinLnBrk="0" hangingPunct="1">
+    <a:lvl3pPr marL="914400" algn="l" defTabSz="457200" rtl="0" eaLnBrk="1" latinLnBrk="0" hangingPunct="1">
       <a:defRPr sz="1800" kern="1200">
         <a:solidFill>
           <a:schemeClr val="tx1"/>
@@ -49,7 +49,7 @@
         <a:cs typeface="+mn-cs"/>
       </a:defRPr>
     </a:lvl3pPr>
-    <a:lvl4pPr marL="1371600" algn="l" defTabSz="914400" rtl="0" eaLnBrk="1" latinLnBrk="0" hangingPunct="1">
+    <a:lvl4pPr marL="1371600" algn="l" defTabSz="457200" rtl="0" eaLnBrk="1" latinLnBrk="0" hangingPunct="1">
       <a:defRPr sz="1800" kern="1200">
         <a:solidFill>
           <a:schemeClr val="tx1"/>
@@ -59,7 +59,7 @@
         <a:cs typeface="+mn-cs"/>
       </a:defRPr>
     </a:lvl4pPr>
-    <a:lvl5pPr marL="1828800" algn="l" defTabSz="914400" rtl="0" eaLnBrk="1" latinLnBrk="0" hangingPunct="1">
+    <a:lvl5pPr marL="1828800" algn="l" defTabSz="457200" rtl="0" eaLnBrk="1" latinLnBrk="0" hangingPunct="1">
       <a:defRPr sz="1800" kern="1200">
         <a:solidFill>
           <a:schemeClr val="tx1"/>
@@ -69,7 +69,7 @@
         <a:cs typeface="+mn-cs"/>
       </a:defRPr>
     </a:lvl5pPr>
-    <a:lvl6pPr marL="2286000" algn="l" defTabSz="914400" rtl="0" eaLnBrk="1" latinLnBrk="0" hangingPunct="1">
+    <a:lvl6pPr marL="2286000" algn="l" defTabSz="457200" rtl="0" eaLnBrk="1" latinLnBrk="0" hangingPunct="1">
       <a:defRPr sz="1800" kern="1200">
         <a:solidFill>
           <a:schemeClr val="tx1"/>
@@ -79,7 +79,7 @@
         <a:cs typeface="+mn-cs"/>
       </a:defRPr>
     </a:lvl6pPr>
-    <a:lvl7pPr marL="2743200" algn="l" defTabSz="914400" rtl="0" eaLnBrk="1" latinLnBrk="0" hangingPunct="1">
+    <a:lvl7pPr marL="2743200" algn="l" defTabSz="457200" rtl="0" eaLnBrk="1" latinLnBrk="0" hangingPunct="1">
       <a:defRPr sz="1800" kern="1200">
         <a:solidFill>
           <a:schemeClr val="tx1"/>
@@ -89,7 +89,7 @@
         <a:cs typeface="+mn-cs"/>
       </a:defRPr>
     </a:lvl7pPr>
-    <a:lvl8pPr marL="3200400" algn="l" defTabSz="914400" rtl="0" eaLnBrk="1" latinLnBrk="0" hangingPunct="1">
+    <a:lvl8pPr marL="3200400" algn="l" defTabSz="457200" rtl="0" eaLnBrk="1" latinLnBrk="0" hangingPunct="1">
       <a:defRPr sz="1800" kern="1200">
         <a:solidFill>
           <a:schemeClr val="tx1"/>
@@ -99,7 +99,7 @@
         <a:cs typeface="+mn-cs"/>
       </a:defRPr>
     </a:lvl8pPr>
-    <a:lvl9pPr marL="3657600" algn="l" defTabSz="914400" rtl="0" eaLnBrk="1" latinLnBrk="0" hangingPunct="1">
+    <a:lvl9pPr marL="3657600" algn="l" defTabSz="457200" rtl="0" eaLnBrk="1" latinLnBrk="0" hangingPunct="1">
       <a:defRPr sz="1800" kern="1200">
         <a:solidFill>
           <a:schemeClr val="tx1"/>
@@ -119,7 +119,7 @@
 </file>
 
 <file path=ppt/slideLayouts/slideLayout1.xml><?xml version="1.0" encoding="utf-8"?>
-<p:sldLayout xmlns:a="http://schemas.openxmlformats.org/drawingml/2006/main" xmlns:r="http://schemas.openxmlformats.org/officeDocument/2006/relationships" xmlns:p="http://schemas.openxmlformats.org/presentationml/2006/main" type="title" preserve="1">
+<p:sldLayout xmlns:a="http://schemas.openxmlformats.org/drawingml/2006/main" xmlns:r="http://schemas.openxmlformats.org/officeDocument/2006/relationships" xmlns:p="http://schemas.openxmlformats.org/presentationml/2006/main" showMasterSp="0" type="title" preserve="1">
   <p:cSld name="Title Slide">
     <p:spTree>
       <p:nvGrpSpPr>
@@ -137,13 +137,7 @@
       </p:grpSpPr>
       <p:sp>
         <p:nvSpPr>
-          <p:cNvPr id="2" name="Title 1">
-            <a:extLst>
-              <a:ext uri="{FF2B5EF4-FFF2-40B4-BE49-F238E27FC236}">
-                <a16:creationId xmlns:a16="http://schemas.microsoft.com/office/drawing/2014/main" id="{F33960F8-89C5-0D6A-C1C6-CE53A0671D7A}"/>
-              </a:ext>
-            </a:extLst>
-          </p:cNvPr>
+          <p:cNvPr id="2" name="Title 1"/>
           <p:cNvSpPr>
             <a:spLocks noGrp="1"/>
           </p:cNvSpPr>
@@ -153,15 +147,19 @@
         </p:nvSpPr>
         <p:spPr>
           <a:xfrm>
-            <a:off x="1524000" y="1122363"/>
-            <a:ext cx="9144000" cy="2387600"/>
-          </a:xfrm>
-        </p:spPr>
-        <p:txBody>
-          <a:bodyPr anchor="b"/>
+            <a:off x="684212" y="685799"/>
+            <a:ext cx="8001000" cy="2971801"/>
+          </a:xfrm>
+        </p:spPr>
+        <p:txBody>
+          <a:bodyPr anchor="b">
+            <a:normAutofit/>
+          </a:bodyPr>
           <a:lstStyle>
-            <a:lvl1pPr algn="ctr">
-              <a:defRPr sz="6000"/>
+            <a:lvl1pPr algn="l">
+              <a:defRPr sz="4800">
+                <a:effectLst/>
+              </a:defRPr>
             </a:lvl1pPr>
           </a:lstStyle>
           <a:p>
@@ -169,18 +167,13 @@
               <a:rPr lang="en-US"/>
               <a:t>Click to edit Master title style</a:t>
             </a:r>
-          </a:p>
-        </p:txBody>
-      </p:sp>
-      <p:sp>
-        <p:nvSpPr>
-          <p:cNvPr id="3" name="Subtitle 2">
-            <a:extLst>
-              <a:ext uri="{FF2B5EF4-FFF2-40B4-BE49-F238E27FC236}">
-                <a16:creationId xmlns:a16="http://schemas.microsoft.com/office/drawing/2014/main" id="{79560925-6F53-137E-7521-3843D60E9418}"/>
-              </a:ext>
-            </a:extLst>
-          </p:cNvPr>
+            <a:endParaRPr lang="en-US" dirty="0"/>
+          </a:p>
+        </p:txBody>
+      </p:sp>
+      <p:sp>
+        <p:nvSpPr>
+          <p:cNvPr id="3" name="Subtitle 2"/>
           <p:cNvSpPr>
             <a:spLocks noGrp="1"/>
           </p:cNvSpPr>
@@ -190,48 +183,104 @@
         </p:nvSpPr>
         <p:spPr>
           <a:xfrm>
-            <a:off x="1524000" y="3602038"/>
-            <a:ext cx="9144000" cy="1655762"/>
-          </a:xfrm>
-        </p:spPr>
-        <p:txBody>
-          <a:bodyPr/>
+            <a:off x="684212" y="3843867"/>
+            <a:ext cx="6400800" cy="1947333"/>
+          </a:xfrm>
+        </p:spPr>
+        <p:txBody>
+          <a:bodyPr anchor="t">
+            <a:normAutofit/>
+          </a:bodyPr>
           <a:lstStyle>
-            <a:lvl1pPr marL="0" indent="0" algn="ctr">
-              <a:buNone/>
-              <a:defRPr sz="2400"/>
+            <a:lvl1pPr marL="0" indent="0" algn="l">
+              <a:buNone/>
+              <a:defRPr sz="2100">
+                <a:solidFill>
+                  <a:schemeClr val="bg2">
+                    <a:lumMod val="75000"/>
+                  </a:schemeClr>
+                </a:solidFill>
+              </a:defRPr>
             </a:lvl1pPr>
             <a:lvl2pPr marL="457200" indent="0" algn="ctr">
               <a:buNone/>
-              <a:defRPr sz="2000"/>
+              <a:defRPr>
+                <a:solidFill>
+                  <a:schemeClr val="tx1">
+                    <a:tint val="75000"/>
+                  </a:schemeClr>
+                </a:solidFill>
+              </a:defRPr>
             </a:lvl2pPr>
             <a:lvl3pPr marL="914400" indent="0" algn="ctr">
               <a:buNone/>
-              <a:defRPr sz="1800"/>
+              <a:defRPr>
+                <a:solidFill>
+                  <a:schemeClr val="tx1">
+                    <a:tint val="75000"/>
+                  </a:schemeClr>
+                </a:solidFill>
+              </a:defRPr>
             </a:lvl3pPr>
             <a:lvl4pPr marL="1371600" indent="0" algn="ctr">
               <a:buNone/>
-              <a:defRPr sz="1600"/>
+              <a:defRPr>
+                <a:solidFill>
+                  <a:schemeClr val="tx1">
+                    <a:tint val="75000"/>
+                  </a:schemeClr>
+                </a:solidFill>
+              </a:defRPr>
             </a:lvl4pPr>
             <a:lvl5pPr marL="1828800" indent="0" algn="ctr">
               <a:buNone/>
-              <a:defRPr sz="1600"/>
+              <a:defRPr>
+                <a:solidFill>
+                  <a:schemeClr val="tx1">
+                    <a:tint val="75000"/>
+                  </a:schemeClr>
+                </a:solidFill>
+              </a:defRPr>
             </a:lvl5pPr>
             <a:lvl6pPr marL="2286000" indent="0" algn="ctr">
               <a:buNone/>
-              <a:defRPr sz="1600"/>
+              <a:defRPr>
+                <a:solidFill>
+                  <a:schemeClr val="tx1">
+                    <a:tint val="75000"/>
+                  </a:schemeClr>
+                </a:solidFill>
+              </a:defRPr>
             </a:lvl6pPr>
             <a:lvl7pPr marL="2743200" indent="0" algn="ctr">
               <a:buNone/>
-              <a:defRPr sz="1600"/>
+              <a:defRPr>
+                <a:solidFill>
+                  <a:schemeClr val="tx1">
+                    <a:tint val="75000"/>
+                  </a:schemeClr>
+                </a:solidFill>
+              </a:defRPr>
             </a:lvl7pPr>
             <a:lvl8pPr marL="3200400" indent="0" algn="ctr">
               <a:buNone/>
-              <a:defRPr sz="1600"/>
+              <a:defRPr>
+                <a:solidFill>
+                  <a:schemeClr val="tx1">
+                    <a:tint val="75000"/>
+                  </a:schemeClr>
+                </a:solidFill>
+              </a:defRPr>
             </a:lvl8pPr>
             <a:lvl9pPr marL="3657600" indent="0" algn="ctr">
               <a:buNone/>
-              <a:defRPr sz="1600"/>
+              <a:defRPr>
+                <a:solidFill>
+                  <a:schemeClr val="tx1">
+                    <a:tint val="75000"/>
+                  </a:schemeClr>
+                </a:solidFill>
+              </a:defRPr>
             </a:lvl9pPr>
           </a:lstStyle>
           <a:p>
@@ -239,18 +288,13 @@
               <a:rPr lang="en-US"/>
               <a:t>Click to edit Master subtitle style</a:t>
             </a:r>
-          </a:p>
-        </p:txBody>
-      </p:sp>
-      <p:sp>
-        <p:nvSpPr>
-          <p:cNvPr id="4" name="Date Placeholder 3">
-            <a:extLst>
-              <a:ext uri="{FF2B5EF4-FFF2-40B4-BE49-F238E27FC236}">
-                <a16:creationId xmlns:a16="http://schemas.microsoft.com/office/drawing/2014/main" id="{25199E05-0E99-8342-A982-2DA95141E089}"/>
-              </a:ext>
-            </a:extLst>
-          </p:cNvPr>
+            <a:endParaRPr lang="en-US" dirty="0"/>
+          </a:p>
+        </p:txBody>
+      </p:sp>
+      <p:sp>
+        <p:nvSpPr>
+          <p:cNvPr id="4" name="Date Placeholder 3"/>
           <p:cNvSpPr>
             <a:spLocks noGrp="1"/>
           </p:cNvSpPr>
@@ -265,7 +309,7 @@
           <a:p>
             <a:fld id="{040172E9-3018-4399-AF48-14950ACD53D7}" type="datetimeFigureOut">
               <a:rPr lang="en-US" smtClean="0"/>
-              <a:t>7/10/2022</a:t>
+              <a:t>7/12/2022</a:t>
             </a:fld>
             <a:endParaRPr lang="en-US"/>
           </a:p>
@@ -273,13 +317,7 @@
       </p:sp>
       <p:sp>
         <p:nvSpPr>
-          <p:cNvPr id="5" name="Footer Placeholder 4">
-            <a:extLst>
-              <a:ext uri="{FF2B5EF4-FFF2-40B4-BE49-F238E27FC236}">
-                <a16:creationId xmlns:a16="http://schemas.microsoft.com/office/drawing/2014/main" id="{388165CF-2D77-6900-F413-55AEB1C794E1}"/>
-              </a:ext>
-            </a:extLst>
-          </p:cNvPr>
+          <p:cNvPr id="5" name="Footer Placeholder 4"/>
           <p:cNvSpPr>
             <a:spLocks noGrp="1"/>
           </p:cNvSpPr>
@@ -298,13 +336,7 @@
       </p:sp>
       <p:sp>
         <p:nvSpPr>
-          <p:cNvPr id="6" name="Slide Number Placeholder 5">
-            <a:extLst>
-              <a:ext uri="{FF2B5EF4-FFF2-40B4-BE49-F238E27FC236}">
-                <a16:creationId xmlns:a16="http://schemas.microsoft.com/office/drawing/2014/main" id="{9AC29505-C6F3-4045-2C93-9893F6BEFBDD}"/>
-              </a:ext>
-            </a:extLst>
-          </p:cNvPr>
+          <p:cNvPr id="6" name="Slide Number Placeholder 5"/>
           <p:cNvSpPr>
             <a:spLocks noGrp="1"/>
           </p:cNvSpPr>
@@ -325,10 +357,185 @@
           </a:p>
         </p:txBody>
       </p:sp>
+      <p:cxnSp>
+        <p:nvCxnSpPr>
+          <p:cNvPr id="16" name="Straight Connector 15"/>
+          <p:cNvCxnSpPr/>
+          <p:nvPr/>
+        </p:nvCxnSpPr>
+        <p:spPr>
+          <a:xfrm flipH="1">
+            <a:off x="8228012" y="8467"/>
+            <a:ext cx="3810000" cy="3810000"/>
+          </a:xfrm>
+          <a:prstGeom prst="line">
+            <a:avLst/>
+          </a:prstGeom>
+          <a:ln w="12700">
+            <a:solidFill>
+              <a:schemeClr val="tx1"/>
+            </a:solidFill>
+          </a:ln>
+        </p:spPr>
+        <p:style>
+          <a:lnRef idx="2">
+            <a:schemeClr val="accent1"/>
+          </a:lnRef>
+          <a:fillRef idx="0">
+            <a:schemeClr val="accent1"/>
+          </a:fillRef>
+          <a:effectRef idx="1">
+            <a:schemeClr val="accent1"/>
+          </a:effectRef>
+          <a:fontRef idx="minor">
+            <a:schemeClr val="tx1"/>
+          </a:fontRef>
+        </p:style>
+      </p:cxnSp>
+      <p:cxnSp>
+        <p:nvCxnSpPr>
+          <p:cNvPr id="17" name="Straight Connector 16"/>
+          <p:cNvCxnSpPr/>
+          <p:nvPr/>
+        </p:nvCxnSpPr>
+        <p:spPr>
+          <a:xfrm flipH="1">
+            <a:off x="6108170" y="91545"/>
+            <a:ext cx="6080655" cy="6080655"/>
+          </a:xfrm>
+          <a:prstGeom prst="line">
+            <a:avLst/>
+          </a:prstGeom>
+          <a:ln w="12700">
+            <a:solidFill>
+              <a:schemeClr val="tx1"/>
+            </a:solidFill>
+          </a:ln>
+        </p:spPr>
+        <p:style>
+          <a:lnRef idx="2">
+            <a:schemeClr val="accent1"/>
+          </a:lnRef>
+          <a:fillRef idx="0">
+            <a:schemeClr val="accent1"/>
+          </a:fillRef>
+          <a:effectRef idx="1">
+            <a:schemeClr val="accent1"/>
+          </a:effectRef>
+          <a:fontRef idx="minor">
+            <a:schemeClr val="tx1"/>
+          </a:fontRef>
+        </p:style>
+      </p:cxnSp>
+      <p:cxnSp>
+        <p:nvCxnSpPr>
+          <p:cNvPr id="19" name="Straight Connector 18"/>
+          <p:cNvCxnSpPr/>
+          <p:nvPr/>
+        </p:nvCxnSpPr>
+        <p:spPr>
+          <a:xfrm flipH="1">
+            <a:off x="7235825" y="228600"/>
+            <a:ext cx="4953000" cy="4953000"/>
+          </a:xfrm>
+          <a:prstGeom prst="line">
+            <a:avLst/>
+          </a:prstGeom>
+          <a:ln w="12700">
+            <a:solidFill>
+              <a:schemeClr val="tx1"/>
+            </a:solidFill>
+          </a:ln>
+        </p:spPr>
+        <p:style>
+          <a:lnRef idx="2">
+            <a:schemeClr val="accent1"/>
+          </a:lnRef>
+          <a:fillRef idx="0">
+            <a:schemeClr val="accent1"/>
+          </a:fillRef>
+          <a:effectRef idx="1">
+            <a:schemeClr val="accent1"/>
+          </a:effectRef>
+          <a:fontRef idx="minor">
+            <a:schemeClr val="tx1"/>
+          </a:fontRef>
+        </p:style>
+      </p:cxnSp>
+      <p:cxnSp>
+        <p:nvCxnSpPr>
+          <p:cNvPr id="21" name="Straight Connector 20"/>
+          <p:cNvCxnSpPr/>
+          <p:nvPr/>
+        </p:nvCxnSpPr>
+        <p:spPr>
+          <a:xfrm flipH="1">
+            <a:off x="7335837" y="32278"/>
+            <a:ext cx="4852989" cy="4852989"/>
+          </a:xfrm>
+          <a:prstGeom prst="line">
+            <a:avLst/>
+          </a:prstGeom>
+          <a:ln w="31750">
+            <a:solidFill>
+              <a:schemeClr val="tx1"/>
+            </a:solidFill>
+          </a:ln>
+        </p:spPr>
+        <p:style>
+          <a:lnRef idx="2">
+            <a:schemeClr val="accent1"/>
+          </a:lnRef>
+          <a:fillRef idx="0">
+            <a:schemeClr val="accent1"/>
+          </a:fillRef>
+          <a:effectRef idx="1">
+            <a:schemeClr val="accent1"/>
+          </a:effectRef>
+          <a:fontRef idx="minor">
+            <a:schemeClr val="tx1"/>
+          </a:fontRef>
+        </p:style>
+      </p:cxnSp>
+      <p:cxnSp>
+        <p:nvCxnSpPr>
+          <p:cNvPr id="23" name="Straight Connector 22"/>
+          <p:cNvCxnSpPr/>
+          <p:nvPr/>
+        </p:nvCxnSpPr>
+        <p:spPr>
+          <a:xfrm flipH="1">
+            <a:off x="7845426" y="609601"/>
+            <a:ext cx="4343399" cy="4343399"/>
+          </a:xfrm>
+          <a:prstGeom prst="line">
+            <a:avLst/>
+          </a:prstGeom>
+          <a:ln w="31750">
+            <a:solidFill>
+              <a:schemeClr val="tx1"/>
+            </a:solidFill>
+          </a:ln>
+        </p:spPr>
+        <p:style>
+          <a:lnRef idx="2">
+            <a:schemeClr val="accent1"/>
+          </a:lnRef>
+          <a:fillRef idx="0">
+            <a:schemeClr val="accent1"/>
+          </a:fillRef>
+          <a:effectRef idx="1">
+            <a:schemeClr val="accent1"/>
+          </a:effectRef>
+          <a:fontRef idx="minor">
+            <a:schemeClr val="tx1"/>
+          </a:fontRef>
+        </p:style>
+      </p:cxnSp>
     </p:spTree>
     <p:extLst>
       <p:ext uri="{BB962C8B-B14F-4D97-AF65-F5344CB8AC3E}">
-        <p14:creationId xmlns:p14="http://schemas.microsoft.com/office/powerpoint/2010/main" val="2163893083"/>
+        <p14:creationId xmlns:p14="http://schemas.microsoft.com/office/powerpoint/2010/main" val="3283347041"/>
       </p:ext>
     </p:extLst>
   </p:cSld>
@@ -339,6 +546,1812 @@
 </file>
 
 <file path=ppt/slideLayouts/slideLayout10.xml><?xml version="1.0" encoding="utf-8"?>
+<p:sldLayout xmlns:a="http://schemas.openxmlformats.org/drawingml/2006/main" xmlns:r="http://schemas.openxmlformats.org/officeDocument/2006/relationships" xmlns:p="http://schemas.openxmlformats.org/presentationml/2006/main" preserve="1">
+  <p:cSld name="Panoramic Picture with Caption">
+    <p:spTree>
+      <p:nvGrpSpPr>
+        <p:cNvPr id="1" name=""/>
+        <p:cNvGrpSpPr/>
+        <p:nvPr/>
+      </p:nvGrpSpPr>
+      <p:grpSpPr>
+        <a:xfrm>
+          <a:off x="0" y="0"/>
+          <a:ext cx="0" cy="0"/>
+          <a:chOff x="0" y="0"/>
+          <a:chExt cx="0" cy="0"/>
+        </a:xfrm>
+      </p:grpSpPr>
+      <p:sp>
+        <p:nvSpPr>
+          <p:cNvPr id="2" name="Title 1"/>
+          <p:cNvSpPr>
+            <a:spLocks noGrp="1"/>
+          </p:cNvSpPr>
+          <p:nvPr>
+            <p:ph type="title"/>
+          </p:nvPr>
+        </p:nvSpPr>
+        <p:spPr/>
+        <p:txBody>
+          <a:bodyPr/>
+          <a:lstStyle/>
+          <a:p>
+            <a:r>
+              <a:rPr lang="en-US"/>
+              <a:t>Click to edit Master title style</a:t>
+            </a:r>
+            <a:endParaRPr lang="en-US" dirty="0"/>
+          </a:p>
+        </p:txBody>
+      </p:sp>
+      <p:sp>
+        <p:nvSpPr>
+          <p:cNvPr id="17" name="Picture Placeholder 2"/>
+          <p:cNvSpPr>
+            <a:spLocks noGrp="1" noChangeAspect="1"/>
+          </p:cNvSpPr>
+          <p:nvPr>
+            <p:ph type="pic" idx="13"/>
+          </p:nvPr>
+        </p:nvSpPr>
+        <p:spPr>
+          <a:xfrm>
+            <a:off x="685800" y="533400"/>
+            <a:ext cx="10818812" cy="3124200"/>
+          </a:xfrm>
+          <a:prstGeom prst="snip2DiagRect">
+            <a:avLst>
+              <a:gd name="adj1" fmla="val 10815"/>
+              <a:gd name="adj2" fmla="val 0"/>
+            </a:avLst>
+          </a:prstGeom>
+          <a:ln w="15875">
+            <a:solidFill>
+              <a:schemeClr val="tx1">
+                <a:alpha val="40000"/>
+              </a:schemeClr>
+            </a:solidFill>
+          </a:ln>
+          <a:effectLst>
+            <a:innerShdw blurRad="57150" dist="38100" dir="14460000">
+              <a:srgbClr val="000000">
+                <a:alpha val="70000"/>
+              </a:srgbClr>
+            </a:innerShdw>
+          </a:effectLst>
+        </p:spPr>
+        <p:txBody>
+          <a:bodyPr anchor="t">
+            <a:normAutofit/>
+          </a:bodyPr>
+          <a:lstStyle>
+            <a:lvl1pPr marL="0" indent="0" algn="ctr">
+              <a:buNone/>
+              <a:defRPr sz="1600"/>
+            </a:lvl1pPr>
+            <a:lvl2pPr marL="457200" indent="0">
+              <a:buNone/>
+              <a:defRPr sz="1600"/>
+            </a:lvl2pPr>
+            <a:lvl3pPr marL="914400" indent="0">
+              <a:buNone/>
+              <a:defRPr sz="1600"/>
+            </a:lvl3pPr>
+            <a:lvl4pPr marL="1371600" indent="0">
+              <a:buNone/>
+              <a:defRPr sz="1600"/>
+            </a:lvl4pPr>
+            <a:lvl5pPr marL="1828800" indent="0">
+              <a:buNone/>
+              <a:defRPr sz="1600"/>
+            </a:lvl5pPr>
+            <a:lvl6pPr marL="2286000" indent="0">
+              <a:buNone/>
+              <a:defRPr sz="1600"/>
+            </a:lvl6pPr>
+            <a:lvl7pPr marL="2743200" indent="0">
+              <a:buNone/>
+              <a:defRPr sz="1600"/>
+            </a:lvl7pPr>
+            <a:lvl8pPr marL="3200400" indent="0">
+              <a:buNone/>
+              <a:defRPr sz="1600"/>
+            </a:lvl8pPr>
+            <a:lvl9pPr marL="3657600" indent="0">
+              <a:buNone/>
+              <a:defRPr sz="1600"/>
+            </a:lvl9pPr>
+          </a:lstStyle>
+          <a:p>
+            <a:r>
+              <a:rPr lang="en-US"/>
+              <a:t>Click icon to add picture</a:t>
+            </a:r>
+            <a:endParaRPr lang="en-US" dirty="0"/>
+          </a:p>
+        </p:txBody>
+      </p:sp>
+      <p:sp>
+        <p:nvSpPr>
+          <p:cNvPr id="16" name="Text Placeholder 9"/>
+          <p:cNvSpPr>
+            <a:spLocks noGrp="1"/>
+          </p:cNvSpPr>
+          <p:nvPr>
+            <p:ph type="body" sz="quarter" idx="14"/>
+          </p:nvPr>
+        </p:nvSpPr>
+        <p:spPr>
+          <a:xfrm>
+            <a:off x="914402" y="3843867"/>
+            <a:ext cx="8304210" cy="457200"/>
+          </a:xfrm>
+        </p:spPr>
+        <p:txBody>
+          <a:bodyPr anchor="t">
+            <a:normAutofit/>
+          </a:bodyPr>
+          <a:lstStyle>
+            <a:lvl1pPr marL="0" indent="0">
+              <a:buFontTx/>
+              <a:buNone/>
+              <a:defRPr sz="1600"/>
+            </a:lvl1pPr>
+            <a:lvl2pPr marL="457200" indent="0">
+              <a:buFontTx/>
+              <a:buNone/>
+              <a:defRPr/>
+            </a:lvl2pPr>
+            <a:lvl3pPr marL="914400" indent="0">
+              <a:buFontTx/>
+              <a:buNone/>
+              <a:defRPr/>
+            </a:lvl3pPr>
+            <a:lvl4pPr marL="1371600" indent="0">
+              <a:buFontTx/>
+              <a:buNone/>
+              <a:defRPr/>
+            </a:lvl4pPr>
+            <a:lvl5pPr marL="1828800" indent="0">
+              <a:buFontTx/>
+              <a:buNone/>
+              <a:defRPr/>
+            </a:lvl5pPr>
+          </a:lstStyle>
+          <a:p>
+            <a:pPr lvl="0"/>
+            <a:r>
+              <a:rPr lang="en-US"/>
+              <a:t>Click to edit Master text styles</a:t>
+            </a:r>
+          </a:p>
+        </p:txBody>
+      </p:sp>
+      <p:sp>
+        <p:nvSpPr>
+          <p:cNvPr id="3" name="Date Placeholder 2"/>
+          <p:cNvSpPr>
+            <a:spLocks noGrp="1"/>
+          </p:cNvSpPr>
+          <p:nvPr>
+            <p:ph type="dt" sz="half" idx="10"/>
+          </p:nvPr>
+        </p:nvSpPr>
+        <p:spPr/>
+        <p:txBody>
+          <a:bodyPr/>
+          <a:lstStyle/>
+          <a:p>
+            <a:fld id="{040172E9-3018-4399-AF48-14950ACD53D7}" type="datetimeFigureOut">
+              <a:rPr lang="en-US" smtClean="0"/>
+              <a:t>7/12/2022</a:t>
+            </a:fld>
+            <a:endParaRPr lang="en-US"/>
+          </a:p>
+        </p:txBody>
+      </p:sp>
+      <p:sp>
+        <p:nvSpPr>
+          <p:cNvPr id="4" name="Footer Placeholder 3"/>
+          <p:cNvSpPr>
+            <a:spLocks noGrp="1"/>
+          </p:cNvSpPr>
+          <p:nvPr>
+            <p:ph type="ftr" sz="quarter" idx="11"/>
+          </p:nvPr>
+        </p:nvSpPr>
+        <p:spPr/>
+        <p:txBody>
+          <a:bodyPr/>
+          <a:lstStyle/>
+          <a:p>
+            <a:endParaRPr lang="en-US"/>
+          </a:p>
+        </p:txBody>
+      </p:sp>
+      <p:sp>
+        <p:nvSpPr>
+          <p:cNvPr id="5" name="Slide Number Placeholder 4"/>
+          <p:cNvSpPr>
+            <a:spLocks noGrp="1"/>
+          </p:cNvSpPr>
+          <p:nvPr>
+            <p:ph type="sldNum" sz="quarter" idx="12"/>
+          </p:nvPr>
+        </p:nvSpPr>
+        <p:spPr/>
+        <p:txBody>
+          <a:bodyPr/>
+          <a:lstStyle/>
+          <a:p>
+            <a:fld id="{E6F1723F-269A-4E1C-82A6-86F9F7DACB67}" type="slidenum">
+              <a:rPr lang="en-US" smtClean="0"/>
+              <a:t>‹#›</a:t>
+            </a:fld>
+            <a:endParaRPr lang="en-US"/>
+          </a:p>
+        </p:txBody>
+      </p:sp>
+    </p:spTree>
+    <p:extLst>
+      <p:ext uri="{BB962C8B-B14F-4D97-AF65-F5344CB8AC3E}">
+        <p14:creationId xmlns:p14="http://schemas.microsoft.com/office/powerpoint/2010/main" val="3452475994"/>
+      </p:ext>
+    </p:extLst>
+  </p:cSld>
+  <p:clrMapOvr>
+    <a:masterClrMapping/>
+  </p:clrMapOvr>
+</p:sldLayout>
+</file>
+
+<file path=ppt/slideLayouts/slideLayout11.xml><?xml version="1.0" encoding="utf-8"?>
+<p:sldLayout xmlns:a="http://schemas.openxmlformats.org/drawingml/2006/main" xmlns:r="http://schemas.openxmlformats.org/officeDocument/2006/relationships" xmlns:p="http://schemas.openxmlformats.org/presentationml/2006/main" preserve="1">
+  <p:cSld name="Title and Caption">
+    <p:spTree>
+      <p:nvGrpSpPr>
+        <p:cNvPr id="1" name=""/>
+        <p:cNvGrpSpPr/>
+        <p:nvPr/>
+      </p:nvGrpSpPr>
+      <p:grpSpPr>
+        <a:xfrm>
+          <a:off x="0" y="0"/>
+          <a:ext cx="0" cy="0"/>
+          <a:chOff x="0" y="0"/>
+          <a:chExt cx="0" cy="0"/>
+        </a:xfrm>
+      </p:grpSpPr>
+      <p:sp>
+        <p:nvSpPr>
+          <p:cNvPr id="2" name="Title 1"/>
+          <p:cNvSpPr>
+            <a:spLocks noGrp="1"/>
+          </p:cNvSpPr>
+          <p:nvPr>
+            <p:ph type="title"/>
+          </p:nvPr>
+        </p:nvSpPr>
+        <p:spPr>
+          <a:xfrm>
+            <a:off x="684213" y="685800"/>
+            <a:ext cx="10058400" cy="2743200"/>
+          </a:xfrm>
+        </p:spPr>
+        <p:txBody>
+          <a:bodyPr anchor="ctr">
+            <a:normAutofit/>
+          </a:bodyPr>
+          <a:lstStyle>
+            <a:lvl1pPr algn="l">
+              <a:defRPr sz="3200" b="0" cap="all"/>
+            </a:lvl1pPr>
+          </a:lstStyle>
+          <a:p>
+            <a:r>
+              <a:rPr lang="en-US"/>
+              <a:t>Click to edit Master title style</a:t>
+            </a:r>
+            <a:endParaRPr lang="en-US" dirty="0"/>
+          </a:p>
+        </p:txBody>
+      </p:sp>
+      <p:sp>
+        <p:nvSpPr>
+          <p:cNvPr id="3" name="Text Placeholder 2"/>
+          <p:cNvSpPr>
+            <a:spLocks noGrp="1"/>
+          </p:cNvSpPr>
+          <p:nvPr>
+            <p:ph type="body" idx="1"/>
+          </p:nvPr>
+        </p:nvSpPr>
+        <p:spPr>
+          <a:xfrm>
+            <a:off x="684212" y="4114800"/>
+            <a:ext cx="8535988" cy="1879600"/>
+          </a:xfrm>
+        </p:spPr>
+        <p:txBody>
+          <a:bodyPr anchor="ctr">
+            <a:normAutofit/>
+          </a:bodyPr>
+          <a:lstStyle>
+            <a:lvl1pPr marL="0" indent="0" algn="l">
+              <a:buNone/>
+              <a:defRPr sz="2000">
+                <a:solidFill>
+                  <a:schemeClr val="bg2">
+                    <a:lumMod val="75000"/>
+                  </a:schemeClr>
+                </a:solidFill>
+              </a:defRPr>
+            </a:lvl1pPr>
+            <a:lvl2pPr marL="457200" indent="0">
+              <a:buNone/>
+              <a:defRPr sz="1800">
+                <a:solidFill>
+                  <a:schemeClr val="tx1">
+                    <a:tint val="75000"/>
+                  </a:schemeClr>
+                </a:solidFill>
+              </a:defRPr>
+            </a:lvl2pPr>
+            <a:lvl3pPr marL="914400" indent="0">
+              <a:buNone/>
+              <a:defRPr sz="1600">
+                <a:solidFill>
+                  <a:schemeClr val="tx1">
+                    <a:tint val="75000"/>
+                  </a:schemeClr>
+                </a:solidFill>
+              </a:defRPr>
+            </a:lvl3pPr>
+            <a:lvl4pPr marL="1371600" indent="0">
+              <a:buNone/>
+              <a:defRPr sz="1400">
+                <a:solidFill>
+                  <a:schemeClr val="tx1">
+                    <a:tint val="75000"/>
+                  </a:schemeClr>
+                </a:solidFill>
+              </a:defRPr>
+            </a:lvl4pPr>
+            <a:lvl5pPr marL="1828800" indent="0">
+              <a:buNone/>
+              <a:defRPr sz="1400">
+                <a:solidFill>
+                  <a:schemeClr val="tx1">
+                    <a:tint val="75000"/>
+                  </a:schemeClr>
+                </a:solidFill>
+              </a:defRPr>
+            </a:lvl5pPr>
+            <a:lvl6pPr marL="2286000" indent="0">
+              <a:buNone/>
+              <a:defRPr sz="1400">
+                <a:solidFill>
+                  <a:schemeClr val="tx1">
+                    <a:tint val="75000"/>
+                  </a:schemeClr>
+                </a:solidFill>
+              </a:defRPr>
+            </a:lvl6pPr>
+            <a:lvl7pPr marL="2743200" indent="0">
+              <a:buNone/>
+              <a:defRPr sz="1400">
+                <a:solidFill>
+                  <a:schemeClr val="tx1">
+                    <a:tint val="75000"/>
+                  </a:schemeClr>
+                </a:solidFill>
+              </a:defRPr>
+            </a:lvl7pPr>
+            <a:lvl8pPr marL="3200400" indent="0">
+              <a:buNone/>
+              <a:defRPr sz="1400">
+                <a:solidFill>
+                  <a:schemeClr val="tx1">
+                    <a:tint val="75000"/>
+                  </a:schemeClr>
+                </a:solidFill>
+              </a:defRPr>
+            </a:lvl8pPr>
+            <a:lvl9pPr marL="3657600" indent="0">
+              <a:buNone/>
+              <a:defRPr sz="1400">
+                <a:solidFill>
+                  <a:schemeClr val="tx1">
+                    <a:tint val="75000"/>
+                  </a:schemeClr>
+                </a:solidFill>
+              </a:defRPr>
+            </a:lvl9pPr>
+          </a:lstStyle>
+          <a:p>
+            <a:pPr lvl="0"/>
+            <a:r>
+              <a:rPr lang="en-US"/>
+              <a:t>Click to edit Master text styles</a:t>
+            </a:r>
+          </a:p>
+        </p:txBody>
+      </p:sp>
+      <p:sp>
+        <p:nvSpPr>
+          <p:cNvPr id="4" name="Date Placeholder 3"/>
+          <p:cNvSpPr>
+            <a:spLocks noGrp="1"/>
+          </p:cNvSpPr>
+          <p:nvPr>
+            <p:ph type="dt" sz="half" idx="10"/>
+          </p:nvPr>
+        </p:nvSpPr>
+        <p:spPr/>
+        <p:txBody>
+          <a:bodyPr/>
+          <a:lstStyle/>
+          <a:p>
+            <a:fld id="{040172E9-3018-4399-AF48-14950ACD53D7}" type="datetimeFigureOut">
+              <a:rPr lang="en-US" smtClean="0"/>
+              <a:t>7/12/2022</a:t>
+            </a:fld>
+            <a:endParaRPr lang="en-US"/>
+          </a:p>
+        </p:txBody>
+      </p:sp>
+      <p:sp>
+        <p:nvSpPr>
+          <p:cNvPr id="5" name="Footer Placeholder 4"/>
+          <p:cNvSpPr>
+            <a:spLocks noGrp="1"/>
+          </p:cNvSpPr>
+          <p:nvPr>
+            <p:ph type="ftr" sz="quarter" idx="11"/>
+          </p:nvPr>
+        </p:nvSpPr>
+        <p:spPr/>
+        <p:txBody>
+          <a:bodyPr/>
+          <a:lstStyle/>
+          <a:p>
+            <a:endParaRPr lang="en-US"/>
+          </a:p>
+        </p:txBody>
+      </p:sp>
+      <p:sp>
+        <p:nvSpPr>
+          <p:cNvPr id="6" name="Slide Number Placeholder 5"/>
+          <p:cNvSpPr>
+            <a:spLocks noGrp="1"/>
+          </p:cNvSpPr>
+          <p:nvPr>
+            <p:ph type="sldNum" sz="quarter" idx="12"/>
+          </p:nvPr>
+        </p:nvSpPr>
+        <p:spPr/>
+        <p:txBody>
+          <a:bodyPr/>
+          <a:lstStyle/>
+          <a:p>
+            <a:fld id="{E6F1723F-269A-4E1C-82A6-86F9F7DACB67}" type="slidenum">
+              <a:rPr lang="en-US" smtClean="0"/>
+              <a:t>‹#›</a:t>
+            </a:fld>
+            <a:endParaRPr lang="en-US"/>
+          </a:p>
+        </p:txBody>
+      </p:sp>
+    </p:spTree>
+    <p:extLst>
+      <p:ext uri="{BB962C8B-B14F-4D97-AF65-F5344CB8AC3E}">
+        <p14:creationId xmlns:p14="http://schemas.microsoft.com/office/powerpoint/2010/main" val="2204905208"/>
+      </p:ext>
+    </p:extLst>
+  </p:cSld>
+  <p:clrMapOvr>
+    <a:masterClrMapping/>
+  </p:clrMapOvr>
+</p:sldLayout>
+</file>
+
+<file path=ppt/slideLayouts/slideLayout12.xml><?xml version="1.0" encoding="utf-8"?>
+<p:sldLayout xmlns:a="http://schemas.openxmlformats.org/drawingml/2006/main" xmlns:r="http://schemas.openxmlformats.org/officeDocument/2006/relationships" xmlns:p="http://schemas.openxmlformats.org/presentationml/2006/main" preserve="1">
+  <p:cSld name="Quote with Caption">
+    <p:spTree>
+      <p:nvGrpSpPr>
+        <p:cNvPr id="1" name=""/>
+        <p:cNvGrpSpPr/>
+        <p:nvPr/>
+      </p:nvGrpSpPr>
+      <p:grpSpPr>
+        <a:xfrm>
+          <a:off x="0" y="0"/>
+          <a:ext cx="0" cy="0"/>
+          <a:chOff x="0" y="0"/>
+          <a:chExt cx="0" cy="0"/>
+        </a:xfrm>
+      </p:grpSpPr>
+      <p:sp>
+        <p:nvSpPr>
+          <p:cNvPr id="2" name="Title 1"/>
+          <p:cNvSpPr>
+            <a:spLocks noGrp="1"/>
+          </p:cNvSpPr>
+          <p:nvPr>
+            <p:ph type="title"/>
+          </p:nvPr>
+        </p:nvSpPr>
+        <p:spPr>
+          <a:xfrm>
+            <a:off x="1141411" y="685800"/>
+            <a:ext cx="9144001" cy="2743200"/>
+          </a:xfrm>
+        </p:spPr>
+        <p:txBody>
+          <a:bodyPr anchor="ctr">
+            <a:normAutofit/>
+          </a:bodyPr>
+          <a:lstStyle>
+            <a:lvl1pPr algn="l">
+              <a:defRPr sz="3200" b="0" cap="all">
+                <a:solidFill>
+                  <a:schemeClr val="tx1"/>
+                </a:solidFill>
+              </a:defRPr>
+            </a:lvl1pPr>
+          </a:lstStyle>
+          <a:p>
+            <a:r>
+              <a:rPr lang="en-US"/>
+              <a:t>Click to edit Master title style</a:t>
+            </a:r>
+            <a:endParaRPr lang="en-US" dirty="0"/>
+          </a:p>
+        </p:txBody>
+      </p:sp>
+      <p:sp>
+        <p:nvSpPr>
+          <p:cNvPr id="10" name="Text Placeholder 9"/>
+          <p:cNvSpPr>
+            <a:spLocks noGrp="1"/>
+          </p:cNvSpPr>
+          <p:nvPr>
+            <p:ph type="body" sz="quarter" idx="13"/>
+          </p:nvPr>
+        </p:nvSpPr>
+        <p:spPr>
+          <a:xfrm>
+            <a:off x="1446212" y="3429000"/>
+            <a:ext cx="8534400" cy="381000"/>
+          </a:xfrm>
+        </p:spPr>
+        <p:txBody>
+          <a:bodyPr anchor="ctr"/>
+          <a:lstStyle>
+            <a:lvl1pPr marL="0" indent="0">
+              <a:buFontTx/>
+              <a:buNone/>
+              <a:defRPr/>
+            </a:lvl1pPr>
+            <a:lvl2pPr marL="457200" indent="0">
+              <a:buFontTx/>
+              <a:buNone/>
+              <a:defRPr/>
+            </a:lvl2pPr>
+            <a:lvl3pPr marL="914400" indent="0">
+              <a:buFontTx/>
+              <a:buNone/>
+              <a:defRPr/>
+            </a:lvl3pPr>
+            <a:lvl4pPr marL="1371600" indent="0">
+              <a:buFontTx/>
+              <a:buNone/>
+              <a:defRPr/>
+            </a:lvl4pPr>
+            <a:lvl5pPr marL="1828800" indent="0">
+              <a:buFontTx/>
+              <a:buNone/>
+              <a:defRPr/>
+            </a:lvl5pPr>
+          </a:lstStyle>
+          <a:p>
+            <a:pPr lvl="0"/>
+            <a:r>
+              <a:rPr lang="en-US"/>
+              <a:t>Click to edit Master text styles</a:t>
+            </a:r>
+          </a:p>
+        </p:txBody>
+      </p:sp>
+      <p:sp>
+        <p:nvSpPr>
+          <p:cNvPr id="3" name="Text Placeholder 2"/>
+          <p:cNvSpPr>
+            <a:spLocks noGrp="1"/>
+          </p:cNvSpPr>
+          <p:nvPr>
+            <p:ph type="body" idx="1"/>
+          </p:nvPr>
+        </p:nvSpPr>
+        <p:spPr>
+          <a:xfrm>
+            <a:off x="684213" y="4301067"/>
+            <a:ext cx="8534400" cy="1684865"/>
+          </a:xfrm>
+        </p:spPr>
+        <p:txBody>
+          <a:bodyPr anchor="ctr">
+            <a:normAutofit/>
+          </a:bodyPr>
+          <a:lstStyle>
+            <a:lvl1pPr marL="0" indent="0" algn="l">
+              <a:buNone/>
+              <a:defRPr sz="2000">
+                <a:solidFill>
+                  <a:schemeClr val="bg2">
+                    <a:lumMod val="75000"/>
+                  </a:schemeClr>
+                </a:solidFill>
+              </a:defRPr>
+            </a:lvl1pPr>
+            <a:lvl2pPr marL="457200" indent="0">
+              <a:buNone/>
+              <a:defRPr sz="1800">
+                <a:solidFill>
+                  <a:schemeClr val="tx1">
+                    <a:tint val="75000"/>
+                  </a:schemeClr>
+                </a:solidFill>
+              </a:defRPr>
+            </a:lvl2pPr>
+            <a:lvl3pPr marL="914400" indent="0">
+              <a:buNone/>
+              <a:defRPr sz="1600">
+                <a:solidFill>
+                  <a:schemeClr val="tx1">
+                    <a:tint val="75000"/>
+                  </a:schemeClr>
+                </a:solidFill>
+              </a:defRPr>
+            </a:lvl3pPr>
+            <a:lvl4pPr marL="1371600" indent="0">
+              <a:buNone/>
+              <a:defRPr sz="1400">
+                <a:solidFill>
+                  <a:schemeClr val="tx1">
+                    <a:tint val="75000"/>
+                  </a:schemeClr>
+                </a:solidFill>
+              </a:defRPr>
+            </a:lvl4pPr>
+            <a:lvl5pPr marL="1828800" indent="0">
+              <a:buNone/>
+              <a:defRPr sz="1400">
+                <a:solidFill>
+                  <a:schemeClr val="tx1">
+                    <a:tint val="75000"/>
+                  </a:schemeClr>
+                </a:solidFill>
+              </a:defRPr>
+            </a:lvl5pPr>
+            <a:lvl6pPr marL="2286000" indent="0">
+              <a:buNone/>
+              <a:defRPr sz="1400">
+                <a:solidFill>
+                  <a:schemeClr val="tx1">
+                    <a:tint val="75000"/>
+                  </a:schemeClr>
+                </a:solidFill>
+              </a:defRPr>
+            </a:lvl6pPr>
+            <a:lvl7pPr marL="2743200" indent="0">
+              <a:buNone/>
+              <a:defRPr sz="1400">
+                <a:solidFill>
+                  <a:schemeClr val="tx1">
+                    <a:tint val="75000"/>
+                  </a:schemeClr>
+                </a:solidFill>
+              </a:defRPr>
+            </a:lvl7pPr>
+            <a:lvl8pPr marL="3200400" indent="0">
+              <a:buNone/>
+              <a:defRPr sz="1400">
+                <a:solidFill>
+                  <a:schemeClr val="tx1">
+                    <a:tint val="75000"/>
+                  </a:schemeClr>
+                </a:solidFill>
+              </a:defRPr>
+            </a:lvl8pPr>
+            <a:lvl9pPr marL="3657600" indent="0">
+              <a:buNone/>
+              <a:defRPr sz="1400">
+                <a:solidFill>
+                  <a:schemeClr val="tx1">
+                    <a:tint val="75000"/>
+                  </a:schemeClr>
+                </a:solidFill>
+              </a:defRPr>
+            </a:lvl9pPr>
+          </a:lstStyle>
+          <a:p>
+            <a:pPr lvl="0"/>
+            <a:r>
+              <a:rPr lang="en-US"/>
+              <a:t>Click to edit Master text styles</a:t>
+            </a:r>
+          </a:p>
+        </p:txBody>
+      </p:sp>
+      <p:sp>
+        <p:nvSpPr>
+          <p:cNvPr id="4" name="Date Placeholder 3"/>
+          <p:cNvSpPr>
+            <a:spLocks noGrp="1"/>
+          </p:cNvSpPr>
+          <p:nvPr>
+            <p:ph type="dt" sz="half" idx="10"/>
+          </p:nvPr>
+        </p:nvSpPr>
+        <p:spPr/>
+        <p:txBody>
+          <a:bodyPr/>
+          <a:lstStyle/>
+          <a:p>
+            <a:fld id="{040172E9-3018-4399-AF48-14950ACD53D7}" type="datetimeFigureOut">
+              <a:rPr lang="en-US" smtClean="0"/>
+              <a:t>7/12/2022</a:t>
+            </a:fld>
+            <a:endParaRPr lang="en-US"/>
+          </a:p>
+        </p:txBody>
+      </p:sp>
+      <p:sp>
+        <p:nvSpPr>
+          <p:cNvPr id="5" name="Footer Placeholder 4"/>
+          <p:cNvSpPr>
+            <a:spLocks noGrp="1"/>
+          </p:cNvSpPr>
+          <p:nvPr>
+            <p:ph type="ftr" sz="quarter" idx="11"/>
+          </p:nvPr>
+        </p:nvSpPr>
+        <p:spPr/>
+        <p:txBody>
+          <a:bodyPr/>
+          <a:lstStyle/>
+          <a:p>
+            <a:endParaRPr lang="en-US"/>
+          </a:p>
+        </p:txBody>
+      </p:sp>
+      <p:sp>
+        <p:nvSpPr>
+          <p:cNvPr id="6" name="Slide Number Placeholder 5"/>
+          <p:cNvSpPr>
+            <a:spLocks noGrp="1"/>
+          </p:cNvSpPr>
+          <p:nvPr>
+            <p:ph type="sldNum" sz="quarter" idx="12"/>
+          </p:nvPr>
+        </p:nvSpPr>
+        <p:spPr/>
+        <p:txBody>
+          <a:bodyPr/>
+          <a:lstStyle/>
+          <a:p>
+            <a:fld id="{E6F1723F-269A-4E1C-82A6-86F9F7DACB67}" type="slidenum">
+              <a:rPr lang="en-US" smtClean="0"/>
+              <a:t>‹#›</a:t>
+            </a:fld>
+            <a:endParaRPr lang="en-US"/>
+          </a:p>
+        </p:txBody>
+      </p:sp>
+      <p:sp>
+        <p:nvSpPr>
+          <p:cNvPr id="14" name="TextBox 13"/>
+          <p:cNvSpPr txBox="1"/>
+          <p:nvPr/>
+        </p:nvSpPr>
+        <p:spPr>
+          <a:xfrm>
+            <a:off x="531812" y="812222"/>
+            <a:ext cx="609600" cy="584776"/>
+          </a:xfrm>
+          <a:prstGeom prst="rect">
+            <a:avLst/>
+          </a:prstGeom>
+        </p:spPr>
+        <p:txBody>
+          <a:bodyPr vert="horz" lIns="91440" tIns="45720" rIns="91440" bIns="45720" rtlCol="0" anchor="ctr">
+            <a:noAutofit/>
+          </a:bodyPr>
+          <a:lstStyle/>
+          <a:p>
+            <a:pPr lvl="0"/>
+            <a:r>
+              <a:rPr lang="en-US" sz="8000" dirty="0">
+                <a:solidFill>
+                  <a:schemeClr val="tx1"/>
+                </a:solidFill>
+                <a:effectLst/>
+              </a:rPr>
+              <a:t>“</a:t>
+            </a:r>
+          </a:p>
+        </p:txBody>
+      </p:sp>
+      <p:sp>
+        <p:nvSpPr>
+          <p:cNvPr id="15" name="TextBox 14"/>
+          <p:cNvSpPr txBox="1"/>
+          <p:nvPr/>
+        </p:nvSpPr>
+        <p:spPr>
+          <a:xfrm>
+            <a:off x="10285412" y="2768601"/>
+            <a:ext cx="609600" cy="584776"/>
+          </a:xfrm>
+          <a:prstGeom prst="rect">
+            <a:avLst/>
+          </a:prstGeom>
+        </p:spPr>
+        <p:txBody>
+          <a:bodyPr vert="horz" lIns="91440" tIns="45720" rIns="91440" bIns="45720" rtlCol="0" anchor="ctr">
+            <a:noAutofit/>
+          </a:bodyPr>
+          <a:lstStyle/>
+          <a:p>
+            <a:pPr lvl="0" algn="r"/>
+            <a:r>
+              <a:rPr lang="en-US" sz="8000" dirty="0">
+                <a:solidFill>
+                  <a:schemeClr val="tx1"/>
+                </a:solidFill>
+                <a:effectLst/>
+              </a:rPr>
+              <a:t>”</a:t>
+            </a:r>
+          </a:p>
+        </p:txBody>
+      </p:sp>
+    </p:spTree>
+    <p:extLst>
+      <p:ext uri="{BB962C8B-B14F-4D97-AF65-F5344CB8AC3E}">
+        <p14:creationId xmlns:p14="http://schemas.microsoft.com/office/powerpoint/2010/main" val="3988983555"/>
+      </p:ext>
+    </p:extLst>
+  </p:cSld>
+  <p:clrMapOvr>
+    <a:masterClrMapping/>
+  </p:clrMapOvr>
+</p:sldLayout>
+</file>
+
+<file path=ppt/slideLayouts/slideLayout13.xml><?xml version="1.0" encoding="utf-8"?>
+<p:sldLayout xmlns:a="http://schemas.openxmlformats.org/drawingml/2006/main" xmlns:r="http://schemas.openxmlformats.org/officeDocument/2006/relationships" xmlns:p="http://schemas.openxmlformats.org/presentationml/2006/main" preserve="1">
+  <p:cSld name="Name Card">
+    <p:spTree>
+      <p:nvGrpSpPr>
+        <p:cNvPr id="1" name=""/>
+        <p:cNvGrpSpPr/>
+        <p:nvPr/>
+      </p:nvGrpSpPr>
+      <p:grpSpPr>
+        <a:xfrm>
+          <a:off x="0" y="0"/>
+          <a:ext cx="0" cy="0"/>
+          <a:chOff x="0" y="0"/>
+          <a:chExt cx="0" cy="0"/>
+        </a:xfrm>
+      </p:grpSpPr>
+      <p:sp>
+        <p:nvSpPr>
+          <p:cNvPr id="2" name="Title 1"/>
+          <p:cNvSpPr>
+            <a:spLocks noGrp="1"/>
+          </p:cNvSpPr>
+          <p:nvPr>
+            <p:ph type="title"/>
+          </p:nvPr>
+        </p:nvSpPr>
+        <p:spPr>
+          <a:xfrm>
+            <a:off x="684212" y="3429000"/>
+            <a:ext cx="8534400" cy="1697400"/>
+          </a:xfrm>
+        </p:spPr>
+        <p:txBody>
+          <a:bodyPr anchor="b">
+            <a:normAutofit/>
+          </a:bodyPr>
+          <a:lstStyle>
+            <a:lvl1pPr algn="l">
+              <a:defRPr sz="3200" b="0" cap="all"/>
+            </a:lvl1pPr>
+          </a:lstStyle>
+          <a:p>
+            <a:r>
+              <a:rPr lang="en-US"/>
+              <a:t>Click to edit Master title style</a:t>
+            </a:r>
+            <a:endParaRPr lang="en-US" dirty="0"/>
+          </a:p>
+        </p:txBody>
+      </p:sp>
+      <p:sp>
+        <p:nvSpPr>
+          <p:cNvPr id="3" name="Text Placeholder 2"/>
+          <p:cNvSpPr>
+            <a:spLocks noGrp="1"/>
+          </p:cNvSpPr>
+          <p:nvPr>
+            <p:ph type="body" idx="1"/>
+          </p:nvPr>
+        </p:nvSpPr>
+        <p:spPr>
+          <a:xfrm>
+            <a:off x="684211" y="5132981"/>
+            <a:ext cx="8535990" cy="860400"/>
+          </a:xfrm>
+        </p:spPr>
+        <p:txBody>
+          <a:bodyPr anchor="t">
+            <a:normAutofit/>
+          </a:bodyPr>
+          <a:lstStyle>
+            <a:lvl1pPr marL="0" indent="0" algn="l">
+              <a:buNone/>
+              <a:defRPr sz="2000">
+                <a:solidFill>
+                  <a:schemeClr val="bg2">
+                    <a:lumMod val="75000"/>
+                  </a:schemeClr>
+                </a:solidFill>
+              </a:defRPr>
+            </a:lvl1pPr>
+            <a:lvl2pPr marL="457200" indent="0">
+              <a:buNone/>
+              <a:defRPr sz="1800">
+                <a:solidFill>
+                  <a:schemeClr val="tx1">
+                    <a:tint val="75000"/>
+                  </a:schemeClr>
+                </a:solidFill>
+              </a:defRPr>
+            </a:lvl2pPr>
+            <a:lvl3pPr marL="914400" indent="0">
+              <a:buNone/>
+              <a:defRPr sz="1600">
+                <a:solidFill>
+                  <a:schemeClr val="tx1">
+                    <a:tint val="75000"/>
+                  </a:schemeClr>
+                </a:solidFill>
+              </a:defRPr>
+            </a:lvl3pPr>
+            <a:lvl4pPr marL="1371600" indent="0">
+              <a:buNone/>
+              <a:defRPr sz="1400">
+                <a:solidFill>
+                  <a:schemeClr val="tx1">
+                    <a:tint val="75000"/>
+                  </a:schemeClr>
+                </a:solidFill>
+              </a:defRPr>
+            </a:lvl4pPr>
+            <a:lvl5pPr marL="1828800" indent="0">
+              <a:buNone/>
+              <a:defRPr sz="1400">
+                <a:solidFill>
+                  <a:schemeClr val="tx1">
+                    <a:tint val="75000"/>
+                  </a:schemeClr>
+                </a:solidFill>
+              </a:defRPr>
+            </a:lvl5pPr>
+            <a:lvl6pPr marL="2286000" indent="0">
+              <a:buNone/>
+              <a:defRPr sz="1400">
+                <a:solidFill>
+                  <a:schemeClr val="tx1">
+                    <a:tint val="75000"/>
+                  </a:schemeClr>
+                </a:solidFill>
+              </a:defRPr>
+            </a:lvl6pPr>
+            <a:lvl7pPr marL="2743200" indent="0">
+              <a:buNone/>
+              <a:defRPr sz="1400">
+                <a:solidFill>
+                  <a:schemeClr val="tx1">
+                    <a:tint val="75000"/>
+                  </a:schemeClr>
+                </a:solidFill>
+              </a:defRPr>
+            </a:lvl7pPr>
+            <a:lvl8pPr marL="3200400" indent="0">
+              <a:buNone/>
+              <a:defRPr sz="1400">
+                <a:solidFill>
+                  <a:schemeClr val="tx1">
+                    <a:tint val="75000"/>
+                  </a:schemeClr>
+                </a:solidFill>
+              </a:defRPr>
+            </a:lvl8pPr>
+            <a:lvl9pPr marL="3657600" indent="0">
+              <a:buNone/>
+              <a:defRPr sz="1400">
+                <a:solidFill>
+                  <a:schemeClr val="tx1">
+                    <a:tint val="75000"/>
+                  </a:schemeClr>
+                </a:solidFill>
+              </a:defRPr>
+            </a:lvl9pPr>
+          </a:lstStyle>
+          <a:p>
+            <a:pPr lvl="0"/>
+            <a:r>
+              <a:rPr lang="en-US"/>
+              <a:t>Click to edit Master text styles</a:t>
+            </a:r>
+          </a:p>
+        </p:txBody>
+      </p:sp>
+      <p:sp>
+        <p:nvSpPr>
+          <p:cNvPr id="4" name="Date Placeholder 3"/>
+          <p:cNvSpPr>
+            <a:spLocks noGrp="1"/>
+          </p:cNvSpPr>
+          <p:nvPr>
+            <p:ph type="dt" sz="half" idx="10"/>
+          </p:nvPr>
+        </p:nvSpPr>
+        <p:spPr/>
+        <p:txBody>
+          <a:bodyPr/>
+          <a:lstStyle/>
+          <a:p>
+            <a:fld id="{040172E9-3018-4399-AF48-14950ACD53D7}" type="datetimeFigureOut">
+              <a:rPr lang="en-US" smtClean="0"/>
+              <a:t>7/12/2022</a:t>
+            </a:fld>
+            <a:endParaRPr lang="en-US"/>
+          </a:p>
+        </p:txBody>
+      </p:sp>
+      <p:sp>
+        <p:nvSpPr>
+          <p:cNvPr id="5" name="Footer Placeholder 4"/>
+          <p:cNvSpPr>
+            <a:spLocks noGrp="1"/>
+          </p:cNvSpPr>
+          <p:nvPr>
+            <p:ph type="ftr" sz="quarter" idx="11"/>
+          </p:nvPr>
+        </p:nvSpPr>
+        <p:spPr/>
+        <p:txBody>
+          <a:bodyPr/>
+          <a:lstStyle/>
+          <a:p>
+            <a:endParaRPr lang="en-US"/>
+          </a:p>
+        </p:txBody>
+      </p:sp>
+      <p:sp>
+        <p:nvSpPr>
+          <p:cNvPr id="6" name="Slide Number Placeholder 5"/>
+          <p:cNvSpPr>
+            <a:spLocks noGrp="1"/>
+          </p:cNvSpPr>
+          <p:nvPr>
+            <p:ph type="sldNum" sz="quarter" idx="12"/>
+          </p:nvPr>
+        </p:nvSpPr>
+        <p:spPr/>
+        <p:txBody>
+          <a:bodyPr/>
+          <a:lstStyle/>
+          <a:p>
+            <a:fld id="{E6F1723F-269A-4E1C-82A6-86F9F7DACB67}" type="slidenum">
+              <a:rPr lang="en-US" smtClean="0"/>
+              <a:t>‹#›</a:t>
+            </a:fld>
+            <a:endParaRPr lang="en-US"/>
+          </a:p>
+        </p:txBody>
+      </p:sp>
+    </p:spTree>
+    <p:extLst>
+      <p:ext uri="{BB962C8B-B14F-4D97-AF65-F5344CB8AC3E}">
+        <p14:creationId xmlns:p14="http://schemas.microsoft.com/office/powerpoint/2010/main" val="1370926935"/>
+      </p:ext>
+    </p:extLst>
+  </p:cSld>
+  <p:clrMapOvr>
+    <a:masterClrMapping/>
+  </p:clrMapOvr>
+</p:sldLayout>
+</file>
+
+<file path=ppt/slideLayouts/slideLayout14.xml><?xml version="1.0" encoding="utf-8"?>
+<p:sldLayout xmlns:a="http://schemas.openxmlformats.org/drawingml/2006/main" xmlns:r="http://schemas.openxmlformats.org/officeDocument/2006/relationships" xmlns:p="http://schemas.openxmlformats.org/presentationml/2006/main" preserve="1">
+  <p:cSld name="Quote Name Card">
+    <p:spTree>
+      <p:nvGrpSpPr>
+        <p:cNvPr id="1" name=""/>
+        <p:cNvGrpSpPr/>
+        <p:nvPr/>
+      </p:nvGrpSpPr>
+      <p:grpSpPr>
+        <a:xfrm>
+          <a:off x="0" y="0"/>
+          <a:ext cx="0" cy="0"/>
+          <a:chOff x="0" y="0"/>
+          <a:chExt cx="0" cy="0"/>
+        </a:xfrm>
+      </p:grpSpPr>
+      <p:sp>
+        <p:nvSpPr>
+          <p:cNvPr id="2" name="Title 1"/>
+          <p:cNvSpPr>
+            <a:spLocks noGrp="1"/>
+          </p:cNvSpPr>
+          <p:nvPr>
+            <p:ph type="title"/>
+          </p:nvPr>
+        </p:nvSpPr>
+        <p:spPr>
+          <a:xfrm>
+            <a:off x="1141413" y="685800"/>
+            <a:ext cx="9144000" cy="2743200"/>
+          </a:xfrm>
+        </p:spPr>
+        <p:txBody>
+          <a:bodyPr anchor="ctr">
+            <a:normAutofit/>
+          </a:bodyPr>
+          <a:lstStyle>
+            <a:lvl1pPr algn="l">
+              <a:defRPr sz="3200" b="0" cap="all">
+                <a:solidFill>
+                  <a:schemeClr val="tx1"/>
+                </a:solidFill>
+              </a:defRPr>
+            </a:lvl1pPr>
+          </a:lstStyle>
+          <a:p>
+            <a:r>
+              <a:rPr lang="en-US"/>
+              <a:t>Click to edit Master title style</a:t>
+            </a:r>
+            <a:endParaRPr lang="en-US" dirty="0"/>
+          </a:p>
+        </p:txBody>
+      </p:sp>
+      <p:sp>
+        <p:nvSpPr>
+          <p:cNvPr id="10" name="Text Placeholder 9"/>
+          <p:cNvSpPr>
+            <a:spLocks noGrp="1"/>
+          </p:cNvSpPr>
+          <p:nvPr>
+            <p:ph type="body" sz="quarter" idx="13"/>
+          </p:nvPr>
+        </p:nvSpPr>
+        <p:spPr>
+          <a:xfrm>
+            <a:off x="684212" y="3928534"/>
+            <a:ext cx="8534401" cy="1049866"/>
+          </a:xfrm>
+        </p:spPr>
+        <p:txBody>
+          <a:bodyPr vert="horz" lIns="91440" tIns="45720" rIns="91440" bIns="45720" rtlCol="0" anchor="b">
+            <a:normAutofit/>
+          </a:bodyPr>
+          <a:lstStyle>
+            <a:lvl1pPr>
+              <a:buNone/>
+              <a:defRPr lang="en-US" sz="2400" b="0" cap="all" dirty="0">
+                <a:ln w="3175" cmpd="sng">
+                  <a:noFill/>
+                </a:ln>
+                <a:solidFill>
+                  <a:schemeClr val="tx1"/>
+                </a:solidFill>
+                <a:effectLst/>
+              </a:defRPr>
+            </a:lvl1pPr>
+          </a:lstStyle>
+          <a:p>
+            <a:pPr marL="0" lvl="0">
+              <a:spcBef>
+                <a:spcPct val="0"/>
+              </a:spcBef>
+              <a:buNone/>
+            </a:pPr>
+            <a:r>
+              <a:rPr lang="en-US"/>
+              <a:t>Click to edit Master text styles</a:t>
+            </a:r>
+          </a:p>
+        </p:txBody>
+      </p:sp>
+      <p:sp>
+        <p:nvSpPr>
+          <p:cNvPr id="3" name="Text Placeholder 2"/>
+          <p:cNvSpPr>
+            <a:spLocks noGrp="1"/>
+          </p:cNvSpPr>
+          <p:nvPr>
+            <p:ph type="body" idx="1"/>
+          </p:nvPr>
+        </p:nvSpPr>
+        <p:spPr>
+          <a:xfrm>
+            <a:off x="684211" y="4978400"/>
+            <a:ext cx="8534401" cy="1016000"/>
+          </a:xfrm>
+        </p:spPr>
+        <p:txBody>
+          <a:bodyPr anchor="t">
+            <a:normAutofit/>
+          </a:bodyPr>
+          <a:lstStyle>
+            <a:lvl1pPr marL="0" indent="0" algn="l">
+              <a:buNone/>
+              <a:defRPr sz="1800">
+                <a:solidFill>
+                  <a:schemeClr val="bg2">
+                    <a:lumMod val="75000"/>
+                  </a:schemeClr>
+                </a:solidFill>
+              </a:defRPr>
+            </a:lvl1pPr>
+            <a:lvl2pPr marL="457200" indent="0">
+              <a:buNone/>
+              <a:defRPr sz="1800">
+                <a:solidFill>
+                  <a:schemeClr val="tx1">
+                    <a:tint val="75000"/>
+                  </a:schemeClr>
+                </a:solidFill>
+              </a:defRPr>
+            </a:lvl2pPr>
+            <a:lvl3pPr marL="914400" indent="0">
+              <a:buNone/>
+              <a:defRPr sz="1600">
+                <a:solidFill>
+                  <a:schemeClr val="tx1">
+                    <a:tint val="75000"/>
+                  </a:schemeClr>
+                </a:solidFill>
+              </a:defRPr>
+            </a:lvl3pPr>
+            <a:lvl4pPr marL="1371600" indent="0">
+              <a:buNone/>
+              <a:defRPr sz="1400">
+                <a:solidFill>
+                  <a:schemeClr val="tx1">
+                    <a:tint val="75000"/>
+                  </a:schemeClr>
+                </a:solidFill>
+              </a:defRPr>
+            </a:lvl4pPr>
+            <a:lvl5pPr marL="1828800" indent="0">
+              <a:buNone/>
+              <a:defRPr sz="1400">
+                <a:solidFill>
+                  <a:schemeClr val="tx1">
+                    <a:tint val="75000"/>
+                  </a:schemeClr>
+                </a:solidFill>
+              </a:defRPr>
+            </a:lvl5pPr>
+            <a:lvl6pPr marL="2286000" indent="0">
+              <a:buNone/>
+              <a:defRPr sz="1400">
+                <a:solidFill>
+                  <a:schemeClr val="tx1">
+                    <a:tint val="75000"/>
+                  </a:schemeClr>
+                </a:solidFill>
+              </a:defRPr>
+            </a:lvl6pPr>
+            <a:lvl7pPr marL="2743200" indent="0">
+              <a:buNone/>
+              <a:defRPr sz="1400">
+                <a:solidFill>
+                  <a:schemeClr val="tx1">
+                    <a:tint val="75000"/>
+                  </a:schemeClr>
+                </a:solidFill>
+              </a:defRPr>
+            </a:lvl7pPr>
+            <a:lvl8pPr marL="3200400" indent="0">
+              <a:buNone/>
+              <a:defRPr sz="1400">
+                <a:solidFill>
+                  <a:schemeClr val="tx1">
+                    <a:tint val="75000"/>
+                  </a:schemeClr>
+                </a:solidFill>
+              </a:defRPr>
+            </a:lvl8pPr>
+            <a:lvl9pPr marL="3657600" indent="0">
+              <a:buNone/>
+              <a:defRPr sz="1400">
+                <a:solidFill>
+                  <a:schemeClr val="tx1">
+                    <a:tint val="75000"/>
+                  </a:schemeClr>
+                </a:solidFill>
+              </a:defRPr>
+            </a:lvl9pPr>
+          </a:lstStyle>
+          <a:p>
+            <a:pPr lvl="0"/>
+            <a:r>
+              <a:rPr lang="en-US"/>
+              <a:t>Click to edit Master text styles</a:t>
+            </a:r>
+          </a:p>
+        </p:txBody>
+      </p:sp>
+      <p:sp>
+        <p:nvSpPr>
+          <p:cNvPr id="4" name="Date Placeholder 3"/>
+          <p:cNvSpPr>
+            <a:spLocks noGrp="1"/>
+          </p:cNvSpPr>
+          <p:nvPr>
+            <p:ph type="dt" sz="half" idx="10"/>
+          </p:nvPr>
+        </p:nvSpPr>
+        <p:spPr/>
+        <p:txBody>
+          <a:bodyPr/>
+          <a:lstStyle/>
+          <a:p>
+            <a:fld id="{040172E9-3018-4399-AF48-14950ACD53D7}" type="datetimeFigureOut">
+              <a:rPr lang="en-US" smtClean="0"/>
+              <a:t>7/12/2022</a:t>
+            </a:fld>
+            <a:endParaRPr lang="en-US"/>
+          </a:p>
+        </p:txBody>
+      </p:sp>
+      <p:sp>
+        <p:nvSpPr>
+          <p:cNvPr id="5" name="Footer Placeholder 4"/>
+          <p:cNvSpPr>
+            <a:spLocks noGrp="1"/>
+          </p:cNvSpPr>
+          <p:nvPr>
+            <p:ph type="ftr" sz="quarter" idx="11"/>
+          </p:nvPr>
+        </p:nvSpPr>
+        <p:spPr/>
+        <p:txBody>
+          <a:bodyPr/>
+          <a:lstStyle/>
+          <a:p>
+            <a:endParaRPr lang="en-US"/>
+          </a:p>
+        </p:txBody>
+      </p:sp>
+      <p:sp>
+        <p:nvSpPr>
+          <p:cNvPr id="6" name="Slide Number Placeholder 5"/>
+          <p:cNvSpPr>
+            <a:spLocks noGrp="1"/>
+          </p:cNvSpPr>
+          <p:nvPr>
+            <p:ph type="sldNum" sz="quarter" idx="12"/>
+          </p:nvPr>
+        </p:nvSpPr>
+        <p:spPr/>
+        <p:txBody>
+          <a:bodyPr/>
+          <a:lstStyle/>
+          <a:p>
+            <a:fld id="{E6F1723F-269A-4E1C-82A6-86F9F7DACB67}" type="slidenum">
+              <a:rPr lang="en-US" smtClean="0"/>
+              <a:t>‹#›</a:t>
+            </a:fld>
+            <a:endParaRPr lang="en-US"/>
+          </a:p>
+        </p:txBody>
+      </p:sp>
+      <p:sp>
+        <p:nvSpPr>
+          <p:cNvPr id="11" name="TextBox 10"/>
+          <p:cNvSpPr txBox="1"/>
+          <p:nvPr/>
+        </p:nvSpPr>
+        <p:spPr>
+          <a:xfrm>
+            <a:off x="531812" y="812222"/>
+            <a:ext cx="609600" cy="584776"/>
+          </a:xfrm>
+          <a:prstGeom prst="rect">
+            <a:avLst/>
+          </a:prstGeom>
+        </p:spPr>
+        <p:txBody>
+          <a:bodyPr vert="horz" lIns="91440" tIns="45720" rIns="91440" bIns="45720" rtlCol="0" anchor="ctr">
+            <a:noAutofit/>
+          </a:bodyPr>
+          <a:lstStyle/>
+          <a:p>
+            <a:pPr lvl="0"/>
+            <a:r>
+              <a:rPr lang="en-US" sz="8000" dirty="0">
+                <a:solidFill>
+                  <a:schemeClr val="tx1"/>
+                </a:solidFill>
+                <a:effectLst/>
+              </a:rPr>
+              <a:t>“</a:t>
+            </a:r>
+          </a:p>
+        </p:txBody>
+      </p:sp>
+      <p:sp>
+        <p:nvSpPr>
+          <p:cNvPr id="12" name="TextBox 11"/>
+          <p:cNvSpPr txBox="1"/>
+          <p:nvPr/>
+        </p:nvSpPr>
+        <p:spPr>
+          <a:xfrm>
+            <a:off x="10285412" y="2768601"/>
+            <a:ext cx="609600" cy="584776"/>
+          </a:xfrm>
+          <a:prstGeom prst="rect">
+            <a:avLst/>
+          </a:prstGeom>
+        </p:spPr>
+        <p:txBody>
+          <a:bodyPr vert="horz" lIns="91440" tIns="45720" rIns="91440" bIns="45720" rtlCol="0" anchor="ctr">
+            <a:noAutofit/>
+          </a:bodyPr>
+          <a:lstStyle/>
+          <a:p>
+            <a:pPr lvl="0" algn="r"/>
+            <a:r>
+              <a:rPr lang="en-US" sz="8000" dirty="0">
+                <a:solidFill>
+                  <a:schemeClr val="tx1"/>
+                </a:solidFill>
+                <a:effectLst/>
+              </a:rPr>
+              <a:t>”</a:t>
+            </a:r>
+          </a:p>
+        </p:txBody>
+      </p:sp>
+    </p:spTree>
+    <p:extLst>
+      <p:ext uri="{BB962C8B-B14F-4D97-AF65-F5344CB8AC3E}">
+        <p14:creationId xmlns:p14="http://schemas.microsoft.com/office/powerpoint/2010/main" val="1461935872"/>
+      </p:ext>
+    </p:extLst>
+  </p:cSld>
+  <p:clrMapOvr>
+    <a:masterClrMapping/>
+  </p:clrMapOvr>
+</p:sldLayout>
+</file>
+
+<file path=ppt/slideLayouts/slideLayout15.xml><?xml version="1.0" encoding="utf-8"?>
+<p:sldLayout xmlns:a="http://schemas.openxmlformats.org/drawingml/2006/main" xmlns:r="http://schemas.openxmlformats.org/officeDocument/2006/relationships" xmlns:p="http://schemas.openxmlformats.org/presentationml/2006/main" preserve="1">
+  <p:cSld name="True or False">
+    <p:spTree>
+      <p:nvGrpSpPr>
+        <p:cNvPr id="1" name=""/>
+        <p:cNvGrpSpPr/>
+        <p:nvPr/>
+      </p:nvGrpSpPr>
+      <p:grpSpPr>
+        <a:xfrm>
+          <a:off x="0" y="0"/>
+          <a:ext cx="0" cy="0"/>
+          <a:chOff x="0" y="0"/>
+          <a:chExt cx="0" cy="0"/>
+        </a:xfrm>
+      </p:grpSpPr>
+      <p:sp>
+        <p:nvSpPr>
+          <p:cNvPr id="2" name="Title 1"/>
+          <p:cNvSpPr>
+            <a:spLocks noGrp="1"/>
+          </p:cNvSpPr>
+          <p:nvPr>
+            <p:ph type="title"/>
+          </p:nvPr>
+        </p:nvSpPr>
+        <p:spPr>
+          <a:xfrm>
+            <a:off x="684213" y="685800"/>
+            <a:ext cx="10058400" cy="2743200"/>
+          </a:xfrm>
+        </p:spPr>
+        <p:txBody>
+          <a:bodyPr vert="horz" lIns="91440" tIns="45720" rIns="91440" bIns="45720" rtlCol="0" anchor="ctr">
+            <a:normAutofit/>
+          </a:bodyPr>
+          <a:lstStyle>
+            <a:lvl1pPr>
+              <a:defRPr lang="en-US" b="0" dirty="0"/>
+            </a:lvl1pPr>
+          </a:lstStyle>
+          <a:p>
+            <a:pPr marL="0" lvl="0"/>
+            <a:r>
+              <a:rPr lang="en-US"/>
+              <a:t>Click to edit Master title style</a:t>
+            </a:r>
+            <a:endParaRPr lang="en-US" dirty="0"/>
+          </a:p>
+        </p:txBody>
+      </p:sp>
+      <p:sp>
+        <p:nvSpPr>
+          <p:cNvPr id="10" name="Text Placeholder 9"/>
+          <p:cNvSpPr>
+            <a:spLocks noGrp="1"/>
+          </p:cNvSpPr>
+          <p:nvPr>
+            <p:ph type="body" sz="quarter" idx="13"/>
+          </p:nvPr>
+        </p:nvSpPr>
+        <p:spPr>
+          <a:xfrm>
+            <a:off x="684212" y="3928534"/>
+            <a:ext cx="8534400" cy="838200"/>
+          </a:xfrm>
+        </p:spPr>
+        <p:txBody>
+          <a:bodyPr vert="horz" lIns="91440" tIns="45720" rIns="91440" bIns="45720" rtlCol="0" anchor="b">
+            <a:normAutofit/>
+          </a:bodyPr>
+          <a:lstStyle>
+            <a:lvl1pPr>
+              <a:buNone/>
+              <a:defRPr lang="en-US" sz="2400" b="0" cap="all" dirty="0">
+                <a:ln w="3175" cmpd="sng">
+                  <a:noFill/>
+                </a:ln>
+                <a:solidFill>
+                  <a:schemeClr val="tx1"/>
+                </a:solidFill>
+                <a:effectLst/>
+              </a:defRPr>
+            </a:lvl1pPr>
+          </a:lstStyle>
+          <a:p>
+            <a:pPr marL="0" lvl="0">
+              <a:spcBef>
+                <a:spcPct val="0"/>
+              </a:spcBef>
+              <a:buNone/>
+            </a:pPr>
+            <a:r>
+              <a:rPr lang="en-US"/>
+              <a:t>Click to edit Master text styles</a:t>
+            </a:r>
+          </a:p>
+        </p:txBody>
+      </p:sp>
+      <p:sp>
+        <p:nvSpPr>
+          <p:cNvPr id="3" name="Text Placeholder 2"/>
+          <p:cNvSpPr>
+            <a:spLocks noGrp="1"/>
+          </p:cNvSpPr>
+          <p:nvPr>
+            <p:ph type="body" idx="1"/>
+          </p:nvPr>
+        </p:nvSpPr>
+        <p:spPr>
+          <a:xfrm>
+            <a:off x="684211" y="4766732"/>
+            <a:ext cx="8534401" cy="1227667"/>
+          </a:xfrm>
+        </p:spPr>
+        <p:txBody>
+          <a:bodyPr anchor="t">
+            <a:normAutofit/>
+          </a:bodyPr>
+          <a:lstStyle>
+            <a:lvl1pPr marL="0" indent="0" algn="l">
+              <a:buNone/>
+              <a:defRPr sz="1800">
+                <a:solidFill>
+                  <a:schemeClr val="bg2">
+                    <a:lumMod val="75000"/>
+                  </a:schemeClr>
+                </a:solidFill>
+              </a:defRPr>
+            </a:lvl1pPr>
+            <a:lvl2pPr marL="457200" indent="0">
+              <a:buNone/>
+              <a:defRPr sz="1800">
+                <a:solidFill>
+                  <a:schemeClr val="tx1">
+                    <a:tint val="75000"/>
+                  </a:schemeClr>
+                </a:solidFill>
+              </a:defRPr>
+            </a:lvl2pPr>
+            <a:lvl3pPr marL="914400" indent="0">
+              <a:buNone/>
+              <a:defRPr sz="1600">
+                <a:solidFill>
+                  <a:schemeClr val="tx1">
+                    <a:tint val="75000"/>
+                  </a:schemeClr>
+                </a:solidFill>
+              </a:defRPr>
+            </a:lvl3pPr>
+            <a:lvl4pPr marL="1371600" indent="0">
+              <a:buNone/>
+              <a:defRPr sz="1400">
+                <a:solidFill>
+                  <a:schemeClr val="tx1">
+                    <a:tint val="75000"/>
+                  </a:schemeClr>
+                </a:solidFill>
+              </a:defRPr>
+            </a:lvl4pPr>
+            <a:lvl5pPr marL="1828800" indent="0">
+              <a:buNone/>
+              <a:defRPr sz="1400">
+                <a:solidFill>
+                  <a:schemeClr val="tx1">
+                    <a:tint val="75000"/>
+                  </a:schemeClr>
+                </a:solidFill>
+              </a:defRPr>
+            </a:lvl5pPr>
+            <a:lvl6pPr marL="2286000" indent="0">
+              <a:buNone/>
+              <a:defRPr sz="1400">
+                <a:solidFill>
+                  <a:schemeClr val="tx1">
+                    <a:tint val="75000"/>
+                  </a:schemeClr>
+                </a:solidFill>
+              </a:defRPr>
+            </a:lvl6pPr>
+            <a:lvl7pPr marL="2743200" indent="0">
+              <a:buNone/>
+              <a:defRPr sz="1400">
+                <a:solidFill>
+                  <a:schemeClr val="tx1">
+                    <a:tint val="75000"/>
+                  </a:schemeClr>
+                </a:solidFill>
+              </a:defRPr>
+            </a:lvl7pPr>
+            <a:lvl8pPr marL="3200400" indent="0">
+              <a:buNone/>
+              <a:defRPr sz="1400">
+                <a:solidFill>
+                  <a:schemeClr val="tx1">
+                    <a:tint val="75000"/>
+                  </a:schemeClr>
+                </a:solidFill>
+              </a:defRPr>
+            </a:lvl8pPr>
+            <a:lvl9pPr marL="3657600" indent="0">
+              <a:buNone/>
+              <a:defRPr sz="1400">
+                <a:solidFill>
+                  <a:schemeClr val="tx1">
+                    <a:tint val="75000"/>
+                  </a:schemeClr>
+                </a:solidFill>
+              </a:defRPr>
+            </a:lvl9pPr>
+          </a:lstStyle>
+          <a:p>
+            <a:pPr lvl="0"/>
+            <a:r>
+              <a:rPr lang="en-US"/>
+              <a:t>Click to edit Master text styles</a:t>
+            </a:r>
+          </a:p>
+        </p:txBody>
+      </p:sp>
+      <p:sp>
+        <p:nvSpPr>
+          <p:cNvPr id="4" name="Date Placeholder 3"/>
+          <p:cNvSpPr>
+            <a:spLocks noGrp="1"/>
+          </p:cNvSpPr>
+          <p:nvPr>
+            <p:ph type="dt" sz="half" idx="10"/>
+          </p:nvPr>
+        </p:nvSpPr>
+        <p:spPr/>
+        <p:txBody>
+          <a:bodyPr/>
+          <a:lstStyle/>
+          <a:p>
+            <a:fld id="{040172E9-3018-4399-AF48-14950ACD53D7}" type="datetimeFigureOut">
+              <a:rPr lang="en-US" smtClean="0"/>
+              <a:t>7/12/2022</a:t>
+            </a:fld>
+            <a:endParaRPr lang="en-US"/>
+          </a:p>
+        </p:txBody>
+      </p:sp>
+      <p:sp>
+        <p:nvSpPr>
+          <p:cNvPr id="5" name="Footer Placeholder 4"/>
+          <p:cNvSpPr>
+            <a:spLocks noGrp="1"/>
+          </p:cNvSpPr>
+          <p:nvPr>
+            <p:ph type="ftr" sz="quarter" idx="11"/>
+          </p:nvPr>
+        </p:nvSpPr>
+        <p:spPr/>
+        <p:txBody>
+          <a:bodyPr/>
+          <a:lstStyle/>
+          <a:p>
+            <a:endParaRPr lang="en-US"/>
+          </a:p>
+        </p:txBody>
+      </p:sp>
+      <p:sp>
+        <p:nvSpPr>
+          <p:cNvPr id="6" name="Slide Number Placeholder 5"/>
+          <p:cNvSpPr>
+            <a:spLocks noGrp="1"/>
+          </p:cNvSpPr>
+          <p:nvPr>
+            <p:ph type="sldNum" sz="quarter" idx="12"/>
+          </p:nvPr>
+        </p:nvSpPr>
+        <p:spPr/>
+        <p:txBody>
+          <a:bodyPr/>
+          <a:lstStyle/>
+          <a:p>
+            <a:fld id="{E6F1723F-269A-4E1C-82A6-86F9F7DACB67}" type="slidenum">
+              <a:rPr lang="en-US" smtClean="0"/>
+              <a:t>‹#›</a:t>
+            </a:fld>
+            <a:endParaRPr lang="en-US"/>
+          </a:p>
+        </p:txBody>
+      </p:sp>
+    </p:spTree>
+    <p:extLst>
+      <p:ext uri="{BB962C8B-B14F-4D97-AF65-F5344CB8AC3E}">
+        <p14:creationId xmlns:p14="http://schemas.microsoft.com/office/powerpoint/2010/main" val="3468342074"/>
+      </p:ext>
+    </p:extLst>
+  </p:cSld>
+  <p:clrMapOvr>
+    <a:masterClrMapping/>
+  </p:clrMapOvr>
+</p:sldLayout>
+</file>
+
+<file path=ppt/slideLayouts/slideLayout16.xml><?xml version="1.0" encoding="utf-8"?>
 <p:sldLayout xmlns:a="http://schemas.openxmlformats.org/drawingml/2006/main" xmlns:r="http://schemas.openxmlformats.org/officeDocument/2006/relationships" xmlns:p="http://schemas.openxmlformats.org/presentationml/2006/main" type="vertTx" preserve="1">
   <p:cSld name="Title and Vertical Text">
     <p:spTree>
@@ -357,13 +2370,7 @@
       </p:grpSpPr>
       <p:sp>
         <p:nvSpPr>
-          <p:cNvPr id="2" name="Title 1">
-            <a:extLst>
-              <a:ext uri="{FF2B5EF4-FFF2-40B4-BE49-F238E27FC236}">
-                <a16:creationId xmlns:a16="http://schemas.microsoft.com/office/drawing/2014/main" id="{11AAE09F-F07A-4236-4BD0-05666EA28963}"/>
-              </a:ext>
-            </a:extLst>
-          </p:cNvPr>
+          <p:cNvPr id="2" name="Title 1"/>
           <p:cNvSpPr>
             <a:spLocks noGrp="1"/>
           </p:cNvSpPr>
@@ -374,24 +2381,23 @@
         <p:spPr/>
         <p:txBody>
           <a:bodyPr/>
-          <a:lstStyle/>
+          <a:lstStyle>
+            <a:lvl1pPr algn="l">
+              <a:defRPr/>
+            </a:lvl1pPr>
+          </a:lstStyle>
           <a:p>
             <a:r>
               <a:rPr lang="en-US"/>
               <a:t>Click to edit Master title style</a:t>
             </a:r>
-          </a:p>
-        </p:txBody>
-      </p:sp>
-      <p:sp>
-        <p:nvSpPr>
-          <p:cNvPr id="3" name="Vertical Text Placeholder 2">
-            <a:extLst>
-              <a:ext uri="{FF2B5EF4-FFF2-40B4-BE49-F238E27FC236}">
-                <a16:creationId xmlns:a16="http://schemas.microsoft.com/office/drawing/2014/main" id="{5354E0ED-FB34-E7CA-23BE-00A3BE5D0C3C}"/>
-              </a:ext>
-            </a:extLst>
-          </p:cNvPr>
+            <a:endParaRPr lang="en-US" dirty="0"/>
+          </a:p>
+        </p:txBody>
+      </p:sp>
+      <p:sp>
+        <p:nvSpPr>
+          <p:cNvPr id="3" name="Vertical Text Placeholder 2"/>
           <p:cNvSpPr>
             <a:spLocks noGrp="1"/>
           </p:cNvSpPr>
@@ -401,7 +2407,7 @@
         </p:nvSpPr>
         <p:spPr/>
         <p:txBody>
-          <a:bodyPr vert="eaVert"/>
+          <a:bodyPr vert="eaVert" anchor="t"/>
           <a:lstStyle/>
           <a:p>
             <a:pPr lvl="0"/>
@@ -437,18 +2443,13 @@
               <a:rPr lang="en-US"/>
               <a:t>Fifth level</a:t>
             </a:r>
-          </a:p>
-        </p:txBody>
-      </p:sp>
-      <p:sp>
-        <p:nvSpPr>
-          <p:cNvPr id="4" name="Date Placeholder 3">
-            <a:extLst>
-              <a:ext uri="{FF2B5EF4-FFF2-40B4-BE49-F238E27FC236}">
-                <a16:creationId xmlns:a16="http://schemas.microsoft.com/office/drawing/2014/main" id="{4446F490-20F2-65A1-D1B7-60AC1CB51361}"/>
-              </a:ext>
-            </a:extLst>
-          </p:cNvPr>
+            <a:endParaRPr lang="en-US" dirty="0"/>
+          </a:p>
+        </p:txBody>
+      </p:sp>
+      <p:sp>
+        <p:nvSpPr>
+          <p:cNvPr id="4" name="Date Placeholder 3"/>
           <p:cNvSpPr>
             <a:spLocks noGrp="1"/>
           </p:cNvSpPr>
@@ -463,7 +2464,7 @@
           <a:p>
             <a:fld id="{040172E9-3018-4399-AF48-14950ACD53D7}" type="datetimeFigureOut">
               <a:rPr lang="en-US" smtClean="0"/>
-              <a:t>7/10/2022</a:t>
+              <a:t>7/12/2022</a:t>
             </a:fld>
             <a:endParaRPr lang="en-US"/>
           </a:p>
@@ -471,13 +2472,7 @@
       </p:sp>
       <p:sp>
         <p:nvSpPr>
-          <p:cNvPr id="5" name="Footer Placeholder 4">
-            <a:extLst>
-              <a:ext uri="{FF2B5EF4-FFF2-40B4-BE49-F238E27FC236}">
-                <a16:creationId xmlns:a16="http://schemas.microsoft.com/office/drawing/2014/main" id="{FF721D45-8774-D3E9-70B7-299097A35F2C}"/>
-              </a:ext>
-            </a:extLst>
-          </p:cNvPr>
+          <p:cNvPr id="5" name="Footer Placeholder 4"/>
           <p:cNvSpPr>
             <a:spLocks noGrp="1"/>
           </p:cNvSpPr>
@@ -496,13 +2491,7 @@
       </p:sp>
       <p:sp>
         <p:nvSpPr>
-          <p:cNvPr id="6" name="Slide Number Placeholder 5">
-            <a:extLst>
-              <a:ext uri="{FF2B5EF4-FFF2-40B4-BE49-F238E27FC236}">
-                <a16:creationId xmlns:a16="http://schemas.microsoft.com/office/drawing/2014/main" id="{6FFF919E-DD61-8A69-627F-E03B200FD046}"/>
-              </a:ext>
-            </a:extLst>
-          </p:cNvPr>
+          <p:cNvPr id="6" name="Slide Number Placeholder 5"/>
           <p:cNvSpPr>
             <a:spLocks noGrp="1"/>
           </p:cNvSpPr>
@@ -526,7 +2515,7 @@
     </p:spTree>
     <p:extLst>
       <p:ext uri="{BB962C8B-B14F-4D97-AF65-F5344CB8AC3E}">
-        <p14:creationId xmlns:p14="http://schemas.microsoft.com/office/powerpoint/2010/main" val="2098221940"/>
+        <p14:creationId xmlns:p14="http://schemas.microsoft.com/office/powerpoint/2010/main" val="2787422431"/>
       </p:ext>
     </p:extLst>
   </p:cSld>
@@ -536,7 +2525,7 @@
 </p:sldLayout>
 </file>
 
-<file path=ppt/slideLayouts/slideLayout11.xml><?xml version="1.0" encoding="utf-8"?>
+<file path=ppt/slideLayouts/slideLayout17.xml><?xml version="1.0" encoding="utf-8"?>
 <p:sldLayout xmlns:a="http://schemas.openxmlformats.org/drawingml/2006/main" xmlns:r="http://schemas.openxmlformats.org/officeDocument/2006/relationships" xmlns:p="http://schemas.openxmlformats.org/presentationml/2006/main" type="vertTitleAndTx" preserve="1">
   <p:cSld name="Vertical Title and Text">
     <p:spTree>
@@ -555,13 +2544,7 @@
       </p:grpSpPr>
       <p:sp>
         <p:nvSpPr>
-          <p:cNvPr id="2" name="Vertical Title 1">
-            <a:extLst>
-              <a:ext uri="{FF2B5EF4-FFF2-40B4-BE49-F238E27FC236}">
-                <a16:creationId xmlns:a16="http://schemas.microsoft.com/office/drawing/2014/main" id="{755D340A-C339-9FB7-F7AF-1D50E26F9211}"/>
-              </a:ext>
-            </a:extLst>
-          </p:cNvPr>
+          <p:cNvPr id="2" name="Vertical Title 1"/>
           <p:cNvSpPr>
             <a:spLocks noGrp="1"/>
           </p:cNvSpPr>
@@ -571,8 +2554,8 @@
         </p:nvSpPr>
         <p:spPr>
           <a:xfrm>
-            <a:off x="8724900" y="365125"/>
-            <a:ext cx="2628900" cy="5811838"/>
+            <a:off x="8685212" y="685800"/>
+            <a:ext cx="2057400" cy="4572000"/>
           </a:xfrm>
         </p:spPr>
         <p:txBody>
@@ -583,18 +2566,13 @@
               <a:rPr lang="en-US"/>
               <a:t>Click to edit Master title style</a:t>
             </a:r>
-          </a:p>
-        </p:txBody>
-      </p:sp>
-      <p:sp>
-        <p:nvSpPr>
-          <p:cNvPr id="3" name="Vertical Text Placeholder 2">
-            <a:extLst>
-              <a:ext uri="{FF2B5EF4-FFF2-40B4-BE49-F238E27FC236}">
-                <a16:creationId xmlns:a16="http://schemas.microsoft.com/office/drawing/2014/main" id="{4617C1BC-4B9F-23EA-6F2E-FD31E6A9A870}"/>
-              </a:ext>
-            </a:extLst>
-          </p:cNvPr>
+            <a:endParaRPr lang="en-US" dirty="0"/>
+          </a:p>
+        </p:txBody>
+      </p:sp>
+      <p:sp>
+        <p:nvSpPr>
+          <p:cNvPr id="3" name="Vertical Text Placeholder 2"/>
           <p:cNvSpPr>
             <a:spLocks noGrp="1"/>
           </p:cNvSpPr>
@@ -604,12 +2582,12 @@
         </p:nvSpPr>
         <p:spPr>
           <a:xfrm>
-            <a:off x="838200" y="365125"/>
-            <a:ext cx="7734300" cy="5811838"/>
-          </a:xfrm>
-        </p:spPr>
-        <p:txBody>
-          <a:bodyPr vert="eaVert"/>
+            <a:off x="685800" y="685800"/>
+            <a:ext cx="7823200" cy="5308600"/>
+          </a:xfrm>
+        </p:spPr>
+        <p:txBody>
+          <a:bodyPr vert="eaVert" anchor="t"/>
           <a:lstStyle/>
           <a:p>
             <a:pPr lvl="0"/>
@@ -645,18 +2623,13 @@
               <a:rPr lang="en-US"/>
               <a:t>Fifth level</a:t>
             </a:r>
-          </a:p>
-        </p:txBody>
-      </p:sp>
-      <p:sp>
-        <p:nvSpPr>
-          <p:cNvPr id="4" name="Date Placeholder 3">
-            <a:extLst>
-              <a:ext uri="{FF2B5EF4-FFF2-40B4-BE49-F238E27FC236}">
-                <a16:creationId xmlns:a16="http://schemas.microsoft.com/office/drawing/2014/main" id="{11E4BCDF-9BDF-FCEE-2317-9D626C1A0E14}"/>
-              </a:ext>
-            </a:extLst>
-          </p:cNvPr>
+            <a:endParaRPr lang="en-US" dirty="0"/>
+          </a:p>
+        </p:txBody>
+      </p:sp>
+      <p:sp>
+        <p:nvSpPr>
+          <p:cNvPr id="4" name="Date Placeholder 3"/>
           <p:cNvSpPr>
             <a:spLocks noGrp="1"/>
           </p:cNvSpPr>
@@ -671,7 +2644,7 @@
           <a:p>
             <a:fld id="{040172E9-3018-4399-AF48-14950ACD53D7}" type="datetimeFigureOut">
               <a:rPr lang="en-US" smtClean="0"/>
-              <a:t>7/10/2022</a:t>
+              <a:t>7/12/2022</a:t>
             </a:fld>
             <a:endParaRPr lang="en-US"/>
           </a:p>
@@ -679,13 +2652,7 @@
       </p:sp>
       <p:sp>
         <p:nvSpPr>
-          <p:cNvPr id="5" name="Footer Placeholder 4">
-            <a:extLst>
-              <a:ext uri="{FF2B5EF4-FFF2-40B4-BE49-F238E27FC236}">
-                <a16:creationId xmlns:a16="http://schemas.microsoft.com/office/drawing/2014/main" id="{4D86A72C-71BF-40B1-1BC4-24C0558C2CA4}"/>
-              </a:ext>
-            </a:extLst>
-          </p:cNvPr>
+          <p:cNvPr id="5" name="Footer Placeholder 4"/>
           <p:cNvSpPr>
             <a:spLocks noGrp="1"/>
           </p:cNvSpPr>
@@ -704,13 +2671,7 @@
       </p:sp>
       <p:sp>
         <p:nvSpPr>
-          <p:cNvPr id="6" name="Slide Number Placeholder 5">
-            <a:extLst>
-              <a:ext uri="{FF2B5EF4-FFF2-40B4-BE49-F238E27FC236}">
-                <a16:creationId xmlns:a16="http://schemas.microsoft.com/office/drawing/2014/main" id="{C5D87363-7638-2166-05CB-A37CCF98FD1C}"/>
-              </a:ext>
-            </a:extLst>
-          </p:cNvPr>
+          <p:cNvPr id="6" name="Slide Number Placeholder 5"/>
           <p:cNvSpPr>
             <a:spLocks noGrp="1"/>
           </p:cNvSpPr>
@@ -734,7 +2695,7 @@
     </p:spTree>
     <p:extLst>
       <p:ext uri="{BB962C8B-B14F-4D97-AF65-F5344CB8AC3E}">
-        <p14:creationId xmlns:p14="http://schemas.microsoft.com/office/powerpoint/2010/main" val="3748768716"/>
+        <p14:creationId xmlns:p14="http://schemas.microsoft.com/office/powerpoint/2010/main" val="3365352135"/>
       </p:ext>
     </p:extLst>
   </p:cSld>
@@ -763,13 +2724,7 @@
       </p:grpSpPr>
       <p:sp>
         <p:nvSpPr>
-          <p:cNvPr id="2" name="Title 1">
-            <a:extLst>
-              <a:ext uri="{FF2B5EF4-FFF2-40B4-BE49-F238E27FC236}">
-                <a16:creationId xmlns:a16="http://schemas.microsoft.com/office/drawing/2014/main" id="{D84C3911-B3F8-7972-579B-6A77DB882FAE}"/>
-              </a:ext>
-            </a:extLst>
-          </p:cNvPr>
+          <p:cNvPr id="2" name="Title 1"/>
           <p:cNvSpPr>
             <a:spLocks noGrp="1"/>
           </p:cNvSpPr>
@@ -786,18 +2741,13 @@
               <a:rPr lang="en-US"/>
               <a:t>Click to edit Master title style</a:t>
             </a:r>
-          </a:p>
-        </p:txBody>
-      </p:sp>
-      <p:sp>
-        <p:nvSpPr>
-          <p:cNvPr id="3" name="Content Placeholder 2">
-            <a:extLst>
-              <a:ext uri="{FF2B5EF4-FFF2-40B4-BE49-F238E27FC236}">
-                <a16:creationId xmlns:a16="http://schemas.microsoft.com/office/drawing/2014/main" id="{125568B4-A4B5-4267-F2DC-081A572850D5}"/>
-              </a:ext>
-            </a:extLst>
-          </p:cNvPr>
+            <a:endParaRPr lang="en-US" dirty="0"/>
+          </a:p>
+        </p:txBody>
+      </p:sp>
+      <p:sp>
+        <p:nvSpPr>
+          <p:cNvPr id="3" name="Content Placeholder 2"/>
           <p:cNvSpPr>
             <a:spLocks noGrp="1"/>
           </p:cNvSpPr>
@@ -807,7 +2757,7 @@
         </p:nvSpPr>
         <p:spPr/>
         <p:txBody>
-          <a:bodyPr/>
+          <a:bodyPr anchor="ctr"/>
           <a:lstStyle/>
           <a:p>
             <a:pPr lvl="0"/>
@@ -843,18 +2793,13 @@
               <a:rPr lang="en-US"/>
               <a:t>Fifth level</a:t>
             </a:r>
-          </a:p>
-        </p:txBody>
-      </p:sp>
-      <p:sp>
-        <p:nvSpPr>
-          <p:cNvPr id="4" name="Date Placeholder 3">
-            <a:extLst>
-              <a:ext uri="{FF2B5EF4-FFF2-40B4-BE49-F238E27FC236}">
-                <a16:creationId xmlns:a16="http://schemas.microsoft.com/office/drawing/2014/main" id="{C7ACC1EE-F2B8-F61F-59D4-DCDF0C85A0F9}"/>
-              </a:ext>
-            </a:extLst>
-          </p:cNvPr>
+            <a:endParaRPr lang="en-US" dirty="0"/>
+          </a:p>
+        </p:txBody>
+      </p:sp>
+      <p:sp>
+        <p:nvSpPr>
+          <p:cNvPr id="4" name="Date Placeholder 3"/>
           <p:cNvSpPr>
             <a:spLocks noGrp="1"/>
           </p:cNvSpPr>
@@ -869,7 +2814,7 @@
           <a:p>
             <a:fld id="{040172E9-3018-4399-AF48-14950ACD53D7}" type="datetimeFigureOut">
               <a:rPr lang="en-US" smtClean="0"/>
-              <a:t>7/10/2022</a:t>
+              <a:t>7/12/2022</a:t>
             </a:fld>
             <a:endParaRPr lang="en-US"/>
           </a:p>
@@ -877,13 +2822,7 @@
       </p:sp>
       <p:sp>
         <p:nvSpPr>
-          <p:cNvPr id="5" name="Footer Placeholder 4">
-            <a:extLst>
-              <a:ext uri="{FF2B5EF4-FFF2-40B4-BE49-F238E27FC236}">
-                <a16:creationId xmlns:a16="http://schemas.microsoft.com/office/drawing/2014/main" id="{4515BCED-124F-C24B-7936-15CF7007AC8D}"/>
-              </a:ext>
-            </a:extLst>
-          </p:cNvPr>
+          <p:cNvPr id="5" name="Footer Placeholder 4"/>
           <p:cNvSpPr>
             <a:spLocks noGrp="1"/>
           </p:cNvSpPr>
@@ -902,13 +2841,7 @@
       </p:sp>
       <p:sp>
         <p:nvSpPr>
-          <p:cNvPr id="6" name="Slide Number Placeholder 5">
-            <a:extLst>
-              <a:ext uri="{FF2B5EF4-FFF2-40B4-BE49-F238E27FC236}">
-                <a16:creationId xmlns:a16="http://schemas.microsoft.com/office/drawing/2014/main" id="{F2E163A6-1CDD-983D-0BCF-3CF94CB543A6}"/>
-              </a:ext>
-            </a:extLst>
-          </p:cNvPr>
+          <p:cNvPr id="6" name="Slide Number Placeholder 5"/>
           <p:cNvSpPr>
             <a:spLocks noGrp="1"/>
           </p:cNvSpPr>
@@ -932,7 +2865,7 @@
     </p:spTree>
     <p:extLst>
       <p:ext uri="{BB962C8B-B14F-4D97-AF65-F5344CB8AC3E}">
-        <p14:creationId xmlns:p14="http://schemas.microsoft.com/office/powerpoint/2010/main" val="2394085511"/>
+        <p14:creationId xmlns:p14="http://schemas.microsoft.com/office/powerpoint/2010/main" val="545449972"/>
       </p:ext>
     </p:extLst>
   </p:cSld>
@@ -961,13 +2894,7 @@
       </p:grpSpPr>
       <p:sp>
         <p:nvSpPr>
-          <p:cNvPr id="2" name="Title 1">
-            <a:extLst>
-              <a:ext uri="{FF2B5EF4-FFF2-40B4-BE49-F238E27FC236}">
-                <a16:creationId xmlns:a16="http://schemas.microsoft.com/office/drawing/2014/main" id="{918DCE2D-7313-41FC-AE67-21B485DFC661}"/>
-              </a:ext>
-            </a:extLst>
-          </p:cNvPr>
+          <p:cNvPr id="2" name="Title 1"/>
           <p:cNvSpPr>
             <a:spLocks noGrp="1"/>
           </p:cNvSpPr>
@@ -977,15 +2904,17 @@
         </p:nvSpPr>
         <p:spPr>
           <a:xfrm>
-            <a:off x="831850" y="1709738"/>
-            <a:ext cx="10515600" cy="2852737"/>
-          </a:xfrm>
-        </p:spPr>
-        <p:txBody>
-          <a:bodyPr anchor="b"/>
+            <a:off x="684211" y="2006600"/>
+            <a:ext cx="8534401" cy="2281600"/>
+          </a:xfrm>
+        </p:spPr>
+        <p:txBody>
+          <a:bodyPr anchor="b">
+            <a:normAutofit/>
+          </a:bodyPr>
           <a:lstStyle>
-            <a:lvl1pPr>
-              <a:defRPr sz="6000"/>
+            <a:lvl1pPr algn="l">
+              <a:defRPr sz="3600" b="0" cap="all"/>
             </a:lvl1pPr>
           </a:lstStyle>
           <a:p>
@@ -993,18 +2922,13 @@
               <a:rPr lang="en-US"/>
               <a:t>Click to edit Master title style</a:t>
             </a:r>
-          </a:p>
-        </p:txBody>
-      </p:sp>
-      <p:sp>
-        <p:nvSpPr>
-          <p:cNvPr id="3" name="Text Placeholder 2">
-            <a:extLst>
-              <a:ext uri="{FF2B5EF4-FFF2-40B4-BE49-F238E27FC236}">
-                <a16:creationId xmlns:a16="http://schemas.microsoft.com/office/drawing/2014/main" id="{9A67D598-56A7-F45D-C6F2-A95C921AF905}"/>
-              </a:ext>
-            </a:extLst>
-          </p:cNvPr>
+            <a:endParaRPr lang="en-US" dirty="0"/>
+          </a:p>
+        </p:txBody>
+      </p:sp>
+      <p:sp>
+        <p:nvSpPr>
+          <p:cNvPr id="3" name="Text Placeholder 2"/>
           <p:cNvSpPr>
             <a:spLocks noGrp="1"/>
           </p:cNvSpPr>
@@ -1014,102 +2938,104 @@
         </p:nvSpPr>
         <p:spPr>
           <a:xfrm>
-            <a:off x="831850" y="4589463"/>
-            <a:ext cx="10515600" cy="1500187"/>
-          </a:xfrm>
-        </p:spPr>
-        <p:txBody>
-          <a:bodyPr/>
+            <a:off x="684213" y="4495800"/>
+            <a:ext cx="8534400" cy="1498600"/>
+          </a:xfrm>
+        </p:spPr>
+        <p:txBody>
+          <a:bodyPr anchor="t">
+            <a:normAutofit/>
+          </a:bodyPr>
           <a:lstStyle>
-            <a:lvl1pPr marL="0" indent="0">
-              <a:buNone/>
-              <a:defRPr sz="2400">
+            <a:lvl1pPr marL="0" indent="0" algn="l">
+              <a:buNone/>
+              <a:defRPr sz="1800">
+                <a:solidFill>
+                  <a:schemeClr val="bg2">
+                    <a:lumMod val="75000"/>
+                  </a:schemeClr>
+                </a:solidFill>
+              </a:defRPr>
+            </a:lvl1pPr>
+            <a:lvl2pPr marL="457200" indent="0">
+              <a:buNone/>
+              <a:defRPr sz="1800">
                 <a:solidFill>
                   <a:schemeClr val="tx1">
                     <a:tint val="75000"/>
                   </a:schemeClr>
                 </a:solidFill>
               </a:defRPr>
-            </a:lvl1pPr>
-            <a:lvl2pPr marL="457200" indent="0">
-              <a:buNone/>
-              <a:defRPr sz="2000">
+            </a:lvl2pPr>
+            <a:lvl3pPr marL="914400" indent="0">
+              <a:buNone/>
+              <a:defRPr sz="1600">
                 <a:solidFill>
                   <a:schemeClr val="tx1">
                     <a:tint val="75000"/>
                   </a:schemeClr>
                 </a:solidFill>
               </a:defRPr>
-            </a:lvl2pPr>
-            <a:lvl3pPr marL="914400" indent="0">
-              <a:buNone/>
-              <a:defRPr sz="1800">
+            </a:lvl3pPr>
+            <a:lvl4pPr marL="1371600" indent="0">
+              <a:buNone/>
+              <a:defRPr sz="1400">
                 <a:solidFill>
                   <a:schemeClr val="tx1">
                     <a:tint val="75000"/>
                   </a:schemeClr>
                 </a:solidFill>
               </a:defRPr>
-            </a:lvl3pPr>
-            <a:lvl4pPr marL="1371600" indent="0">
-              <a:buNone/>
-              <a:defRPr sz="1600">
+            </a:lvl4pPr>
+            <a:lvl5pPr marL="1828800" indent="0">
+              <a:buNone/>
+              <a:defRPr sz="1400">
                 <a:solidFill>
                   <a:schemeClr val="tx1">
                     <a:tint val="75000"/>
                   </a:schemeClr>
                 </a:solidFill>
               </a:defRPr>
-            </a:lvl4pPr>
-            <a:lvl5pPr marL="1828800" indent="0">
-              <a:buNone/>
-              <a:defRPr sz="1600">
+            </a:lvl5pPr>
+            <a:lvl6pPr marL="2286000" indent="0">
+              <a:buNone/>
+              <a:defRPr sz="1400">
                 <a:solidFill>
                   <a:schemeClr val="tx1">
                     <a:tint val="75000"/>
                   </a:schemeClr>
                 </a:solidFill>
               </a:defRPr>
-            </a:lvl5pPr>
-            <a:lvl6pPr marL="2286000" indent="0">
-              <a:buNone/>
-              <a:defRPr sz="1600">
+            </a:lvl6pPr>
+            <a:lvl7pPr marL="2743200" indent="0">
+              <a:buNone/>
+              <a:defRPr sz="1400">
                 <a:solidFill>
                   <a:schemeClr val="tx1">
                     <a:tint val="75000"/>
                   </a:schemeClr>
                 </a:solidFill>
               </a:defRPr>
-            </a:lvl6pPr>
-            <a:lvl7pPr marL="2743200" indent="0">
-              <a:buNone/>
-              <a:defRPr sz="1600">
+            </a:lvl7pPr>
+            <a:lvl8pPr marL="3200400" indent="0">
+              <a:buNone/>
+              <a:defRPr sz="1400">
                 <a:solidFill>
                   <a:schemeClr val="tx1">
                     <a:tint val="75000"/>
                   </a:schemeClr>
                 </a:solidFill>
               </a:defRPr>
-            </a:lvl7pPr>
-            <a:lvl8pPr marL="3200400" indent="0">
-              <a:buNone/>
-              <a:defRPr sz="1600">
+            </a:lvl8pPr>
+            <a:lvl9pPr marL="3657600" indent="0">
+              <a:buNone/>
+              <a:defRPr sz="1400">
                 <a:solidFill>
                   <a:schemeClr val="tx1">
                     <a:tint val="75000"/>
                   </a:schemeClr>
                 </a:solidFill>
               </a:defRPr>
-            </a:lvl8pPr>
-            <a:lvl9pPr marL="3657600" indent="0">
-              <a:buNone/>
-              <a:defRPr sz="1600">
-                <a:solidFill>
-                  <a:schemeClr val="tx1">
-                    <a:tint val="75000"/>
-                  </a:schemeClr>
-                </a:solidFill>
-              </a:defRPr>
             </a:lvl9pPr>
           </a:lstStyle>
           <a:p>
@@ -1123,13 +3049,7 @@
       </p:sp>
       <p:sp>
         <p:nvSpPr>
-          <p:cNvPr id="4" name="Date Placeholder 3">
-            <a:extLst>
-              <a:ext uri="{FF2B5EF4-FFF2-40B4-BE49-F238E27FC236}">
-                <a16:creationId xmlns:a16="http://schemas.microsoft.com/office/drawing/2014/main" id="{2F4A34E6-AF23-059A-D989-4CDC8DC50095}"/>
-              </a:ext>
-            </a:extLst>
-          </p:cNvPr>
+          <p:cNvPr id="4" name="Date Placeholder 3"/>
           <p:cNvSpPr>
             <a:spLocks noGrp="1"/>
           </p:cNvSpPr>
@@ -1144,7 +3064,7 @@
           <a:p>
             <a:fld id="{040172E9-3018-4399-AF48-14950ACD53D7}" type="datetimeFigureOut">
               <a:rPr lang="en-US" smtClean="0"/>
-              <a:t>7/10/2022</a:t>
+              <a:t>7/12/2022</a:t>
             </a:fld>
             <a:endParaRPr lang="en-US"/>
           </a:p>
@@ -1152,13 +3072,7 @@
       </p:sp>
       <p:sp>
         <p:nvSpPr>
-          <p:cNvPr id="5" name="Footer Placeholder 4">
-            <a:extLst>
-              <a:ext uri="{FF2B5EF4-FFF2-40B4-BE49-F238E27FC236}">
-                <a16:creationId xmlns:a16="http://schemas.microsoft.com/office/drawing/2014/main" id="{C8CC509B-B789-4F5A-FD1C-FC9210A44D2B}"/>
-              </a:ext>
-            </a:extLst>
-          </p:cNvPr>
+          <p:cNvPr id="5" name="Footer Placeholder 4"/>
           <p:cNvSpPr>
             <a:spLocks noGrp="1"/>
           </p:cNvSpPr>
@@ -1177,13 +3091,7 @@
       </p:sp>
       <p:sp>
         <p:nvSpPr>
-          <p:cNvPr id="6" name="Slide Number Placeholder 5">
-            <a:extLst>
-              <a:ext uri="{FF2B5EF4-FFF2-40B4-BE49-F238E27FC236}">
-                <a16:creationId xmlns:a16="http://schemas.microsoft.com/office/drawing/2014/main" id="{B8AC019B-BE3A-3BF1-750E-94CA40347E43}"/>
-              </a:ext>
-            </a:extLst>
-          </p:cNvPr>
+          <p:cNvPr id="6" name="Slide Number Placeholder 5"/>
           <p:cNvSpPr>
             <a:spLocks noGrp="1"/>
           </p:cNvSpPr>
@@ -1207,7 +3115,7 @@
     </p:spTree>
     <p:extLst>
       <p:ext uri="{BB962C8B-B14F-4D97-AF65-F5344CB8AC3E}">
-        <p14:creationId xmlns:p14="http://schemas.microsoft.com/office/powerpoint/2010/main" val="1872170689"/>
+        <p14:creationId xmlns:p14="http://schemas.microsoft.com/office/powerpoint/2010/main" val="489646732"/>
       </p:ext>
     </p:extLst>
   </p:cSld>
@@ -1236,13 +3144,7 @@
       </p:grpSpPr>
       <p:sp>
         <p:nvSpPr>
-          <p:cNvPr id="2" name="Title 1">
-            <a:extLst>
-              <a:ext uri="{FF2B5EF4-FFF2-40B4-BE49-F238E27FC236}">
-                <a16:creationId xmlns:a16="http://schemas.microsoft.com/office/drawing/2014/main" id="{BB002719-36F6-5329-C851-92BA43BEDAA0}"/>
-              </a:ext>
-            </a:extLst>
-          </p:cNvPr>
+          <p:cNvPr id="2" name="Title 1"/>
           <p:cNvSpPr>
             <a:spLocks noGrp="1"/>
           </p:cNvSpPr>
@@ -1259,18 +3161,13 @@
               <a:rPr lang="en-US"/>
               <a:t>Click to edit Master title style</a:t>
             </a:r>
-          </a:p>
-        </p:txBody>
-      </p:sp>
-      <p:sp>
-        <p:nvSpPr>
-          <p:cNvPr id="3" name="Content Placeholder 2">
-            <a:extLst>
-              <a:ext uri="{FF2B5EF4-FFF2-40B4-BE49-F238E27FC236}">
-                <a16:creationId xmlns:a16="http://schemas.microsoft.com/office/drawing/2014/main" id="{CCE815D9-1680-0AC4-9D63-30AAF5F224AA}"/>
-              </a:ext>
-            </a:extLst>
-          </p:cNvPr>
+            <a:endParaRPr lang="en-US" dirty="0"/>
+          </a:p>
+        </p:txBody>
+      </p:sp>
+      <p:sp>
+        <p:nvSpPr>
+          <p:cNvPr id="3" name="Content Placeholder 2"/>
           <p:cNvSpPr>
             <a:spLocks noGrp="1"/>
           </p:cNvSpPr>
@@ -1280,12 +3177,14 @@
         </p:nvSpPr>
         <p:spPr>
           <a:xfrm>
-            <a:off x="838200" y="1825625"/>
-            <a:ext cx="5181600" cy="4351338"/>
-          </a:xfrm>
-        </p:spPr>
-        <p:txBody>
-          <a:bodyPr/>
+            <a:off x="684211" y="685800"/>
+            <a:ext cx="4937655" cy="3615267"/>
+          </a:xfrm>
+        </p:spPr>
+        <p:txBody>
+          <a:bodyPr>
+            <a:normAutofit/>
+          </a:bodyPr>
           <a:lstStyle/>
           <a:p>
             <a:pPr lvl="0"/>
@@ -1321,18 +3220,13 @@
               <a:rPr lang="en-US"/>
               <a:t>Fifth level</a:t>
             </a:r>
-          </a:p>
-        </p:txBody>
-      </p:sp>
-      <p:sp>
-        <p:nvSpPr>
-          <p:cNvPr id="4" name="Content Placeholder 3">
-            <a:extLst>
-              <a:ext uri="{FF2B5EF4-FFF2-40B4-BE49-F238E27FC236}">
-                <a16:creationId xmlns:a16="http://schemas.microsoft.com/office/drawing/2014/main" id="{A095839E-610A-F4CE-6EEE-8AC1D5102878}"/>
-              </a:ext>
-            </a:extLst>
-          </p:cNvPr>
+            <a:endParaRPr lang="en-US" dirty="0"/>
+          </a:p>
+        </p:txBody>
+      </p:sp>
+      <p:sp>
+        <p:nvSpPr>
+          <p:cNvPr id="4" name="Content Placeholder 3"/>
           <p:cNvSpPr>
             <a:spLocks noGrp="1"/>
           </p:cNvSpPr>
@@ -1342,12 +3236,14 @@
         </p:nvSpPr>
         <p:spPr>
           <a:xfrm>
-            <a:off x="6172200" y="1825625"/>
-            <a:ext cx="5181600" cy="4351338"/>
-          </a:xfrm>
-        </p:spPr>
-        <p:txBody>
-          <a:bodyPr/>
+            <a:off x="5808133" y="685801"/>
+            <a:ext cx="4934479" cy="3615266"/>
+          </a:xfrm>
+        </p:spPr>
+        <p:txBody>
+          <a:bodyPr>
+            <a:normAutofit/>
+          </a:bodyPr>
           <a:lstStyle/>
           <a:p>
             <a:pPr lvl="0"/>
@@ -1383,18 +3279,13 @@
               <a:rPr lang="en-US"/>
               <a:t>Fifth level</a:t>
             </a:r>
-          </a:p>
-        </p:txBody>
-      </p:sp>
-      <p:sp>
-        <p:nvSpPr>
-          <p:cNvPr id="5" name="Date Placeholder 4">
-            <a:extLst>
-              <a:ext uri="{FF2B5EF4-FFF2-40B4-BE49-F238E27FC236}">
-                <a16:creationId xmlns:a16="http://schemas.microsoft.com/office/drawing/2014/main" id="{A35DD695-C700-BE02-9FAB-7E87CFA249D8}"/>
-              </a:ext>
-            </a:extLst>
-          </p:cNvPr>
+            <a:endParaRPr lang="en-US" dirty="0"/>
+          </a:p>
+        </p:txBody>
+      </p:sp>
+      <p:sp>
+        <p:nvSpPr>
+          <p:cNvPr id="5" name="Date Placeholder 4"/>
           <p:cNvSpPr>
             <a:spLocks noGrp="1"/>
           </p:cNvSpPr>
@@ -1409,7 +3300,7 @@
           <a:p>
             <a:fld id="{040172E9-3018-4399-AF48-14950ACD53D7}" type="datetimeFigureOut">
               <a:rPr lang="en-US" smtClean="0"/>
-              <a:t>7/10/2022</a:t>
+              <a:t>7/12/2022</a:t>
             </a:fld>
             <a:endParaRPr lang="en-US"/>
           </a:p>
@@ -1417,13 +3308,7 @@
       </p:sp>
       <p:sp>
         <p:nvSpPr>
-          <p:cNvPr id="6" name="Footer Placeholder 5">
-            <a:extLst>
-              <a:ext uri="{FF2B5EF4-FFF2-40B4-BE49-F238E27FC236}">
-                <a16:creationId xmlns:a16="http://schemas.microsoft.com/office/drawing/2014/main" id="{993E6D6C-7B36-189F-2126-0C9DDB47CDF0}"/>
-              </a:ext>
-            </a:extLst>
-          </p:cNvPr>
+          <p:cNvPr id="6" name="Footer Placeholder 5"/>
           <p:cNvSpPr>
             <a:spLocks noGrp="1"/>
           </p:cNvSpPr>
@@ -1442,13 +3327,7 @@
       </p:sp>
       <p:sp>
         <p:nvSpPr>
-          <p:cNvPr id="7" name="Slide Number Placeholder 6">
-            <a:extLst>
-              <a:ext uri="{FF2B5EF4-FFF2-40B4-BE49-F238E27FC236}">
-                <a16:creationId xmlns:a16="http://schemas.microsoft.com/office/drawing/2014/main" id="{E8DF9641-B660-DB5E-A4C9-418A8C0AE117}"/>
-              </a:ext>
-            </a:extLst>
-          </p:cNvPr>
+          <p:cNvPr id="7" name="Slide Number Placeholder 6"/>
           <p:cNvSpPr>
             <a:spLocks noGrp="1"/>
           </p:cNvSpPr>
@@ -1472,7 +3351,7 @@
     </p:spTree>
     <p:extLst>
       <p:ext uri="{BB962C8B-B14F-4D97-AF65-F5344CB8AC3E}">
-        <p14:creationId xmlns:p14="http://schemas.microsoft.com/office/powerpoint/2010/main" val="1913301676"/>
+        <p14:creationId xmlns:p14="http://schemas.microsoft.com/office/powerpoint/2010/main" val="660090503"/>
       </p:ext>
     </p:extLst>
   </p:cSld>
@@ -1501,13 +3380,7 @@
       </p:grpSpPr>
       <p:sp>
         <p:nvSpPr>
-          <p:cNvPr id="2" name="Title 1">
-            <a:extLst>
-              <a:ext uri="{FF2B5EF4-FFF2-40B4-BE49-F238E27FC236}">
-                <a16:creationId xmlns:a16="http://schemas.microsoft.com/office/drawing/2014/main" id="{1883F3EF-B47E-061C-BCE9-91D79EBEF498}"/>
-              </a:ext>
-            </a:extLst>
-          </p:cNvPr>
+          <p:cNvPr id="2" name="Title 1"/>
           <p:cNvSpPr>
             <a:spLocks noGrp="1"/>
           </p:cNvSpPr>
@@ -1515,32 +3388,26 @@
             <p:ph type="title"/>
           </p:nvPr>
         </p:nvSpPr>
-        <p:spPr>
-          <a:xfrm>
-            <a:off x="839788" y="365125"/>
-            <a:ext cx="10515600" cy="1325563"/>
-          </a:xfrm>
-        </p:spPr>
+        <p:spPr/>
         <p:txBody>
           <a:bodyPr/>
-          <a:lstStyle/>
+          <a:lstStyle>
+            <a:lvl1pPr>
+              <a:defRPr/>
+            </a:lvl1pPr>
+          </a:lstStyle>
           <a:p>
             <a:r>
               <a:rPr lang="en-US"/>
               <a:t>Click to edit Master title style</a:t>
             </a:r>
-          </a:p>
-        </p:txBody>
-      </p:sp>
-      <p:sp>
-        <p:nvSpPr>
-          <p:cNvPr id="3" name="Text Placeholder 2">
-            <a:extLst>
-              <a:ext uri="{FF2B5EF4-FFF2-40B4-BE49-F238E27FC236}">
-                <a16:creationId xmlns:a16="http://schemas.microsoft.com/office/drawing/2014/main" id="{EEBBDA9B-9692-4C30-8E15-EDC53E15BA49}"/>
-              </a:ext>
-            </a:extLst>
-          </p:cNvPr>
+            <a:endParaRPr lang="en-US" dirty="0"/>
+          </a:p>
+        </p:txBody>
+      </p:sp>
+      <p:sp>
+        <p:nvSpPr>
+          <p:cNvPr id="3" name="Text Placeholder 2"/>
           <p:cNvSpPr>
             <a:spLocks noGrp="1"/>
           </p:cNvSpPr>
@@ -1550,16 +3417,22 @@
         </p:nvSpPr>
         <p:spPr>
           <a:xfrm>
-            <a:off x="839788" y="1681163"/>
-            <a:ext cx="5157787" cy="823912"/>
-          </a:xfrm>
-        </p:spPr>
-        <p:txBody>
-          <a:bodyPr anchor="b"/>
+            <a:off x="972080" y="685800"/>
+            <a:ext cx="4649787" cy="576262"/>
+          </a:xfrm>
+        </p:spPr>
+        <p:txBody>
+          <a:bodyPr anchor="b">
+            <a:noAutofit/>
+          </a:bodyPr>
           <a:lstStyle>
             <a:lvl1pPr marL="0" indent="0">
               <a:buNone/>
-              <a:defRPr sz="2400" b="1"/>
+              <a:defRPr sz="2800" b="0">
+                <a:solidFill>
+                  <a:schemeClr val="tx1"/>
+                </a:solidFill>
+              </a:defRPr>
             </a:lvl1pPr>
             <a:lvl2pPr marL="457200" indent="0">
               <a:buNone/>
@@ -1605,13 +3478,7 @@
       </p:sp>
       <p:sp>
         <p:nvSpPr>
-          <p:cNvPr id="4" name="Content Placeholder 3">
-            <a:extLst>
-              <a:ext uri="{FF2B5EF4-FFF2-40B4-BE49-F238E27FC236}">
-                <a16:creationId xmlns:a16="http://schemas.microsoft.com/office/drawing/2014/main" id="{0CFB3DA4-47D4-B385-0973-3A362D1BB346}"/>
-              </a:ext>
-            </a:extLst>
-          </p:cNvPr>
+          <p:cNvPr id="4" name="Content Placeholder 3"/>
           <p:cNvSpPr>
             <a:spLocks noGrp="1"/>
           </p:cNvSpPr>
@@ -1621,12 +3488,14 @@
         </p:nvSpPr>
         <p:spPr>
           <a:xfrm>
-            <a:off x="839788" y="2505075"/>
-            <a:ext cx="5157787" cy="3684588"/>
-          </a:xfrm>
-        </p:spPr>
-        <p:txBody>
-          <a:bodyPr/>
+            <a:off x="684211" y="1270529"/>
+            <a:ext cx="4937655" cy="3030538"/>
+          </a:xfrm>
+        </p:spPr>
+        <p:txBody>
+          <a:bodyPr anchor="t">
+            <a:normAutofit/>
+          </a:bodyPr>
           <a:lstStyle/>
           <a:p>
             <a:pPr lvl="0"/>
@@ -1662,18 +3531,13 @@
               <a:rPr lang="en-US"/>
               <a:t>Fifth level</a:t>
             </a:r>
-          </a:p>
-        </p:txBody>
-      </p:sp>
-      <p:sp>
-        <p:nvSpPr>
-          <p:cNvPr id="5" name="Text Placeholder 4">
-            <a:extLst>
-              <a:ext uri="{FF2B5EF4-FFF2-40B4-BE49-F238E27FC236}">
-                <a16:creationId xmlns:a16="http://schemas.microsoft.com/office/drawing/2014/main" id="{D447990A-E322-6BE3-5F27-274DB5FBC582}"/>
-              </a:ext>
-            </a:extLst>
-          </p:cNvPr>
+            <a:endParaRPr lang="en-US" dirty="0"/>
+          </a:p>
+        </p:txBody>
+      </p:sp>
+      <p:sp>
+        <p:nvSpPr>
+          <p:cNvPr id="5" name="Text Placeholder 4"/>
           <p:cNvSpPr>
             <a:spLocks noGrp="1"/>
           </p:cNvSpPr>
@@ -1683,16 +3547,22 @@
         </p:nvSpPr>
         <p:spPr>
           <a:xfrm>
-            <a:off x="6172200" y="1681163"/>
-            <a:ext cx="5183188" cy="823912"/>
-          </a:xfrm>
-        </p:spPr>
-        <p:txBody>
-          <a:bodyPr anchor="b"/>
+            <a:off x="6079066" y="685800"/>
+            <a:ext cx="4665134" cy="576262"/>
+          </a:xfrm>
+        </p:spPr>
+        <p:txBody>
+          <a:bodyPr anchor="b">
+            <a:noAutofit/>
+          </a:bodyPr>
           <a:lstStyle>
             <a:lvl1pPr marL="0" indent="0">
               <a:buNone/>
-              <a:defRPr sz="2400" b="1"/>
+              <a:defRPr sz="2800" b="0">
+                <a:solidFill>
+                  <a:schemeClr val="tx1"/>
+                </a:solidFill>
+              </a:defRPr>
             </a:lvl1pPr>
             <a:lvl2pPr marL="457200" indent="0">
               <a:buNone/>
@@ -1738,13 +3608,7 @@
       </p:sp>
       <p:sp>
         <p:nvSpPr>
-          <p:cNvPr id="6" name="Content Placeholder 5">
-            <a:extLst>
-              <a:ext uri="{FF2B5EF4-FFF2-40B4-BE49-F238E27FC236}">
-                <a16:creationId xmlns:a16="http://schemas.microsoft.com/office/drawing/2014/main" id="{C4118AD0-5854-704D-80F3-D72D698FDD6F}"/>
-              </a:ext>
-            </a:extLst>
-          </p:cNvPr>
+          <p:cNvPr id="6" name="Content Placeholder 5"/>
           <p:cNvSpPr>
             <a:spLocks noGrp="1"/>
           </p:cNvSpPr>
@@ -1754,12 +3618,14 @@
         </p:nvSpPr>
         <p:spPr>
           <a:xfrm>
-            <a:off x="6172200" y="2505075"/>
-            <a:ext cx="5183188" cy="3684588"/>
-          </a:xfrm>
-        </p:spPr>
-        <p:txBody>
-          <a:bodyPr/>
+            <a:off x="5806545" y="1262062"/>
+            <a:ext cx="4929188" cy="3030538"/>
+          </a:xfrm>
+        </p:spPr>
+        <p:txBody>
+          <a:bodyPr anchor="t">
+            <a:normAutofit/>
+          </a:bodyPr>
           <a:lstStyle/>
           <a:p>
             <a:pPr lvl="0"/>
@@ -1795,18 +3661,13 @@
               <a:rPr lang="en-US"/>
               <a:t>Fifth level</a:t>
             </a:r>
-          </a:p>
-        </p:txBody>
-      </p:sp>
-      <p:sp>
-        <p:nvSpPr>
-          <p:cNvPr id="7" name="Date Placeholder 6">
-            <a:extLst>
-              <a:ext uri="{FF2B5EF4-FFF2-40B4-BE49-F238E27FC236}">
-                <a16:creationId xmlns:a16="http://schemas.microsoft.com/office/drawing/2014/main" id="{C6CB1C3B-F510-01FA-AAEF-A9FADB5E0114}"/>
-              </a:ext>
-            </a:extLst>
-          </p:cNvPr>
+            <a:endParaRPr lang="en-US" dirty="0"/>
+          </a:p>
+        </p:txBody>
+      </p:sp>
+      <p:sp>
+        <p:nvSpPr>
+          <p:cNvPr id="7" name="Date Placeholder 6"/>
           <p:cNvSpPr>
             <a:spLocks noGrp="1"/>
           </p:cNvSpPr>
@@ -1821,7 +3682,7 @@
           <a:p>
             <a:fld id="{040172E9-3018-4399-AF48-14950ACD53D7}" type="datetimeFigureOut">
               <a:rPr lang="en-US" smtClean="0"/>
-              <a:t>7/10/2022</a:t>
+              <a:t>7/12/2022</a:t>
             </a:fld>
             <a:endParaRPr lang="en-US"/>
           </a:p>
@@ -1829,13 +3690,7 @@
       </p:sp>
       <p:sp>
         <p:nvSpPr>
-          <p:cNvPr id="8" name="Footer Placeholder 7">
-            <a:extLst>
-              <a:ext uri="{FF2B5EF4-FFF2-40B4-BE49-F238E27FC236}">
-                <a16:creationId xmlns:a16="http://schemas.microsoft.com/office/drawing/2014/main" id="{CA3E57AD-F65C-2BAF-EC40-E80C41DFE979}"/>
-              </a:ext>
-            </a:extLst>
-          </p:cNvPr>
+          <p:cNvPr id="8" name="Footer Placeholder 7"/>
           <p:cNvSpPr>
             <a:spLocks noGrp="1"/>
           </p:cNvSpPr>
@@ -1854,13 +3709,7 @@
       </p:sp>
       <p:sp>
         <p:nvSpPr>
-          <p:cNvPr id="9" name="Slide Number Placeholder 8">
-            <a:extLst>
-              <a:ext uri="{FF2B5EF4-FFF2-40B4-BE49-F238E27FC236}">
-                <a16:creationId xmlns:a16="http://schemas.microsoft.com/office/drawing/2014/main" id="{860A4A71-70B5-411B-418C-69AAE98D3FB6}"/>
-              </a:ext>
-            </a:extLst>
-          </p:cNvPr>
+          <p:cNvPr id="9" name="Slide Number Placeholder 8"/>
           <p:cNvSpPr>
             <a:spLocks noGrp="1"/>
           </p:cNvSpPr>
@@ -1884,7 +3733,7 @@
     </p:spTree>
     <p:extLst>
       <p:ext uri="{BB962C8B-B14F-4D97-AF65-F5344CB8AC3E}">
-        <p14:creationId xmlns:p14="http://schemas.microsoft.com/office/powerpoint/2010/main" val="1540345907"/>
+        <p14:creationId xmlns:p14="http://schemas.microsoft.com/office/powerpoint/2010/main" val="3693771317"/>
       </p:ext>
     </p:extLst>
   </p:cSld>
@@ -1913,13 +3762,7 @@
       </p:grpSpPr>
       <p:sp>
         <p:nvSpPr>
-          <p:cNvPr id="2" name="Title 1">
-            <a:extLst>
-              <a:ext uri="{FF2B5EF4-FFF2-40B4-BE49-F238E27FC236}">
-                <a16:creationId xmlns:a16="http://schemas.microsoft.com/office/drawing/2014/main" id="{4559FCED-FFF4-C86E-2CD1-47DAA9BA68F4}"/>
-              </a:ext>
-            </a:extLst>
-          </p:cNvPr>
+          <p:cNvPr id="2" name="Title 1"/>
           <p:cNvSpPr>
             <a:spLocks noGrp="1"/>
           </p:cNvSpPr>
@@ -1936,18 +3779,13 @@
               <a:rPr lang="en-US"/>
               <a:t>Click to edit Master title style</a:t>
             </a:r>
-          </a:p>
-        </p:txBody>
-      </p:sp>
-      <p:sp>
-        <p:nvSpPr>
-          <p:cNvPr id="3" name="Date Placeholder 2">
-            <a:extLst>
-              <a:ext uri="{FF2B5EF4-FFF2-40B4-BE49-F238E27FC236}">
-                <a16:creationId xmlns:a16="http://schemas.microsoft.com/office/drawing/2014/main" id="{B79DB353-4535-D649-0D13-01822DDCE524}"/>
-              </a:ext>
-            </a:extLst>
-          </p:cNvPr>
+            <a:endParaRPr lang="en-US" dirty="0"/>
+          </a:p>
+        </p:txBody>
+      </p:sp>
+      <p:sp>
+        <p:nvSpPr>
+          <p:cNvPr id="3" name="Date Placeholder 2"/>
           <p:cNvSpPr>
             <a:spLocks noGrp="1"/>
           </p:cNvSpPr>
@@ -1962,7 +3800,7 @@
           <a:p>
             <a:fld id="{040172E9-3018-4399-AF48-14950ACD53D7}" type="datetimeFigureOut">
               <a:rPr lang="en-US" smtClean="0"/>
-              <a:t>7/10/2022</a:t>
+              <a:t>7/12/2022</a:t>
             </a:fld>
             <a:endParaRPr lang="en-US"/>
           </a:p>
@@ -1970,13 +3808,7 @@
       </p:sp>
       <p:sp>
         <p:nvSpPr>
-          <p:cNvPr id="4" name="Footer Placeholder 3">
-            <a:extLst>
-              <a:ext uri="{FF2B5EF4-FFF2-40B4-BE49-F238E27FC236}">
-                <a16:creationId xmlns:a16="http://schemas.microsoft.com/office/drawing/2014/main" id="{DBBE2865-D6A1-6479-B2F5-DAFBD1E37241}"/>
-              </a:ext>
-            </a:extLst>
-          </p:cNvPr>
+          <p:cNvPr id="4" name="Footer Placeholder 3"/>
           <p:cNvSpPr>
             <a:spLocks noGrp="1"/>
           </p:cNvSpPr>
@@ -1995,13 +3827,7 @@
       </p:sp>
       <p:sp>
         <p:nvSpPr>
-          <p:cNvPr id="5" name="Slide Number Placeholder 4">
-            <a:extLst>
-              <a:ext uri="{FF2B5EF4-FFF2-40B4-BE49-F238E27FC236}">
-                <a16:creationId xmlns:a16="http://schemas.microsoft.com/office/drawing/2014/main" id="{E93011B1-D465-83AB-F65C-31E69B50EE55}"/>
-              </a:ext>
-            </a:extLst>
-          </p:cNvPr>
+          <p:cNvPr id="5" name="Slide Number Placeholder 4"/>
           <p:cNvSpPr>
             <a:spLocks noGrp="1"/>
           </p:cNvSpPr>
@@ -2025,7 +3851,7 @@
     </p:spTree>
     <p:extLst>
       <p:ext uri="{BB962C8B-B14F-4D97-AF65-F5344CB8AC3E}">
-        <p14:creationId xmlns:p14="http://schemas.microsoft.com/office/powerpoint/2010/main" val="966502520"/>
+        <p14:creationId xmlns:p14="http://schemas.microsoft.com/office/powerpoint/2010/main" val="3250683245"/>
       </p:ext>
     </p:extLst>
   </p:cSld>
@@ -2054,13 +3880,7 @@
       </p:grpSpPr>
       <p:sp>
         <p:nvSpPr>
-          <p:cNvPr id="2" name="Date Placeholder 1">
-            <a:extLst>
-              <a:ext uri="{FF2B5EF4-FFF2-40B4-BE49-F238E27FC236}">
-                <a16:creationId xmlns:a16="http://schemas.microsoft.com/office/drawing/2014/main" id="{72F7F046-8389-1EE3-DB53-49A4EFB971FE}"/>
-              </a:ext>
-            </a:extLst>
-          </p:cNvPr>
+          <p:cNvPr id="2" name="Date Placeholder 1"/>
           <p:cNvSpPr>
             <a:spLocks noGrp="1"/>
           </p:cNvSpPr>
@@ -2075,7 +3895,7 @@
           <a:p>
             <a:fld id="{040172E9-3018-4399-AF48-14950ACD53D7}" type="datetimeFigureOut">
               <a:rPr lang="en-US" smtClean="0"/>
-              <a:t>7/10/2022</a:t>
+              <a:t>7/12/2022</a:t>
             </a:fld>
             <a:endParaRPr lang="en-US"/>
           </a:p>
@@ -2083,13 +3903,7 @@
       </p:sp>
       <p:sp>
         <p:nvSpPr>
-          <p:cNvPr id="3" name="Footer Placeholder 2">
-            <a:extLst>
-              <a:ext uri="{FF2B5EF4-FFF2-40B4-BE49-F238E27FC236}">
-                <a16:creationId xmlns:a16="http://schemas.microsoft.com/office/drawing/2014/main" id="{21B8D1A3-0C5E-8184-6CEF-EFE5D923AC50}"/>
-              </a:ext>
-            </a:extLst>
-          </p:cNvPr>
+          <p:cNvPr id="3" name="Footer Placeholder 2"/>
           <p:cNvSpPr>
             <a:spLocks noGrp="1"/>
           </p:cNvSpPr>
@@ -2108,13 +3922,7 @@
       </p:sp>
       <p:sp>
         <p:nvSpPr>
-          <p:cNvPr id="4" name="Slide Number Placeholder 3">
-            <a:extLst>
-              <a:ext uri="{FF2B5EF4-FFF2-40B4-BE49-F238E27FC236}">
-                <a16:creationId xmlns:a16="http://schemas.microsoft.com/office/drawing/2014/main" id="{167C4036-5B87-160A-364A-94C5FA5960E2}"/>
-              </a:ext>
-            </a:extLst>
-          </p:cNvPr>
+          <p:cNvPr id="4" name="Slide Number Placeholder 3"/>
           <p:cNvSpPr>
             <a:spLocks noGrp="1"/>
           </p:cNvSpPr>
@@ -2138,7 +3946,7 @@
     </p:spTree>
     <p:extLst>
       <p:ext uri="{BB962C8B-B14F-4D97-AF65-F5344CB8AC3E}">
-        <p14:creationId xmlns:p14="http://schemas.microsoft.com/office/powerpoint/2010/main" val="3081205158"/>
+        <p14:creationId xmlns:p14="http://schemas.microsoft.com/office/powerpoint/2010/main" val="4207936195"/>
       </p:ext>
     </p:extLst>
   </p:cSld>
@@ -2167,13 +3975,7 @@
       </p:grpSpPr>
       <p:sp>
         <p:nvSpPr>
-          <p:cNvPr id="2" name="Title 1">
-            <a:extLst>
-              <a:ext uri="{FF2B5EF4-FFF2-40B4-BE49-F238E27FC236}">
-                <a16:creationId xmlns:a16="http://schemas.microsoft.com/office/drawing/2014/main" id="{C2C5D928-8B42-C80E-50A4-947D8F59CE4A}"/>
-              </a:ext>
-            </a:extLst>
-          </p:cNvPr>
+          <p:cNvPr id="2" name="Title 1"/>
           <p:cNvSpPr>
             <a:spLocks noGrp="1"/>
           </p:cNvSpPr>
@@ -2183,15 +3985,17 @@
         </p:nvSpPr>
         <p:spPr>
           <a:xfrm>
-            <a:off x="839788" y="457200"/>
-            <a:ext cx="3932237" cy="1600200"/>
-          </a:xfrm>
-        </p:spPr>
-        <p:txBody>
-          <a:bodyPr anchor="b"/>
+            <a:off x="7085012" y="685800"/>
+            <a:ext cx="3657600" cy="1371600"/>
+          </a:xfrm>
+        </p:spPr>
+        <p:txBody>
+          <a:bodyPr anchor="b">
+            <a:normAutofit/>
+          </a:bodyPr>
           <a:lstStyle>
-            <a:lvl1pPr>
-              <a:defRPr sz="3200"/>
+            <a:lvl1pPr algn="l">
+              <a:defRPr sz="2400" b="0"/>
             </a:lvl1pPr>
           </a:lstStyle>
           <a:p>
@@ -2199,18 +4003,13 @@
               <a:rPr lang="en-US"/>
               <a:t>Click to edit Master title style</a:t>
             </a:r>
-          </a:p>
-        </p:txBody>
-      </p:sp>
-      <p:sp>
-        <p:nvSpPr>
-          <p:cNvPr id="3" name="Content Placeholder 2">
-            <a:extLst>
-              <a:ext uri="{FF2B5EF4-FFF2-40B4-BE49-F238E27FC236}">
-                <a16:creationId xmlns:a16="http://schemas.microsoft.com/office/drawing/2014/main" id="{D0446106-1891-696C-D662-B96BECFA3A7C}"/>
-              </a:ext>
-            </a:extLst>
-          </p:cNvPr>
+            <a:endParaRPr lang="en-US" dirty="0"/>
+          </a:p>
+        </p:txBody>
+      </p:sp>
+      <p:sp>
+        <p:nvSpPr>
+          <p:cNvPr id="3" name="Content Placeholder 2"/>
           <p:cNvSpPr>
             <a:spLocks noGrp="1"/>
           </p:cNvSpPr>
@@ -2220,41 +4019,15 @@
         </p:nvSpPr>
         <p:spPr>
           <a:xfrm>
-            <a:off x="5183188" y="987425"/>
-            <a:ext cx="6172200" cy="4873625"/>
-          </a:xfrm>
-        </p:spPr>
-        <p:txBody>
-          <a:bodyPr/>
-          <a:lstStyle>
-            <a:lvl1pPr>
-              <a:defRPr sz="3200"/>
-            </a:lvl1pPr>
-            <a:lvl2pPr>
-              <a:defRPr sz="2800"/>
-            </a:lvl2pPr>
-            <a:lvl3pPr>
-              <a:defRPr sz="2400"/>
-            </a:lvl3pPr>
-            <a:lvl4pPr>
-              <a:defRPr sz="2000"/>
-            </a:lvl4pPr>
-            <a:lvl5pPr>
-              <a:defRPr sz="2000"/>
-            </a:lvl5pPr>
-            <a:lvl6pPr>
-              <a:defRPr sz="2000"/>
-            </a:lvl6pPr>
-            <a:lvl7pPr>
-              <a:defRPr sz="2000"/>
-            </a:lvl7pPr>
-            <a:lvl8pPr>
-              <a:defRPr sz="2000"/>
-            </a:lvl8pPr>
-            <a:lvl9pPr>
-              <a:defRPr sz="2000"/>
-            </a:lvl9pPr>
-          </a:lstStyle>
+            <a:off x="684212" y="685800"/>
+            <a:ext cx="5943601" cy="5308600"/>
+          </a:xfrm>
+        </p:spPr>
+        <p:txBody>
+          <a:bodyPr anchor="ctr">
+            <a:normAutofit/>
+          </a:bodyPr>
+          <a:lstStyle/>
           <a:p>
             <a:pPr lvl="0"/>
             <a:r>
@@ -2289,18 +4062,13 @@
               <a:rPr lang="en-US"/>
               <a:t>Fifth level</a:t>
             </a:r>
-          </a:p>
-        </p:txBody>
-      </p:sp>
-      <p:sp>
-        <p:nvSpPr>
-          <p:cNvPr id="4" name="Text Placeholder 3">
-            <a:extLst>
-              <a:ext uri="{FF2B5EF4-FFF2-40B4-BE49-F238E27FC236}">
-                <a16:creationId xmlns:a16="http://schemas.microsoft.com/office/drawing/2014/main" id="{1938D3C6-D3E1-75CA-B3F4-BDDA55C8BD3B}"/>
-              </a:ext>
-            </a:extLst>
-          </p:cNvPr>
+            <a:endParaRPr lang="en-US" dirty="0"/>
+          </a:p>
+        </p:txBody>
+      </p:sp>
+      <p:sp>
+        <p:nvSpPr>
+          <p:cNvPr id="4" name="Text Placeholder 3"/>
           <p:cNvSpPr>
             <a:spLocks noGrp="1"/>
           </p:cNvSpPr>
@@ -2310,12 +4078,14 @@
         </p:nvSpPr>
         <p:spPr>
           <a:xfrm>
-            <a:off x="839788" y="2057400"/>
-            <a:ext cx="3932237" cy="3811588"/>
-          </a:xfrm>
-        </p:spPr>
-        <p:txBody>
-          <a:bodyPr/>
+            <a:off x="7085012" y="2209799"/>
+            <a:ext cx="3657600" cy="2091267"/>
+          </a:xfrm>
+        </p:spPr>
+        <p:txBody>
+          <a:bodyPr anchor="t">
+            <a:normAutofit/>
+          </a:bodyPr>
           <a:lstStyle>
             <a:lvl1pPr marL="0" indent="0">
               <a:buNone/>
@@ -2323,35 +4093,35 @@
             </a:lvl1pPr>
             <a:lvl2pPr marL="457200" indent="0">
               <a:buNone/>
-              <a:defRPr sz="1400"/>
+              <a:defRPr sz="1200"/>
             </a:lvl2pPr>
             <a:lvl3pPr marL="914400" indent="0">
               <a:buNone/>
-              <a:defRPr sz="1200"/>
+              <a:defRPr sz="1000"/>
             </a:lvl3pPr>
             <a:lvl4pPr marL="1371600" indent="0">
               <a:buNone/>
-              <a:defRPr sz="1000"/>
+              <a:defRPr sz="900"/>
             </a:lvl4pPr>
             <a:lvl5pPr marL="1828800" indent="0">
               <a:buNone/>
-              <a:defRPr sz="1000"/>
+              <a:defRPr sz="900"/>
             </a:lvl5pPr>
             <a:lvl6pPr marL="2286000" indent="0">
               <a:buNone/>
-              <a:defRPr sz="1000"/>
+              <a:defRPr sz="900"/>
             </a:lvl6pPr>
             <a:lvl7pPr marL="2743200" indent="0">
               <a:buNone/>
-              <a:defRPr sz="1000"/>
+              <a:defRPr sz="900"/>
             </a:lvl7pPr>
             <a:lvl8pPr marL="3200400" indent="0">
               <a:buNone/>
-              <a:defRPr sz="1000"/>
+              <a:defRPr sz="900"/>
             </a:lvl8pPr>
             <a:lvl9pPr marL="3657600" indent="0">
               <a:buNone/>
-              <a:defRPr sz="1000"/>
+              <a:defRPr sz="900"/>
             </a:lvl9pPr>
           </a:lstStyle>
           <a:p>
@@ -2365,13 +4135,7 @@
       </p:sp>
       <p:sp>
         <p:nvSpPr>
-          <p:cNvPr id="5" name="Date Placeholder 4">
-            <a:extLst>
-              <a:ext uri="{FF2B5EF4-FFF2-40B4-BE49-F238E27FC236}">
-                <a16:creationId xmlns:a16="http://schemas.microsoft.com/office/drawing/2014/main" id="{348D5719-5CD8-A17E-FBC3-8542610E09C7}"/>
-              </a:ext>
-            </a:extLst>
-          </p:cNvPr>
+          <p:cNvPr id="5" name="Date Placeholder 4"/>
           <p:cNvSpPr>
             <a:spLocks noGrp="1"/>
           </p:cNvSpPr>
@@ -2386,7 +4150,7 @@
           <a:p>
             <a:fld id="{040172E9-3018-4399-AF48-14950ACD53D7}" type="datetimeFigureOut">
               <a:rPr lang="en-US" smtClean="0"/>
-              <a:t>7/10/2022</a:t>
+              <a:t>7/12/2022</a:t>
             </a:fld>
             <a:endParaRPr lang="en-US"/>
           </a:p>
@@ -2394,13 +4158,7 @@
       </p:sp>
       <p:sp>
         <p:nvSpPr>
-          <p:cNvPr id="6" name="Footer Placeholder 5">
-            <a:extLst>
-              <a:ext uri="{FF2B5EF4-FFF2-40B4-BE49-F238E27FC236}">
-                <a16:creationId xmlns:a16="http://schemas.microsoft.com/office/drawing/2014/main" id="{20297E17-6A69-53BD-FB20-BDFB587D0FD5}"/>
-              </a:ext>
-            </a:extLst>
-          </p:cNvPr>
+          <p:cNvPr id="6" name="Footer Placeholder 5"/>
           <p:cNvSpPr>
             <a:spLocks noGrp="1"/>
           </p:cNvSpPr>
@@ -2419,13 +4177,7 @@
       </p:sp>
       <p:sp>
         <p:nvSpPr>
-          <p:cNvPr id="7" name="Slide Number Placeholder 6">
-            <a:extLst>
-              <a:ext uri="{FF2B5EF4-FFF2-40B4-BE49-F238E27FC236}">
-                <a16:creationId xmlns:a16="http://schemas.microsoft.com/office/drawing/2014/main" id="{C1B95870-0AC4-C9AF-AC3D-531448918A23}"/>
-              </a:ext>
-            </a:extLst>
-          </p:cNvPr>
+          <p:cNvPr id="7" name="Slide Number Placeholder 6"/>
           <p:cNvSpPr>
             <a:spLocks noGrp="1"/>
           </p:cNvSpPr>
@@ -2449,7 +4201,7 @@
     </p:spTree>
     <p:extLst>
       <p:ext uri="{BB962C8B-B14F-4D97-AF65-F5344CB8AC3E}">
-        <p14:creationId xmlns:p14="http://schemas.microsoft.com/office/powerpoint/2010/main" val="2073321789"/>
+        <p14:creationId xmlns:p14="http://schemas.microsoft.com/office/powerpoint/2010/main" val="336135121"/>
       </p:ext>
     </p:extLst>
   </p:cSld>
@@ -2478,13 +4230,7 @@
       </p:grpSpPr>
       <p:sp>
         <p:nvSpPr>
-          <p:cNvPr id="2" name="Title 1">
-            <a:extLst>
-              <a:ext uri="{FF2B5EF4-FFF2-40B4-BE49-F238E27FC236}">
-                <a16:creationId xmlns:a16="http://schemas.microsoft.com/office/drawing/2014/main" id="{711791B2-2E0B-18A8-3447-9366DDE1FD13}"/>
-              </a:ext>
-            </a:extLst>
-          </p:cNvPr>
+          <p:cNvPr id="2" name="Title 1"/>
           <p:cNvSpPr>
             <a:spLocks noGrp="1"/>
           </p:cNvSpPr>
@@ -2494,15 +4240,17 @@
         </p:nvSpPr>
         <p:spPr>
           <a:xfrm>
-            <a:off x="839788" y="457200"/>
-            <a:ext cx="3932237" cy="1600200"/>
-          </a:xfrm>
-        </p:spPr>
-        <p:txBody>
-          <a:bodyPr anchor="b"/>
+            <a:off x="4722812" y="1447800"/>
+            <a:ext cx="6019800" cy="1143000"/>
+          </a:xfrm>
+        </p:spPr>
+        <p:txBody>
+          <a:bodyPr anchor="b">
+            <a:normAutofit/>
+          </a:bodyPr>
           <a:lstStyle>
-            <a:lvl1pPr>
-              <a:defRPr sz="3200"/>
+            <a:lvl1pPr algn="l">
+              <a:defRPr sz="2800" b="0"/>
             </a:lvl1pPr>
           </a:lstStyle>
           <a:p>
@@ -2510,20 +4258,15 @@
               <a:rPr lang="en-US"/>
               <a:t>Click to edit Master title style</a:t>
             </a:r>
-          </a:p>
-        </p:txBody>
-      </p:sp>
-      <p:sp>
-        <p:nvSpPr>
-          <p:cNvPr id="3" name="Picture Placeholder 2">
-            <a:extLst>
-              <a:ext uri="{FF2B5EF4-FFF2-40B4-BE49-F238E27FC236}">
-                <a16:creationId xmlns:a16="http://schemas.microsoft.com/office/drawing/2014/main" id="{07BA9EA2-1409-ADE6-B14A-47907D3C5339}"/>
-              </a:ext>
-            </a:extLst>
-          </p:cNvPr>
-          <p:cNvSpPr>
-            <a:spLocks noGrp="1"/>
+            <a:endParaRPr lang="en-US" dirty="0"/>
+          </a:p>
+        </p:txBody>
+      </p:sp>
+      <p:sp>
+        <p:nvSpPr>
+          <p:cNvPr id="14" name="Picture Placeholder 2"/>
+          <p:cNvSpPr>
+            <a:spLocks noGrp="1" noChangeAspect="1"/>
           </p:cNvSpPr>
           <p:nvPr>
             <p:ph type="pic" idx="1"/>
@@ -2531,118 +4274,140 @@
         </p:nvSpPr>
         <p:spPr>
           <a:xfrm>
-            <a:off x="5183188" y="987425"/>
-            <a:ext cx="6172200" cy="4873625"/>
-          </a:xfrm>
-        </p:spPr>
-        <p:txBody>
-          <a:bodyPr/>
+            <a:off x="989012" y="914400"/>
+            <a:ext cx="3280974" cy="4572000"/>
+          </a:xfrm>
+          <a:prstGeom prst="snip2DiagRect">
+            <a:avLst>
+              <a:gd name="adj1" fmla="val 10815"/>
+              <a:gd name="adj2" fmla="val 0"/>
+            </a:avLst>
+          </a:prstGeom>
+          <a:ln w="15875">
+            <a:solidFill>
+              <a:schemeClr val="tx1">
+                <a:alpha val="40000"/>
+              </a:schemeClr>
+            </a:solidFill>
+          </a:ln>
+          <a:effectLst>
+            <a:innerShdw blurRad="57150" dist="38100" dir="14460000">
+              <a:srgbClr val="000000">
+                <a:alpha val="70000"/>
+              </a:srgbClr>
+            </a:innerShdw>
+          </a:effectLst>
+        </p:spPr>
+        <p:txBody>
+          <a:bodyPr anchor="t">
+            <a:normAutofit/>
+          </a:bodyPr>
           <a:lstStyle>
-            <a:lvl1pPr marL="0" indent="0">
-              <a:buNone/>
-              <a:defRPr sz="3200"/>
-            </a:lvl1pPr>
-            <a:lvl2pPr marL="457200" indent="0">
-              <a:buNone/>
-              <a:defRPr sz="2800"/>
-            </a:lvl2pPr>
-            <a:lvl3pPr marL="914400" indent="0">
-              <a:buNone/>
-              <a:defRPr sz="2400"/>
-            </a:lvl3pPr>
-            <a:lvl4pPr marL="1371600" indent="0">
-              <a:buNone/>
-              <a:defRPr sz="2000"/>
-            </a:lvl4pPr>
-            <a:lvl5pPr marL="1828800" indent="0">
-              <a:buNone/>
-              <a:defRPr sz="2000"/>
-            </a:lvl5pPr>
-            <a:lvl6pPr marL="2286000" indent="0">
-              <a:buNone/>
-              <a:defRPr sz="2000"/>
-            </a:lvl6pPr>
-            <a:lvl7pPr marL="2743200" indent="0">
-              <a:buNone/>
-              <a:defRPr sz="2000"/>
-            </a:lvl7pPr>
-            <a:lvl8pPr marL="3200400" indent="0">
-              <a:buNone/>
-              <a:defRPr sz="2000"/>
-            </a:lvl8pPr>
-            <a:lvl9pPr marL="3657600" indent="0">
-              <a:buNone/>
-              <a:defRPr sz="2000"/>
-            </a:lvl9pPr>
-          </a:lstStyle>
-          <a:p>
-            <a:endParaRPr lang="en-US"/>
-          </a:p>
-        </p:txBody>
-      </p:sp>
-      <p:sp>
-        <p:nvSpPr>
-          <p:cNvPr id="4" name="Text Placeholder 3">
-            <a:extLst>
-              <a:ext uri="{FF2B5EF4-FFF2-40B4-BE49-F238E27FC236}">
-                <a16:creationId xmlns:a16="http://schemas.microsoft.com/office/drawing/2014/main" id="{6AAFC62F-B19D-15AE-E0F4-E2FD3D4C3C23}"/>
-              </a:ext>
-            </a:extLst>
-          </p:cNvPr>
-          <p:cNvSpPr>
-            <a:spLocks noGrp="1"/>
-          </p:cNvSpPr>
-          <p:nvPr>
-            <p:ph type="body" sz="half" idx="2"/>
-          </p:nvPr>
-        </p:nvSpPr>
-        <p:spPr>
-          <a:xfrm>
-            <a:off x="839788" y="2057400"/>
-            <a:ext cx="3932237" cy="3811588"/>
-          </a:xfrm>
-        </p:spPr>
-        <p:txBody>
-          <a:bodyPr/>
-          <a:lstStyle>
-            <a:lvl1pPr marL="0" indent="0">
+            <a:lvl1pPr marL="0" indent="0" algn="ctr">
               <a:buNone/>
               <a:defRPr sz="1600"/>
             </a:lvl1pPr>
             <a:lvl2pPr marL="457200" indent="0">
               <a:buNone/>
-              <a:defRPr sz="1400"/>
+              <a:defRPr sz="1600"/>
             </a:lvl2pPr>
             <a:lvl3pPr marL="914400" indent="0">
               <a:buNone/>
-              <a:defRPr sz="1200"/>
+              <a:defRPr sz="1600"/>
             </a:lvl3pPr>
             <a:lvl4pPr marL="1371600" indent="0">
               <a:buNone/>
-              <a:defRPr sz="1000"/>
+              <a:defRPr sz="1600"/>
             </a:lvl4pPr>
             <a:lvl5pPr marL="1828800" indent="0">
               <a:buNone/>
-              <a:defRPr sz="1000"/>
+              <a:defRPr sz="1600"/>
             </a:lvl5pPr>
             <a:lvl6pPr marL="2286000" indent="0">
               <a:buNone/>
-              <a:defRPr sz="1000"/>
+              <a:defRPr sz="1600"/>
             </a:lvl6pPr>
             <a:lvl7pPr marL="2743200" indent="0">
               <a:buNone/>
-              <a:defRPr sz="1000"/>
+              <a:defRPr sz="1600"/>
             </a:lvl7pPr>
             <a:lvl8pPr marL="3200400" indent="0">
               <a:buNone/>
-              <a:defRPr sz="1000"/>
+              <a:defRPr sz="1600"/>
             </a:lvl8pPr>
             <a:lvl9pPr marL="3657600" indent="0">
               <a:buNone/>
-              <a:defRPr sz="1000"/>
+              <a:defRPr sz="1600"/>
             </a:lvl9pPr>
           </a:lstStyle>
           <a:p>
+            <a:r>
+              <a:rPr lang="en-US"/>
+              <a:t>Click icon to add picture</a:t>
+            </a:r>
+            <a:endParaRPr lang="en-US" dirty="0"/>
+          </a:p>
+        </p:txBody>
+      </p:sp>
+      <p:sp>
+        <p:nvSpPr>
+          <p:cNvPr id="4" name="Text Placeholder 3"/>
+          <p:cNvSpPr>
+            <a:spLocks noGrp="1"/>
+          </p:cNvSpPr>
+          <p:nvPr>
+            <p:ph type="body" sz="half" idx="2"/>
+          </p:nvPr>
+        </p:nvSpPr>
+        <p:spPr>
+          <a:xfrm>
+            <a:off x="4722812" y="2777066"/>
+            <a:ext cx="6021388" cy="2048933"/>
+          </a:xfrm>
+        </p:spPr>
+        <p:txBody>
+          <a:bodyPr anchor="t">
+            <a:normAutofit/>
+          </a:bodyPr>
+          <a:lstStyle>
+            <a:lvl1pPr marL="0" indent="0">
+              <a:buNone/>
+              <a:defRPr sz="1800"/>
+            </a:lvl1pPr>
+            <a:lvl2pPr marL="457200" indent="0">
+              <a:buNone/>
+              <a:defRPr sz="1200"/>
+            </a:lvl2pPr>
+            <a:lvl3pPr marL="914400" indent="0">
+              <a:buNone/>
+              <a:defRPr sz="1000"/>
+            </a:lvl3pPr>
+            <a:lvl4pPr marL="1371600" indent="0">
+              <a:buNone/>
+              <a:defRPr sz="900"/>
+            </a:lvl4pPr>
+            <a:lvl5pPr marL="1828800" indent="0">
+              <a:buNone/>
+              <a:defRPr sz="900"/>
+            </a:lvl5pPr>
+            <a:lvl6pPr marL="2286000" indent="0">
+              <a:buNone/>
+              <a:defRPr sz="900"/>
+            </a:lvl6pPr>
+            <a:lvl7pPr marL="2743200" indent="0">
+              <a:buNone/>
+              <a:defRPr sz="900"/>
+            </a:lvl7pPr>
+            <a:lvl8pPr marL="3200400" indent="0">
+              <a:buNone/>
+              <a:defRPr sz="900"/>
+            </a:lvl8pPr>
+            <a:lvl9pPr marL="3657600" indent="0">
+              <a:buNone/>
+              <a:defRPr sz="900"/>
+            </a:lvl9pPr>
+          </a:lstStyle>
+          <a:p>
             <a:pPr lvl="0"/>
             <a:r>
               <a:rPr lang="en-US"/>
@@ -2653,13 +4418,7 @@
       </p:sp>
       <p:sp>
         <p:nvSpPr>
-          <p:cNvPr id="5" name="Date Placeholder 4">
-            <a:extLst>
-              <a:ext uri="{FF2B5EF4-FFF2-40B4-BE49-F238E27FC236}">
-                <a16:creationId xmlns:a16="http://schemas.microsoft.com/office/drawing/2014/main" id="{2634F402-F48B-27EF-EA5D-D4015E9D18C4}"/>
-              </a:ext>
-            </a:extLst>
-          </p:cNvPr>
+          <p:cNvPr id="5" name="Date Placeholder 4"/>
           <p:cNvSpPr>
             <a:spLocks noGrp="1"/>
           </p:cNvSpPr>
@@ -2674,7 +4433,7 @@
           <a:p>
             <a:fld id="{040172E9-3018-4399-AF48-14950ACD53D7}" type="datetimeFigureOut">
               <a:rPr lang="en-US" smtClean="0"/>
-              <a:t>7/10/2022</a:t>
+              <a:t>7/12/2022</a:t>
             </a:fld>
             <a:endParaRPr lang="en-US"/>
           </a:p>
@@ -2682,13 +4441,7 @@
       </p:sp>
       <p:sp>
         <p:nvSpPr>
-          <p:cNvPr id="6" name="Footer Placeholder 5">
-            <a:extLst>
-              <a:ext uri="{FF2B5EF4-FFF2-40B4-BE49-F238E27FC236}">
-                <a16:creationId xmlns:a16="http://schemas.microsoft.com/office/drawing/2014/main" id="{9D1A92DD-3B31-7DF2-0AFD-436C3913204A}"/>
-              </a:ext>
-            </a:extLst>
-          </p:cNvPr>
+          <p:cNvPr id="6" name="Footer Placeholder 5"/>
           <p:cNvSpPr>
             <a:spLocks noGrp="1"/>
           </p:cNvSpPr>
@@ -2707,13 +4460,7 @@
       </p:sp>
       <p:sp>
         <p:nvSpPr>
-          <p:cNvPr id="7" name="Slide Number Placeholder 6">
-            <a:extLst>
-              <a:ext uri="{FF2B5EF4-FFF2-40B4-BE49-F238E27FC236}">
-                <a16:creationId xmlns:a16="http://schemas.microsoft.com/office/drawing/2014/main" id="{E442F5C6-1BF1-A066-EF50-E9476CF4433A}"/>
-              </a:ext>
-            </a:extLst>
-          </p:cNvPr>
+          <p:cNvPr id="7" name="Slide Number Placeholder 6"/>
           <p:cNvSpPr>
             <a:spLocks noGrp="1"/>
           </p:cNvSpPr>
@@ -2737,7 +4484,7 @@
     </p:spTree>
     <p:extLst>
       <p:ext uri="{BB962C8B-B14F-4D97-AF65-F5344CB8AC3E}">
-        <p14:creationId xmlns:p14="http://schemas.microsoft.com/office/powerpoint/2010/main" val="3082134832"/>
+        <p14:creationId xmlns:p14="http://schemas.microsoft.com/office/powerpoint/2010/main" val="1842083197"/>
       </p:ext>
     </p:extLst>
   </p:cSld>
@@ -2751,8 +4498,8 @@
 <p:sldMaster xmlns:a="http://schemas.openxmlformats.org/drawingml/2006/main" xmlns:r="http://schemas.openxmlformats.org/officeDocument/2006/relationships" xmlns:p="http://schemas.openxmlformats.org/presentationml/2006/main">
   <p:cSld>
     <p:bg>
-      <p:bgRef idx="1001">
-        <a:schemeClr val="bg1"/>
+      <p:bgRef idx="1002">
+        <a:schemeClr val="bg2"/>
       </p:bgRef>
     </p:bg>
     <p:spTree>
@@ -2769,15 +4516,199 @@
           <a:chExt cx="0" cy="0"/>
         </a:xfrm>
       </p:grpSpPr>
-      <p:sp>
-        <p:nvSpPr>
-          <p:cNvPr id="2" name="Title Placeholder 1">
-            <a:extLst>
-              <a:ext uri="{FF2B5EF4-FFF2-40B4-BE49-F238E27FC236}">
-                <a16:creationId xmlns:a16="http://schemas.microsoft.com/office/drawing/2014/main" id="{F1C9830F-CCAF-3DE7-5704-E0399B84446B}"/>
-              </a:ext>
-            </a:extLst>
-          </p:cNvPr>
+      <p:grpSp>
+        <p:nvGrpSpPr>
+          <p:cNvPr id="7" name="Group 6"/>
+          <p:cNvGrpSpPr/>
+          <p:nvPr/>
+        </p:nvGrpSpPr>
+        <p:grpSpPr>
+          <a:xfrm>
+            <a:off x="9206969" y="2963333"/>
+            <a:ext cx="2981858" cy="3208867"/>
+            <a:chOff x="9206969" y="2963333"/>
+            <a:chExt cx="2981858" cy="3208867"/>
+          </a:xfrm>
+        </p:grpSpPr>
+        <p:cxnSp>
+          <p:nvCxnSpPr>
+            <p:cNvPr id="8" name="Straight Connector 7"/>
+            <p:cNvCxnSpPr/>
+            <p:nvPr/>
+          </p:nvCxnSpPr>
+          <p:spPr>
+            <a:xfrm flipH="1">
+              <a:off x="11276012" y="2963333"/>
+              <a:ext cx="912814" cy="912812"/>
+            </a:xfrm>
+            <a:prstGeom prst="line">
+              <a:avLst/>
+            </a:prstGeom>
+            <a:ln w="9525">
+              <a:solidFill>
+                <a:schemeClr val="tx1"/>
+              </a:solidFill>
+            </a:ln>
+          </p:spPr>
+          <p:style>
+            <a:lnRef idx="2">
+              <a:schemeClr val="accent1"/>
+            </a:lnRef>
+            <a:fillRef idx="0">
+              <a:schemeClr val="accent1"/>
+            </a:fillRef>
+            <a:effectRef idx="1">
+              <a:schemeClr val="accent1"/>
+            </a:effectRef>
+            <a:fontRef idx="minor">
+              <a:schemeClr val="tx1"/>
+            </a:fontRef>
+          </p:style>
+        </p:cxnSp>
+        <p:cxnSp>
+          <p:nvCxnSpPr>
+            <p:cNvPr id="9" name="Straight Connector 8"/>
+            <p:cNvCxnSpPr/>
+            <p:nvPr/>
+          </p:nvCxnSpPr>
+          <p:spPr>
+            <a:xfrm flipH="1">
+              <a:off x="9206969" y="3190344"/>
+              <a:ext cx="2981857" cy="2981856"/>
+            </a:xfrm>
+            <a:prstGeom prst="line">
+              <a:avLst/>
+            </a:prstGeom>
+            <a:ln w="9525">
+              <a:solidFill>
+                <a:schemeClr val="tx1"/>
+              </a:solidFill>
+            </a:ln>
+          </p:spPr>
+          <p:style>
+            <a:lnRef idx="2">
+              <a:schemeClr val="accent1"/>
+            </a:lnRef>
+            <a:fillRef idx="0">
+              <a:schemeClr val="accent1"/>
+            </a:fillRef>
+            <a:effectRef idx="1">
+              <a:schemeClr val="accent1"/>
+            </a:effectRef>
+            <a:fontRef idx="minor">
+              <a:schemeClr val="tx1"/>
+            </a:fontRef>
+          </p:style>
+        </p:cxnSp>
+        <p:cxnSp>
+          <p:nvCxnSpPr>
+            <p:cNvPr id="10" name="Straight Connector 9"/>
+            <p:cNvCxnSpPr/>
+            <p:nvPr/>
+          </p:nvCxnSpPr>
+          <p:spPr>
+            <a:xfrm flipH="1">
+              <a:off x="10292292" y="3285067"/>
+              <a:ext cx="1896534" cy="1896533"/>
+            </a:xfrm>
+            <a:prstGeom prst="line">
+              <a:avLst/>
+            </a:prstGeom>
+            <a:ln w="9525">
+              <a:solidFill>
+                <a:schemeClr val="tx1"/>
+              </a:solidFill>
+            </a:ln>
+          </p:spPr>
+          <p:style>
+            <a:lnRef idx="2">
+              <a:schemeClr val="accent1"/>
+            </a:lnRef>
+            <a:fillRef idx="0">
+              <a:schemeClr val="accent1"/>
+            </a:fillRef>
+            <a:effectRef idx="1">
+              <a:schemeClr val="accent1"/>
+            </a:effectRef>
+            <a:fontRef idx="minor">
+              <a:schemeClr val="tx1"/>
+            </a:fontRef>
+          </p:style>
+        </p:cxnSp>
+        <p:cxnSp>
+          <p:nvCxnSpPr>
+            <p:cNvPr id="11" name="Straight Connector 10"/>
+            <p:cNvCxnSpPr/>
+            <p:nvPr/>
+          </p:nvCxnSpPr>
+          <p:spPr>
+            <a:xfrm flipH="1">
+              <a:off x="10443103" y="3131080"/>
+              <a:ext cx="1745722" cy="1745720"/>
+            </a:xfrm>
+            <a:prstGeom prst="line">
+              <a:avLst/>
+            </a:prstGeom>
+            <a:ln w="28575">
+              <a:solidFill>
+                <a:schemeClr val="tx1"/>
+              </a:solidFill>
+            </a:ln>
+          </p:spPr>
+          <p:style>
+            <a:lnRef idx="2">
+              <a:schemeClr val="accent1"/>
+            </a:lnRef>
+            <a:fillRef idx="0">
+              <a:schemeClr val="accent1"/>
+            </a:fillRef>
+            <a:effectRef idx="1">
+              <a:schemeClr val="accent1"/>
+            </a:effectRef>
+            <a:fontRef idx="minor">
+              <a:schemeClr val="tx1"/>
+            </a:fontRef>
+          </p:style>
+        </p:cxnSp>
+        <p:cxnSp>
+          <p:nvCxnSpPr>
+            <p:cNvPr id="12" name="Straight Connector 11"/>
+            <p:cNvCxnSpPr/>
+            <p:nvPr/>
+          </p:nvCxnSpPr>
+          <p:spPr>
+            <a:xfrm flipH="1">
+              <a:off x="10918826" y="3683001"/>
+              <a:ext cx="1270001" cy="1269999"/>
+            </a:xfrm>
+            <a:prstGeom prst="line">
+              <a:avLst/>
+            </a:prstGeom>
+            <a:ln w="28575">
+              <a:solidFill>
+                <a:schemeClr val="tx1"/>
+              </a:solidFill>
+            </a:ln>
+          </p:spPr>
+          <p:style>
+            <a:lnRef idx="2">
+              <a:schemeClr val="accent1"/>
+            </a:lnRef>
+            <a:fillRef idx="0">
+              <a:schemeClr val="accent1"/>
+            </a:fillRef>
+            <a:effectRef idx="1">
+              <a:schemeClr val="accent1"/>
+            </a:effectRef>
+            <a:fontRef idx="minor">
+              <a:schemeClr val="tx1"/>
+            </a:fontRef>
+          </p:style>
+        </p:cxnSp>
+      </p:grpSp>
+      <p:sp>
+        <p:nvSpPr>
+          <p:cNvPr id="2" name="Title Placeholder 1"/>
           <p:cNvSpPr>
             <a:spLocks noGrp="1"/>
           </p:cNvSpPr>
@@ -2787,12 +4718,13 @@
         </p:nvSpPr>
         <p:spPr>
           <a:xfrm>
-            <a:off x="838200" y="365125"/>
-            <a:ext cx="10515600" cy="1325563"/>
+            <a:off x="684212" y="4487332"/>
+            <a:ext cx="8534400" cy="1507067"/>
           </a:xfrm>
           <a:prstGeom prst="rect">
             <a:avLst/>
           </a:prstGeom>
+          <a:effectLst/>
         </p:spPr>
         <p:txBody>
           <a:bodyPr vert="horz" lIns="91440" tIns="45720" rIns="91440" bIns="45720" rtlCol="0" anchor="ctr">
@@ -2804,18 +4736,13 @@
               <a:rPr lang="en-US"/>
               <a:t>Click to edit Master title style</a:t>
             </a:r>
-          </a:p>
-        </p:txBody>
-      </p:sp>
-      <p:sp>
-        <p:nvSpPr>
-          <p:cNvPr id="3" name="Text Placeholder 2">
-            <a:extLst>
-              <a:ext uri="{FF2B5EF4-FFF2-40B4-BE49-F238E27FC236}">
-                <a16:creationId xmlns:a16="http://schemas.microsoft.com/office/drawing/2014/main" id="{47848486-8D52-D137-8F78-9037F76BC992}"/>
-              </a:ext>
-            </a:extLst>
-          </p:cNvPr>
+            <a:endParaRPr lang="en-US" dirty="0"/>
+          </a:p>
+        </p:txBody>
+      </p:sp>
+      <p:sp>
+        <p:nvSpPr>
+          <p:cNvPr id="3" name="Text Placeholder 2"/>
           <p:cNvSpPr>
             <a:spLocks noGrp="1"/>
           </p:cNvSpPr>
@@ -2825,15 +4752,15 @@
         </p:nvSpPr>
         <p:spPr>
           <a:xfrm>
-            <a:off x="838200" y="1825625"/>
-            <a:ext cx="10515600" cy="4351338"/>
+            <a:off x="684212" y="685800"/>
+            <a:ext cx="8534400" cy="3615267"/>
           </a:xfrm>
           <a:prstGeom prst="rect">
             <a:avLst/>
           </a:prstGeom>
         </p:spPr>
         <p:txBody>
-          <a:bodyPr vert="horz" lIns="91440" tIns="45720" rIns="91440" bIns="45720" rtlCol="0">
+          <a:bodyPr vert="horz" lIns="91440" tIns="45720" rIns="91440" bIns="45720" rtlCol="0" anchor="ctr">
             <a:normAutofit/>
           </a:bodyPr>
           <a:lstStyle/>
@@ -2871,18 +4798,13 @@
               <a:rPr lang="en-US"/>
               <a:t>Fifth level</a:t>
             </a:r>
-          </a:p>
-        </p:txBody>
-      </p:sp>
-      <p:sp>
-        <p:nvSpPr>
-          <p:cNvPr id="4" name="Date Placeholder 3">
-            <a:extLst>
-              <a:ext uri="{FF2B5EF4-FFF2-40B4-BE49-F238E27FC236}">
-                <a16:creationId xmlns:a16="http://schemas.microsoft.com/office/drawing/2014/main" id="{4C2015D7-B5CC-D87E-5C1B-DA1753C046A7}"/>
-              </a:ext>
-            </a:extLst>
-          </p:cNvPr>
+            <a:endParaRPr lang="en-US" dirty="0"/>
+          </a:p>
+        </p:txBody>
+      </p:sp>
+      <p:sp>
+        <p:nvSpPr>
+          <p:cNvPr id="4" name="Date Placeholder 3"/>
           <p:cNvSpPr>
             <a:spLocks noGrp="1"/>
           </p:cNvSpPr>
@@ -2892,30 +4814,32 @@
         </p:nvSpPr>
         <p:spPr>
           <a:xfrm>
-            <a:off x="838200" y="6356350"/>
-            <a:ext cx="2743200" cy="365125"/>
+            <a:off x="9904412" y="6172200"/>
+            <a:ext cx="1600200" cy="365125"/>
           </a:xfrm>
           <a:prstGeom prst="rect">
             <a:avLst/>
           </a:prstGeom>
         </p:spPr>
         <p:txBody>
-          <a:bodyPr vert="horz" lIns="91440" tIns="45720" rIns="91440" bIns="45720" rtlCol="0" anchor="ctr"/>
+          <a:bodyPr vert="horz" lIns="91440" tIns="45720" rIns="91440" bIns="45720" rtlCol="0" anchor="t"/>
           <a:lstStyle>
-            <a:lvl1pPr algn="l">
-              <a:defRPr sz="1200">
-                <a:solidFill>
-                  <a:schemeClr val="tx1">
-                    <a:tint val="75000"/>
+            <a:lvl1pPr algn="r">
+              <a:defRPr sz="1000" b="0" i="0">
+                <a:solidFill>
+                  <a:schemeClr val="bg2">
+                    <a:lumMod val="50000"/>
                   </a:schemeClr>
                 </a:solidFill>
+                <a:effectLst/>
+                <a:latin typeface="+mn-lt"/>
               </a:defRPr>
             </a:lvl1pPr>
           </a:lstStyle>
           <a:p>
             <a:fld id="{040172E9-3018-4399-AF48-14950ACD53D7}" type="datetimeFigureOut">
               <a:rPr lang="en-US" smtClean="0"/>
-              <a:t>7/10/2022</a:t>
+              <a:t>7/12/2022</a:t>
             </a:fld>
             <a:endParaRPr lang="en-US"/>
           </a:p>
@@ -2923,13 +4847,7 @@
       </p:sp>
       <p:sp>
         <p:nvSpPr>
-          <p:cNvPr id="5" name="Footer Placeholder 4">
-            <a:extLst>
-              <a:ext uri="{FF2B5EF4-FFF2-40B4-BE49-F238E27FC236}">
-                <a16:creationId xmlns:a16="http://schemas.microsoft.com/office/drawing/2014/main" id="{9FE6216B-0C34-52B5-43B8-6444F8BCCB24}"/>
-              </a:ext>
-            </a:extLst>
-          </p:cNvPr>
+          <p:cNvPr id="5" name="Footer Placeholder 4"/>
           <p:cNvSpPr>
             <a:spLocks noGrp="1"/>
           </p:cNvSpPr>
@@ -2939,23 +4857,25 @@
         </p:nvSpPr>
         <p:spPr>
           <a:xfrm>
-            <a:off x="4038600" y="6356350"/>
-            <a:ext cx="4114800" cy="365125"/>
+            <a:off x="684212" y="6172200"/>
+            <a:ext cx="7543800" cy="365125"/>
           </a:xfrm>
           <a:prstGeom prst="rect">
             <a:avLst/>
           </a:prstGeom>
         </p:spPr>
         <p:txBody>
-          <a:bodyPr vert="horz" lIns="91440" tIns="45720" rIns="91440" bIns="45720" rtlCol="0" anchor="ctr"/>
+          <a:bodyPr vert="horz" lIns="91440" tIns="45720" rIns="91440" bIns="45720" rtlCol="0" anchor="t"/>
           <a:lstStyle>
-            <a:lvl1pPr algn="ctr">
-              <a:defRPr sz="1200">
-                <a:solidFill>
-                  <a:schemeClr val="tx1">
-                    <a:tint val="75000"/>
+            <a:lvl1pPr algn="l">
+              <a:defRPr sz="1000" b="0" i="0">
+                <a:solidFill>
+                  <a:schemeClr val="bg2">
+                    <a:lumMod val="50000"/>
                   </a:schemeClr>
                 </a:solidFill>
+                <a:effectLst/>
+                <a:latin typeface="+mn-lt"/>
               </a:defRPr>
             </a:lvl1pPr>
           </a:lstStyle>
@@ -2966,13 +4886,7 @@
       </p:sp>
       <p:sp>
         <p:nvSpPr>
-          <p:cNvPr id="6" name="Slide Number Placeholder 5">
-            <a:extLst>
-              <a:ext uri="{FF2B5EF4-FFF2-40B4-BE49-F238E27FC236}">
-                <a16:creationId xmlns:a16="http://schemas.microsoft.com/office/drawing/2014/main" id="{6E4D028C-8B26-FFF3-92C7-2F0150528E89}"/>
-              </a:ext>
-            </a:extLst>
-          </p:cNvPr>
+          <p:cNvPr id="6" name="Slide Number Placeholder 5"/>
           <p:cNvSpPr>
             <a:spLocks noGrp="1"/>
           </p:cNvSpPr>
@@ -2982,23 +4896,25 @@
         </p:nvSpPr>
         <p:spPr>
           <a:xfrm>
-            <a:off x="8610600" y="6356350"/>
-            <a:ext cx="2743200" cy="365125"/>
+            <a:off x="10363200" y="5578475"/>
+            <a:ext cx="1142245" cy="669925"/>
           </a:xfrm>
           <a:prstGeom prst="rect">
             <a:avLst/>
           </a:prstGeom>
         </p:spPr>
         <p:txBody>
-          <a:bodyPr vert="horz" lIns="91440" tIns="45720" rIns="91440" bIns="45720" rtlCol="0" anchor="ctr"/>
+          <a:bodyPr vert="horz" lIns="91440" tIns="45720" rIns="91440" bIns="45720" rtlCol="0" anchor="b"/>
           <a:lstStyle>
             <a:lvl1pPr algn="r">
-              <a:defRPr sz="1200">
-                <a:solidFill>
-                  <a:schemeClr val="tx1">
-                    <a:tint val="75000"/>
+              <a:defRPr sz="3200" b="0" i="0">
+                <a:solidFill>
+                  <a:schemeClr val="bg2">
+                    <a:lumMod val="50000"/>
                   </a:schemeClr>
                 </a:solidFill>
+                <a:effectLst/>
+                <a:latin typeface="+mn-lt"/>
               </a:defRPr>
             </a:lvl1pPr>
           </a:lstStyle>
@@ -3014,202 +4930,328 @@
     </p:spTree>
     <p:extLst>
       <p:ext uri="{BB962C8B-B14F-4D97-AF65-F5344CB8AC3E}">
-        <p14:creationId xmlns:p14="http://schemas.microsoft.com/office/powerpoint/2010/main" val="3254455724"/>
+        <p14:creationId xmlns:p14="http://schemas.microsoft.com/office/powerpoint/2010/main" val="2527507856"/>
       </p:ext>
     </p:extLst>
   </p:cSld>
-  <p:clrMap bg1="lt1" tx1="dk1" bg2="lt2" tx2="dk2" accent1="accent1" accent2="accent2" accent3="accent3" accent4="accent4" accent5="accent5" accent6="accent6" hlink="hlink" folHlink="folHlink"/>
+  <p:clrMap bg1="dk1" tx1="lt1" bg2="dk2" tx2="lt2" accent1="accent1" accent2="accent2" accent3="accent3" accent4="accent4" accent5="accent5" accent6="accent6" hlink="hlink" folHlink="folHlink"/>
   <p:sldLayoutIdLst>
-    <p:sldLayoutId id="2147483649" r:id="rId1"/>
-    <p:sldLayoutId id="2147483650" r:id="rId2"/>
-    <p:sldLayoutId id="2147483651" r:id="rId3"/>
-    <p:sldLayoutId id="2147483652" r:id="rId4"/>
-    <p:sldLayoutId id="2147483653" r:id="rId5"/>
-    <p:sldLayoutId id="2147483654" r:id="rId6"/>
-    <p:sldLayoutId id="2147483655" r:id="rId7"/>
-    <p:sldLayoutId id="2147483656" r:id="rId8"/>
-    <p:sldLayoutId id="2147483657" r:id="rId9"/>
-    <p:sldLayoutId id="2147483658" r:id="rId10"/>
-    <p:sldLayoutId id="2147483659" r:id="rId11"/>
+    <p:sldLayoutId id="2147483661" r:id="rId1"/>
+    <p:sldLayoutId id="2147483662" r:id="rId2"/>
+    <p:sldLayoutId id="2147483663" r:id="rId3"/>
+    <p:sldLayoutId id="2147483664" r:id="rId4"/>
+    <p:sldLayoutId id="2147483665" r:id="rId5"/>
+    <p:sldLayoutId id="2147483666" r:id="rId6"/>
+    <p:sldLayoutId id="2147483667" r:id="rId7"/>
+    <p:sldLayoutId id="2147483668" r:id="rId8"/>
+    <p:sldLayoutId id="2147483669" r:id="rId9"/>
+    <p:sldLayoutId id="2147483670" r:id="rId10"/>
+    <p:sldLayoutId id="2147483671" r:id="rId11"/>
+    <p:sldLayoutId id="2147483672" r:id="rId12"/>
+    <p:sldLayoutId id="2147483673" r:id="rId13"/>
+    <p:sldLayoutId id="2147483674" r:id="rId14"/>
+    <p:sldLayoutId id="2147483675" r:id="rId15"/>
+    <p:sldLayoutId id="2147483676" r:id="rId16"/>
+    <p:sldLayoutId id="2147483677" r:id="rId17"/>
   </p:sldLayoutIdLst>
   <p:txStyles>
     <p:titleStyle>
-      <a:lvl1pPr algn="l" defTabSz="914400" rtl="0" eaLnBrk="1" latinLnBrk="0" hangingPunct="1">
-        <a:lnSpc>
-          <a:spcPct val="90000"/>
-        </a:lnSpc>
+      <a:lvl1pPr algn="l" defTabSz="457200" rtl="0" eaLnBrk="1" latinLnBrk="0" hangingPunct="1">
         <a:spcBef>
           <a:spcPct val="0"/>
         </a:spcBef>
         <a:buNone/>
-        <a:defRPr sz="4400" kern="1200">
+        <a:defRPr sz="3600" kern="1200" cap="all">
+          <a:ln w="3175" cmpd="sng">
+            <a:noFill/>
+          </a:ln>
           <a:solidFill>
             <a:schemeClr val="tx1"/>
           </a:solidFill>
+          <a:effectLst/>
           <a:latin typeface="+mj-lt"/>
           <a:ea typeface="+mj-ea"/>
           <a:cs typeface="+mj-cs"/>
         </a:defRPr>
       </a:lvl1pPr>
+      <a:lvl2pPr eaLnBrk="1" hangingPunct="1">
+        <a:defRPr>
+          <a:solidFill>
+            <a:schemeClr val="tx2"/>
+          </a:solidFill>
+        </a:defRPr>
+      </a:lvl2pPr>
+      <a:lvl3pPr eaLnBrk="1" hangingPunct="1">
+        <a:defRPr>
+          <a:solidFill>
+            <a:schemeClr val="tx2"/>
+          </a:solidFill>
+        </a:defRPr>
+      </a:lvl3pPr>
+      <a:lvl4pPr eaLnBrk="1" hangingPunct="1">
+        <a:defRPr>
+          <a:solidFill>
+            <a:schemeClr val="tx2"/>
+          </a:solidFill>
+        </a:defRPr>
+      </a:lvl4pPr>
+      <a:lvl5pPr eaLnBrk="1" hangingPunct="1">
+        <a:defRPr>
+          <a:solidFill>
+            <a:schemeClr val="tx2"/>
+          </a:solidFill>
+        </a:defRPr>
+      </a:lvl5pPr>
+      <a:lvl6pPr eaLnBrk="1" hangingPunct="1">
+        <a:defRPr>
+          <a:solidFill>
+            <a:schemeClr val="tx2"/>
+          </a:solidFill>
+        </a:defRPr>
+      </a:lvl6pPr>
+      <a:lvl7pPr eaLnBrk="1" hangingPunct="1">
+        <a:defRPr>
+          <a:solidFill>
+            <a:schemeClr val="tx2"/>
+          </a:solidFill>
+        </a:defRPr>
+      </a:lvl7pPr>
+      <a:lvl8pPr eaLnBrk="1" hangingPunct="1">
+        <a:defRPr>
+          <a:solidFill>
+            <a:schemeClr val="tx2"/>
+          </a:solidFill>
+        </a:defRPr>
+      </a:lvl8pPr>
+      <a:lvl9pPr eaLnBrk="1" hangingPunct="1">
+        <a:defRPr>
+          <a:solidFill>
+            <a:schemeClr val="tx2"/>
+          </a:solidFill>
+        </a:defRPr>
+      </a:lvl9pPr>
     </p:titleStyle>
     <p:bodyStyle>
-      <a:lvl1pPr marL="228600" indent="-228600" algn="l" defTabSz="914400" rtl="0" eaLnBrk="1" latinLnBrk="0" hangingPunct="1">
-        <a:lnSpc>
-          <a:spcPct val="90000"/>
-        </a:lnSpc>
+      <a:lvl1pPr marL="285750" indent="-285750" algn="l" defTabSz="457200" rtl="0" eaLnBrk="1" latinLnBrk="0" hangingPunct="1">
         <a:spcBef>
-          <a:spcPts val="1000"/>
+          <a:spcPct val="20000"/>
         </a:spcBef>
-        <a:buFont typeface="Arial" panose="020B0604020202020204" pitchFamily="34" charset="0"/>
-        <a:buChar char="•"/>
-        <a:defRPr sz="2800" kern="1200">
+        <a:spcAft>
+          <a:spcPts val="600"/>
+        </a:spcAft>
+        <a:buClr>
+          <a:schemeClr val="tx1"/>
+        </a:buClr>
+        <a:buSzPct val="80000"/>
+        <a:buFont typeface="Wingdings 3" panose="05040102010807070707" pitchFamily="18" charset="2"/>
+        <a:buChar char=""/>
+        <a:defRPr sz="2000" kern="1200" cap="none">
           <a:solidFill>
-            <a:schemeClr val="tx1"/>
+            <a:schemeClr val="bg2">
+              <a:lumMod val="75000"/>
+            </a:schemeClr>
           </a:solidFill>
+          <a:effectLst/>
           <a:latin typeface="+mn-lt"/>
           <a:ea typeface="+mn-ea"/>
           <a:cs typeface="+mn-cs"/>
         </a:defRPr>
       </a:lvl1pPr>
-      <a:lvl2pPr marL="685800" indent="-228600" algn="l" defTabSz="914400" rtl="0" eaLnBrk="1" latinLnBrk="0" hangingPunct="1">
-        <a:lnSpc>
-          <a:spcPct val="90000"/>
-        </a:lnSpc>
+      <a:lvl2pPr marL="742950" indent="-285750" algn="l" defTabSz="457200" rtl="0" eaLnBrk="1" latinLnBrk="0" hangingPunct="1">
         <a:spcBef>
-          <a:spcPts val="500"/>
+          <a:spcPct val="20000"/>
         </a:spcBef>
-        <a:buFont typeface="Arial" panose="020B0604020202020204" pitchFamily="34" charset="0"/>
-        <a:buChar char="•"/>
-        <a:defRPr sz="2400" kern="1200">
+        <a:spcAft>
+          <a:spcPts val="600"/>
+        </a:spcAft>
+        <a:buClr>
+          <a:schemeClr val="tx1"/>
+        </a:buClr>
+        <a:buSzPct val="80000"/>
+        <a:buFont typeface="Wingdings 3" panose="05040102010807070707" pitchFamily="18" charset="2"/>
+        <a:buChar char=""/>
+        <a:defRPr sz="1800" kern="1200" cap="none">
           <a:solidFill>
-            <a:schemeClr val="tx1"/>
+            <a:schemeClr val="bg2">
+              <a:lumMod val="75000"/>
+            </a:schemeClr>
           </a:solidFill>
+          <a:effectLst/>
           <a:latin typeface="+mn-lt"/>
           <a:ea typeface="+mn-ea"/>
           <a:cs typeface="+mn-cs"/>
         </a:defRPr>
       </a:lvl2pPr>
-      <a:lvl3pPr marL="1143000" indent="-228600" algn="l" defTabSz="914400" rtl="0" eaLnBrk="1" latinLnBrk="0" hangingPunct="1">
-        <a:lnSpc>
-          <a:spcPct val="90000"/>
-        </a:lnSpc>
+      <a:lvl3pPr marL="1200150" indent="-285750" algn="l" defTabSz="457200" rtl="0" eaLnBrk="1" latinLnBrk="0" hangingPunct="1">
         <a:spcBef>
-          <a:spcPts val="500"/>
+          <a:spcPct val="20000"/>
         </a:spcBef>
-        <a:buFont typeface="Arial" panose="020B0604020202020204" pitchFamily="34" charset="0"/>
-        <a:buChar char="•"/>
-        <a:defRPr sz="2000" kern="1200">
+        <a:spcAft>
+          <a:spcPts val="600"/>
+        </a:spcAft>
+        <a:buClr>
+          <a:schemeClr val="tx1"/>
+        </a:buClr>
+        <a:buSzPct val="80000"/>
+        <a:buFont typeface="Wingdings 3" panose="05040102010807070707" pitchFamily="18" charset="2"/>
+        <a:buChar char=""/>
+        <a:defRPr sz="1600" kern="1200" cap="none">
           <a:solidFill>
-            <a:schemeClr val="tx1"/>
+            <a:schemeClr val="bg2">
+              <a:lumMod val="75000"/>
+            </a:schemeClr>
           </a:solidFill>
+          <a:effectLst/>
           <a:latin typeface="+mn-lt"/>
           <a:ea typeface="+mn-ea"/>
           <a:cs typeface="+mn-cs"/>
         </a:defRPr>
       </a:lvl3pPr>
-      <a:lvl4pPr marL="1600200" indent="-228600" algn="l" defTabSz="914400" rtl="0" eaLnBrk="1" latinLnBrk="0" hangingPunct="1">
-        <a:lnSpc>
-          <a:spcPct val="90000"/>
-        </a:lnSpc>
+      <a:lvl4pPr marL="1543050" indent="-171450" algn="l" defTabSz="457200" rtl="0" eaLnBrk="1" latinLnBrk="0" hangingPunct="1">
         <a:spcBef>
-          <a:spcPts val="500"/>
+          <a:spcPct val="20000"/>
         </a:spcBef>
-        <a:buFont typeface="Arial" panose="020B0604020202020204" pitchFamily="34" charset="0"/>
-        <a:buChar char="•"/>
-        <a:defRPr sz="1800" kern="1200">
+        <a:spcAft>
+          <a:spcPts val="600"/>
+        </a:spcAft>
+        <a:buClr>
+          <a:schemeClr val="tx1"/>
+        </a:buClr>
+        <a:buSzPct val="80000"/>
+        <a:buFont typeface="Wingdings 3" panose="05040102010807070707" pitchFamily="18" charset="2"/>
+        <a:buChar char=""/>
+        <a:defRPr sz="1400" kern="1200" cap="none">
           <a:solidFill>
-            <a:schemeClr val="tx1"/>
+            <a:schemeClr val="bg2">
+              <a:lumMod val="75000"/>
+            </a:schemeClr>
           </a:solidFill>
+          <a:effectLst/>
           <a:latin typeface="+mn-lt"/>
           <a:ea typeface="+mn-ea"/>
           <a:cs typeface="+mn-cs"/>
         </a:defRPr>
       </a:lvl4pPr>
-      <a:lvl5pPr marL="2057400" indent="-228600" algn="l" defTabSz="914400" rtl="0" eaLnBrk="1" latinLnBrk="0" hangingPunct="1">
-        <a:lnSpc>
-          <a:spcPct val="90000"/>
-        </a:lnSpc>
+      <a:lvl5pPr marL="2000250" indent="-171450" algn="l" defTabSz="457200" rtl="0" eaLnBrk="1" latinLnBrk="0" hangingPunct="1">
         <a:spcBef>
-          <a:spcPts val="500"/>
+          <a:spcPct val="20000"/>
         </a:spcBef>
-        <a:buFont typeface="Arial" panose="020B0604020202020204" pitchFamily="34" charset="0"/>
-        <a:buChar char="•"/>
-        <a:defRPr sz="1800" kern="1200">
+        <a:spcAft>
+          <a:spcPts val="600"/>
+        </a:spcAft>
+        <a:buClr>
+          <a:schemeClr val="tx1"/>
+        </a:buClr>
+        <a:buSzPct val="80000"/>
+        <a:buFont typeface="Wingdings 3" panose="05040102010807070707" pitchFamily="18" charset="2"/>
+        <a:buChar char=""/>
+        <a:defRPr sz="1400" kern="1200" cap="none">
           <a:solidFill>
-            <a:schemeClr val="tx1"/>
+            <a:schemeClr val="bg2">
+              <a:lumMod val="75000"/>
+            </a:schemeClr>
           </a:solidFill>
+          <a:effectLst/>
           <a:latin typeface="+mn-lt"/>
           <a:ea typeface="+mn-ea"/>
           <a:cs typeface="+mn-cs"/>
         </a:defRPr>
       </a:lvl5pPr>
-      <a:lvl6pPr marL="2514600" indent="-228600" algn="l" defTabSz="914400" rtl="0" eaLnBrk="1" latinLnBrk="0" hangingPunct="1">
-        <a:lnSpc>
-          <a:spcPct val="90000"/>
-        </a:lnSpc>
+      <a:lvl6pPr marL="2514600" indent="-228600" algn="l" defTabSz="457200" rtl="0" eaLnBrk="1" latinLnBrk="0" hangingPunct="1">
         <a:spcBef>
-          <a:spcPts val="500"/>
+          <a:spcPct val="20000"/>
         </a:spcBef>
-        <a:buFont typeface="Arial" panose="020B0604020202020204" pitchFamily="34" charset="0"/>
-        <a:buChar char="•"/>
-        <a:defRPr sz="1800" kern="1200">
+        <a:spcAft>
+          <a:spcPts val="600"/>
+        </a:spcAft>
+        <a:buClr>
+          <a:schemeClr val="tx1"/>
+        </a:buClr>
+        <a:buSzPct val="80000"/>
+        <a:buFont typeface="Wingdings 3" panose="05040102010807070707" pitchFamily="18" charset="2"/>
+        <a:buChar char=""/>
+        <a:defRPr sz="1400" kern="1200" cap="none">
           <a:solidFill>
-            <a:schemeClr val="tx1"/>
+            <a:schemeClr val="bg2">
+              <a:lumMod val="75000"/>
+            </a:schemeClr>
           </a:solidFill>
+          <a:effectLst/>
           <a:latin typeface="+mn-lt"/>
           <a:ea typeface="+mn-ea"/>
           <a:cs typeface="+mn-cs"/>
         </a:defRPr>
       </a:lvl6pPr>
-      <a:lvl7pPr marL="2971800" indent="-228600" algn="l" defTabSz="914400" rtl="0" eaLnBrk="1" latinLnBrk="0" hangingPunct="1">
-        <a:lnSpc>
-          <a:spcPct val="90000"/>
-        </a:lnSpc>
+      <a:lvl7pPr marL="2971800" indent="-228600" algn="l" defTabSz="457200" rtl="0" eaLnBrk="1" latinLnBrk="0" hangingPunct="1">
         <a:spcBef>
-          <a:spcPts val="500"/>
+          <a:spcPct val="20000"/>
         </a:spcBef>
-        <a:buFont typeface="Arial" panose="020B0604020202020204" pitchFamily="34" charset="0"/>
-        <a:buChar char="•"/>
-        <a:defRPr sz="1800" kern="1200">
+        <a:spcAft>
+          <a:spcPts val="600"/>
+        </a:spcAft>
+        <a:buClr>
+          <a:schemeClr val="tx1"/>
+        </a:buClr>
+        <a:buSzPct val="80000"/>
+        <a:buFont typeface="Wingdings 3" panose="05040102010807070707" pitchFamily="18" charset="2"/>
+        <a:buChar char=""/>
+        <a:defRPr sz="1400" kern="1200" cap="none">
           <a:solidFill>
-            <a:schemeClr val="tx1"/>
+            <a:schemeClr val="bg2">
+              <a:lumMod val="75000"/>
+            </a:schemeClr>
           </a:solidFill>
+          <a:effectLst/>
           <a:latin typeface="+mn-lt"/>
           <a:ea typeface="+mn-ea"/>
           <a:cs typeface="+mn-cs"/>
         </a:defRPr>
       </a:lvl7pPr>
-      <a:lvl8pPr marL="3429000" indent="-228600" algn="l" defTabSz="914400" rtl="0" eaLnBrk="1" latinLnBrk="0" hangingPunct="1">
-        <a:lnSpc>
-          <a:spcPct val="90000"/>
-        </a:lnSpc>
+      <a:lvl8pPr marL="3429000" indent="-228600" algn="l" defTabSz="457200" rtl="0" eaLnBrk="1" latinLnBrk="0" hangingPunct="1">
         <a:spcBef>
-          <a:spcPts val="500"/>
+          <a:spcPct val="20000"/>
         </a:spcBef>
-        <a:buFont typeface="Arial" panose="020B0604020202020204" pitchFamily="34" charset="0"/>
-        <a:buChar char="•"/>
-        <a:defRPr sz="1800" kern="1200">
+        <a:spcAft>
+          <a:spcPts val="600"/>
+        </a:spcAft>
+        <a:buClr>
+          <a:schemeClr val="tx1"/>
+        </a:buClr>
+        <a:buSzPct val="80000"/>
+        <a:buFont typeface="Wingdings 3" panose="05040102010807070707" pitchFamily="18" charset="2"/>
+        <a:buChar char=""/>
+        <a:defRPr sz="1400" kern="1200" cap="none">
           <a:solidFill>
-            <a:schemeClr val="tx1"/>
+            <a:schemeClr val="bg2">
+              <a:lumMod val="75000"/>
+            </a:schemeClr>
           </a:solidFill>
+          <a:effectLst/>
           <a:latin typeface="+mn-lt"/>
           <a:ea typeface="+mn-ea"/>
           <a:cs typeface="+mn-cs"/>
         </a:defRPr>
       </a:lvl8pPr>
-      <a:lvl9pPr marL="3886200" indent="-228600" algn="l" defTabSz="914400" rtl="0" eaLnBrk="1" latinLnBrk="0" hangingPunct="1">
-        <a:lnSpc>
-          <a:spcPct val="90000"/>
-        </a:lnSpc>
+      <a:lvl9pPr marL="3886200" indent="-228600" algn="l" defTabSz="457200" rtl="0" eaLnBrk="1" latinLnBrk="0" hangingPunct="1">
         <a:spcBef>
-          <a:spcPts val="500"/>
+          <a:spcPct val="20000"/>
         </a:spcBef>
-        <a:buFont typeface="Arial" panose="020B0604020202020204" pitchFamily="34" charset="0"/>
-        <a:buChar char="•"/>
-        <a:defRPr sz="1800" kern="1200">
+        <a:spcAft>
+          <a:spcPts val="600"/>
+        </a:spcAft>
+        <a:buClr>
+          <a:schemeClr val="tx1"/>
+        </a:buClr>
+        <a:buSzPct val="80000"/>
+        <a:buFont typeface="Wingdings 3" panose="05040102010807070707" pitchFamily="18" charset="2"/>
+        <a:buChar char=""/>
+        <a:defRPr sz="1400" kern="1200" cap="none">
           <a:solidFill>
-            <a:schemeClr val="tx1"/>
+            <a:schemeClr val="bg2">
+              <a:lumMod val="75000"/>
+            </a:schemeClr>
           </a:solidFill>
+          <a:effectLst/>
           <a:latin typeface="+mn-lt"/>
           <a:ea typeface="+mn-ea"/>
           <a:cs typeface="+mn-cs"/>
@@ -3220,7 +5262,7 @@
       <a:defPPr>
         <a:defRPr lang="en-US"/>
       </a:defPPr>
-      <a:lvl1pPr marL="0" algn="l" defTabSz="914400" rtl="0" eaLnBrk="1" latinLnBrk="0" hangingPunct="1">
+      <a:lvl1pPr marL="0" algn="l" defTabSz="457200" rtl="0" eaLnBrk="1" latinLnBrk="0" hangingPunct="1">
         <a:defRPr sz="1800" kern="1200">
           <a:solidFill>
             <a:schemeClr val="tx1"/>
@@ -3230,7 +5272,7 @@
           <a:cs typeface="+mn-cs"/>
         </a:defRPr>
       </a:lvl1pPr>
-      <a:lvl2pPr marL="457200" algn="l" defTabSz="914400" rtl="0" eaLnBrk="1" latinLnBrk="0" hangingPunct="1">
+      <a:lvl2pPr marL="457200" algn="l" defTabSz="457200" rtl="0" eaLnBrk="1" latinLnBrk="0" hangingPunct="1">
         <a:defRPr sz="1800" kern="1200">
           <a:solidFill>
             <a:schemeClr val="tx1"/>
@@ -3240,7 +5282,7 @@
           <a:cs typeface="+mn-cs"/>
         </a:defRPr>
       </a:lvl2pPr>
-      <a:lvl3pPr marL="914400" algn="l" defTabSz="914400" rtl="0" eaLnBrk="1" latinLnBrk="0" hangingPunct="1">
+      <a:lvl3pPr marL="914400" algn="l" defTabSz="457200" rtl="0" eaLnBrk="1" latinLnBrk="0" hangingPunct="1">
         <a:defRPr sz="1800" kern="1200">
           <a:solidFill>
             <a:schemeClr val="tx1"/>
@@ -3250,7 +5292,7 @@
           <a:cs typeface="+mn-cs"/>
         </a:defRPr>
       </a:lvl3pPr>
-      <a:lvl4pPr marL="1371600" algn="l" defTabSz="914400" rtl="0" eaLnBrk="1" latinLnBrk="0" hangingPunct="1">
+      <a:lvl4pPr marL="1371600" algn="l" defTabSz="457200" rtl="0" eaLnBrk="1" latinLnBrk="0" hangingPunct="1">
         <a:defRPr sz="1800" kern="1200">
           <a:solidFill>
             <a:schemeClr val="tx1"/>
@@ -3260,7 +5302,7 @@
           <a:cs typeface="+mn-cs"/>
         </a:defRPr>
       </a:lvl4pPr>
-      <a:lvl5pPr marL="1828800" algn="l" defTabSz="914400" rtl="0" eaLnBrk="1" latinLnBrk="0" hangingPunct="1">
+      <a:lvl5pPr marL="1828800" algn="l" defTabSz="457200" rtl="0" eaLnBrk="1" latinLnBrk="0" hangingPunct="1">
         <a:defRPr sz="1800" kern="1200">
           <a:solidFill>
             <a:schemeClr val="tx1"/>
@@ -3270,7 +5312,7 @@
           <a:cs typeface="+mn-cs"/>
         </a:defRPr>
       </a:lvl5pPr>
-      <a:lvl6pPr marL="2286000" algn="l" defTabSz="914400" rtl="0" eaLnBrk="1" latinLnBrk="0" hangingPunct="1">
+      <a:lvl6pPr marL="2286000" algn="l" defTabSz="457200" rtl="0" eaLnBrk="1" latinLnBrk="0" hangingPunct="1">
         <a:defRPr sz="1800" kern="1200">
           <a:solidFill>
             <a:schemeClr val="tx1"/>
@@ -3280,7 +5322,7 @@
           <a:cs typeface="+mn-cs"/>
         </a:defRPr>
       </a:lvl6pPr>
-      <a:lvl7pPr marL="2743200" algn="l" defTabSz="914400" rtl="0" eaLnBrk="1" latinLnBrk="0" hangingPunct="1">
+      <a:lvl7pPr marL="2743200" algn="l" defTabSz="457200" rtl="0" eaLnBrk="1" latinLnBrk="0" hangingPunct="1">
         <a:defRPr sz="1800" kern="1200">
           <a:solidFill>
             <a:schemeClr val="tx1"/>
@@ -3290,7 +5332,7 @@
           <a:cs typeface="+mn-cs"/>
         </a:defRPr>
       </a:lvl7pPr>
-      <a:lvl8pPr marL="3200400" algn="l" defTabSz="914400" rtl="0" eaLnBrk="1" latinLnBrk="0" hangingPunct="1">
+      <a:lvl8pPr marL="3200400" algn="l" defTabSz="457200" rtl="0" eaLnBrk="1" latinLnBrk="0" hangingPunct="1">
         <a:defRPr sz="1800" kern="1200">
           <a:solidFill>
             <a:schemeClr val="tx1"/>
@@ -3300,7 +5342,7 @@
           <a:cs typeface="+mn-cs"/>
         </a:defRPr>
       </a:lvl8pPr>
-      <a:lvl9pPr marL="3657600" algn="l" defTabSz="914400" rtl="0" eaLnBrk="1" latinLnBrk="0" hangingPunct="1">
+      <a:lvl9pPr marL="3657600" algn="l" defTabSz="457200" rtl="0" eaLnBrk="1" latinLnBrk="0" hangingPunct="1">
         <a:defRPr sz="1800" kern="1200">
           <a:solidFill>
             <a:schemeClr val="tx1"/>
@@ -3362,12 +5404,35 @@
             <p:ph type="ctrTitle"/>
           </p:nvPr>
         </p:nvSpPr>
-        <p:spPr/>
-        <p:txBody>
-          <a:bodyPr/>
-          <a:lstStyle/>
-          <a:p>
-            <a:endParaRPr lang="en-US"/>
+        <p:spPr>
+          <a:xfrm>
+            <a:off x="251670" y="83890"/>
+            <a:ext cx="10289330" cy="1420900"/>
+          </a:xfrm>
+        </p:spPr>
+        <p:txBody>
+          <a:bodyPr>
+            <a:normAutofit fontScale="90000"/>
+          </a:bodyPr>
+          <a:lstStyle/>
+          <a:p>
+            <a:r>
+              <a:rPr lang="ru-RU" sz="5400" b="1" dirty="0">
+                <a:solidFill>
+                  <a:srgbClr val="002060"/>
+                </a:solidFill>
+                <a:latin typeface="Aero Matics" panose="020B0803060101010101" pitchFamily="34" charset="-128"/>
+                <a:ea typeface="Aero Matics" panose="020B0803060101010101" pitchFamily="34" charset="-128"/>
+              </a:rPr>
+              <a:t>Предсказание цены недвижимости</a:t>
+            </a:r>
+            <a:endParaRPr lang="en-US" sz="5400" b="1" dirty="0">
+              <a:solidFill>
+                <a:srgbClr val="002060"/>
+              </a:solidFill>
+              <a:latin typeface="Aero Matics" panose="020B0803060101010101" pitchFamily="34" charset="-128"/>
+              <a:ea typeface="Aero Matics" panose="020B0803060101010101" pitchFamily="34" charset="-128"/>
+            </a:endParaRPr>
           </a:p>
         </p:txBody>
       </p:sp>
@@ -3387,12 +5452,57 @@
             <p:ph type="subTitle" idx="1"/>
           </p:nvPr>
         </p:nvSpPr>
-        <p:spPr/>
+        <p:spPr>
+          <a:xfrm>
+            <a:off x="657137" y="1718711"/>
+            <a:ext cx="6666451" cy="760237"/>
+          </a:xfrm>
+        </p:spPr>
         <p:txBody>
           <a:bodyPr/>
           <a:lstStyle/>
           <a:p>
-            <a:endParaRPr lang="en-US"/>
+            <a:r>
+              <a:rPr lang="ru-RU" dirty="0"/>
+              <a:t>На основе существующих данных и с учетом макроэкономических показателей.</a:t>
+            </a:r>
+            <a:endParaRPr lang="en-US" dirty="0"/>
+          </a:p>
+        </p:txBody>
+      </p:sp>
+      <p:sp>
+        <p:nvSpPr>
+          <p:cNvPr id="4" name="TextBox 3">
+            <a:extLst>
+              <a:ext uri="{FF2B5EF4-FFF2-40B4-BE49-F238E27FC236}">
+                <a16:creationId xmlns:a16="http://schemas.microsoft.com/office/drawing/2014/main" id="{96D3B80C-6992-DD03-D05D-6A7E7E0EF597}"/>
+              </a:ext>
+            </a:extLst>
+          </p:cNvPr>
+          <p:cNvSpPr txBox="1"/>
+          <p:nvPr/>
+        </p:nvSpPr>
+        <p:spPr>
+          <a:xfrm>
+            <a:off x="9387282" y="5360565"/>
+            <a:ext cx="2122414" cy="369332"/>
+          </a:xfrm>
+          <a:prstGeom prst="rect">
+            <a:avLst/>
+          </a:prstGeom>
+          <a:noFill/>
+        </p:spPr>
+        <p:txBody>
+          <a:bodyPr wrap="square" rtlCol="0">
+            <a:spAutoFit/>
+          </a:bodyPr>
+          <a:lstStyle/>
+          <a:p>
+            <a:r>
+              <a:rPr lang="ru-RU" dirty="0"/>
+              <a:t>Прохоров К. Л.</a:t>
+            </a:r>
+            <a:endParaRPr lang="en-US" dirty="0"/>
           </a:p>
         </p:txBody>
       </p:sp>
@@ -3459,7 +5569,7 @@
         </p:nvSpPr>
         <p:spPr>
           <a:xfrm>
-            <a:off x="838200" y="365126"/>
+            <a:off x="838200" y="178514"/>
             <a:ext cx="8096075" cy="574442"/>
           </a:xfrm>
         </p:spPr>
@@ -3470,18 +5580,24 @@
           <a:lstStyle/>
           <a:p>
             <a:r>
-              <a:rPr lang="ru-RU" sz="2400" b="1" dirty="0"/>
-              <a:t>Общее </a:t>
-            </a:r>
-            <a:r>
-              <a:rPr lang="ru-RU" sz="2800" b="1" dirty="0"/>
-              <a:t>описание</a:t>
-            </a:r>
-            <a:r>
-              <a:rPr lang="ru-RU" sz="2400" b="1" dirty="0"/>
-              <a:t> проблемы.</a:t>
-            </a:r>
-            <a:endParaRPr lang="en-US" sz="2400" b="1" dirty="0"/>
+              <a:rPr lang="ru-RU" sz="2400" b="1" dirty="0">
+                <a:solidFill>
+                  <a:schemeClr val="accent6">
+                    <a:lumMod val="50000"/>
+                  </a:schemeClr>
+                </a:solidFill>
+                <a:latin typeface="a_FuturicaMedium" panose="020B0502020204020303" pitchFamily="34" charset="-52"/>
+              </a:rPr>
+              <a:t>Общее описание проблемы.</a:t>
+            </a:r>
+            <a:endParaRPr lang="en-US" sz="2400" b="1" dirty="0">
+              <a:solidFill>
+                <a:schemeClr val="accent6">
+                  <a:lumMod val="50000"/>
+                </a:schemeClr>
+              </a:solidFill>
+              <a:latin typeface="a_FuturicaMedium" panose="020B0502020204020303" pitchFamily="34" charset="-52"/>
+            </a:endParaRPr>
           </a:p>
         </p:txBody>
       </p:sp>
@@ -3503,20 +5619,113 @@
         </p:nvSpPr>
         <p:spPr>
           <a:xfrm>
-            <a:off x="838200" y="1006679"/>
-            <a:ext cx="10515600" cy="5170284"/>
-          </a:xfrm>
-          <a:noFill/>
-        </p:spPr>
-        <p:txBody>
-          <a:bodyPr>
-            <a:normAutofit fontScale="92500" lnSpcReduction="10000"/>
+            <a:off x="838200" y="752956"/>
+            <a:ext cx="10515600" cy="5424007"/>
+          </a:xfrm>
+          <a:solidFill>
+            <a:schemeClr val="accent4">
+              <a:lumMod val="60000"/>
+              <a:lumOff val="40000"/>
+              <a:alpha val="50000"/>
+            </a:schemeClr>
+          </a:solidFill>
+          <a:ln>
+            <a:noFill/>
+          </a:ln>
+          <a:effectLst>
+            <a:outerShdw blurRad="44450" dist="27940" dir="5400000" algn="ctr">
+              <a:srgbClr val="000000">
+                <a:alpha val="32000"/>
+              </a:srgbClr>
+            </a:outerShdw>
+            <a:softEdge rad="190500"/>
+          </a:effectLst>
+          <a:scene3d>
+            <a:camera prst="orthographicFront">
+              <a:rot lat="0" lon="0" rev="0"/>
+            </a:camera>
+            <a:lightRig rig="balanced" dir="t">
+              <a:rot lat="0" lon="0" rev="8700000"/>
+            </a:lightRig>
+          </a:scene3d>
+          <a:sp3d extrusionH="76200" prstMaterial="plastic">
+            <a:bevelT w="381000" h="381000"/>
+          </a:sp3d>
+        </p:spPr>
+        <p:style>
+          <a:lnRef idx="0">
+            <a:scrgbClr r="0" g="0" b="0"/>
+          </a:lnRef>
+          <a:fillRef idx="0">
+            <a:scrgbClr r="0" g="0" b="0"/>
+          </a:fillRef>
+          <a:effectRef idx="0">
+            <a:scrgbClr r="0" g="0" b="0"/>
+          </a:effectRef>
+          <a:fontRef idx="minor">
+            <a:schemeClr val="lt1"/>
+          </a:fontRef>
+        </p:style>
+        <p:txBody>
+          <a:bodyPr lIns="450000" rIns="450000" anchor="ctr" anchorCtr="0">
+            <a:normAutofit/>
           </a:bodyPr>
           <a:lstStyle/>
           <a:p>
-            <a:pPr marL="0" indent="0">
+            <a:pPr marL="0" indent="0" algn="just">
               <a:buNone/>
             </a:pPr>
+            <a:r>
+              <a:rPr lang="ru-RU" sz="1600" dirty="0">
+                <a:solidFill>
+                  <a:schemeClr val="bg1"/>
+                </a:solidFill>
+                <a:latin typeface="AllodsWest" panose="02000000000000000000" pitchFamily="2" charset="0"/>
+              </a:rPr>
+              <a:t>Предсказание цены недвижимости является достаточно трудоемкой задачей и связано с большим количеством факторов, которые далеко не всегда поддаются учету.</a:t>
+            </a:r>
+          </a:p>
+          <a:p>
+            <a:pPr marL="0" indent="0" algn="just">
+              <a:buNone/>
+            </a:pPr>
+            <a:r>
+              <a:rPr lang="ru-RU" sz="1600" dirty="0">
+                <a:solidFill>
+                  <a:schemeClr val="bg1"/>
+                </a:solidFill>
+                <a:latin typeface="AllodsWest" panose="02000000000000000000" pitchFamily="2" charset="0"/>
+              </a:rPr>
+              <a:t>Если для первичного рынка недвижимости, назначение цены определяется целым рядом объективных факторов, таких как стоимость материалов, стоимость аренды или приобретения оборудования, зарплаты  и т. п., которые могут быть отслежены и подвергнуты анализу, то для рынка вторичной недвижимости эти факторы часто малосущественны и цены могут определятся по совсем иным признакам, включая субъективные показатели.</a:t>
+            </a:r>
+          </a:p>
+          <a:p>
+            <a:pPr marL="0" indent="0" algn="just">
+              <a:buNone/>
+            </a:pPr>
+            <a:r>
+              <a:rPr lang="ru-RU" sz="1600" dirty="0">
+                <a:solidFill>
+                  <a:schemeClr val="bg1"/>
+                </a:solidFill>
+                <a:latin typeface="AllodsWest" panose="02000000000000000000" pitchFamily="2" charset="0"/>
+              </a:rPr>
+              <a:t>Таким образом, достаточно затруднительно определить насколько обоснована цена каждого конкретного объекта недвижимости. С другой стороны, крайне желательно иметь какую-то базовую величину, относительно которой и можно будет выстраивать процесс  анализа адекватности стоимости объекта или уже непосредственно начинать торг или планировать бюджет.</a:t>
+            </a:r>
+          </a:p>
+          <a:p>
+            <a:pPr marL="0" indent="0" algn="just">
+              <a:buNone/>
+            </a:pPr>
+            <a:r>
+              <a:rPr lang="ru-RU" sz="1600" dirty="0">
+                <a:solidFill>
+                  <a:schemeClr val="bg1"/>
+                </a:solidFill>
+                <a:latin typeface="AllodsWest" panose="02000000000000000000" pitchFamily="2" charset="0"/>
+              </a:rPr>
+              <a:t>Но при наличии статистики всегда можно попытаться подобрать аналог и уже на основании исторических данных можно попытаться сделать выводы об обоснованности назначенной стоимости или наоборот, попытаться установить цену</a:t>
+            </a:r>
             <a:r>
               <a:rPr lang="ru-RU" sz="1600" dirty="0">
                 <a:solidFill>
@@ -3524,212 +5733,16 @@
                     <a:lumMod val="50000"/>
                   </a:schemeClr>
                 </a:solidFill>
+                <a:latin typeface="AllodsWest" panose="02000000000000000000" pitchFamily="2" charset="0"/>
               </a:rPr>
-              <a:t>Предсказание цены недвижимости является достаточно трудоемкой задачей и связано с большим количеством факторов, которые далеко не всегда поддаются учету.</a:t>
-            </a:r>
-          </a:p>
-          <a:p>
-            <a:pPr marL="0" indent="0">
-              <a:buNone/>
-            </a:pPr>
-            <a:r>
-              <a:rPr lang="ru-RU" sz="1600" dirty="0">
-                <a:solidFill>
-                  <a:schemeClr val="tx2">
-                    <a:lumMod val="50000"/>
-                  </a:schemeClr>
-                </a:solidFill>
-              </a:rPr>
-              <a:t>Если для первичного рынка недвижимости, назначение цены определяется целым рядом объективных факторов, таких как стоимость работ, стоимость материалов и т. п., которые могут быть отслежены и подвергнуты анализу, то для рынка вторичной недвижимости эти факторы во многом вторичны. Цены могут определятся по совсем иным признакам, включая субъективные показатели.</a:t>
-            </a:r>
-          </a:p>
-          <a:p>
-            <a:pPr marL="0" indent="0">
+              <a:t>. </a:t>
+            </a:r>
+          </a:p>
+          <a:p>
+            <a:pPr marL="0" indent="0" algn="just">
               <a:buNone/>
             </a:pPr>
             <a:endParaRPr lang="ru-RU" sz="1600" dirty="0">
-              <a:solidFill>
-                <a:schemeClr val="tx2">
-                  <a:lumMod val="50000"/>
-                </a:schemeClr>
-              </a:solidFill>
-            </a:endParaRPr>
-          </a:p>
-          <a:p>
-            <a:pPr marL="0" indent="0">
-              <a:buNone/>
-            </a:pPr>
-            <a:r>
-              <a:rPr lang="ru-RU" sz="1600" dirty="0">
-                <a:solidFill>
-                  <a:schemeClr val="tx2">
-                    <a:lumMod val="50000"/>
-                  </a:schemeClr>
-                </a:solidFill>
-              </a:rPr>
-              <a:t>В общем случае </a:t>
-            </a:r>
-            <a:r>
-              <a:rPr lang="ru-RU" sz="1600" dirty="0" err="1">
-                <a:solidFill>
-                  <a:schemeClr val="tx2">
-                    <a:lumMod val="50000"/>
-                  </a:schemeClr>
-                </a:solidFill>
-              </a:rPr>
-              <a:t>пр</a:t>
-            </a:r>
-            <a:r>
-              <a:rPr lang="ru-RU" sz="1600" dirty="0">
-                <a:solidFill>
-                  <a:schemeClr val="tx2">
-                    <a:lumMod val="50000"/>
-                  </a:schemeClr>
-                </a:solidFill>
-              </a:rPr>
-              <a:t> назначении цены крайне желательно иметь какую-то базовую величину, относительно которой и можно будет выстраивать процесс  анализа или уже непосредственно торг.</a:t>
-            </a:r>
-          </a:p>
-          <a:p>
-            <a:pPr marL="0" indent="0">
-              <a:buNone/>
-            </a:pPr>
-            <a:endParaRPr lang="ru-RU" sz="1600" dirty="0">
-              <a:solidFill>
-                <a:schemeClr val="tx2">
-                  <a:lumMod val="50000"/>
-                </a:schemeClr>
-              </a:solidFill>
-            </a:endParaRPr>
-          </a:p>
-          <a:p>
-            <a:pPr marL="0" indent="0">
-              <a:buNone/>
-            </a:pPr>
-            <a:r>
-              <a:rPr lang="ru-RU" sz="1600" dirty="0">
-                <a:solidFill>
-                  <a:schemeClr val="tx2">
-                    <a:lumMod val="50000"/>
-                  </a:schemeClr>
-                </a:solidFill>
-              </a:rPr>
-              <a:t>Ввиду сложности перевода многих качественных характеристик (например, удобства доступа к транспорту, материал, из которого построен дом) наиболее предпочтительным является использование моделей построенных на основе статистических показателей.</a:t>
-            </a:r>
-          </a:p>
-          <a:p>
-            <a:pPr marL="0" indent="0">
-              <a:buNone/>
-            </a:pPr>
-            <a:r>
-              <a:rPr lang="ru-RU" sz="1600" dirty="0">
-                <a:solidFill>
-                  <a:schemeClr val="tx2">
-                    <a:lumMod val="50000"/>
-                  </a:schemeClr>
-                </a:solidFill>
-              </a:rPr>
-              <a:t>С учетом статистики продаж за </a:t>
-            </a:r>
-            <a:r>
-              <a:rPr lang="ru-RU" sz="1600" dirty="0" err="1">
-                <a:solidFill>
-                  <a:schemeClr val="tx2">
-                    <a:lumMod val="50000"/>
-                  </a:schemeClr>
-                </a:solidFill>
-              </a:rPr>
-              <a:t>врея</a:t>
-            </a:r>
-            <a:r>
-              <a:rPr lang="ru-RU" sz="1600" dirty="0">
-                <a:solidFill>
-                  <a:schemeClr val="tx2">
-                    <a:lumMod val="50000"/>
-                  </a:schemeClr>
-                </a:solidFill>
-              </a:rPr>
-              <a:t> наблюдений и зная параметры проданных объектов недвижимости, можно попытаться построить модель, которая используя вышеуказанные статистические показатели может попытаться </a:t>
-            </a:r>
-            <a:r>
-              <a:rPr lang="ru-RU" sz="1600" dirty="0" err="1">
-                <a:solidFill>
-                  <a:schemeClr val="tx2">
-                    <a:lumMod val="50000"/>
-                  </a:schemeClr>
-                </a:solidFill>
-              </a:rPr>
-              <a:t>предск</a:t>
-            </a:r>
-            <a:endParaRPr lang="ru-RU" sz="1600" dirty="0">
-              <a:solidFill>
-                <a:schemeClr val="tx2">
-                  <a:lumMod val="50000"/>
-                </a:schemeClr>
-              </a:solidFill>
-            </a:endParaRPr>
-          </a:p>
-          <a:p>
-            <a:pPr marL="0" indent="0">
-              <a:buNone/>
-            </a:pPr>
-            <a:endParaRPr lang="ru-RU" sz="1600" dirty="0">
-              <a:solidFill>
-                <a:schemeClr val="tx2">
-                  <a:lumMod val="50000"/>
-                </a:schemeClr>
-              </a:solidFill>
-            </a:endParaRPr>
-          </a:p>
-          <a:p>
-            <a:pPr marL="0" indent="0">
-              <a:buNone/>
-            </a:pPr>
-            <a:r>
-              <a:rPr lang="ru-RU" sz="1100" b="0" i="0" dirty="0">
-                <a:solidFill>
-                  <a:schemeClr val="tx2">
-                    <a:lumMod val="50000"/>
-                  </a:schemeClr>
-                </a:solidFill>
-                <a:effectLst/>
-                <a:latin typeface="Roboto" panose="02000000000000000000" pitchFamily="2" charset="0"/>
-              </a:rPr>
-              <a:t>Расходы на жилье требуют значительных инвестиций как со стороны потребителей, так и со стороны застройщиков. И когда дело доходит до планирования бюджета — будь то личного или корпоративного — последнее, что кому-либо нужно, — это неуверенность в отношении одного из своих самых больших расходов. Сбербанк, старейший и крупнейший банк России, помогает своим клиентам прогнозировать цены на недвижимость, чтобы арендаторы, застройщики и кредиторы чувствовали себя более уверенно при заключении договора аренды или покупке здания. Хотя рынок жилья в России относительно стабилен, нестабильность экономики страны делает прогнозирование цен в зависимости от характеристик квартир сложной задачей. Сложные взаимодействия между характеристиками жилья, такими как количество спален и местоположение, достаточны, чтобы усложнить прогнозирование цен. Добавление нестабильной экономики означает, что Сбербанку и его клиентам нужно нечто большее, чем простые регрессионные модели в их </a:t>
-            </a:r>
-            <a:r>
-              <a:rPr lang="ru-RU" sz="1100" b="0" i="0" dirty="0" err="1">
-                <a:solidFill>
-                  <a:schemeClr val="tx2">
-                    <a:lumMod val="50000"/>
-                  </a:schemeClr>
-                </a:solidFill>
-                <a:effectLst/>
-                <a:latin typeface="Roboto" panose="02000000000000000000" pitchFamily="2" charset="0"/>
-              </a:rPr>
-              <a:t>арсенале.</a:t>
-            </a:r>
-            <a:r>
-              <a:rPr lang="ru-RU" sz="1600" dirty="0" err="1">
-                <a:solidFill>
-                  <a:schemeClr val="tx2">
-                    <a:lumMod val="50000"/>
-                  </a:schemeClr>
-                </a:solidFill>
-              </a:rPr>
-              <a:t>азать</a:t>
-            </a:r>
-            <a:r>
-              <a:rPr lang="ru-RU" sz="1600" dirty="0">
-                <a:solidFill>
-                  <a:schemeClr val="tx2">
-                    <a:lumMod val="50000"/>
-                  </a:schemeClr>
-                </a:solidFill>
-              </a:rPr>
-              <a:t> актуальную цену для рассматриваемого объекта недвижимости.</a:t>
-            </a:r>
-            <a:endParaRPr lang="en-US" sz="1600" dirty="0">
               <a:solidFill>
                 <a:schemeClr val="tx2">
                   <a:lumMod val="50000"/>
@@ -3798,8 +5811,8 @@
         </p:nvSpPr>
         <p:spPr>
           <a:xfrm>
-            <a:off x="783772" y="656652"/>
-            <a:ext cx="10758195" cy="369332"/>
+            <a:off x="838200" y="327094"/>
+            <a:ext cx="10758195" cy="707886"/>
           </a:xfrm>
           <a:prstGeom prst="rect">
             <a:avLst/>
@@ -3813,35 +5826,10 @@
           <a:lstStyle/>
           <a:p>
             <a:r>
-              <a:rPr lang="ru-RU" dirty="0"/>
-              <a:t>Как решали</a:t>
-            </a:r>
-            <a:endParaRPr lang="en-US" dirty="0"/>
-          </a:p>
-        </p:txBody>
-      </p:sp>
-      <p:sp>
-        <p:nvSpPr>
-          <p:cNvPr id="3" name="Title 2">
-            <a:extLst>
-              <a:ext uri="{FF2B5EF4-FFF2-40B4-BE49-F238E27FC236}">
-                <a16:creationId xmlns:a16="http://schemas.microsoft.com/office/drawing/2014/main" id="{0E02BCA2-95E1-3F84-F5A0-996AA00EF519}"/>
-              </a:ext>
-            </a:extLst>
-          </p:cNvPr>
-          <p:cNvSpPr>
-            <a:spLocks noGrp="1"/>
-          </p:cNvSpPr>
-          <p:nvPr>
-            <p:ph type="title"/>
-          </p:nvPr>
-        </p:nvSpPr>
-        <p:spPr/>
-        <p:txBody>
-          <a:bodyPr/>
-          <a:lstStyle/>
-          <a:p>
-            <a:endParaRPr lang="en-US" dirty="0"/>
+              <a:rPr lang="ru-RU" sz="4000" dirty="0"/>
+              <a:t>Решение</a:t>
+            </a:r>
+            <a:endParaRPr lang="en-US" sz="4000" dirty="0"/>
           </a:p>
         </p:txBody>
       </p:sp>
@@ -3861,11 +5849,213 @@
             <p:ph idx="1"/>
           </p:nvPr>
         </p:nvSpPr>
-        <p:spPr/>
-        <p:txBody>
-          <a:bodyPr/>
-          <a:lstStyle/>
-          <a:p>
+        <p:spPr>
+          <a:xfrm>
+            <a:off x="838200" y="1034980"/>
+            <a:ext cx="10515600" cy="4788040"/>
+          </a:xfrm>
+        </p:spPr>
+        <p:txBody>
+          <a:bodyPr>
+            <a:normAutofit fontScale="62500" lnSpcReduction="20000"/>
+          </a:bodyPr>
+          <a:lstStyle/>
+          <a:p>
+            <a:pPr marL="0" indent="0">
+              <a:buNone/>
+            </a:pPr>
+            <a:r>
+              <a:rPr lang="ru-RU" sz="2800" dirty="0">
+                <a:solidFill>
+                  <a:schemeClr val="tx2">
+                    <a:lumMod val="50000"/>
+                  </a:schemeClr>
+                </a:solidFill>
+              </a:rPr>
+              <a:t>Ввиду сложности перевода многих качественных характеристик (например, удобства доступа к транспорту, материал, из которого построен дом), которые оказывают влияние на цену, наиболее предпочтительным является использование моделей построенных на основе статистических показателей. </a:t>
+            </a:r>
+          </a:p>
+          <a:p>
+            <a:pPr marL="0" indent="0">
+              <a:buNone/>
+            </a:pPr>
+            <a:endParaRPr lang="ru-RU" sz="2800" dirty="0">
+              <a:solidFill>
+                <a:schemeClr val="tx2">
+                  <a:lumMod val="50000"/>
+                </a:schemeClr>
+              </a:solidFill>
+            </a:endParaRPr>
+          </a:p>
+          <a:p>
+            <a:pPr marL="0" indent="0">
+              <a:buNone/>
+            </a:pPr>
+            <a:r>
+              <a:rPr lang="ru-RU" sz="2800" dirty="0">
+                <a:solidFill>
+                  <a:schemeClr val="tx2">
+                    <a:lumMod val="50000"/>
+                  </a:schemeClr>
+                </a:solidFill>
+              </a:rPr>
+              <a:t>В качестве варианта решения вопросов выше было решено использовать построить модель на основе </a:t>
+            </a:r>
+            <a:r>
+              <a:rPr lang="en-US" sz="2800" dirty="0" err="1">
+                <a:solidFill>
+                  <a:schemeClr val="tx2">
+                    <a:lumMod val="50000"/>
+                  </a:schemeClr>
+                </a:solidFill>
+              </a:rPr>
+              <a:t>CatBoost</a:t>
+            </a:r>
+            <a:endParaRPr lang="ru-RU" sz="2800" dirty="0">
+              <a:solidFill>
+                <a:schemeClr val="tx2">
+                  <a:lumMod val="50000"/>
+                </a:schemeClr>
+              </a:solidFill>
+            </a:endParaRPr>
+          </a:p>
+          <a:p>
+            <a:pPr marL="0" indent="0">
+              <a:buNone/>
+            </a:pPr>
+            <a:r>
+              <a:rPr lang="ru-RU" sz="2800" dirty="0">
+                <a:solidFill>
+                  <a:schemeClr val="tx2">
+                    <a:lumMod val="50000"/>
+                  </a:schemeClr>
+                </a:solidFill>
+              </a:rPr>
+              <a:t>В качестве </a:t>
+            </a:r>
+            <a:r>
+              <a:rPr lang="ru-RU" sz="2800" dirty="0" err="1">
+                <a:solidFill>
+                  <a:schemeClr val="tx2">
+                    <a:lumMod val="50000"/>
+                  </a:schemeClr>
+                </a:solidFill>
+              </a:rPr>
+              <a:t>датасета</a:t>
+            </a:r>
+            <a:r>
+              <a:rPr lang="ru-RU" sz="2800" dirty="0">
+                <a:solidFill>
+                  <a:schemeClr val="tx2">
+                    <a:lumMod val="50000"/>
+                  </a:schemeClr>
+                </a:solidFill>
+              </a:rPr>
+              <a:t> для тренировки модели и проверки качества предсказания был использован </a:t>
+            </a:r>
+            <a:r>
+              <a:rPr lang="ru-RU" sz="2800" dirty="0" err="1">
+                <a:solidFill>
+                  <a:schemeClr val="tx2">
+                    <a:lumMod val="50000"/>
+                  </a:schemeClr>
+                </a:solidFill>
+              </a:rPr>
+              <a:t>датасет</a:t>
+            </a:r>
+            <a:r>
+              <a:rPr lang="ru-RU" sz="2800" dirty="0">
+                <a:solidFill>
+                  <a:schemeClr val="tx2">
+                    <a:lumMod val="50000"/>
+                  </a:schemeClr>
+                </a:solidFill>
+              </a:rPr>
+              <a:t> </a:t>
+            </a:r>
+            <a:r>
+              <a:rPr lang="en-US" sz="2800" dirty="0">
+                <a:solidFill>
+                  <a:schemeClr val="tx2">
+                    <a:lumMod val="50000"/>
+                  </a:schemeClr>
+                </a:solidFill>
+              </a:rPr>
+              <a:t>Sberbank Russian Housing Market</a:t>
+            </a:r>
+            <a:r>
+              <a:rPr lang="ru-RU" sz="2800" dirty="0">
+                <a:solidFill>
+                  <a:schemeClr val="tx2">
+                    <a:lumMod val="50000"/>
+                  </a:schemeClr>
+                </a:solidFill>
+              </a:rPr>
+              <a:t> использованный для одного из </a:t>
+            </a:r>
+            <a:r>
+              <a:rPr lang="ru-RU" sz="2800" dirty="0" err="1">
+                <a:solidFill>
+                  <a:schemeClr val="tx2">
+                    <a:lumMod val="50000"/>
+                  </a:schemeClr>
+                </a:solidFill>
+              </a:rPr>
+              <a:t>контестов</a:t>
+            </a:r>
+            <a:r>
+              <a:rPr lang="ru-RU" sz="2800" dirty="0">
+                <a:solidFill>
+                  <a:schemeClr val="tx2">
+                    <a:lumMod val="50000"/>
+                  </a:schemeClr>
+                </a:solidFill>
+              </a:rPr>
+              <a:t> на </a:t>
+            </a:r>
+            <a:r>
+              <a:rPr lang="en-US" sz="2800" dirty="0">
+                <a:solidFill>
+                  <a:schemeClr val="tx2">
+                    <a:lumMod val="50000"/>
+                  </a:schemeClr>
+                </a:solidFill>
+              </a:rPr>
+              <a:t>Kaggle.</a:t>
+            </a:r>
+            <a:endParaRPr lang="ru-RU" sz="2800" dirty="0">
+              <a:solidFill>
+                <a:schemeClr val="tx2">
+                  <a:lumMod val="50000"/>
+                </a:schemeClr>
+              </a:solidFill>
+            </a:endParaRPr>
+          </a:p>
+          <a:p>
+            <a:pPr marL="0" indent="0">
+              <a:buNone/>
+            </a:pPr>
+            <a:endParaRPr lang="ru-RU" sz="2800" dirty="0">
+              <a:solidFill>
+                <a:schemeClr val="tx2">
+                  <a:lumMod val="50000"/>
+                </a:schemeClr>
+              </a:solidFill>
+            </a:endParaRPr>
+          </a:p>
+          <a:p>
+            <a:endParaRPr lang="ru-RU" sz="2800" dirty="0">
+              <a:solidFill>
+                <a:schemeClr val="tx2">
+                  <a:lumMod val="50000"/>
+                </a:schemeClr>
+              </a:solidFill>
+            </a:endParaRPr>
+          </a:p>
+          <a:p>
+            <a:pPr marL="0" indent="0">
+              <a:buNone/>
+            </a:pPr>
             <a:r>
               <a:rPr lang="ru-RU" b="0" i="0" dirty="0">
                 <a:solidFill>
@@ -3874,7 +6064,7 @@
                 <a:effectLst/>
                 <a:latin typeface="Roboto" panose="02000000000000000000" pitchFamily="2" charset="0"/>
               </a:rPr>
-              <a:t>В этом конкурсе Сбербанк предлагает </a:t>
+              <a:t>В этом конкурсе Сбербанк предлагал разработать алгоритмы, которые используют широкий спектр функций для прогнозирования цен на </a:t>
             </a:r>
             <a:r>
               <a:rPr lang="ru-RU" b="0" i="0" dirty="0" err="1">
@@ -3884,7 +6074,7 @@
                 <a:effectLst/>
                 <a:latin typeface="Roboto" panose="02000000000000000000" pitchFamily="2" charset="0"/>
               </a:rPr>
-              <a:t>Kagglers</a:t>
+              <a:t>недвижимость.датасет</a:t>
             </a:r>
             <a:r>
               <a:rPr lang="ru-RU" b="0" i="0" dirty="0">
@@ -3894,7 +6084,22 @@
                 <a:effectLst/>
                 <a:latin typeface="Roboto" panose="02000000000000000000" pitchFamily="2" charset="0"/>
               </a:rPr>
-              <a:t> разработать алгоритмы, которые используют широкий спектр функций для прогнозирования цен на недвижимость. Конкуренты будут полагаться на богатый набор данных, который включает данные о жилье и макроэкономические модели. Точная модель прогнозирования позволит Сбербанку обеспечить большую уверенность для своих клиентов в условиях неопределенной экономики.</a:t>
+              <a:t> содержал набор данных, включающий данные о жилье и макроэкономические модели. </a:t>
+            </a:r>
+          </a:p>
+          <a:p>
+            <a:pPr marL="0" indent="0">
+              <a:buNone/>
+            </a:pPr>
+            <a:r>
+              <a:rPr lang="ru-RU" b="0" i="0" dirty="0">
+                <a:solidFill>
+                  <a:srgbClr val="000000"/>
+                </a:solidFill>
+                <a:effectLst/>
+                <a:latin typeface="Roboto" panose="02000000000000000000" pitchFamily="2" charset="0"/>
+              </a:rPr>
+              <a:t>Точная модель прогнозирования позволит обеспечить большую уверенность для клиентов в условиях неопределенной экономики.</a:t>
             </a:r>
             <a:endParaRPr lang="en-US" dirty="0"/>
           </a:p>
@@ -3959,8 +6164,8 @@
         </p:nvSpPr>
         <p:spPr>
           <a:xfrm>
-            <a:off x="545284" y="1602297"/>
-            <a:ext cx="6308522" cy="1477328"/>
+            <a:off x="741226" y="781202"/>
+            <a:ext cx="10502161" cy="1754326"/>
           </a:xfrm>
           <a:prstGeom prst="rect">
             <a:avLst/>
@@ -3979,19 +6184,34 @@
             </a:r>
           </a:p>
           <a:p>
+            <a:r>
+              <a:rPr lang="ru-RU" dirty="0"/>
+              <a:t> В качестве метрик использовались стандартные метрики для задач регрессии: </a:t>
+            </a:r>
+            <a:r>
+              <a:rPr lang="en-US" dirty="0"/>
+              <a:t>MSE/RMSE</a:t>
+            </a:r>
             <a:endParaRPr lang="ru-RU" dirty="0"/>
           </a:p>
           <a:p>
             <a:endParaRPr lang="ru-RU" dirty="0"/>
           </a:p>
           <a:p>
-            <a:endParaRPr lang="ru-RU" dirty="0"/>
-          </a:p>
-          <a:p>
-            <a:r>
-              <a:rPr lang="en-US"/>
-              <a:t>MSE/RMSE</a:t>
-            </a:r>
+            <a:r>
+              <a:rPr lang="ru-RU" dirty="0"/>
+              <a:t>Подбор параметров модели выполнялся при помощи </a:t>
+            </a:r>
+            <a:r>
+              <a:rPr lang="en-US" dirty="0"/>
+              <a:t>Grid Search </a:t>
+            </a:r>
+            <a:r>
+              <a:rPr lang="ru-RU" dirty="0"/>
+              <a:t>для обеспечения минимизации величины метрики.</a:t>
+            </a:r>
+          </a:p>
+          <a:p>
             <a:endParaRPr lang="en-US" dirty="0"/>
           </a:p>
         </p:txBody>
@@ -4092,7 +6312,7 @@
         <p:spPr>
           <a:xfrm>
             <a:off x="438539" y="1082351"/>
-            <a:ext cx="11000792" cy="369332"/>
+            <a:ext cx="11000792" cy="3785652"/>
           </a:xfrm>
           <a:prstGeom prst="rect">
             <a:avLst/>
@@ -4106,14 +6326,123 @@
           <a:lstStyle/>
           <a:p>
             <a:r>
-              <a:rPr lang="ru-RU" dirty="0"/>
-              <a:t>Была построена модель на основе </a:t>
-            </a:r>
-            <a:r>
-              <a:rPr lang="en-US" dirty="0" err="1"/>
-              <a:t>XGBoost</a:t>
-            </a:r>
-            <a:endParaRPr lang="en-US" dirty="0"/>
+              <a:rPr lang="ru-RU" sz="2000" dirty="0">
+                <a:latin typeface="Times New Roman" panose="02020603050405020304" pitchFamily="18" charset="0"/>
+                <a:cs typeface="Times New Roman" panose="02020603050405020304" pitchFamily="18" charset="0"/>
+              </a:rPr>
+              <a:t>Выполнение работы проводилось в несколько этапов:</a:t>
+            </a:r>
+          </a:p>
+          <a:p>
+            <a:pPr marL="342900" indent="-342900">
+              <a:buAutoNum type="arabicPeriod"/>
+            </a:pPr>
+            <a:r>
+              <a:rPr lang="ru-RU" sz="2000" dirty="0">
+                <a:latin typeface="Times New Roman" panose="02020603050405020304" pitchFamily="18" charset="0"/>
+                <a:cs typeface="Times New Roman" panose="02020603050405020304" pitchFamily="18" charset="0"/>
+              </a:rPr>
+              <a:t>Первичный анализ признаков. Основные признаки были визуализированы при помощи графиков и представлены в ноутбуке</a:t>
+            </a:r>
+          </a:p>
+          <a:p>
+            <a:pPr marL="342900" indent="-342900">
+              <a:buAutoNum type="arabicPeriod"/>
+            </a:pPr>
+            <a:r>
+              <a:rPr lang="ru-RU" sz="2000" dirty="0">
+                <a:latin typeface="Times New Roman" panose="02020603050405020304" pitchFamily="18" charset="0"/>
+                <a:cs typeface="Times New Roman" panose="02020603050405020304" pitchFamily="18" charset="0"/>
+              </a:rPr>
+              <a:t>Обработка признаков. Для этой цели были написаны несколько функций, обеспечивающий фильтрацию исходных данных, заполнение пропущенных значений данными </a:t>
+            </a:r>
+            <a:r>
+              <a:rPr lang="ru-RU" sz="2000" dirty="0" err="1">
+                <a:latin typeface="Times New Roman" panose="02020603050405020304" pitchFamily="18" charset="0"/>
+                <a:cs typeface="Times New Roman" panose="02020603050405020304" pitchFamily="18" charset="0"/>
+              </a:rPr>
+              <a:t>усередненными</a:t>
+            </a:r>
+            <a:r>
+              <a:rPr lang="ru-RU" sz="2000" dirty="0">
+                <a:latin typeface="Times New Roman" panose="02020603050405020304" pitchFamily="18" charset="0"/>
+                <a:cs typeface="Times New Roman" panose="02020603050405020304" pitchFamily="18" charset="0"/>
+              </a:rPr>
+              <a:t> по району</a:t>
+            </a:r>
+          </a:p>
+          <a:p>
+            <a:pPr marL="342900" indent="-342900">
+              <a:buAutoNum type="arabicPeriod"/>
+            </a:pPr>
+            <a:r>
+              <a:rPr lang="ru-RU" sz="2000" dirty="0">
+                <a:latin typeface="Times New Roman" panose="02020603050405020304" pitchFamily="18" charset="0"/>
+                <a:cs typeface="Times New Roman" panose="02020603050405020304" pitchFamily="18" charset="0"/>
+              </a:rPr>
+              <a:t>Первичное обучение модели. Была использована библиотека машинного обучения </a:t>
+            </a:r>
+            <a:r>
+              <a:rPr lang="en-US" sz="2000" dirty="0" err="1">
+                <a:latin typeface="Times New Roman" panose="02020603050405020304" pitchFamily="18" charset="0"/>
+                <a:cs typeface="Times New Roman" panose="02020603050405020304" pitchFamily="18" charset="0"/>
+              </a:rPr>
+              <a:t>CatBoost</a:t>
+            </a:r>
+            <a:endParaRPr lang="ru-RU" sz="2000" dirty="0">
+              <a:latin typeface="Times New Roman" panose="02020603050405020304" pitchFamily="18" charset="0"/>
+              <a:cs typeface="Times New Roman" panose="02020603050405020304" pitchFamily="18" charset="0"/>
+            </a:endParaRPr>
+          </a:p>
+          <a:p>
+            <a:pPr marL="342900" indent="-342900">
+              <a:buAutoNum type="arabicPeriod"/>
+            </a:pPr>
+            <a:r>
+              <a:rPr lang="ru-RU" sz="2000" dirty="0">
+                <a:latin typeface="Times New Roman" panose="02020603050405020304" pitchFamily="18" charset="0"/>
+                <a:cs typeface="Times New Roman" panose="02020603050405020304" pitchFamily="18" charset="0"/>
+              </a:rPr>
+              <a:t>После обучения был проеден анализ важности признаков</a:t>
+            </a:r>
+          </a:p>
+          <a:p>
+            <a:pPr marL="342900" indent="-342900">
+              <a:buAutoNum type="arabicPeriod"/>
+            </a:pPr>
+            <a:r>
+              <a:rPr lang="ru-RU" sz="2000" dirty="0">
+                <a:latin typeface="Times New Roman" panose="02020603050405020304" pitchFamily="18" charset="0"/>
+                <a:cs typeface="Times New Roman" panose="02020603050405020304" pitchFamily="18" charset="0"/>
+              </a:rPr>
+              <a:t>По результатам анализа важности признаков исходный </a:t>
+            </a:r>
+            <a:r>
+              <a:rPr lang="ru-RU" sz="2000" dirty="0" err="1">
+                <a:latin typeface="Times New Roman" panose="02020603050405020304" pitchFamily="18" charset="0"/>
+                <a:cs typeface="Times New Roman" panose="02020603050405020304" pitchFamily="18" charset="0"/>
+              </a:rPr>
+              <a:t>датасет</a:t>
+            </a:r>
+            <a:r>
+              <a:rPr lang="ru-RU" sz="2000" dirty="0">
+                <a:latin typeface="Times New Roman" panose="02020603050405020304" pitchFamily="18" charset="0"/>
+                <a:cs typeface="Times New Roman" panose="02020603050405020304" pitchFamily="18" charset="0"/>
+              </a:rPr>
+              <a:t> был трансформирован для удаления признаков имеющих низкую важность.</a:t>
+            </a:r>
+          </a:p>
+          <a:p>
+            <a:pPr marL="342900" indent="-342900">
+              <a:buAutoNum type="arabicPeriod"/>
+            </a:pPr>
+            <a:r>
+              <a:rPr lang="ru-RU" sz="2000" dirty="0">
+                <a:latin typeface="Times New Roman" panose="02020603050405020304" pitchFamily="18" charset="0"/>
+                <a:cs typeface="Times New Roman" panose="02020603050405020304" pitchFamily="18" charset="0"/>
+              </a:rPr>
+              <a:t>С использованием отредактированного набора признаков еще раз была обучена модель и получены финальные предсказания цены.</a:t>
+            </a:r>
           </a:p>
         </p:txBody>
       </p:sp>
@@ -4176,8 +6505,8 @@
         </p:nvSpPr>
         <p:spPr>
           <a:xfrm>
-            <a:off x="1342239" y="1090569"/>
-            <a:ext cx="6702803" cy="369332"/>
+            <a:off x="195352" y="53629"/>
+            <a:ext cx="6702803" cy="584775"/>
           </a:xfrm>
           <a:prstGeom prst="rect">
             <a:avLst/>
@@ -4191,43 +6520,1395 @@
           <a:lstStyle/>
           <a:p>
             <a:r>
-              <a:rPr lang="ru-RU" dirty="0"/>
+              <a:rPr lang="ru-RU" sz="3200" b="1" dirty="0">
+                <a:ln w="10160">
+                  <a:solidFill>
+                    <a:schemeClr val="accent5"/>
+                  </a:solidFill>
+                  <a:prstDash val="solid"/>
+                </a:ln>
+                <a:solidFill>
+                  <a:srgbClr val="FFFFFF"/>
+                </a:solidFill>
+                <a:effectLst>
+                  <a:outerShdw blurRad="38100" dist="22860" dir="5400000" algn="tl" rotWithShape="0">
+                    <a:srgbClr val="000000">
+                      <a:alpha val="30000"/>
+                    </a:srgbClr>
+                  </a:outerShdw>
+                </a:effectLst>
+              </a:rPr>
               <a:t>Архитектура больших данных</a:t>
             </a:r>
-            <a:endParaRPr lang="en-US" dirty="0"/>
-          </a:p>
-        </p:txBody>
-      </p:sp>
-      <p:pic>
-        <p:nvPicPr>
-          <p:cNvPr id="4" name="Picture 3">
+            <a:endParaRPr lang="en-US" sz="3200" b="1" dirty="0">
+              <a:ln w="10160">
+                <a:solidFill>
+                  <a:schemeClr val="accent5"/>
+                </a:solidFill>
+                <a:prstDash val="solid"/>
+              </a:ln>
+              <a:solidFill>
+                <a:srgbClr val="FFFFFF"/>
+              </a:solidFill>
+              <a:effectLst>
+                <a:outerShdw blurRad="38100" dist="22860" dir="5400000" algn="tl" rotWithShape="0">
+                  <a:srgbClr val="000000">
+                    <a:alpha val="30000"/>
+                  </a:srgbClr>
+                </a:outerShdw>
+              </a:effectLst>
+            </a:endParaRPr>
+          </a:p>
+        </p:txBody>
+      </p:sp>
+      <p:sp>
+        <p:nvSpPr>
+          <p:cNvPr id="3" name="Rectangle: Rounded Corners 2">
             <a:extLst>
               <a:ext uri="{FF2B5EF4-FFF2-40B4-BE49-F238E27FC236}">
-                <a16:creationId xmlns:a16="http://schemas.microsoft.com/office/drawing/2014/main" id="{B8920B15-CAA0-B4DC-7EFE-B2A6A9C51073}"/>
+                <a16:creationId xmlns:a16="http://schemas.microsoft.com/office/drawing/2014/main" id="{B82FF24E-F1CA-1477-F98D-2BE05B04982B}"/>
               </a:ext>
             </a:extLst>
           </p:cNvPr>
-          <p:cNvPicPr>
-            <a:picLocks noChangeAspect="1"/>
-          </p:cNvPicPr>
+          <p:cNvSpPr/>
           <p:nvPr/>
-        </p:nvPicPr>
-        <p:blipFill>
-          <a:blip r:embed="rId3"/>
-          <a:stretch>
-            <a:fillRect/>
-          </a:stretch>
-        </p:blipFill>
+        </p:nvSpPr>
         <p:spPr>
           <a:xfrm>
-            <a:off x="2995612" y="1604962"/>
-            <a:ext cx="6200775" cy="3648075"/>
-          </a:xfrm>
-          <a:prstGeom prst="rect">
+            <a:off x="123496" y="1272069"/>
+            <a:ext cx="7294574" cy="905069"/>
+          </a:xfrm>
+          <a:prstGeom prst="roundRect">
             <a:avLst/>
           </a:prstGeom>
         </p:spPr>
-      </p:pic>
+        <p:style>
+          <a:lnRef idx="2">
+            <a:schemeClr val="accent1">
+              <a:shade val="50000"/>
+            </a:schemeClr>
+          </a:lnRef>
+          <a:fillRef idx="1">
+            <a:schemeClr val="accent1"/>
+          </a:fillRef>
+          <a:effectRef idx="0">
+            <a:schemeClr val="accent1"/>
+          </a:effectRef>
+          <a:fontRef idx="minor">
+            <a:schemeClr val="lt1"/>
+          </a:fontRef>
+        </p:style>
+        <p:txBody>
+          <a:bodyPr rtlCol="0" anchor="ctr"/>
+          <a:lstStyle/>
+          <a:p>
+            <a:pPr algn="ctr"/>
+            <a:r>
+              <a:rPr lang="en-US" dirty="0"/>
+              <a:t>Global Storage</a:t>
+            </a:r>
+          </a:p>
+        </p:txBody>
+      </p:sp>
+      <p:sp>
+        <p:nvSpPr>
+          <p:cNvPr id="8" name="Rectangle: Rounded Corners 7">
+            <a:extLst>
+              <a:ext uri="{FF2B5EF4-FFF2-40B4-BE49-F238E27FC236}">
+                <a16:creationId xmlns:a16="http://schemas.microsoft.com/office/drawing/2014/main" id="{7F6AFCA9-6A13-E7B0-7644-98970D0959B2}"/>
+              </a:ext>
+            </a:extLst>
+          </p:cNvPr>
+          <p:cNvSpPr/>
+          <p:nvPr/>
+        </p:nvSpPr>
+        <p:spPr>
+          <a:xfrm>
+            <a:off x="2044728" y="5487513"/>
+            <a:ext cx="1802788" cy="1138335"/>
+          </a:xfrm>
+          <a:prstGeom prst="roundRect">
+            <a:avLst/>
+          </a:prstGeom>
+        </p:spPr>
+        <p:style>
+          <a:lnRef idx="2">
+            <a:schemeClr val="accent1">
+              <a:shade val="50000"/>
+            </a:schemeClr>
+          </a:lnRef>
+          <a:fillRef idx="1">
+            <a:schemeClr val="accent1"/>
+          </a:fillRef>
+          <a:effectRef idx="0">
+            <a:schemeClr val="accent1"/>
+          </a:effectRef>
+          <a:fontRef idx="minor">
+            <a:schemeClr val="lt1"/>
+          </a:fontRef>
+        </p:style>
+        <p:txBody>
+          <a:bodyPr rtlCol="0" anchor="ctr"/>
+          <a:lstStyle/>
+          <a:p>
+            <a:pPr algn="ctr"/>
+            <a:r>
+              <a:rPr lang="en-US" dirty="0"/>
+              <a:t>Data source / Local storage</a:t>
+            </a:r>
+          </a:p>
+        </p:txBody>
+      </p:sp>
+      <p:sp>
+        <p:nvSpPr>
+          <p:cNvPr id="10" name="Rectangle: Rounded Corners 9">
+            <a:extLst>
+              <a:ext uri="{FF2B5EF4-FFF2-40B4-BE49-F238E27FC236}">
+                <a16:creationId xmlns:a16="http://schemas.microsoft.com/office/drawing/2014/main" id="{E6725469-0F58-C27B-D8C5-26EFF4435F12}"/>
+              </a:ext>
+            </a:extLst>
+          </p:cNvPr>
+          <p:cNvSpPr/>
+          <p:nvPr/>
+        </p:nvSpPr>
+        <p:spPr>
+          <a:xfrm>
+            <a:off x="195352" y="4349179"/>
+            <a:ext cx="5502061" cy="550506"/>
+          </a:xfrm>
+          <a:prstGeom prst="roundRect">
+            <a:avLst/>
+          </a:prstGeom>
+        </p:spPr>
+        <p:style>
+          <a:lnRef idx="2">
+            <a:schemeClr val="accent1">
+              <a:shade val="50000"/>
+            </a:schemeClr>
+          </a:lnRef>
+          <a:fillRef idx="1">
+            <a:schemeClr val="accent1"/>
+          </a:fillRef>
+          <a:effectRef idx="0">
+            <a:schemeClr val="accent1"/>
+          </a:effectRef>
+          <a:fontRef idx="minor">
+            <a:schemeClr val="lt1"/>
+          </a:fontRef>
+        </p:style>
+        <p:txBody>
+          <a:bodyPr rtlCol="0" anchor="ctr"/>
+          <a:lstStyle/>
+          <a:p>
+            <a:pPr algn="ctr"/>
+            <a:r>
+              <a:rPr lang="en-US" dirty="0"/>
+              <a:t>Batch data</a:t>
+            </a:r>
+          </a:p>
+        </p:txBody>
+      </p:sp>
+      <p:sp>
+        <p:nvSpPr>
+          <p:cNvPr id="11" name="Rectangle: Rounded Corners 10">
+            <a:extLst>
+              <a:ext uri="{FF2B5EF4-FFF2-40B4-BE49-F238E27FC236}">
+                <a16:creationId xmlns:a16="http://schemas.microsoft.com/office/drawing/2014/main" id="{DC5D4BF0-85F3-DF56-EF5F-3CC5BDB18958}"/>
+              </a:ext>
+            </a:extLst>
+          </p:cNvPr>
+          <p:cNvSpPr/>
+          <p:nvPr/>
+        </p:nvSpPr>
+        <p:spPr>
+          <a:xfrm>
+            <a:off x="1846406" y="3080216"/>
+            <a:ext cx="2213068" cy="681135"/>
+          </a:xfrm>
+          <a:prstGeom prst="roundRect">
+            <a:avLst/>
+          </a:prstGeom>
+        </p:spPr>
+        <p:style>
+          <a:lnRef idx="2">
+            <a:schemeClr val="accent1">
+              <a:shade val="50000"/>
+            </a:schemeClr>
+          </a:lnRef>
+          <a:fillRef idx="1">
+            <a:schemeClr val="accent1"/>
+          </a:fillRef>
+          <a:effectRef idx="0">
+            <a:schemeClr val="accent1"/>
+          </a:effectRef>
+          <a:fontRef idx="minor">
+            <a:schemeClr val="lt1"/>
+          </a:fontRef>
+        </p:style>
+        <p:txBody>
+          <a:bodyPr rtlCol="0" anchor="ctr"/>
+          <a:lstStyle/>
+          <a:p>
+            <a:pPr algn="ctr"/>
+            <a:r>
+              <a:rPr lang="en-US" dirty="0"/>
+              <a:t>Processing</a:t>
+            </a:r>
+          </a:p>
+        </p:txBody>
+      </p:sp>
+      <p:sp>
+        <p:nvSpPr>
+          <p:cNvPr id="19" name="Arrow: Right 18">
+            <a:extLst>
+              <a:ext uri="{FF2B5EF4-FFF2-40B4-BE49-F238E27FC236}">
+                <a16:creationId xmlns:a16="http://schemas.microsoft.com/office/drawing/2014/main" id="{F83BBDF8-2BF2-13A4-85DD-8534182EABFB}"/>
+              </a:ext>
+            </a:extLst>
+          </p:cNvPr>
+          <p:cNvSpPr/>
+          <p:nvPr/>
+        </p:nvSpPr>
+        <p:spPr>
+          <a:xfrm rot="16200000">
+            <a:off x="2659026" y="4960330"/>
+            <a:ext cx="587828" cy="466533"/>
+          </a:xfrm>
+          <a:prstGeom prst="rightArrow">
+            <a:avLst/>
+          </a:prstGeom>
+        </p:spPr>
+        <p:style>
+          <a:lnRef idx="2">
+            <a:schemeClr val="accent1">
+              <a:shade val="50000"/>
+            </a:schemeClr>
+          </a:lnRef>
+          <a:fillRef idx="1">
+            <a:schemeClr val="accent1"/>
+          </a:fillRef>
+          <a:effectRef idx="0">
+            <a:schemeClr val="accent1"/>
+          </a:effectRef>
+          <a:fontRef idx="minor">
+            <a:schemeClr val="lt1"/>
+          </a:fontRef>
+        </p:style>
+        <p:txBody>
+          <a:bodyPr rtlCol="0" anchor="ctr"/>
+          <a:lstStyle/>
+          <a:p>
+            <a:pPr algn="ctr"/>
+            <a:endParaRPr lang="en-US"/>
+          </a:p>
+        </p:txBody>
+      </p:sp>
+      <p:sp>
+        <p:nvSpPr>
+          <p:cNvPr id="22" name="Arrow: Right 21">
+            <a:extLst>
+              <a:ext uri="{FF2B5EF4-FFF2-40B4-BE49-F238E27FC236}">
+                <a16:creationId xmlns:a16="http://schemas.microsoft.com/office/drawing/2014/main" id="{3D1B4A0A-52A5-8318-1570-D0C80D99CFDE}"/>
+              </a:ext>
+            </a:extLst>
+          </p:cNvPr>
+          <p:cNvSpPr/>
+          <p:nvPr/>
+        </p:nvSpPr>
+        <p:spPr>
+          <a:xfrm rot="16200000">
+            <a:off x="2652208" y="3825007"/>
+            <a:ext cx="587828" cy="466533"/>
+          </a:xfrm>
+          <a:prstGeom prst="rightArrow">
+            <a:avLst/>
+          </a:prstGeom>
+        </p:spPr>
+        <p:style>
+          <a:lnRef idx="2">
+            <a:schemeClr val="accent1">
+              <a:shade val="50000"/>
+            </a:schemeClr>
+          </a:lnRef>
+          <a:fillRef idx="1">
+            <a:schemeClr val="accent1"/>
+          </a:fillRef>
+          <a:effectRef idx="0">
+            <a:schemeClr val="accent1"/>
+          </a:effectRef>
+          <a:fontRef idx="minor">
+            <a:schemeClr val="lt1"/>
+          </a:fontRef>
+        </p:style>
+        <p:txBody>
+          <a:bodyPr rtlCol="0" anchor="ctr"/>
+          <a:lstStyle/>
+          <a:p>
+            <a:pPr algn="ctr"/>
+            <a:endParaRPr lang="en-US"/>
+          </a:p>
+        </p:txBody>
+      </p:sp>
+      <p:sp>
+        <p:nvSpPr>
+          <p:cNvPr id="23" name="Arrow: Right 22">
+            <a:extLst>
+              <a:ext uri="{FF2B5EF4-FFF2-40B4-BE49-F238E27FC236}">
+                <a16:creationId xmlns:a16="http://schemas.microsoft.com/office/drawing/2014/main" id="{04F569EF-59CA-E036-DA80-731BD4A78FD7}"/>
+              </a:ext>
+            </a:extLst>
+          </p:cNvPr>
+          <p:cNvSpPr/>
+          <p:nvPr/>
+        </p:nvSpPr>
+        <p:spPr>
+          <a:xfrm rot="16200000">
+            <a:off x="2488235" y="2382242"/>
+            <a:ext cx="929414" cy="466533"/>
+          </a:xfrm>
+          <a:prstGeom prst="rightArrow">
+            <a:avLst/>
+          </a:prstGeom>
+        </p:spPr>
+        <p:style>
+          <a:lnRef idx="2">
+            <a:schemeClr val="accent1">
+              <a:shade val="50000"/>
+            </a:schemeClr>
+          </a:lnRef>
+          <a:fillRef idx="1">
+            <a:schemeClr val="accent1"/>
+          </a:fillRef>
+          <a:effectRef idx="0">
+            <a:schemeClr val="accent1"/>
+          </a:effectRef>
+          <a:fontRef idx="minor">
+            <a:schemeClr val="lt1"/>
+          </a:fontRef>
+        </p:style>
+        <p:txBody>
+          <a:bodyPr rtlCol="0" anchor="ctr"/>
+          <a:lstStyle/>
+          <a:p>
+            <a:pPr algn="ctr"/>
+            <a:endParaRPr lang="en-US"/>
+          </a:p>
+        </p:txBody>
+      </p:sp>
+      <p:sp>
+        <p:nvSpPr>
+          <p:cNvPr id="24" name="Rectangle: Rounded Corners 23">
+            <a:extLst>
+              <a:ext uri="{FF2B5EF4-FFF2-40B4-BE49-F238E27FC236}">
+                <a16:creationId xmlns:a16="http://schemas.microsoft.com/office/drawing/2014/main" id="{38458FDC-3C1C-B104-151D-05629C41852B}"/>
+              </a:ext>
+            </a:extLst>
+          </p:cNvPr>
+          <p:cNvSpPr/>
+          <p:nvPr/>
+        </p:nvSpPr>
+        <p:spPr>
+          <a:xfrm>
+            <a:off x="9640552" y="1508734"/>
+            <a:ext cx="1474236" cy="791111"/>
+          </a:xfrm>
+          <a:prstGeom prst="roundRect">
+            <a:avLst/>
+          </a:prstGeom>
+        </p:spPr>
+        <p:style>
+          <a:lnRef idx="2">
+            <a:schemeClr val="accent1">
+              <a:shade val="50000"/>
+            </a:schemeClr>
+          </a:lnRef>
+          <a:fillRef idx="1">
+            <a:schemeClr val="accent1"/>
+          </a:fillRef>
+          <a:effectRef idx="0">
+            <a:schemeClr val="accent1"/>
+          </a:effectRef>
+          <a:fontRef idx="minor">
+            <a:schemeClr val="lt1"/>
+          </a:fontRef>
+        </p:style>
+        <p:txBody>
+          <a:bodyPr rtlCol="0" anchor="ctr"/>
+          <a:lstStyle/>
+          <a:p>
+            <a:pPr algn="ctr"/>
+            <a:r>
+              <a:rPr lang="en-US" dirty="0"/>
+              <a:t>ML Model</a:t>
+            </a:r>
+          </a:p>
+        </p:txBody>
+      </p:sp>
+      <p:sp>
+        <p:nvSpPr>
+          <p:cNvPr id="26" name="Rectangle: Rounded Corners 25">
+            <a:extLst>
+              <a:ext uri="{FF2B5EF4-FFF2-40B4-BE49-F238E27FC236}">
+                <a16:creationId xmlns:a16="http://schemas.microsoft.com/office/drawing/2014/main" id="{D3C2B171-904F-D73C-7E72-EDA76DBCFF29}"/>
+              </a:ext>
+            </a:extLst>
+          </p:cNvPr>
+          <p:cNvSpPr/>
+          <p:nvPr/>
+        </p:nvSpPr>
+        <p:spPr>
+          <a:xfrm>
+            <a:off x="6166186" y="3112262"/>
+            <a:ext cx="1609375" cy="681135"/>
+          </a:xfrm>
+          <a:prstGeom prst="roundRect">
+            <a:avLst/>
+          </a:prstGeom>
+        </p:spPr>
+        <p:style>
+          <a:lnRef idx="2">
+            <a:schemeClr val="accent1">
+              <a:shade val="50000"/>
+            </a:schemeClr>
+          </a:lnRef>
+          <a:fillRef idx="1">
+            <a:schemeClr val="accent1"/>
+          </a:fillRef>
+          <a:effectRef idx="0">
+            <a:schemeClr val="accent1"/>
+          </a:effectRef>
+          <a:fontRef idx="minor">
+            <a:schemeClr val="lt1"/>
+          </a:fontRef>
+        </p:style>
+        <p:txBody>
+          <a:bodyPr rtlCol="0" anchor="ctr"/>
+          <a:lstStyle/>
+          <a:p>
+            <a:pPr algn="ctr"/>
+            <a:r>
+              <a:rPr lang="en-US" dirty="0"/>
+              <a:t>Reporting system</a:t>
+            </a:r>
+          </a:p>
+        </p:txBody>
+      </p:sp>
+      <p:sp>
+        <p:nvSpPr>
+          <p:cNvPr id="45" name="Arrow: Right 44">
+            <a:extLst>
+              <a:ext uri="{FF2B5EF4-FFF2-40B4-BE49-F238E27FC236}">
+                <a16:creationId xmlns:a16="http://schemas.microsoft.com/office/drawing/2014/main" id="{6F52E924-086D-3098-E3C3-C563660132F1}"/>
+              </a:ext>
+            </a:extLst>
+          </p:cNvPr>
+          <p:cNvSpPr/>
+          <p:nvPr/>
+        </p:nvSpPr>
+        <p:spPr>
+          <a:xfrm>
+            <a:off x="7418070" y="1624128"/>
+            <a:ext cx="2222482" cy="200949"/>
+          </a:xfrm>
+          <a:prstGeom prst="rightArrow">
+            <a:avLst/>
+          </a:prstGeom>
+        </p:spPr>
+        <p:style>
+          <a:lnRef idx="2">
+            <a:schemeClr val="accent1">
+              <a:shade val="50000"/>
+            </a:schemeClr>
+          </a:lnRef>
+          <a:fillRef idx="1">
+            <a:schemeClr val="accent1"/>
+          </a:fillRef>
+          <a:effectRef idx="0">
+            <a:schemeClr val="accent1"/>
+          </a:effectRef>
+          <a:fontRef idx="minor">
+            <a:schemeClr val="lt1"/>
+          </a:fontRef>
+        </p:style>
+        <p:txBody>
+          <a:bodyPr rtlCol="0" anchor="ctr"/>
+          <a:lstStyle/>
+          <a:p>
+            <a:pPr algn="ctr"/>
+            <a:endParaRPr lang="en-US"/>
+          </a:p>
+        </p:txBody>
+      </p:sp>
+      <p:sp>
+        <p:nvSpPr>
+          <p:cNvPr id="46" name="Rectangle: Rounded Corners 45">
+            <a:extLst>
+              <a:ext uri="{FF2B5EF4-FFF2-40B4-BE49-F238E27FC236}">
+                <a16:creationId xmlns:a16="http://schemas.microsoft.com/office/drawing/2014/main" id="{90FA67AC-A0E0-4B4A-80C2-161AE4E97912}"/>
+              </a:ext>
+            </a:extLst>
+          </p:cNvPr>
+          <p:cNvSpPr/>
+          <p:nvPr/>
+        </p:nvSpPr>
+        <p:spPr>
+          <a:xfrm>
+            <a:off x="8229600" y="3283126"/>
+            <a:ext cx="3287420" cy="1019074"/>
+          </a:xfrm>
+          <a:prstGeom prst="roundRect">
+            <a:avLst/>
+          </a:prstGeom>
+        </p:spPr>
+        <p:style>
+          <a:lnRef idx="2">
+            <a:schemeClr val="accent1">
+              <a:shade val="50000"/>
+            </a:schemeClr>
+          </a:lnRef>
+          <a:fillRef idx="1">
+            <a:schemeClr val="accent1"/>
+          </a:fillRef>
+          <a:effectRef idx="0">
+            <a:schemeClr val="accent1"/>
+          </a:effectRef>
+          <a:fontRef idx="minor">
+            <a:schemeClr val="lt1"/>
+          </a:fontRef>
+        </p:style>
+        <p:txBody>
+          <a:bodyPr rtlCol="0" anchor="ctr"/>
+          <a:lstStyle/>
+          <a:p>
+            <a:pPr algn="ctr"/>
+            <a:r>
+              <a:rPr lang="en-US" dirty="0"/>
+              <a:t>Web Application</a:t>
+            </a:r>
+          </a:p>
+        </p:txBody>
+      </p:sp>
+      <p:sp>
+        <p:nvSpPr>
+          <p:cNvPr id="47" name="Arrow: Down 46">
+            <a:extLst>
+              <a:ext uri="{FF2B5EF4-FFF2-40B4-BE49-F238E27FC236}">
+                <a16:creationId xmlns:a16="http://schemas.microsoft.com/office/drawing/2014/main" id="{8D055047-7DEA-DBEB-FCF6-5DB0A2168ECB}"/>
+              </a:ext>
+            </a:extLst>
+          </p:cNvPr>
+          <p:cNvSpPr/>
+          <p:nvPr/>
+        </p:nvSpPr>
+        <p:spPr>
+          <a:xfrm>
+            <a:off x="10094591" y="2305946"/>
+            <a:ext cx="200119" cy="971079"/>
+          </a:xfrm>
+          <a:prstGeom prst="downArrow">
+            <a:avLst/>
+          </a:prstGeom>
+        </p:spPr>
+        <p:style>
+          <a:lnRef idx="2">
+            <a:schemeClr val="accent1">
+              <a:shade val="50000"/>
+            </a:schemeClr>
+          </a:lnRef>
+          <a:fillRef idx="1">
+            <a:schemeClr val="accent1"/>
+          </a:fillRef>
+          <a:effectRef idx="0">
+            <a:schemeClr val="accent1"/>
+          </a:effectRef>
+          <a:fontRef idx="minor">
+            <a:schemeClr val="lt1"/>
+          </a:fontRef>
+        </p:style>
+        <p:txBody>
+          <a:bodyPr rtlCol="0" anchor="ctr"/>
+          <a:lstStyle/>
+          <a:p>
+            <a:pPr algn="ctr"/>
+            <a:endParaRPr lang="en-US"/>
+          </a:p>
+        </p:txBody>
+      </p:sp>
+      <p:sp>
+        <p:nvSpPr>
+          <p:cNvPr id="48" name="Arrow: Down 47">
+            <a:extLst>
+              <a:ext uri="{FF2B5EF4-FFF2-40B4-BE49-F238E27FC236}">
+                <a16:creationId xmlns:a16="http://schemas.microsoft.com/office/drawing/2014/main" id="{79E26E06-A1E5-EA68-E2BB-875FEF4A9620}"/>
+              </a:ext>
+            </a:extLst>
+          </p:cNvPr>
+          <p:cNvSpPr/>
+          <p:nvPr/>
+        </p:nvSpPr>
+        <p:spPr>
+          <a:xfrm rot="10800000">
+            <a:off x="10548629" y="2299845"/>
+            <a:ext cx="200119" cy="977180"/>
+          </a:xfrm>
+          <a:prstGeom prst="downArrow">
+            <a:avLst/>
+          </a:prstGeom>
+        </p:spPr>
+        <p:style>
+          <a:lnRef idx="2">
+            <a:schemeClr val="accent1">
+              <a:shade val="50000"/>
+            </a:schemeClr>
+          </a:lnRef>
+          <a:fillRef idx="1">
+            <a:schemeClr val="accent1"/>
+          </a:fillRef>
+          <a:effectRef idx="0">
+            <a:schemeClr val="accent1"/>
+          </a:effectRef>
+          <a:fontRef idx="minor">
+            <a:schemeClr val="lt1"/>
+          </a:fontRef>
+        </p:style>
+        <p:txBody>
+          <a:bodyPr rtlCol="0" anchor="ctr"/>
+          <a:lstStyle/>
+          <a:p>
+            <a:pPr algn="ctr"/>
+            <a:endParaRPr lang="en-US"/>
+          </a:p>
+        </p:txBody>
+      </p:sp>
+      <p:sp>
+        <p:nvSpPr>
+          <p:cNvPr id="51" name="Rectangle: Rounded Corners 50">
+            <a:extLst>
+              <a:ext uri="{FF2B5EF4-FFF2-40B4-BE49-F238E27FC236}">
+                <a16:creationId xmlns:a16="http://schemas.microsoft.com/office/drawing/2014/main" id="{6002A019-9741-1A2E-8987-D10081177BD5}"/>
+              </a:ext>
+            </a:extLst>
+          </p:cNvPr>
+          <p:cNvSpPr/>
+          <p:nvPr/>
+        </p:nvSpPr>
+        <p:spPr>
+          <a:xfrm>
+            <a:off x="3894625" y="5487513"/>
+            <a:ext cx="1802788" cy="1138335"/>
+          </a:xfrm>
+          <a:prstGeom prst="roundRect">
+            <a:avLst/>
+          </a:prstGeom>
+        </p:spPr>
+        <p:style>
+          <a:lnRef idx="2">
+            <a:schemeClr val="accent1">
+              <a:shade val="50000"/>
+            </a:schemeClr>
+          </a:lnRef>
+          <a:fillRef idx="1">
+            <a:schemeClr val="accent1"/>
+          </a:fillRef>
+          <a:effectRef idx="0">
+            <a:schemeClr val="accent1"/>
+          </a:effectRef>
+          <a:fontRef idx="minor">
+            <a:schemeClr val="lt1"/>
+          </a:fontRef>
+        </p:style>
+        <p:txBody>
+          <a:bodyPr rtlCol="0" anchor="ctr"/>
+          <a:lstStyle/>
+          <a:p>
+            <a:pPr algn="ctr"/>
+            <a:r>
+              <a:rPr lang="en-US" dirty="0"/>
+              <a:t>Data source / Local storage</a:t>
+            </a:r>
+          </a:p>
+        </p:txBody>
+      </p:sp>
+      <p:sp>
+        <p:nvSpPr>
+          <p:cNvPr id="52" name="Arrow: Right 51">
+            <a:extLst>
+              <a:ext uri="{FF2B5EF4-FFF2-40B4-BE49-F238E27FC236}">
+                <a16:creationId xmlns:a16="http://schemas.microsoft.com/office/drawing/2014/main" id="{B979256D-988A-A72E-1D32-83CA7349A31F}"/>
+              </a:ext>
+            </a:extLst>
+          </p:cNvPr>
+          <p:cNvSpPr/>
+          <p:nvPr/>
+        </p:nvSpPr>
+        <p:spPr>
+          <a:xfrm rot="16200000">
+            <a:off x="4508923" y="4960330"/>
+            <a:ext cx="587828" cy="466533"/>
+          </a:xfrm>
+          <a:prstGeom prst="rightArrow">
+            <a:avLst/>
+          </a:prstGeom>
+        </p:spPr>
+        <p:style>
+          <a:lnRef idx="2">
+            <a:schemeClr val="accent1">
+              <a:shade val="50000"/>
+            </a:schemeClr>
+          </a:lnRef>
+          <a:fillRef idx="1">
+            <a:schemeClr val="accent1"/>
+          </a:fillRef>
+          <a:effectRef idx="0">
+            <a:schemeClr val="accent1"/>
+          </a:effectRef>
+          <a:fontRef idx="minor">
+            <a:schemeClr val="lt1"/>
+          </a:fontRef>
+        </p:style>
+        <p:txBody>
+          <a:bodyPr rtlCol="0" anchor="ctr"/>
+          <a:lstStyle/>
+          <a:p>
+            <a:pPr algn="ctr"/>
+            <a:endParaRPr lang="en-US"/>
+          </a:p>
+        </p:txBody>
+      </p:sp>
+      <p:sp>
+        <p:nvSpPr>
+          <p:cNvPr id="53" name="Rectangle: Rounded Corners 52">
+            <a:extLst>
+              <a:ext uri="{FF2B5EF4-FFF2-40B4-BE49-F238E27FC236}">
+                <a16:creationId xmlns:a16="http://schemas.microsoft.com/office/drawing/2014/main" id="{CE8F87FF-A911-754A-2B93-006C2ED59382}"/>
+              </a:ext>
+            </a:extLst>
+          </p:cNvPr>
+          <p:cNvSpPr/>
+          <p:nvPr/>
+        </p:nvSpPr>
+        <p:spPr>
+          <a:xfrm>
+            <a:off x="195352" y="5487511"/>
+            <a:ext cx="1802788" cy="1138335"/>
+          </a:xfrm>
+          <a:prstGeom prst="roundRect">
+            <a:avLst/>
+          </a:prstGeom>
+        </p:spPr>
+        <p:style>
+          <a:lnRef idx="2">
+            <a:schemeClr val="accent1">
+              <a:shade val="50000"/>
+            </a:schemeClr>
+          </a:lnRef>
+          <a:fillRef idx="1">
+            <a:schemeClr val="accent1"/>
+          </a:fillRef>
+          <a:effectRef idx="0">
+            <a:schemeClr val="accent1"/>
+          </a:effectRef>
+          <a:fontRef idx="minor">
+            <a:schemeClr val="lt1"/>
+          </a:fontRef>
+        </p:style>
+        <p:txBody>
+          <a:bodyPr rtlCol="0" anchor="ctr"/>
+          <a:lstStyle/>
+          <a:p>
+            <a:pPr algn="ctr"/>
+            <a:r>
+              <a:rPr lang="en-US" dirty="0"/>
+              <a:t>Data source / Local storage</a:t>
+            </a:r>
+          </a:p>
+        </p:txBody>
+      </p:sp>
+      <p:sp>
+        <p:nvSpPr>
+          <p:cNvPr id="54" name="Arrow: Right 53">
+            <a:extLst>
+              <a:ext uri="{FF2B5EF4-FFF2-40B4-BE49-F238E27FC236}">
+                <a16:creationId xmlns:a16="http://schemas.microsoft.com/office/drawing/2014/main" id="{2599AC0A-DED8-45B1-7C7A-CFEA8B14C8AF}"/>
+              </a:ext>
+            </a:extLst>
+          </p:cNvPr>
+          <p:cNvSpPr/>
+          <p:nvPr/>
+        </p:nvSpPr>
+        <p:spPr>
+          <a:xfrm rot="16200000">
+            <a:off x="809650" y="4960328"/>
+            <a:ext cx="587828" cy="466533"/>
+          </a:xfrm>
+          <a:prstGeom prst="rightArrow">
+            <a:avLst/>
+          </a:prstGeom>
+        </p:spPr>
+        <p:style>
+          <a:lnRef idx="2">
+            <a:schemeClr val="accent1">
+              <a:shade val="50000"/>
+            </a:schemeClr>
+          </a:lnRef>
+          <a:fillRef idx="1">
+            <a:schemeClr val="accent1"/>
+          </a:fillRef>
+          <a:effectRef idx="0">
+            <a:schemeClr val="accent1"/>
+          </a:effectRef>
+          <a:fontRef idx="minor">
+            <a:schemeClr val="lt1"/>
+          </a:fontRef>
+        </p:style>
+        <p:txBody>
+          <a:bodyPr rtlCol="0" anchor="ctr"/>
+          <a:lstStyle/>
+          <a:p>
+            <a:pPr algn="ctr"/>
+            <a:endParaRPr lang="en-US"/>
+          </a:p>
+        </p:txBody>
+      </p:sp>
+      <p:sp>
+        <p:nvSpPr>
+          <p:cNvPr id="58" name="Arrow: Down 57">
+            <a:extLst>
+              <a:ext uri="{FF2B5EF4-FFF2-40B4-BE49-F238E27FC236}">
+                <a16:creationId xmlns:a16="http://schemas.microsoft.com/office/drawing/2014/main" id="{8B534567-B6FC-AA68-25A0-8DCD5998EEAB}"/>
+              </a:ext>
+            </a:extLst>
+          </p:cNvPr>
+          <p:cNvSpPr/>
+          <p:nvPr/>
+        </p:nvSpPr>
+        <p:spPr>
+          <a:xfrm>
+            <a:off x="6791134" y="2195020"/>
+            <a:ext cx="286667" cy="905069"/>
+          </a:xfrm>
+          <a:prstGeom prst="downArrow">
+            <a:avLst/>
+          </a:prstGeom>
+        </p:spPr>
+        <p:style>
+          <a:lnRef idx="2">
+            <a:schemeClr val="accent1">
+              <a:shade val="50000"/>
+            </a:schemeClr>
+          </a:lnRef>
+          <a:fillRef idx="1">
+            <a:schemeClr val="accent1"/>
+          </a:fillRef>
+          <a:effectRef idx="0">
+            <a:schemeClr val="accent1"/>
+          </a:effectRef>
+          <a:fontRef idx="minor">
+            <a:schemeClr val="lt1"/>
+          </a:fontRef>
+        </p:style>
+        <p:txBody>
+          <a:bodyPr rtlCol="0" anchor="ctr"/>
+          <a:lstStyle/>
+          <a:p>
+            <a:pPr algn="ctr"/>
+            <a:endParaRPr lang="en-US"/>
+          </a:p>
+        </p:txBody>
+      </p:sp>
+      <p:sp>
+        <p:nvSpPr>
+          <p:cNvPr id="62" name="Oval 61">
+            <a:extLst>
+              <a:ext uri="{FF2B5EF4-FFF2-40B4-BE49-F238E27FC236}">
+                <a16:creationId xmlns:a16="http://schemas.microsoft.com/office/drawing/2014/main" id="{11612129-CC26-07D2-69C7-BE046D4A7FF7}"/>
+              </a:ext>
+            </a:extLst>
+          </p:cNvPr>
+          <p:cNvSpPr/>
+          <p:nvPr/>
+        </p:nvSpPr>
+        <p:spPr>
+          <a:xfrm>
+            <a:off x="8325700" y="5566650"/>
+            <a:ext cx="1233787" cy="980056"/>
+          </a:xfrm>
+          <a:prstGeom prst="ellipse">
+            <a:avLst/>
+          </a:prstGeom>
+        </p:spPr>
+        <p:style>
+          <a:lnRef idx="2">
+            <a:schemeClr val="accent1">
+              <a:shade val="50000"/>
+            </a:schemeClr>
+          </a:lnRef>
+          <a:fillRef idx="1">
+            <a:schemeClr val="accent1"/>
+          </a:fillRef>
+          <a:effectRef idx="0">
+            <a:schemeClr val="accent1"/>
+          </a:effectRef>
+          <a:fontRef idx="minor">
+            <a:schemeClr val="lt1"/>
+          </a:fontRef>
+        </p:style>
+        <p:txBody>
+          <a:bodyPr rtlCol="0" anchor="ctr"/>
+          <a:lstStyle/>
+          <a:p>
+            <a:pPr algn="ctr"/>
+            <a:r>
+              <a:rPr lang="en-US" dirty="0"/>
+              <a:t>User</a:t>
+            </a:r>
+          </a:p>
+        </p:txBody>
+      </p:sp>
+      <p:sp>
+        <p:nvSpPr>
+          <p:cNvPr id="64" name="Arrow: Up-Down 63">
+            <a:extLst>
+              <a:ext uri="{FF2B5EF4-FFF2-40B4-BE49-F238E27FC236}">
+                <a16:creationId xmlns:a16="http://schemas.microsoft.com/office/drawing/2014/main" id="{F9C6F13A-C5F3-FE4D-073D-06DEFC3FA3BD}"/>
+              </a:ext>
+            </a:extLst>
+          </p:cNvPr>
+          <p:cNvSpPr/>
+          <p:nvPr/>
+        </p:nvSpPr>
+        <p:spPr>
+          <a:xfrm>
+            <a:off x="10397490" y="4302200"/>
+            <a:ext cx="351259" cy="1264450"/>
+          </a:xfrm>
+          <a:prstGeom prst="upDownArrow">
+            <a:avLst/>
+          </a:prstGeom>
+        </p:spPr>
+        <p:style>
+          <a:lnRef idx="2">
+            <a:schemeClr val="accent1">
+              <a:shade val="50000"/>
+            </a:schemeClr>
+          </a:lnRef>
+          <a:fillRef idx="1">
+            <a:schemeClr val="accent1"/>
+          </a:fillRef>
+          <a:effectRef idx="0">
+            <a:schemeClr val="accent1"/>
+          </a:effectRef>
+          <a:fontRef idx="minor">
+            <a:schemeClr val="lt1"/>
+          </a:fontRef>
+        </p:style>
+        <p:txBody>
+          <a:bodyPr rtlCol="0" anchor="ctr"/>
+          <a:lstStyle/>
+          <a:p>
+            <a:pPr algn="ctr"/>
+            <a:endParaRPr lang="en-US"/>
+          </a:p>
+        </p:txBody>
+      </p:sp>
+      <p:sp>
+        <p:nvSpPr>
+          <p:cNvPr id="65" name="Arrow: Up-Down 64">
+            <a:extLst>
+              <a:ext uri="{FF2B5EF4-FFF2-40B4-BE49-F238E27FC236}">
+                <a16:creationId xmlns:a16="http://schemas.microsoft.com/office/drawing/2014/main" id="{D94EB312-E1F7-B3DC-4B68-9E2ECA160512}"/>
+              </a:ext>
+            </a:extLst>
+          </p:cNvPr>
+          <p:cNvSpPr/>
+          <p:nvPr/>
+        </p:nvSpPr>
+        <p:spPr>
+          <a:xfrm>
+            <a:off x="8766965" y="4302200"/>
+            <a:ext cx="351259" cy="1264450"/>
+          </a:xfrm>
+          <a:prstGeom prst="upDownArrow">
+            <a:avLst/>
+          </a:prstGeom>
+        </p:spPr>
+        <p:style>
+          <a:lnRef idx="2">
+            <a:schemeClr val="accent1">
+              <a:shade val="50000"/>
+            </a:schemeClr>
+          </a:lnRef>
+          <a:fillRef idx="1">
+            <a:schemeClr val="accent1"/>
+          </a:fillRef>
+          <a:effectRef idx="0">
+            <a:schemeClr val="accent1"/>
+          </a:effectRef>
+          <a:fontRef idx="minor">
+            <a:schemeClr val="lt1"/>
+          </a:fontRef>
+        </p:style>
+        <p:txBody>
+          <a:bodyPr rtlCol="0" anchor="ctr"/>
+          <a:lstStyle/>
+          <a:p>
+            <a:pPr algn="ctr"/>
+            <a:endParaRPr lang="en-US"/>
+          </a:p>
+        </p:txBody>
+      </p:sp>
+      <p:sp>
+        <p:nvSpPr>
+          <p:cNvPr id="66" name="Arrow: Down 65">
+            <a:extLst>
+              <a:ext uri="{FF2B5EF4-FFF2-40B4-BE49-F238E27FC236}">
+                <a16:creationId xmlns:a16="http://schemas.microsoft.com/office/drawing/2014/main" id="{0D9034A4-21C2-51EC-DE74-3C24D02707D3}"/>
+              </a:ext>
+            </a:extLst>
+          </p:cNvPr>
+          <p:cNvSpPr/>
+          <p:nvPr/>
+        </p:nvSpPr>
+        <p:spPr>
+          <a:xfrm>
+            <a:off x="6740334" y="3773524"/>
+            <a:ext cx="411975" cy="1793126"/>
+          </a:xfrm>
+          <a:prstGeom prst="downArrow">
+            <a:avLst/>
+          </a:prstGeom>
+        </p:spPr>
+        <p:style>
+          <a:lnRef idx="2">
+            <a:schemeClr val="accent1">
+              <a:shade val="50000"/>
+            </a:schemeClr>
+          </a:lnRef>
+          <a:fillRef idx="1">
+            <a:schemeClr val="accent1"/>
+          </a:fillRef>
+          <a:effectRef idx="0">
+            <a:schemeClr val="accent1"/>
+          </a:effectRef>
+          <a:fontRef idx="minor">
+            <a:schemeClr val="lt1"/>
+          </a:fontRef>
+        </p:style>
+        <p:txBody>
+          <a:bodyPr rtlCol="0" anchor="ctr"/>
+          <a:lstStyle/>
+          <a:p>
+            <a:pPr algn="ctr"/>
+            <a:endParaRPr lang="en-US"/>
+          </a:p>
+        </p:txBody>
+      </p:sp>
+      <p:sp>
+        <p:nvSpPr>
+          <p:cNvPr id="67" name="Rectangle: Rounded Corners 66">
+            <a:extLst>
+              <a:ext uri="{FF2B5EF4-FFF2-40B4-BE49-F238E27FC236}">
+                <a16:creationId xmlns:a16="http://schemas.microsoft.com/office/drawing/2014/main" id="{3CAA136D-703D-BBB5-B707-7040D421B938}"/>
+              </a:ext>
+            </a:extLst>
+          </p:cNvPr>
+          <p:cNvSpPr/>
+          <p:nvPr/>
+        </p:nvSpPr>
+        <p:spPr>
+          <a:xfrm>
+            <a:off x="200025" y="621268"/>
+            <a:ext cx="11029950" cy="369332"/>
+          </a:xfrm>
+          <a:prstGeom prst="roundRect">
+            <a:avLst/>
+          </a:prstGeom>
+        </p:spPr>
+        <p:style>
+          <a:lnRef idx="2">
+            <a:schemeClr val="accent1">
+              <a:shade val="50000"/>
+            </a:schemeClr>
+          </a:lnRef>
+          <a:fillRef idx="1">
+            <a:schemeClr val="accent1"/>
+          </a:fillRef>
+          <a:effectRef idx="0">
+            <a:schemeClr val="accent1"/>
+          </a:effectRef>
+          <a:fontRef idx="minor">
+            <a:schemeClr val="lt1"/>
+          </a:fontRef>
+        </p:style>
+        <p:txBody>
+          <a:bodyPr rtlCol="0" anchor="ctr"/>
+          <a:lstStyle/>
+          <a:p>
+            <a:pPr algn="ctr"/>
+            <a:r>
+              <a:rPr lang="en-US" dirty="0"/>
+              <a:t>Orchestration</a:t>
+            </a:r>
+          </a:p>
+        </p:txBody>
+      </p:sp>
+      <p:sp>
+        <p:nvSpPr>
+          <p:cNvPr id="69" name="Rectangle: Rounded Corners 68">
+            <a:extLst>
+              <a:ext uri="{FF2B5EF4-FFF2-40B4-BE49-F238E27FC236}">
+                <a16:creationId xmlns:a16="http://schemas.microsoft.com/office/drawing/2014/main" id="{81C7C17C-B7FF-0F08-5D79-483E1F776342}"/>
+              </a:ext>
+            </a:extLst>
+          </p:cNvPr>
+          <p:cNvSpPr/>
+          <p:nvPr/>
+        </p:nvSpPr>
+        <p:spPr>
+          <a:xfrm>
+            <a:off x="6096000" y="4939238"/>
+            <a:ext cx="5762625" cy="1686608"/>
+          </a:xfrm>
+          <a:prstGeom prst="roundRect">
+            <a:avLst/>
+          </a:prstGeom>
+          <a:noFill/>
+          <a:ln w="69850"/>
+        </p:spPr>
+        <p:style>
+          <a:lnRef idx="2">
+            <a:schemeClr val="accent1">
+              <a:shade val="50000"/>
+            </a:schemeClr>
+          </a:lnRef>
+          <a:fillRef idx="1">
+            <a:schemeClr val="accent1"/>
+          </a:fillRef>
+          <a:effectRef idx="0">
+            <a:schemeClr val="accent1"/>
+          </a:effectRef>
+          <a:fontRef idx="minor">
+            <a:schemeClr val="lt1"/>
+          </a:fontRef>
+        </p:style>
+        <p:txBody>
+          <a:bodyPr rtlCol="0" anchor="ctr"/>
+          <a:lstStyle/>
+          <a:p>
+            <a:pPr algn="ctr"/>
+            <a:endParaRPr lang="en-US"/>
+          </a:p>
+        </p:txBody>
+      </p:sp>
+      <p:sp>
+        <p:nvSpPr>
+          <p:cNvPr id="70" name="Oval 69">
+            <a:extLst>
+              <a:ext uri="{FF2B5EF4-FFF2-40B4-BE49-F238E27FC236}">
+                <a16:creationId xmlns:a16="http://schemas.microsoft.com/office/drawing/2014/main" id="{5A6ADFC0-9AD0-5568-CCBF-4A8E145D1DCE}"/>
+              </a:ext>
+            </a:extLst>
+          </p:cNvPr>
+          <p:cNvSpPr/>
+          <p:nvPr/>
+        </p:nvSpPr>
+        <p:spPr>
+          <a:xfrm>
+            <a:off x="9956225" y="5566650"/>
+            <a:ext cx="1233787" cy="980056"/>
+          </a:xfrm>
+          <a:prstGeom prst="ellipse">
+            <a:avLst/>
+          </a:prstGeom>
+        </p:spPr>
+        <p:style>
+          <a:lnRef idx="2">
+            <a:schemeClr val="accent1">
+              <a:shade val="50000"/>
+            </a:schemeClr>
+          </a:lnRef>
+          <a:fillRef idx="1">
+            <a:schemeClr val="accent1"/>
+          </a:fillRef>
+          <a:effectRef idx="0">
+            <a:schemeClr val="accent1"/>
+          </a:effectRef>
+          <a:fontRef idx="minor">
+            <a:schemeClr val="lt1"/>
+          </a:fontRef>
+        </p:style>
+        <p:txBody>
+          <a:bodyPr rtlCol="0" anchor="ctr"/>
+          <a:lstStyle/>
+          <a:p>
+            <a:pPr algn="ctr"/>
+            <a:r>
+              <a:rPr lang="en-US" dirty="0"/>
+              <a:t>User</a:t>
+            </a:r>
+          </a:p>
+        </p:txBody>
+      </p:sp>
+      <p:sp>
+        <p:nvSpPr>
+          <p:cNvPr id="71" name="Oval 70">
+            <a:extLst>
+              <a:ext uri="{FF2B5EF4-FFF2-40B4-BE49-F238E27FC236}">
+                <a16:creationId xmlns:a16="http://schemas.microsoft.com/office/drawing/2014/main" id="{8FE0F342-8DEB-1FA3-57DE-8627E2DF30DA}"/>
+              </a:ext>
+            </a:extLst>
+          </p:cNvPr>
+          <p:cNvSpPr/>
+          <p:nvPr/>
+        </p:nvSpPr>
+        <p:spPr>
+          <a:xfrm>
+            <a:off x="6329427" y="5566650"/>
+            <a:ext cx="1233787" cy="980056"/>
+          </a:xfrm>
+          <a:prstGeom prst="ellipse">
+            <a:avLst/>
+          </a:prstGeom>
+        </p:spPr>
+        <p:style>
+          <a:lnRef idx="2">
+            <a:schemeClr val="accent1">
+              <a:shade val="50000"/>
+            </a:schemeClr>
+          </a:lnRef>
+          <a:fillRef idx="1">
+            <a:schemeClr val="accent1"/>
+          </a:fillRef>
+          <a:effectRef idx="0">
+            <a:schemeClr val="accent1"/>
+          </a:effectRef>
+          <a:fontRef idx="minor">
+            <a:schemeClr val="lt1"/>
+          </a:fontRef>
+        </p:style>
+        <p:txBody>
+          <a:bodyPr rtlCol="0" anchor="ctr"/>
+          <a:lstStyle/>
+          <a:p>
+            <a:pPr algn="ctr"/>
+            <a:r>
+              <a:rPr lang="en-US" dirty="0"/>
+              <a:t>User</a:t>
+            </a:r>
+          </a:p>
+        </p:txBody>
+      </p:sp>
+      <p:sp>
+        <p:nvSpPr>
+          <p:cNvPr id="72" name="Arrow: Circular 71">
+            <a:extLst>
+              <a:ext uri="{FF2B5EF4-FFF2-40B4-BE49-F238E27FC236}">
+                <a16:creationId xmlns:a16="http://schemas.microsoft.com/office/drawing/2014/main" id="{08489698-6479-EA7F-60E7-85C34AE4E4A5}"/>
+              </a:ext>
+            </a:extLst>
+          </p:cNvPr>
+          <p:cNvSpPr/>
+          <p:nvPr/>
+        </p:nvSpPr>
+        <p:spPr>
+          <a:xfrm>
+            <a:off x="8478581" y="1325848"/>
+            <a:ext cx="429877" cy="336527"/>
+          </a:xfrm>
+          <a:prstGeom prst="circularArrow">
+            <a:avLst>
+              <a:gd name="adj1" fmla="val 0"/>
+              <a:gd name="adj2" fmla="val 2369979"/>
+              <a:gd name="adj3" fmla="val 101829"/>
+              <a:gd name="adj4" fmla="val 3090747"/>
+              <a:gd name="adj5" fmla="val 6811"/>
+            </a:avLst>
+          </a:prstGeom>
+        </p:spPr>
+        <p:style>
+          <a:lnRef idx="2">
+            <a:schemeClr val="accent1">
+              <a:shade val="50000"/>
+            </a:schemeClr>
+          </a:lnRef>
+          <a:fillRef idx="1">
+            <a:schemeClr val="accent1"/>
+          </a:fillRef>
+          <a:effectRef idx="0">
+            <a:schemeClr val="accent1"/>
+          </a:effectRef>
+          <a:fontRef idx="minor">
+            <a:schemeClr val="lt1"/>
+          </a:fontRef>
+        </p:style>
+        <p:txBody>
+          <a:bodyPr rtlCol="0" anchor="ctr"/>
+          <a:lstStyle/>
+          <a:p>
+            <a:pPr algn="ctr"/>
+            <a:endParaRPr lang="en-US">
+              <a:solidFill>
+                <a:schemeClr val="tx1"/>
+              </a:solidFill>
+            </a:endParaRPr>
+          </a:p>
+        </p:txBody>
+      </p:sp>
+      <p:sp>
+        <p:nvSpPr>
+          <p:cNvPr id="73" name="Arrow: Bent 72">
+            <a:extLst>
+              <a:ext uri="{FF2B5EF4-FFF2-40B4-BE49-F238E27FC236}">
+                <a16:creationId xmlns:a16="http://schemas.microsoft.com/office/drawing/2014/main" id="{589C7ED5-F630-C8F7-60CF-C7C93464005D}"/>
+              </a:ext>
+            </a:extLst>
+          </p:cNvPr>
+          <p:cNvSpPr/>
+          <p:nvPr/>
+        </p:nvSpPr>
+        <p:spPr>
+          <a:xfrm>
+            <a:off x="7418070" y="1825078"/>
+            <a:ext cx="2222482" cy="1295346"/>
+          </a:xfrm>
+          <a:prstGeom prst="bentArrow">
+            <a:avLst>
+              <a:gd name="adj1" fmla="val 11253"/>
+              <a:gd name="adj2" fmla="val 10454"/>
+              <a:gd name="adj3" fmla="val 25000"/>
+              <a:gd name="adj4" fmla="val 43750"/>
+            </a:avLst>
+          </a:prstGeom>
+        </p:spPr>
+        <p:style>
+          <a:lnRef idx="2">
+            <a:schemeClr val="accent1">
+              <a:shade val="50000"/>
+            </a:schemeClr>
+          </a:lnRef>
+          <a:fillRef idx="1">
+            <a:schemeClr val="accent1"/>
+          </a:fillRef>
+          <a:effectRef idx="0">
+            <a:schemeClr val="accent1"/>
+          </a:effectRef>
+          <a:fontRef idx="minor">
+            <a:schemeClr val="lt1"/>
+          </a:fontRef>
+        </p:style>
+        <p:txBody>
+          <a:bodyPr rtlCol="0" anchor="ctr"/>
+          <a:lstStyle/>
+          <a:p>
+            <a:pPr algn="ctr"/>
+            <a:endParaRPr lang="en-US">
+              <a:solidFill>
+                <a:schemeClr val="tx1"/>
+              </a:solidFill>
+            </a:endParaRPr>
+          </a:p>
+        </p:txBody>
+      </p:sp>
     </p:spTree>
     <p:extLst>
       <p:ext uri="{BB962C8B-B14F-4D97-AF65-F5344CB8AC3E}">
@@ -4323,9 +8004,9 @@
 </file>
 
 <file path=ppt/theme/theme1.xml><?xml version="1.0" encoding="utf-8"?>
-<a:theme xmlns:a="http://schemas.openxmlformats.org/drawingml/2006/main" name="Office Theme">
+<a:theme xmlns:a="http://schemas.openxmlformats.org/drawingml/2006/main" name="Slice">
   <a:themeElements>
-    <a:clrScheme name="Office">
+    <a:clrScheme name="Slice">
       <a:dk1>
         <a:sysClr val="windowText" lastClr="000000"/>
       </a:dk1>
@@ -4333,100 +8014,48 @@
         <a:sysClr val="window" lastClr="FFFFFF"/>
       </a:lt1>
       <a:dk2>
-        <a:srgbClr val="44546A"/>
+        <a:srgbClr val="146194"/>
       </a:dk2>
       <a:lt2>
-        <a:srgbClr val="E7E6E6"/>
+        <a:srgbClr val="76DBF4"/>
       </a:lt2>
       <a:accent1>
-        <a:srgbClr val="4472C4"/>
+        <a:srgbClr val="052F61"/>
       </a:accent1>
       <a:accent2>
-        <a:srgbClr val="ED7D31"/>
+        <a:srgbClr val="A50E82"/>
       </a:accent2>
       <a:accent3>
-        <a:srgbClr val="A5A5A5"/>
+        <a:srgbClr val="14967C"/>
       </a:accent3>
       <a:accent4>
-        <a:srgbClr val="FFC000"/>
+        <a:srgbClr val="6A9E1F"/>
       </a:accent4>
       <a:accent5>
-        <a:srgbClr val="5B9BD5"/>
+        <a:srgbClr val="E87D37"/>
       </a:accent5>
       <a:accent6>
-        <a:srgbClr val="70AD47"/>
+        <a:srgbClr val="C62324"/>
       </a:accent6>
       <a:hlink>
-        <a:srgbClr val="0563C1"/>
+        <a:srgbClr val="0D2E46"/>
       </a:hlink>
       <a:folHlink>
-        <a:srgbClr val="954F72"/>
+        <a:srgbClr val="356A95"/>
       </a:folHlink>
     </a:clrScheme>
-    <a:fontScheme name="Office">
+    <a:fontScheme name="Slice">
       <a:majorFont>
-        <a:latin typeface="Calibri Light" panose="020F0302020204030204"/>
+        <a:latin typeface="Century Gothic" panose="020B0502020202020204"/>
         <a:ea typeface=""/>
         <a:cs typeface=""/>
-        <a:font script="Jpan" typeface="游ゴシック Light"/>
-        <a:font script="Hang" typeface="맑은 고딕"/>
-        <a:font script="Hans" typeface="等线 Light"/>
-        <a:font script="Hant" typeface="新細明體"/>
-        <a:font script="Arab" typeface="Times New Roman"/>
-        <a:font script="Hebr" typeface="Times New Roman"/>
-        <a:font script="Thai" typeface="Angsana New"/>
-        <a:font script="Ethi" typeface="Nyala"/>
-        <a:font script="Beng" typeface="Vrinda"/>
-        <a:font script="Gujr" typeface="Shruti"/>
-        <a:font script="Khmr" typeface="MoolBoran"/>
-        <a:font script="Knda" typeface="Tunga"/>
-        <a:font script="Guru" typeface="Raavi"/>
-        <a:font script="Cans" typeface="Euphemia"/>
-        <a:font script="Cher" typeface="Plantagenet Cherokee"/>
-        <a:font script="Yiii" typeface="Microsoft Yi Baiti"/>
-        <a:font script="Tibt" typeface="Microsoft Himalaya"/>
-        <a:font script="Thaa" typeface="MV Boli"/>
-        <a:font script="Deva" typeface="Mangal"/>
-        <a:font script="Telu" typeface="Gautami"/>
-        <a:font script="Taml" typeface="Latha"/>
-        <a:font script="Syrc" typeface="Estrangelo Edessa"/>
-        <a:font script="Orya" typeface="Kalinga"/>
-        <a:font script="Mlym" typeface="Kartika"/>
-        <a:font script="Laoo" typeface="DokChampa"/>
-        <a:font script="Sinh" typeface="Iskoola Pota"/>
-        <a:font script="Mong" typeface="Mongolian Baiti"/>
-        <a:font script="Viet" typeface="Times New Roman"/>
-        <a:font script="Uigh" typeface="Microsoft Uighur"/>
-        <a:font script="Geor" typeface="Sylfaen"/>
-        <a:font script="Armn" typeface="Arial"/>
-        <a:font script="Bugi" typeface="Leelawadee UI"/>
-        <a:font script="Bopo" typeface="Microsoft JhengHei"/>
-        <a:font script="Java" typeface="Javanese Text"/>
-        <a:font script="Lisu" typeface="Segoe UI"/>
-        <a:font script="Mymr" typeface="Myanmar Text"/>
-        <a:font script="Nkoo" typeface="Ebrima"/>
-        <a:font script="Olck" typeface="Nirmala UI"/>
-        <a:font script="Osma" typeface="Ebrima"/>
-        <a:font script="Phag" typeface="Phagspa"/>
-        <a:font script="Syrn" typeface="Estrangelo Edessa"/>
-        <a:font script="Syrj" typeface="Estrangelo Edessa"/>
-        <a:font script="Syre" typeface="Estrangelo Edessa"/>
-        <a:font script="Sora" typeface="Nirmala UI"/>
-        <a:font script="Tale" typeface="Microsoft Tai Le"/>
-        <a:font script="Talu" typeface="Microsoft New Tai Lue"/>
-        <a:font script="Tfng" typeface="Ebrima"/>
-      </a:majorFont>
-      <a:minorFont>
-        <a:latin typeface="Calibri" panose="020F0502020204030204"/>
-        <a:ea typeface=""/>
-        <a:cs typeface=""/>
-        <a:font script="Jpan" typeface="游ゴシック"/>
-        <a:font script="Hang" typeface="맑은 고딕"/>
-        <a:font script="Hans" typeface="等线"/>
-        <a:font script="Hant" typeface="新細明體"/>
-        <a:font script="Arab" typeface="Arial"/>
-        <a:font script="Hebr" typeface="Arial"/>
-        <a:font script="Thai" typeface="Cordia New"/>
+        <a:font script="Jpan" typeface="メイリオ"/>
+        <a:font script="Hang" typeface="HY중고딕"/>
+        <a:font script="Hans" typeface="幼圆"/>
+        <a:font script="Hant" typeface="微軟正黑體"/>
+        <a:font script="Arab" typeface="Tahoma"/>
+        <a:font script="Hebr" typeface="Gisha"/>
+        <a:font script="Thai" typeface="DilleniaUPC"/>
         <a:font script="Ethi" typeface="Nyala"/>
         <a:font script="Beng" typeface="Vrinda"/>
         <a:font script="Gujr" typeface="Shruti"/>
@@ -4447,29 +8076,47 @@
         <a:font script="Laoo" typeface="DokChampa"/>
         <a:font script="Sinh" typeface="Iskoola Pota"/>
         <a:font script="Mong" typeface="Mongolian Baiti"/>
-        <a:font script="Viet" typeface="Arial"/>
+        <a:font script="Viet" typeface="Tahoma"/>
         <a:font script="Uigh" typeface="Microsoft Uighur"/>
         <a:font script="Geor" typeface="Sylfaen"/>
-        <a:font script="Armn" typeface="Arial"/>
-        <a:font script="Bugi" typeface="Leelawadee UI"/>
-        <a:font script="Bopo" typeface="Microsoft JhengHei"/>
-        <a:font script="Java" typeface="Javanese Text"/>
-        <a:font script="Lisu" typeface="Segoe UI"/>
-        <a:font script="Mymr" typeface="Myanmar Text"/>
-        <a:font script="Nkoo" typeface="Ebrima"/>
-        <a:font script="Olck" typeface="Nirmala UI"/>
-        <a:font script="Osma" typeface="Ebrima"/>
-        <a:font script="Phag" typeface="Phagspa"/>
-        <a:font script="Syrn" typeface="Estrangelo Edessa"/>
-        <a:font script="Syrj" typeface="Estrangelo Edessa"/>
-        <a:font script="Syre" typeface="Estrangelo Edessa"/>
-        <a:font script="Sora" typeface="Nirmala UI"/>
-        <a:font script="Tale" typeface="Microsoft Tai Le"/>
-        <a:font script="Talu" typeface="Microsoft New Tai Lue"/>
-        <a:font script="Tfng" typeface="Ebrima"/>
+      </a:majorFont>
+      <a:minorFont>
+        <a:latin typeface="Century Gothic" panose="020B0502020202020204"/>
+        <a:ea typeface=""/>
+        <a:cs typeface=""/>
+        <a:font script="Jpan" typeface="メイリオ"/>
+        <a:font script="Hang" typeface="HY중고딕"/>
+        <a:font script="Hans" typeface="幼圆"/>
+        <a:font script="Hant" typeface="微軟正黑體"/>
+        <a:font script="Arab" typeface="Tahoma"/>
+        <a:font script="Hebr" typeface="Gisha"/>
+        <a:font script="Thai" typeface="DilleniaUPC"/>
+        <a:font script="Ethi" typeface="Nyala"/>
+        <a:font script="Beng" typeface="Vrinda"/>
+        <a:font script="Gujr" typeface="Shruti"/>
+        <a:font script="Khmr" typeface="DaunPenh"/>
+        <a:font script="Knda" typeface="Tunga"/>
+        <a:font script="Guru" typeface="Raavi"/>
+        <a:font script="Cans" typeface="Euphemia"/>
+        <a:font script="Cher" typeface="Plantagenet Cherokee"/>
+        <a:font script="Yiii" typeface="Microsoft Yi Baiti"/>
+        <a:font script="Tibt" typeface="Microsoft Himalaya"/>
+        <a:font script="Thaa" typeface="MV Boli"/>
+        <a:font script="Deva" typeface="Mangal"/>
+        <a:font script="Telu" typeface="Gautami"/>
+        <a:font script="Taml" typeface="Latha"/>
+        <a:font script="Syrc" typeface="Estrangelo Edessa"/>
+        <a:font script="Orya" typeface="Kalinga"/>
+        <a:font script="Mlym" typeface="Kartika"/>
+        <a:font script="Laoo" typeface="DokChampa"/>
+        <a:font script="Sinh" typeface="Iskoola Pota"/>
+        <a:font script="Mong" typeface="Mongolian Baiti"/>
+        <a:font script="Viet" typeface="Tahoma"/>
+        <a:font script="Uigh" typeface="Microsoft Uighur"/>
+        <a:font script="Geor" typeface="Sylfaen"/>
       </a:minorFont>
     </a:fontScheme>
-    <a:fmtScheme name="Office">
+    <a:fmtScheme name="Slice">
       <a:fillStyleLst>
         <a:solidFill>
           <a:schemeClr val="phClr"/>
@@ -4478,23 +8125,16 @@
           <a:gsLst>
             <a:gs pos="0">
               <a:schemeClr val="phClr">
+                <a:tint val="62000"/>
+                <a:hueMod val="94000"/>
+                <a:satMod val="140000"/>
                 <a:lumMod val="110000"/>
-                <a:satMod val="105000"/>
-                <a:tint val="67000"/>
-              </a:schemeClr>
-            </a:gs>
-            <a:gs pos="50000">
-              <a:schemeClr val="phClr">
-                <a:lumMod val="105000"/>
-                <a:satMod val="103000"/>
-                <a:tint val="73000"/>
               </a:schemeClr>
             </a:gs>
             <a:gs pos="100000">
               <a:schemeClr val="phClr">
-                <a:lumMod val="105000"/>
-                <a:satMod val="109000"/>
-                <a:tint val="81000"/>
+                <a:tint val="84000"/>
+                <a:satMod val="160000"/>
               </a:schemeClr>
             </a:gs>
           </a:gsLst>
@@ -4504,23 +8144,16 @@
           <a:gsLst>
             <a:gs pos="0">
               <a:schemeClr val="phClr">
-                <a:satMod val="103000"/>
-                <a:lumMod val="102000"/>
-                <a:tint val="94000"/>
-              </a:schemeClr>
-            </a:gs>
-            <a:gs pos="50000">
-              <a:schemeClr val="phClr">
-                <a:satMod val="110000"/>
-                <a:lumMod val="100000"/>
-                <a:shade val="100000"/>
+                <a:tint val="98000"/>
+                <a:hueMod val="94000"/>
+                <a:satMod val="130000"/>
+                <a:lumMod val="128000"/>
               </a:schemeClr>
             </a:gs>
             <a:gs pos="100000">
               <a:schemeClr val="phClr">
-                <a:lumMod val="99000"/>
-                <a:satMod val="120000"/>
-                <a:shade val="78000"/>
+                <a:shade val="94000"/>
+                <a:lumMod val="88000"/>
               </a:schemeClr>
             </a:gs>
           </a:gsLst>
@@ -4528,26 +8161,29 @@
         </a:gradFill>
       </a:fillStyleLst>
       <a:lnStyleLst>
-        <a:ln w="6350" cap="flat" cmpd="sng" algn="ctr">
+        <a:ln w="9525" cap="rnd" cmpd="sng" algn="ctr">
+          <a:solidFill>
+            <a:schemeClr val="phClr">
+              <a:tint val="76000"/>
+              <a:alpha val="60000"/>
+              <a:hueMod val="94000"/>
+            </a:schemeClr>
+          </a:solidFill>
+          <a:prstDash val="solid"/>
+        </a:ln>
+        <a:ln w="15875" cap="rnd" cmpd="sng" algn="ctr">
+          <a:solidFill>
+            <a:schemeClr val="phClr">
+              <a:hueMod val="94000"/>
+            </a:schemeClr>
+          </a:solidFill>
+          <a:prstDash val="solid"/>
+        </a:ln>
+        <a:ln w="28575" cap="rnd" cmpd="sng" algn="ctr">
           <a:solidFill>
             <a:schemeClr val="phClr"/>
           </a:solidFill>
           <a:prstDash val="solid"/>
-          <a:miter lim="800000"/>
-        </a:ln>
-        <a:ln w="12700" cap="flat" cmpd="sng" algn="ctr">
-          <a:solidFill>
-            <a:schemeClr val="phClr"/>
-          </a:solidFill>
-          <a:prstDash val="solid"/>
-          <a:miter lim="800000"/>
-        </a:ln>
-        <a:ln w="19050" cap="flat" cmpd="sng" algn="ctr">
-          <a:solidFill>
-            <a:schemeClr val="phClr"/>
-          </a:solidFill>
-          <a:prstDash val="solid"/>
-          <a:miter lim="800000"/>
         </a:ln>
       </a:lnStyleLst>
       <a:effectStyleLst>
@@ -4555,54 +8191,78 @@
           <a:effectLst/>
         </a:effectStyle>
         <a:effectStyle>
-          <a:effectLst/>
+          <a:effectLst>
+            <a:innerShdw blurRad="25400" dist="12700" dir="13500000">
+              <a:srgbClr val="000000">
+                <a:alpha val="45000"/>
+              </a:srgbClr>
+            </a:innerShdw>
+          </a:effectLst>
         </a:effectStyle>
         <a:effectStyle>
           <a:effectLst>
-            <a:outerShdw blurRad="57150" dist="19050" dir="5400000" algn="ctr" rotWithShape="0">
+            <a:outerShdw blurRad="50800" dist="38100" dir="5400000" rotWithShape="0">
               <a:srgbClr val="000000">
-                <a:alpha val="63000"/>
+                <a:alpha val="46000"/>
               </a:srgbClr>
             </a:outerShdw>
           </a:effectLst>
+          <a:scene3d>
+            <a:camera prst="orthographicFront">
+              <a:rot lat="0" lon="0" rev="0"/>
+            </a:camera>
+            <a:lightRig rig="threePt" dir="t"/>
+          </a:scene3d>
+          <a:sp3d prstMaterial="plastic">
+            <a:bevelT w="25400" h="25400"/>
+          </a:sp3d>
         </a:effectStyle>
       </a:effectStyleLst>
       <a:bgFillStyleLst>
         <a:solidFill>
           <a:schemeClr val="phClr"/>
         </a:solidFill>
-        <a:solidFill>
-          <a:schemeClr val="phClr">
-            <a:tint val="95000"/>
-            <a:satMod val="170000"/>
-          </a:schemeClr>
-        </a:solidFill>
+        <a:gradFill rotWithShape="1">
+          <a:gsLst>
+            <a:gs pos="10000">
+              <a:schemeClr val="phClr">
+                <a:tint val="97000"/>
+                <a:hueMod val="92000"/>
+                <a:satMod val="169000"/>
+                <a:lumMod val="164000"/>
+              </a:schemeClr>
+            </a:gs>
+            <a:gs pos="100000">
+              <a:schemeClr val="phClr">
+                <a:shade val="96000"/>
+                <a:satMod val="120000"/>
+                <a:lumMod val="90000"/>
+              </a:schemeClr>
+            </a:gs>
+          </a:gsLst>
+          <a:lin ang="6120000" scaled="1"/>
+        </a:gradFill>
         <a:gradFill rotWithShape="1">
           <a:gsLst>
             <a:gs pos="0">
               <a:schemeClr val="phClr">
-                <a:tint val="93000"/>
-                <a:satMod val="150000"/>
-                <a:shade val="98000"/>
-                <a:lumMod val="102000"/>
-              </a:schemeClr>
-            </a:gs>
-            <a:gs pos="50000">
-              <a:schemeClr val="phClr">
-                <a:tint val="98000"/>
-                <a:satMod val="130000"/>
-                <a:shade val="90000"/>
-                <a:lumMod val="103000"/>
+                <a:tint val="97000"/>
+                <a:hueMod val="92000"/>
+                <a:satMod val="169000"/>
+                <a:lumMod val="164000"/>
               </a:schemeClr>
             </a:gs>
             <a:gs pos="100000">
               <a:schemeClr val="phClr">
-                <a:shade val="63000"/>
+                <a:shade val="96000"/>
                 <a:satMod val="120000"/>
+                <a:lumMod val="90000"/>
               </a:schemeClr>
             </a:gs>
           </a:gsLst>
-          <a:lin ang="5400000" scaled="0"/>
+          <a:path path="circle">
+            <a:fillToRect b="100000"/>
+          </a:path>
         </a:gradFill>
       </a:bgFillStyleLst>
     </a:fmtScheme>
@@ -4611,7 +8271,7 @@
   <a:extraClrSchemeLst/>
   <a:extLst>
     <a:ext uri="{05A4C25C-085E-4340-85A3-A5531E510DB2}">
-      <thm15:themeFamily xmlns:thm15="http://schemas.microsoft.com/office/thememl/2012/main" name="Office Theme" id="{62F939B6-93AF-4DB8-9C6B-D6C7DFDC589F}" vid="{4A3C46E8-61CC-4603-A589-7422A47A8E4A}"/>
+      <thm15:themeFamily xmlns:thm15="http://schemas.microsoft.com/office/thememl/2012/main" name="Slice" id="{0507925B-6AC9-4358-8E18-C330545D08F8}" vid="{13FEC7C6-62A9-40C4-99D2-581AACACAA2F}"/>
     </a:ext>
   </a:extLst>
 </a:theme>

--- a/Final_project_presentation.pptx
+++ b/Final_project_presentation.pptx
@@ -309,7 +309,7 @@
           <a:p>
             <a:fld id="{040172E9-3018-4399-AF48-14950ACD53D7}" type="datetimeFigureOut">
               <a:rPr lang="en-US" smtClean="0"/>
-              <a:t>7/12/2022</a:t>
+              <a:t>7/19/2022</a:t>
             </a:fld>
             <a:endParaRPr lang="en-US"/>
           </a:p>
@@ -745,7 +745,7 @@
           <a:p>
             <a:fld id="{040172E9-3018-4399-AF48-14950ACD53D7}" type="datetimeFigureOut">
               <a:rPr lang="en-US" smtClean="0"/>
-              <a:t>7/12/2022</a:t>
+              <a:t>7/19/2022</a:t>
             </a:fld>
             <a:endParaRPr lang="en-US"/>
           </a:p>
@@ -995,7 +995,7 @@
           <a:p>
             <a:fld id="{040172E9-3018-4399-AF48-14950ACD53D7}" type="datetimeFigureOut">
               <a:rPr lang="en-US" smtClean="0"/>
-              <a:t>7/12/2022</a:t>
+              <a:t>7/19/2022</a:t>
             </a:fld>
             <a:endParaRPr lang="en-US"/>
           </a:p>
@@ -1303,7 +1303,7 @@
           <a:p>
             <a:fld id="{040172E9-3018-4399-AF48-14950ACD53D7}" type="datetimeFigureOut">
               <a:rPr lang="en-US" smtClean="0"/>
-              <a:t>7/12/2022</a:t>
+              <a:t>7/19/2022</a:t>
             </a:fld>
             <a:endParaRPr lang="en-US"/>
           </a:p>
@@ -1621,7 +1621,7 @@
           <a:p>
             <a:fld id="{040172E9-3018-4399-AF48-14950ACD53D7}" type="datetimeFigureOut">
               <a:rPr lang="en-US" smtClean="0"/>
-              <a:t>7/12/2022</a:t>
+              <a:t>7/19/2022</a:t>
             </a:fld>
             <a:endParaRPr lang="en-US"/>
           </a:p>
@@ -1923,7 +1923,7 @@
           <a:p>
             <a:fld id="{040172E9-3018-4399-AF48-14950ACD53D7}" type="datetimeFigureOut">
               <a:rPr lang="en-US" smtClean="0"/>
-              <a:t>7/12/2022</a:t>
+              <a:t>7/19/2022</a:t>
             </a:fld>
             <a:endParaRPr lang="en-US"/>
           </a:p>
@@ -2290,7 +2290,7 @@
           <a:p>
             <a:fld id="{040172E9-3018-4399-AF48-14950ACD53D7}" type="datetimeFigureOut">
               <a:rPr lang="en-US" smtClean="0"/>
-              <a:t>7/12/2022</a:t>
+              <a:t>7/19/2022</a:t>
             </a:fld>
             <a:endParaRPr lang="en-US"/>
           </a:p>
@@ -2464,7 +2464,7 @@
           <a:p>
             <a:fld id="{040172E9-3018-4399-AF48-14950ACD53D7}" type="datetimeFigureOut">
               <a:rPr lang="en-US" smtClean="0"/>
-              <a:t>7/12/2022</a:t>
+              <a:t>7/19/2022</a:t>
             </a:fld>
             <a:endParaRPr lang="en-US"/>
           </a:p>
@@ -2644,7 +2644,7 @@
           <a:p>
             <a:fld id="{040172E9-3018-4399-AF48-14950ACD53D7}" type="datetimeFigureOut">
               <a:rPr lang="en-US" smtClean="0"/>
-              <a:t>7/12/2022</a:t>
+              <a:t>7/19/2022</a:t>
             </a:fld>
             <a:endParaRPr lang="en-US"/>
           </a:p>
@@ -2814,7 +2814,7 @@
           <a:p>
             <a:fld id="{040172E9-3018-4399-AF48-14950ACD53D7}" type="datetimeFigureOut">
               <a:rPr lang="en-US" smtClean="0"/>
-              <a:t>7/12/2022</a:t>
+              <a:t>7/19/2022</a:t>
             </a:fld>
             <a:endParaRPr lang="en-US"/>
           </a:p>
@@ -3064,7 +3064,7 @@
           <a:p>
             <a:fld id="{040172E9-3018-4399-AF48-14950ACD53D7}" type="datetimeFigureOut">
               <a:rPr lang="en-US" smtClean="0"/>
-              <a:t>7/12/2022</a:t>
+              <a:t>7/19/2022</a:t>
             </a:fld>
             <a:endParaRPr lang="en-US"/>
           </a:p>
@@ -3300,7 +3300,7 @@
           <a:p>
             <a:fld id="{040172E9-3018-4399-AF48-14950ACD53D7}" type="datetimeFigureOut">
               <a:rPr lang="en-US" smtClean="0"/>
-              <a:t>7/12/2022</a:t>
+              <a:t>7/19/2022</a:t>
             </a:fld>
             <a:endParaRPr lang="en-US"/>
           </a:p>
@@ -3682,7 +3682,7 @@
           <a:p>
             <a:fld id="{040172E9-3018-4399-AF48-14950ACD53D7}" type="datetimeFigureOut">
               <a:rPr lang="en-US" smtClean="0"/>
-              <a:t>7/12/2022</a:t>
+              <a:t>7/19/2022</a:t>
             </a:fld>
             <a:endParaRPr lang="en-US"/>
           </a:p>
@@ -3800,7 +3800,7 @@
           <a:p>
             <a:fld id="{040172E9-3018-4399-AF48-14950ACD53D7}" type="datetimeFigureOut">
               <a:rPr lang="en-US" smtClean="0"/>
-              <a:t>7/12/2022</a:t>
+              <a:t>7/19/2022</a:t>
             </a:fld>
             <a:endParaRPr lang="en-US"/>
           </a:p>
@@ -3895,7 +3895,7 @@
           <a:p>
             <a:fld id="{040172E9-3018-4399-AF48-14950ACD53D7}" type="datetimeFigureOut">
               <a:rPr lang="en-US" smtClean="0"/>
-              <a:t>7/12/2022</a:t>
+              <a:t>7/19/2022</a:t>
             </a:fld>
             <a:endParaRPr lang="en-US"/>
           </a:p>
@@ -4150,7 +4150,7 @@
           <a:p>
             <a:fld id="{040172E9-3018-4399-AF48-14950ACD53D7}" type="datetimeFigureOut">
               <a:rPr lang="en-US" smtClean="0"/>
-              <a:t>7/12/2022</a:t>
+              <a:t>7/19/2022</a:t>
             </a:fld>
             <a:endParaRPr lang="en-US"/>
           </a:p>
@@ -4433,7 +4433,7 @@
           <a:p>
             <a:fld id="{040172E9-3018-4399-AF48-14950ACD53D7}" type="datetimeFigureOut">
               <a:rPr lang="en-US" smtClean="0"/>
-              <a:t>7/12/2022</a:t>
+              <a:t>7/19/2022</a:t>
             </a:fld>
             <a:endParaRPr lang="en-US"/>
           </a:p>
@@ -4839,7 +4839,7 @@
           <a:p>
             <a:fld id="{040172E9-3018-4399-AF48-14950ACD53D7}" type="datetimeFigureOut">
               <a:rPr lang="en-US" smtClean="0"/>
-              <a:t>7/12/2022</a:t>
+              <a:t>7/19/2022</a:t>
             </a:fld>
             <a:endParaRPr lang="en-US"/>
           </a:p>
@@ -5772,7 +5772,7 @@
       <p:bgPr>
         <a:blipFill dpi="0" rotWithShape="1">
           <a:blip r:embed="rId2">
-            <a:alphaModFix amt="48000"/>
+            <a:alphaModFix amt="18000"/>
             <a:lum/>
           </a:blip>
           <a:srcRect/>
@@ -5833,7 +5833,7 @@
           </a:p>
         </p:txBody>
       </p:sp>
-      <p:sp>
+      <p:sp useBgFill="1">
         <p:nvSpPr>
           <p:cNvPr id="4" name="Content Placeholder 3">
             <a:extLst>
@@ -5851,13 +5851,13 @@
         </p:nvSpPr>
         <p:spPr>
           <a:xfrm>
-            <a:off x="838200" y="1034980"/>
-            <a:ext cx="10515600" cy="4788040"/>
+            <a:off x="838200" y="1175657"/>
+            <a:ext cx="10515600" cy="5355249"/>
           </a:xfrm>
         </p:spPr>
         <p:txBody>
           <a:bodyPr>
-            <a:normAutofit fontScale="62500" lnSpcReduction="20000"/>
+            <a:normAutofit fontScale="55000" lnSpcReduction="20000"/>
           </a:bodyPr>
           <a:lstStyle/>
           <a:p>
@@ -5865,12 +5865,13 @@
               <a:buNone/>
             </a:pPr>
             <a:r>
-              <a:rPr lang="ru-RU" sz="2800" dirty="0">
-                <a:solidFill>
-                  <a:schemeClr val="tx2">
-                    <a:lumMod val="50000"/>
-                  </a:schemeClr>
-                </a:solidFill>
+              <a:rPr lang="ru-RU" sz="3200" b="1" dirty="0">
+                <a:solidFill>
+                  <a:srgbClr val="002060"/>
+                </a:solidFill>
+                <a:latin typeface="Aero Matics" panose="020B0803060101010101" pitchFamily="34" charset="-128"/>
+                <a:ea typeface="Aero Matics" panose="020B0803060101010101" pitchFamily="34" charset="-128"/>
+                <a:cs typeface="Times New Roman" panose="02020603050405020304" pitchFamily="18" charset="0"/>
               </a:rPr>
               <a:t>Ввиду сложности перевода многих качественных характеристик (например, удобства доступа к транспорту, материал, из которого построен дом), которые оказывают влияние на цену, наиболее предпочтительным является использование моделей построенных на основе статистических показателей. </a:t>
             </a:r>
@@ -5879,229 +5880,273 @@
             <a:pPr marL="0" indent="0">
               <a:buNone/>
             </a:pPr>
+            <a:endParaRPr lang="ru-RU" sz="3200" b="1" dirty="0">
+              <a:solidFill>
+                <a:srgbClr val="002060"/>
+              </a:solidFill>
+              <a:latin typeface="Aero Matics" panose="020B0803060101010101" pitchFamily="34" charset="-128"/>
+              <a:ea typeface="Aero Matics" panose="020B0803060101010101" pitchFamily="34" charset="-128"/>
+              <a:cs typeface="Times New Roman" panose="02020603050405020304" pitchFamily="18" charset="0"/>
+            </a:endParaRPr>
+          </a:p>
+          <a:p>
+            <a:pPr marL="0" indent="0">
+              <a:buNone/>
+            </a:pPr>
+            <a:r>
+              <a:rPr lang="ru-RU" sz="3200" b="1" dirty="0">
+                <a:solidFill>
+                  <a:srgbClr val="002060"/>
+                </a:solidFill>
+                <a:latin typeface="Aero Matics" panose="020B0803060101010101" pitchFamily="34" charset="-128"/>
+                <a:ea typeface="Aero Matics" panose="020B0803060101010101" pitchFamily="34" charset="-128"/>
+                <a:cs typeface="Times New Roman" panose="02020603050405020304" pitchFamily="18" charset="0"/>
+              </a:rPr>
+              <a:t>В качестве варианта решения вопросов выше было решено использовать</a:t>
+            </a:r>
+            <a:r>
+              <a:rPr lang="en-US" sz="3200" b="1" dirty="0">
+                <a:solidFill>
+                  <a:srgbClr val="002060"/>
+                </a:solidFill>
+                <a:latin typeface="Aero Matics" panose="020B0803060101010101" pitchFamily="34" charset="-128"/>
+                <a:ea typeface="Aero Matics" panose="020B0803060101010101" pitchFamily="34" charset="-128"/>
+                <a:cs typeface="Times New Roman" panose="02020603050405020304" pitchFamily="18" charset="0"/>
+              </a:rPr>
+              <a:t> </a:t>
+            </a:r>
+            <a:r>
+              <a:rPr lang="ru-RU" sz="3200" b="1" dirty="0">
+                <a:solidFill>
+                  <a:srgbClr val="002060"/>
+                </a:solidFill>
+                <a:latin typeface="Aero Matics" panose="020B0803060101010101" pitchFamily="34" charset="-128"/>
+                <a:ea typeface="Aero Matics" panose="020B0803060101010101" pitchFamily="34" charset="-128"/>
+                <a:cs typeface="Times New Roman" panose="02020603050405020304" pitchFamily="18" charset="0"/>
+              </a:rPr>
+              <a:t>методы машинного обучения и построить модель на основе достаточно широко известной библиотеки машинного обучения  </a:t>
+            </a:r>
+            <a:r>
+              <a:rPr lang="en-US" sz="3200" b="1" dirty="0" err="1">
+                <a:solidFill>
+                  <a:srgbClr val="002060"/>
+                </a:solidFill>
+                <a:latin typeface="Aero Matics" panose="020B0803060101010101" pitchFamily="34" charset="-128"/>
+                <a:ea typeface="Aero Matics" panose="020B0803060101010101" pitchFamily="34" charset="-128"/>
+                <a:cs typeface="Times New Roman" panose="02020603050405020304" pitchFamily="18" charset="0"/>
+              </a:rPr>
+              <a:t>CatBoost</a:t>
+            </a:r>
+            <a:r>
+              <a:rPr lang="ru-RU" sz="3200" b="1" dirty="0">
+                <a:solidFill>
+                  <a:srgbClr val="002060"/>
+                </a:solidFill>
+                <a:latin typeface="Aero Matics" panose="020B0803060101010101" pitchFamily="34" charset="-128"/>
+                <a:ea typeface="Aero Matics" panose="020B0803060101010101" pitchFamily="34" charset="-128"/>
+                <a:cs typeface="Times New Roman" panose="02020603050405020304" pitchFamily="18" charset="0"/>
+              </a:rPr>
+              <a:t>.</a:t>
+            </a:r>
+          </a:p>
+          <a:p>
+            <a:pPr marL="0" indent="0">
+              <a:buNone/>
+            </a:pPr>
+            <a:r>
+              <a:rPr lang="ru-RU" sz="3200" b="1" dirty="0">
+                <a:solidFill>
+                  <a:srgbClr val="002060"/>
+                </a:solidFill>
+                <a:latin typeface="Aero Matics" panose="020B0803060101010101" pitchFamily="34" charset="-128"/>
+                <a:ea typeface="Aero Matics" panose="020B0803060101010101" pitchFamily="34" charset="-128"/>
+                <a:cs typeface="Times New Roman" panose="02020603050405020304" pitchFamily="18" charset="0"/>
+              </a:rPr>
+              <a:t>Особенностью библиотеки является возможность работы с категориальными переменными без применения дополнительных преобразований, например </a:t>
+            </a:r>
+            <a:r>
+              <a:rPr lang="en-US" sz="3200" b="1" dirty="0">
+                <a:solidFill>
+                  <a:srgbClr val="002060"/>
+                </a:solidFill>
+                <a:latin typeface="Aero Matics" panose="020B0803060101010101" pitchFamily="34" charset="-128"/>
+                <a:ea typeface="Aero Matics" panose="020B0803060101010101" pitchFamily="34" charset="-128"/>
+                <a:cs typeface="Times New Roman" panose="02020603050405020304" pitchFamily="18" charset="0"/>
+              </a:rPr>
+              <a:t>One Hot Encoder</a:t>
+            </a:r>
+            <a:r>
+              <a:rPr lang="ru-RU" sz="3200" b="1" dirty="0">
+                <a:solidFill>
+                  <a:srgbClr val="002060"/>
+                </a:solidFill>
+                <a:latin typeface="Aero Matics" panose="020B0803060101010101" pitchFamily="34" charset="-128"/>
+                <a:ea typeface="Aero Matics" panose="020B0803060101010101" pitchFamily="34" charset="-128"/>
+                <a:cs typeface="Times New Roman" panose="02020603050405020304" pitchFamily="18" charset="0"/>
+              </a:rPr>
+              <a:t>, которые увеличивают количество признаков и, соответственно, сложность моделей.</a:t>
+            </a:r>
+          </a:p>
+          <a:p>
+            <a:pPr marL="0" indent="0">
+              <a:buNone/>
+            </a:pPr>
+            <a:r>
+              <a:rPr lang="ru-RU" sz="3200" b="1" dirty="0">
+                <a:solidFill>
+                  <a:srgbClr val="002060"/>
+                </a:solidFill>
+                <a:latin typeface="Aero Matics" panose="020B0803060101010101" pitchFamily="34" charset="-128"/>
+                <a:ea typeface="Aero Matics" panose="020B0803060101010101" pitchFamily="34" charset="-128"/>
+                <a:cs typeface="Times New Roman" panose="02020603050405020304" pitchFamily="18" charset="0"/>
+              </a:rPr>
+              <a:t>В качестве набора данных для тренировки модели и проверки качества предсказания был использован </a:t>
+            </a:r>
+            <a:r>
+              <a:rPr lang="ru-RU" sz="3200" b="1" dirty="0" err="1">
+                <a:solidFill>
+                  <a:srgbClr val="002060"/>
+                </a:solidFill>
+                <a:latin typeface="Aero Matics" panose="020B0803060101010101" pitchFamily="34" charset="-128"/>
+                <a:ea typeface="Aero Matics" panose="020B0803060101010101" pitchFamily="34" charset="-128"/>
+                <a:cs typeface="Times New Roman" panose="02020603050405020304" pitchFamily="18" charset="0"/>
+              </a:rPr>
+              <a:t>датасет</a:t>
+            </a:r>
+            <a:r>
+              <a:rPr lang="ru-RU" sz="3200" b="1" dirty="0">
+                <a:solidFill>
+                  <a:srgbClr val="002060"/>
+                </a:solidFill>
+                <a:latin typeface="Aero Matics" panose="020B0803060101010101" pitchFamily="34" charset="-128"/>
+                <a:ea typeface="Aero Matics" panose="020B0803060101010101" pitchFamily="34" charset="-128"/>
+                <a:cs typeface="Times New Roman" panose="02020603050405020304" pitchFamily="18" charset="0"/>
+              </a:rPr>
+              <a:t> </a:t>
+            </a:r>
+            <a:r>
+              <a:rPr lang="en-US" sz="3200" b="1" dirty="0">
+                <a:solidFill>
+                  <a:srgbClr val="002060"/>
+                </a:solidFill>
+                <a:latin typeface="Aero Matics" panose="020B0803060101010101" pitchFamily="34" charset="-128"/>
+                <a:ea typeface="Aero Matics" panose="020B0803060101010101" pitchFamily="34" charset="-128"/>
+                <a:cs typeface="Times New Roman" panose="02020603050405020304" pitchFamily="18" charset="0"/>
+              </a:rPr>
+              <a:t>Sberbank Russian Housing Market</a:t>
+            </a:r>
+            <a:r>
+              <a:rPr lang="ru-RU" sz="3200" b="1" dirty="0">
+                <a:solidFill>
+                  <a:srgbClr val="002060"/>
+                </a:solidFill>
+                <a:latin typeface="Aero Matics" panose="020B0803060101010101" pitchFamily="34" charset="-128"/>
+                <a:ea typeface="Aero Matics" panose="020B0803060101010101" pitchFamily="34" charset="-128"/>
+                <a:cs typeface="Times New Roman" panose="02020603050405020304" pitchFamily="18" charset="0"/>
+              </a:rPr>
+              <a:t> использованный для одного из </a:t>
+            </a:r>
+            <a:r>
+              <a:rPr lang="ru-RU" sz="3200" b="1" dirty="0" err="1">
+                <a:solidFill>
+                  <a:srgbClr val="002060"/>
+                </a:solidFill>
+                <a:latin typeface="Aero Matics" panose="020B0803060101010101" pitchFamily="34" charset="-128"/>
+                <a:ea typeface="Aero Matics" panose="020B0803060101010101" pitchFamily="34" charset="-128"/>
+                <a:cs typeface="Times New Roman" panose="02020603050405020304" pitchFamily="18" charset="0"/>
+              </a:rPr>
+              <a:t>контестов</a:t>
+            </a:r>
+            <a:r>
+              <a:rPr lang="ru-RU" sz="3200" b="1" dirty="0">
+                <a:solidFill>
+                  <a:srgbClr val="002060"/>
+                </a:solidFill>
+                <a:latin typeface="Aero Matics" panose="020B0803060101010101" pitchFamily="34" charset="-128"/>
+                <a:ea typeface="Aero Matics" panose="020B0803060101010101" pitchFamily="34" charset="-128"/>
+                <a:cs typeface="Times New Roman" panose="02020603050405020304" pitchFamily="18" charset="0"/>
+              </a:rPr>
+              <a:t> на </a:t>
+            </a:r>
+            <a:r>
+              <a:rPr lang="en-US" sz="3200" b="1" dirty="0">
+                <a:solidFill>
+                  <a:srgbClr val="002060"/>
+                </a:solidFill>
+                <a:latin typeface="Aero Matics" panose="020B0803060101010101" pitchFamily="34" charset="-128"/>
+                <a:ea typeface="Aero Matics" panose="020B0803060101010101" pitchFamily="34" charset="-128"/>
+                <a:cs typeface="Times New Roman" panose="02020603050405020304" pitchFamily="18" charset="0"/>
+              </a:rPr>
+              <a:t>Kaggle.</a:t>
+            </a:r>
+            <a:endParaRPr lang="ru-RU" sz="3200" b="1" dirty="0">
+              <a:solidFill>
+                <a:srgbClr val="002060"/>
+              </a:solidFill>
+              <a:latin typeface="Aero Matics" panose="020B0803060101010101" pitchFamily="34" charset="-128"/>
+              <a:ea typeface="Aero Matics" panose="020B0803060101010101" pitchFamily="34" charset="-128"/>
+              <a:cs typeface="Times New Roman" panose="02020603050405020304" pitchFamily="18" charset="0"/>
+            </a:endParaRPr>
+          </a:p>
+          <a:p>
+            <a:pPr marL="0" indent="0">
+              <a:buNone/>
+            </a:pPr>
+            <a:endParaRPr lang="ru-RU" sz="3200" b="1" dirty="0">
+              <a:solidFill>
+                <a:srgbClr val="002060"/>
+              </a:solidFill>
+              <a:latin typeface="Aero Matics" panose="020B0803060101010101" pitchFamily="34" charset="-128"/>
+              <a:ea typeface="Aero Matics" panose="020B0803060101010101" pitchFamily="34" charset="-128"/>
+              <a:cs typeface="Times New Roman" panose="02020603050405020304" pitchFamily="18" charset="0"/>
+            </a:endParaRPr>
+          </a:p>
+          <a:p>
+            <a:pPr marL="0" indent="0">
+              <a:buNone/>
+            </a:pPr>
+            <a:r>
+              <a:rPr lang="ru-RU" sz="3200" b="1" dirty="0">
+                <a:solidFill>
+                  <a:srgbClr val="002060"/>
+                </a:solidFill>
+                <a:latin typeface="Aero Matics" panose="020B0803060101010101" pitchFamily="34" charset="-128"/>
+                <a:ea typeface="Aero Matics" panose="020B0803060101010101" pitchFamily="34" charset="-128"/>
+                <a:cs typeface="Times New Roman" panose="02020603050405020304" pitchFamily="18" charset="0"/>
+              </a:rPr>
+              <a:t>В этом конкурсе Сбербанк предлагал разработать алгоритмы, которые используют широкий спектр функций для прогнозирования цен на недвижимость. В </a:t>
+            </a:r>
+            <a:r>
+              <a:rPr lang="ru-RU" sz="3200" b="1" dirty="0" err="1">
+                <a:solidFill>
+                  <a:srgbClr val="002060"/>
+                </a:solidFill>
+                <a:latin typeface="Aero Matics" panose="020B0803060101010101" pitchFamily="34" charset="-128"/>
+                <a:ea typeface="Aero Matics" panose="020B0803060101010101" pitchFamily="34" charset="-128"/>
+                <a:cs typeface="Times New Roman" panose="02020603050405020304" pitchFamily="18" charset="0"/>
+              </a:rPr>
+              <a:t>датасете</a:t>
+            </a:r>
+            <a:r>
+              <a:rPr lang="ru-RU" sz="3200" b="1" dirty="0">
+                <a:solidFill>
+                  <a:srgbClr val="002060"/>
+                </a:solidFill>
+                <a:latin typeface="Aero Matics" panose="020B0803060101010101" pitchFamily="34" charset="-128"/>
+                <a:ea typeface="Aero Matics" panose="020B0803060101010101" pitchFamily="34" charset="-128"/>
+                <a:cs typeface="Times New Roman" panose="02020603050405020304" pitchFamily="18" charset="0"/>
+              </a:rPr>
+              <a:t> представлен набор данных, включающий данные о жилье и макроэкономические модели. </a:t>
+            </a:r>
+          </a:p>
+          <a:p>
             <a:endParaRPr lang="ru-RU" sz="2800" dirty="0">
               <a:solidFill>
-                <a:schemeClr val="tx2">
-                  <a:lumMod val="50000"/>
-                </a:schemeClr>
+                <a:srgbClr val="002060"/>
               </a:solidFill>
+              <a:latin typeface="Times New Roman" panose="02020603050405020304" pitchFamily="18" charset="0"/>
+              <a:cs typeface="Times New Roman" panose="02020603050405020304" pitchFamily="18" charset="0"/>
             </a:endParaRPr>
-          </a:p>
-          <a:p>
-            <a:pPr marL="0" indent="0">
-              <a:buNone/>
-            </a:pPr>
-            <a:r>
-              <a:rPr lang="ru-RU" sz="2800" dirty="0">
-                <a:solidFill>
-                  <a:schemeClr val="tx2">
-                    <a:lumMod val="50000"/>
-                  </a:schemeClr>
-                </a:solidFill>
-              </a:rPr>
-              <a:t>В качестве варианта решения вопросов выше было решено использовать построить модель на основе </a:t>
-            </a:r>
-            <a:r>
-              <a:rPr lang="en-US" sz="2800" dirty="0" err="1">
-                <a:solidFill>
-                  <a:schemeClr val="tx2">
-                    <a:lumMod val="50000"/>
-                  </a:schemeClr>
-                </a:solidFill>
-              </a:rPr>
-              <a:t>CatBoost</a:t>
-            </a:r>
-            <a:endParaRPr lang="ru-RU" sz="2800" dirty="0">
-              <a:solidFill>
-                <a:schemeClr val="tx2">
-                  <a:lumMod val="50000"/>
-                </a:schemeClr>
-              </a:solidFill>
-            </a:endParaRPr>
-          </a:p>
-          <a:p>
-            <a:pPr marL="0" indent="0">
-              <a:buNone/>
-            </a:pPr>
-            <a:r>
-              <a:rPr lang="ru-RU" sz="2800" dirty="0">
-                <a:solidFill>
-                  <a:schemeClr val="tx2">
-                    <a:lumMod val="50000"/>
-                  </a:schemeClr>
-                </a:solidFill>
-              </a:rPr>
-              <a:t>В качестве </a:t>
-            </a:r>
-            <a:r>
-              <a:rPr lang="ru-RU" sz="2800" dirty="0" err="1">
-                <a:solidFill>
-                  <a:schemeClr val="tx2">
-                    <a:lumMod val="50000"/>
-                  </a:schemeClr>
-                </a:solidFill>
-              </a:rPr>
-              <a:t>датасета</a:t>
-            </a:r>
-            <a:r>
-              <a:rPr lang="ru-RU" sz="2800" dirty="0">
-                <a:solidFill>
-                  <a:schemeClr val="tx2">
-                    <a:lumMod val="50000"/>
-                  </a:schemeClr>
-                </a:solidFill>
-              </a:rPr>
-              <a:t> для тренировки модели и проверки качества предсказания был использован </a:t>
-            </a:r>
-            <a:r>
-              <a:rPr lang="ru-RU" sz="2800" dirty="0" err="1">
-                <a:solidFill>
-                  <a:schemeClr val="tx2">
-                    <a:lumMod val="50000"/>
-                  </a:schemeClr>
-                </a:solidFill>
-              </a:rPr>
-              <a:t>датасет</a:t>
-            </a:r>
-            <a:r>
-              <a:rPr lang="ru-RU" sz="2800" dirty="0">
-                <a:solidFill>
-                  <a:schemeClr val="tx2">
-                    <a:lumMod val="50000"/>
-                  </a:schemeClr>
-                </a:solidFill>
-              </a:rPr>
-              <a:t> </a:t>
-            </a:r>
-            <a:r>
-              <a:rPr lang="en-US" sz="2800" dirty="0">
-                <a:solidFill>
-                  <a:schemeClr val="tx2">
-                    <a:lumMod val="50000"/>
-                  </a:schemeClr>
-                </a:solidFill>
-              </a:rPr>
-              <a:t>Sberbank Russian Housing Market</a:t>
-            </a:r>
-            <a:r>
-              <a:rPr lang="ru-RU" sz="2800" dirty="0">
-                <a:solidFill>
-                  <a:schemeClr val="tx2">
-                    <a:lumMod val="50000"/>
-                  </a:schemeClr>
-                </a:solidFill>
-              </a:rPr>
-              <a:t> использованный для одного из </a:t>
-            </a:r>
-            <a:r>
-              <a:rPr lang="ru-RU" sz="2800" dirty="0" err="1">
-                <a:solidFill>
-                  <a:schemeClr val="tx2">
-                    <a:lumMod val="50000"/>
-                  </a:schemeClr>
-                </a:solidFill>
-              </a:rPr>
-              <a:t>контестов</a:t>
-            </a:r>
-            <a:r>
-              <a:rPr lang="ru-RU" sz="2800" dirty="0">
-                <a:solidFill>
-                  <a:schemeClr val="tx2">
-                    <a:lumMod val="50000"/>
-                  </a:schemeClr>
-                </a:solidFill>
-              </a:rPr>
-              <a:t> на </a:t>
-            </a:r>
-            <a:r>
-              <a:rPr lang="en-US" sz="2800" dirty="0">
-                <a:solidFill>
-                  <a:schemeClr val="tx2">
-                    <a:lumMod val="50000"/>
-                  </a:schemeClr>
-                </a:solidFill>
-              </a:rPr>
-              <a:t>Kaggle.</a:t>
-            </a:r>
-            <a:endParaRPr lang="ru-RU" sz="2800" dirty="0">
-              <a:solidFill>
-                <a:schemeClr val="tx2">
-                  <a:lumMod val="50000"/>
-                </a:schemeClr>
-              </a:solidFill>
-            </a:endParaRPr>
-          </a:p>
-          <a:p>
-            <a:pPr marL="0" indent="0">
-              <a:buNone/>
-            </a:pPr>
-            <a:endParaRPr lang="ru-RU" sz="2800" dirty="0">
-              <a:solidFill>
-                <a:schemeClr val="tx2">
-                  <a:lumMod val="50000"/>
-                </a:schemeClr>
-              </a:solidFill>
-            </a:endParaRPr>
-          </a:p>
-          <a:p>
-            <a:endParaRPr lang="ru-RU" sz="2800" dirty="0">
-              <a:solidFill>
-                <a:schemeClr val="tx2">
-                  <a:lumMod val="50000"/>
-                </a:schemeClr>
-              </a:solidFill>
-            </a:endParaRPr>
-          </a:p>
-          <a:p>
-            <a:pPr marL="0" indent="0">
-              <a:buNone/>
-            </a:pPr>
-            <a:r>
-              <a:rPr lang="ru-RU" b="0" i="0" dirty="0">
-                <a:solidFill>
-                  <a:srgbClr val="000000"/>
-                </a:solidFill>
-                <a:effectLst/>
-                <a:latin typeface="Roboto" panose="02000000000000000000" pitchFamily="2" charset="0"/>
-              </a:rPr>
-              <a:t>В этом конкурсе Сбербанк предлагал разработать алгоритмы, которые используют широкий спектр функций для прогнозирования цен на </a:t>
-            </a:r>
-            <a:r>
-              <a:rPr lang="ru-RU" b="0" i="0" dirty="0" err="1">
-                <a:solidFill>
-                  <a:srgbClr val="000000"/>
-                </a:solidFill>
-                <a:effectLst/>
-                <a:latin typeface="Roboto" panose="02000000000000000000" pitchFamily="2" charset="0"/>
-              </a:rPr>
-              <a:t>недвижимость.датасет</a:t>
-            </a:r>
-            <a:r>
-              <a:rPr lang="ru-RU" b="0" i="0" dirty="0">
-                <a:solidFill>
-                  <a:srgbClr val="000000"/>
-                </a:solidFill>
-                <a:effectLst/>
-                <a:latin typeface="Roboto" panose="02000000000000000000" pitchFamily="2" charset="0"/>
-              </a:rPr>
-              <a:t> содержал набор данных, включающий данные о жилье и макроэкономические модели. </a:t>
-            </a:r>
-          </a:p>
-          <a:p>
-            <a:pPr marL="0" indent="0">
-              <a:buNone/>
-            </a:pPr>
-            <a:r>
-              <a:rPr lang="ru-RU" b="0" i="0" dirty="0">
-                <a:solidFill>
-                  <a:srgbClr val="000000"/>
-                </a:solidFill>
-                <a:effectLst/>
-                <a:latin typeface="Roboto" panose="02000000000000000000" pitchFamily="2" charset="0"/>
-              </a:rPr>
-              <a:t>Точная модель прогнозирования позволит обеспечить большую уверенность для клиентов в условиях неопределенной экономики.</a:t>
-            </a:r>
-            <a:endParaRPr lang="en-US" dirty="0"/>
           </a:p>
         </p:txBody>
       </p:sp>
@@ -6125,7 +6170,7 @@
       <p:bgPr>
         <a:blipFill dpi="0" rotWithShape="1">
           <a:blip r:embed="rId2">
-            <a:alphaModFix amt="48000"/>
+            <a:alphaModFix amt="98000"/>
             <a:lum/>
           </a:blip>
           <a:srcRect/>
@@ -6164,8 +6209,8 @@
         </p:nvSpPr>
         <p:spPr>
           <a:xfrm>
-            <a:off x="741226" y="781202"/>
-            <a:ext cx="10502161" cy="1754326"/>
+            <a:off x="918508" y="911830"/>
+            <a:ext cx="10502161" cy="2769989"/>
           </a:xfrm>
           <a:prstGeom prst="rect">
             <a:avLst/>
@@ -6179,37 +6224,105 @@
           <a:lstStyle/>
           <a:p>
             <a:r>
-              <a:rPr lang="ru-RU" dirty="0"/>
+              <a:rPr lang="ru-RU" sz="2400" b="1" dirty="0">
+                <a:latin typeface="Эвристика" panose="02000803000000000000" pitchFamily="2" charset="0"/>
+              </a:rPr>
               <a:t>Используемые метрики</a:t>
             </a:r>
           </a:p>
           <a:p>
-            <a:r>
-              <a:rPr lang="ru-RU" dirty="0"/>
-              <a:t> В качестве метрик использовались стандартные метрики для задач регрессии: </a:t>
-            </a:r>
-            <a:r>
-              <a:rPr lang="en-US" dirty="0"/>
-              <a:t>MSE/RMSE</a:t>
-            </a:r>
-            <a:endParaRPr lang="ru-RU" dirty="0"/>
-          </a:p>
-          <a:p>
-            <a:endParaRPr lang="ru-RU" dirty="0"/>
-          </a:p>
-          <a:p>
-            <a:r>
-              <a:rPr lang="ru-RU" dirty="0"/>
-              <a:t>Подбор параметров модели выполнялся при помощи </a:t>
-            </a:r>
-            <a:r>
-              <a:rPr lang="en-US" dirty="0"/>
-              <a:t>Grid Search </a:t>
-            </a:r>
-            <a:r>
-              <a:rPr lang="ru-RU" dirty="0"/>
-              <a:t>для обеспечения минимизации величины метрики.</a:t>
-            </a:r>
+            <a:endParaRPr lang="ru-RU" sz="2400" dirty="0">
+              <a:latin typeface="Эвристика" panose="02000803000000000000" pitchFamily="2" charset="0"/>
+            </a:endParaRPr>
+          </a:p>
+          <a:p>
+            <a:r>
+              <a:rPr lang="ru-RU" dirty="0">
+                <a:latin typeface="Эвристика" panose="02000803000000000000" pitchFamily="2" charset="0"/>
+              </a:rPr>
+              <a:t> В качестве метрик использовалась стандартная метрика для задач регрессии: </a:t>
+            </a:r>
+            <a:r>
+              <a:rPr lang="en-US" dirty="0">
+                <a:latin typeface="Эвристика" panose="02000803000000000000" pitchFamily="2" charset="0"/>
+              </a:rPr>
+              <a:t>RMSE</a:t>
+            </a:r>
+            <a:endParaRPr lang="ru-RU" dirty="0">
+              <a:latin typeface="Эвристика" panose="02000803000000000000" pitchFamily="2" charset="0"/>
+            </a:endParaRPr>
+          </a:p>
+          <a:p>
+            <a:r>
+              <a:rPr lang="ru-RU" dirty="0">
+                <a:latin typeface="Эвристика" panose="02000803000000000000" pitchFamily="2" charset="0"/>
+              </a:rPr>
+              <a:t>Оптимизация и подбор </a:t>
+            </a:r>
+            <a:r>
+              <a:rPr lang="ru-RU" dirty="0" err="1">
+                <a:latin typeface="Эвристика" panose="02000803000000000000" pitchFamily="2" charset="0"/>
+              </a:rPr>
+              <a:t>гиперпараметров</a:t>
+            </a:r>
+            <a:r>
+              <a:rPr lang="ru-RU" dirty="0">
+                <a:latin typeface="Эвристика" panose="02000803000000000000" pitchFamily="2" charset="0"/>
+              </a:rPr>
+              <a:t> модели  выполнялись с учетом минимизации величины </a:t>
+            </a:r>
+            <a:r>
+              <a:rPr lang="en-US" dirty="0">
+                <a:latin typeface="Эвристика" panose="02000803000000000000" pitchFamily="2" charset="0"/>
+              </a:rPr>
+              <a:t>RMSE</a:t>
+            </a:r>
+            <a:r>
+              <a:rPr lang="ru-RU" dirty="0">
+                <a:latin typeface="Эвристика" panose="02000803000000000000" pitchFamily="2" charset="0"/>
+              </a:rPr>
+              <a:t>.</a:t>
+            </a:r>
+          </a:p>
+          <a:p>
+            <a:endParaRPr lang="ru-RU" dirty="0">
+              <a:latin typeface="Эвристика" panose="02000803000000000000" pitchFamily="2" charset="0"/>
+            </a:endParaRPr>
+          </a:p>
+          <a:p>
+            <a:r>
+              <a:rPr lang="ru-RU" dirty="0">
+                <a:latin typeface="Эвристика" panose="02000803000000000000" pitchFamily="2" charset="0"/>
+              </a:rPr>
+              <a:t>В качестве дополнительного параметра оценки использовалась величина </a:t>
+            </a:r>
+            <a:r>
+              <a:rPr lang="en-US" dirty="0">
+                <a:latin typeface="Эвристика" panose="02000803000000000000" pitchFamily="2" charset="0"/>
+              </a:rPr>
+              <a:t>RMSLE</a:t>
+            </a:r>
+            <a:r>
+              <a:rPr lang="ru-RU" dirty="0">
+                <a:latin typeface="Эвристика" panose="02000803000000000000" pitchFamily="2" charset="0"/>
+              </a:rPr>
+              <a:t> выдаваемая при оценке качества предсказания на сайте </a:t>
+            </a:r>
+            <a:r>
+              <a:rPr lang="en-US" dirty="0" err="1">
+                <a:latin typeface="Эвристика" panose="02000803000000000000" pitchFamily="2" charset="0"/>
+              </a:rPr>
+              <a:t>kaggle</a:t>
+            </a:r>
+            <a:r>
+              <a:rPr lang="en-US" dirty="0">
+                <a:latin typeface="Эвристика" panose="02000803000000000000" pitchFamily="2" charset="0"/>
+              </a:rPr>
+              <a:t>.</a:t>
+            </a:r>
+            <a:endParaRPr lang="ru-RU" dirty="0">
+              <a:latin typeface="Эвристика" panose="02000803000000000000" pitchFamily="2" charset="0"/>
+            </a:endParaRPr>
           </a:p>
           <a:p>
             <a:endParaRPr lang="en-US" dirty="0"/>
@@ -6236,7 +6349,7 @@
       <p:bgPr>
         <a:blipFill dpi="0" rotWithShape="1">
           <a:blip r:embed="rId2">
-            <a:alphaModFix amt="48000"/>
+            <a:alphaModFix amt="16000"/>
             <a:lum/>
           </a:blip>
           <a:srcRect/>
@@ -6275,8 +6388,8 @@
         </p:nvSpPr>
         <p:spPr>
           <a:xfrm>
-            <a:off x="289249" y="437940"/>
-            <a:ext cx="8617890" cy="369332"/>
+            <a:off x="363893" y="266448"/>
+            <a:ext cx="10534261" cy="461665"/>
           </a:xfrm>
           <a:prstGeom prst="rect">
             <a:avLst/>
@@ -6290,10 +6403,24 @@
           <a:lstStyle/>
           <a:p>
             <a:r>
-              <a:rPr lang="ru-RU" dirty="0"/>
-              <a:t>Технические средства используемые для решения</a:t>
-            </a:r>
-            <a:endParaRPr lang="en-US" dirty="0"/>
+              <a:rPr lang="ru-RU" sz="2400" dirty="0">
+                <a:solidFill>
+                  <a:schemeClr val="bg1">
+                    <a:lumMod val="95000"/>
+                    <a:lumOff val="5000"/>
+                  </a:schemeClr>
+                </a:solidFill>
+              </a:rPr>
+              <a:t>Последовательность решения задачи и основные этапы</a:t>
+            </a:r>
+            <a:endParaRPr lang="en-US" sz="2400" dirty="0">
+              <a:solidFill>
+                <a:schemeClr val="bg1">
+                  <a:lumMod val="95000"/>
+                  <a:lumOff val="5000"/>
+                </a:schemeClr>
+              </a:solidFill>
+            </a:endParaRPr>
           </a:p>
         </p:txBody>
       </p:sp>
@@ -6311,8 +6438,8 @@
         </p:nvSpPr>
         <p:spPr>
           <a:xfrm>
-            <a:off x="438539" y="1082351"/>
-            <a:ext cx="11000792" cy="3785652"/>
+            <a:off x="438539" y="766732"/>
+            <a:ext cx="11000792" cy="5632311"/>
           </a:xfrm>
           <a:prstGeom prst="rect">
             <a:avLst/>
@@ -6327,7 +6454,13 @@
           <a:p>
             <a:r>
               <a:rPr lang="ru-RU" sz="2000" dirty="0">
-                <a:latin typeface="Times New Roman" panose="02020603050405020304" pitchFamily="18" charset="0"/>
+                <a:solidFill>
+                  <a:schemeClr val="bg1">
+                    <a:lumMod val="95000"/>
+                    <a:lumOff val="5000"/>
+                  </a:schemeClr>
+                </a:solidFill>
+                <a:latin typeface="+mj-lt"/>
                 <a:cs typeface="Times New Roman" panose="02020603050405020304" pitchFamily="18" charset="0"/>
               </a:rPr>
               <a:t>Выполнение работы проводилось в несколько этапов:</a:t>
@@ -6339,7 +6472,13 @@
             </a:pPr>
             <a:r>
               <a:rPr lang="ru-RU" sz="2000" dirty="0">
-                <a:latin typeface="Times New Roman" panose="02020603050405020304" pitchFamily="18" charset="0"/>
+                <a:solidFill>
+                  <a:schemeClr val="bg1">
+                    <a:lumMod val="95000"/>
+                    <a:lumOff val="5000"/>
+                  </a:schemeClr>
+                </a:solidFill>
+                <a:latin typeface="+mj-lt"/>
                 <a:cs typeface="Times New Roman" panose="02020603050405020304" pitchFamily="18" charset="0"/>
               </a:rPr>
               <a:t>Первичный анализ признаков. Основные признаки были визуализированы при помощи графиков и представлены в ноутбуке</a:t>
@@ -6351,24 +6490,16 @@
             </a:pPr>
             <a:r>
               <a:rPr lang="ru-RU" sz="2000" dirty="0">
-                <a:latin typeface="Times New Roman" panose="02020603050405020304" pitchFamily="18" charset="0"/>
+                <a:solidFill>
+                  <a:schemeClr val="bg1">
+                    <a:lumMod val="95000"/>
+                    <a:lumOff val="5000"/>
+                  </a:schemeClr>
+                </a:solidFill>
+                <a:latin typeface="+mj-lt"/>
                 <a:cs typeface="Times New Roman" panose="02020603050405020304" pitchFamily="18" charset="0"/>
               </a:rPr>
-              <a:t>Обработка признаков. Для этой цели были написаны несколько функций, обеспечивающий фильтрацию исходных данных, заполнение пропущенных значений данными </a:t>
-            </a:r>
-            <a:r>
-              <a:rPr lang="ru-RU" sz="2000" dirty="0" err="1">
-                <a:latin typeface="Times New Roman" panose="02020603050405020304" pitchFamily="18" charset="0"/>
-                <a:cs typeface="Times New Roman" panose="02020603050405020304" pitchFamily="18" charset="0"/>
-              </a:rPr>
-              <a:t>усередненными</a:t>
-            </a:r>
-            <a:r>
-              <a:rPr lang="ru-RU" sz="2000" dirty="0">
-                <a:latin typeface="Times New Roman" panose="02020603050405020304" pitchFamily="18" charset="0"/>
-                <a:cs typeface="Times New Roman" panose="02020603050405020304" pitchFamily="18" charset="0"/>
-              </a:rPr>
-              <a:t> по району</a:t>
+              <a:t>Обработка признаков. Для этой цели были написаны несколько функций, обеспечивающий фильтрацию исходных данных, заполнение пропущенных значений данными усреднёнными по району</a:t>
             </a:r>
           </a:p>
           <a:p>
@@ -6377,20 +6508,38 @@
             </a:pPr>
             <a:r>
               <a:rPr lang="ru-RU" sz="2000" dirty="0">
-                <a:latin typeface="Times New Roman" panose="02020603050405020304" pitchFamily="18" charset="0"/>
+                <a:solidFill>
+                  <a:schemeClr val="bg1">
+                    <a:lumMod val="95000"/>
+                    <a:lumOff val="5000"/>
+                  </a:schemeClr>
+                </a:solidFill>
+                <a:latin typeface="+mj-lt"/>
                 <a:cs typeface="Times New Roman" panose="02020603050405020304" pitchFamily="18" charset="0"/>
               </a:rPr>
               <a:t>Первичное обучение модели. Была использована библиотека машинного обучения </a:t>
             </a:r>
             <a:r>
               <a:rPr lang="en-US" sz="2000" dirty="0" err="1">
-                <a:latin typeface="Times New Roman" panose="02020603050405020304" pitchFamily="18" charset="0"/>
+                <a:solidFill>
+                  <a:schemeClr val="bg1">
+                    <a:lumMod val="95000"/>
+                    <a:lumOff val="5000"/>
+                  </a:schemeClr>
+                </a:solidFill>
+                <a:latin typeface="+mj-lt"/>
                 <a:cs typeface="Times New Roman" panose="02020603050405020304" pitchFamily="18" charset="0"/>
               </a:rPr>
               <a:t>CatBoost</a:t>
             </a:r>
-            <a:endParaRPr lang="ru-RU" sz="2000" dirty="0">
-              <a:latin typeface="Times New Roman" panose="02020603050405020304" pitchFamily="18" charset="0"/>
+            <a:endParaRPr lang="en-US" sz="2000" dirty="0">
+              <a:solidFill>
+                <a:schemeClr val="bg1">
+                  <a:lumMod val="95000"/>
+                  <a:lumOff val="5000"/>
+                </a:schemeClr>
+              </a:solidFill>
+              <a:latin typeface="+mj-lt"/>
               <a:cs typeface="Times New Roman" panose="02020603050405020304" pitchFamily="18" charset="0"/>
             </a:endParaRPr>
           </a:p>
@@ -6400,7 +6549,31 @@
             </a:pPr>
             <a:r>
               <a:rPr lang="ru-RU" sz="2000" dirty="0">
-                <a:latin typeface="Times New Roman" panose="02020603050405020304" pitchFamily="18" charset="0"/>
+                <a:solidFill>
+                  <a:schemeClr val="bg1">
+                    <a:lumMod val="95000"/>
+                    <a:lumOff val="5000"/>
+                  </a:schemeClr>
+                </a:solidFill>
+                <a:latin typeface="+mj-lt"/>
+                <a:cs typeface="Times New Roman" panose="02020603050405020304" pitchFamily="18" charset="0"/>
+              </a:rPr>
+              <a:t>На основе обученной модели были выполнены предсказания.</a:t>
+            </a:r>
+          </a:p>
+          <a:p>
+            <a:pPr marL="342900" indent="-342900">
+              <a:buAutoNum type="arabicPeriod"/>
+            </a:pPr>
+            <a:r>
+              <a:rPr lang="ru-RU" sz="2000" dirty="0">
+                <a:solidFill>
+                  <a:schemeClr val="bg1">
+                    <a:lumMod val="95000"/>
+                    <a:lumOff val="5000"/>
+                  </a:schemeClr>
+                </a:solidFill>
+                <a:latin typeface="+mj-lt"/>
                 <a:cs typeface="Times New Roman" panose="02020603050405020304" pitchFamily="18" charset="0"/>
               </a:rPr>
               <a:t>После обучения был проеден анализ важности признаков</a:t>
@@ -6412,21 +6585,39 @@
             </a:pPr>
             <a:r>
               <a:rPr lang="ru-RU" sz="2000" dirty="0">
-                <a:latin typeface="Times New Roman" panose="02020603050405020304" pitchFamily="18" charset="0"/>
+                <a:solidFill>
+                  <a:schemeClr val="bg1">
+                    <a:lumMod val="95000"/>
+                    <a:lumOff val="5000"/>
+                  </a:schemeClr>
+                </a:solidFill>
+                <a:latin typeface="+mj-lt"/>
                 <a:cs typeface="Times New Roman" panose="02020603050405020304" pitchFamily="18" charset="0"/>
               </a:rPr>
               <a:t>По результатам анализа важности признаков исходный </a:t>
             </a:r>
             <a:r>
               <a:rPr lang="ru-RU" sz="2000" dirty="0" err="1">
-                <a:latin typeface="Times New Roman" panose="02020603050405020304" pitchFamily="18" charset="0"/>
+                <a:solidFill>
+                  <a:schemeClr val="bg1">
+                    <a:lumMod val="95000"/>
+                    <a:lumOff val="5000"/>
+                  </a:schemeClr>
+                </a:solidFill>
+                <a:latin typeface="+mj-lt"/>
                 <a:cs typeface="Times New Roman" panose="02020603050405020304" pitchFamily="18" charset="0"/>
               </a:rPr>
               <a:t>датасет</a:t>
             </a:r>
             <a:r>
               <a:rPr lang="ru-RU" sz="2000" dirty="0">
-                <a:latin typeface="Times New Roman" panose="02020603050405020304" pitchFamily="18" charset="0"/>
+                <a:solidFill>
+                  <a:schemeClr val="bg1">
+                    <a:lumMod val="95000"/>
+                    <a:lumOff val="5000"/>
+                  </a:schemeClr>
+                </a:solidFill>
+                <a:latin typeface="+mj-lt"/>
                 <a:cs typeface="Times New Roman" panose="02020603050405020304" pitchFamily="18" charset="0"/>
               </a:rPr>
               <a:t> был трансформирован для удаления признаков имеющих низкую важность.</a:t>
@@ -6438,10 +6629,130 @@
             </a:pPr>
             <a:r>
               <a:rPr lang="ru-RU" sz="2000" dirty="0">
-                <a:latin typeface="Times New Roman" panose="02020603050405020304" pitchFamily="18" charset="0"/>
+                <a:solidFill>
+                  <a:schemeClr val="bg1">
+                    <a:lumMod val="95000"/>
+                    <a:lumOff val="5000"/>
+                  </a:schemeClr>
+                </a:solidFill>
+                <a:latin typeface="+mj-lt"/>
                 <a:cs typeface="Times New Roman" panose="02020603050405020304" pitchFamily="18" charset="0"/>
               </a:rPr>
-              <a:t>С использованием отредактированного набора признаков еще раз была обучена модель и получены финальные предсказания цены.</a:t>
+              <a:t>С использованием отредактированного набора признаков еще раз была обучена модель и получены предсказания цены.</a:t>
+            </a:r>
+          </a:p>
+          <a:p>
+            <a:pPr marL="342900" indent="-342900">
+              <a:buAutoNum type="arabicPeriod"/>
+            </a:pPr>
+            <a:r>
+              <a:rPr lang="ru-RU" sz="2000" dirty="0">
+                <a:solidFill>
+                  <a:schemeClr val="bg1">
+                    <a:lumMod val="95000"/>
+                    <a:lumOff val="5000"/>
+                  </a:schemeClr>
+                </a:solidFill>
+                <a:latin typeface="+mj-lt"/>
+                <a:cs typeface="Times New Roman" panose="02020603050405020304" pitchFamily="18" charset="0"/>
+              </a:rPr>
+              <a:t>Был сформирован обновленный </a:t>
+            </a:r>
+            <a:r>
+              <a:rPr lang="ru-RU" sz="2000" dirty="0" err="1">
+                <a:solidFill>
+                  <a:schemeClr val="bg1">
+                    <a:lumMod val="95000"/>
+                    <a:lumOff val="5000"/>
+                  </a:schemeClr>
+                </a:solidFill>
+                <a:latin typeface="+mj-lt"/>
+                <a:cs typeface="Times New Roman" panose="02020603050405020304" pitchFamily="18" charset="0"/>
+              </a:rPr>
+              <a:t>датасет</a:t>
+            </a:r>
+            <a:r>
+              <a:rPr lang="ru-RU" sz="2000" dirty="0">
+                <a:solidFill>
+                  <a:schemeClr val="bg1">
+                    <a:lumMod val="95000"/>
+                    <a:lumOff val="5000"/>
+                  </a:schemeClr>
+                </a:solidFill>
+                <a:latin typeface="+mj-lt"/>
+                <a:cs typeface="Times New Roman" panose="02020603050405020304" pitchFamily="18" charset="0"/>
+              </a:rPr>
+              <a:t> с использованием макроэкономических показателей. </a:t>
+            </a:r>
+            <a:r>
+              <a:rPr lang="ru-RU" sz="2000" dirty="0" err="1">
+                <a:solidFill>
+                  <a:schemeClr val="bg1">
+                    <a:lumMod val="95000"/>
+                    <a:lumOff val="5000"/>
+                  </a:schemeClr>
+                </a:solidFill>
+                <a:latin typeface="+mj-lt"/>
+                <a:cs typeface="Times New Roman" panose="02020603050405020304" pitchFamily="18" charset="0"/>
+              </a:rPr>
+              <a:t>Датасет</a:t>
+            </a:r>
+            <a:r>
+              <a:rPr lang="ru-RU" sz="2000" dirty="0">
+                <a:solidFill>
+                  <a:schemeClr val="bg1">
+                    <a:lumMod val="95000"/>
+                    <a:lumOff val="5000"/>
+                  </a:schemeClr>
+                </a:solidFill>
+                <a:latin typeface="+mj-lt"/>
+                <a:cs typeface="Times New Roman" panose="02020603050405020304" pitchFamily="18" charset="0"/>
+              </a:rPr>
+              <a:t> был обработан  и на основании этого </a:t>
+            </a:r>
+            <a:r>
+              <a:rPr lang="ru-RU" sz="2000" dirty="0" err="1">
+                <a:solidFill>
+                  <a:schemeClr val="bg1">
+                    <a:lumMod val="95000"/>
+                    <a:lumOff val="5000"/>
+                  </a:schemeClr>
+                </a:solidFill>
+                <a:latin typeface="+mj-lt"/>
+                <a:cs typeface="Times New Roman" panose="02020603050405020304" pitchFamily="18" charset="0"/>
+              </a:rPr>
+              <a:t>датасета</a:t>
+            </a:r>
+            <a:r>
+              <a:rPr lang="ru-RU" sz="2000" dirty="0">
+                <a:solidFill>
+                  <a:schemeClr val="bg1">
+                    <a:lumMod val="95000"/>
+                    <a:lumOff val="5000"/>
+                  </a:schemeClr>
+                </a:solidFill>
+                <a:latin typeface="+mj-lt"/>
+                <a:cs typeface="Times New Roman" panose="02020603050405020304" pitchFamily="18" charset="0"/>
+              </a:rPr>
+              <a:t> была обучена модель и получены предсказания.</a:t>
+            </a:r>
+          </a:p>
+          <a:p>
+            <a:pPr marL="342900" indent="-342900">
+              <a:buAutoNum type="arabicPeriod"/>
+            </a:pPr>
+            <a:r>
+              <a:rPr lang="ru-RU" sz="2000" dirty="0">
+                <a:solidFill>
+                  <a:schemeClr val="bg1">
+                    <a:lumMod val="95000"/>
+                    <a:lumOff val="5000"/>
+                  </a:schemeClr>
+                </a:solidFill>
+                <a:latin typeface="+mj-lt"/>
+                <a:cs typeface="Times New Roman" panose="02020603050405020304" pitchFamily="18" charset="0"/>
+              </a:rPr>
+              <a:t>Было выполнено сравнение результатов, полученных для трех вариантов модели.</a:t>
             </a:r>
           </a:p>
         </p:txBody>
@@ -7968,8 +8279,8 @@
         </p:nvSpPr>
         <p:spPr>
           <a:xfrm>
-            <a:off x="1129004" y="578498"/>
-            <a:ext cx="4282751" cy="369332"/>
+            <a:off x="1268963" y="550506"/>
+            <a:ext cx="4282751" cy="461665"/>
           </a:xfrm>
           <a:prstGeom prst="rect">
             <a:avLst/>
@@ -7983,10 +8294,242 @@
           <a:lstStyle/>
           <a:p>
             <a:r>
-              <a:rPr lang="ru-RU" dirty="0"/>
+              <a:rPr lang="ru-RU" sz="2400" b="1" dirty="0">
+                <a:solidFill>
+                  <a:schemeClr val="bg1">
+                    <a:lumMod val="95000"/>
+                    <a:lumOff val="5000"/>
+                  </a:schemeClr>
+                </a:solidFill>
+              </a:rPr>
               <a:t>Выводы</a:t>
             </a:r>
-            <a:endParaRPr lang="en-US" dirty="0"/>
+            <a:endParaRPr lang="en-US" sz="2400" b="1" dirty="0">
+              <a:solidFill>
+                <a:schemeClr val="bg1">
+                  <a:lumMod val="95000"/>
+                  <a:lumOff val="5000"/>
+                </a:schemeClr>
+              </a:solidFill>
+            </a:endParaRPr>
+          </a:p>
+        </p:txBody>
+      </p:sp>
+      <p:sp>
+        <p:nvSpPr>
+          <p:cNvPr id="3" name="TextBox 2">
+            <a:extLst>
+              <a:ext uri="{FF2B5EF4-FFF2-40B4-BE49-F238E27FC236}">
+                <a16:creationId xmlns:a16="http://schemas.microsoft.com/office/drawing/2014/main" id="{827DD0E9-1E1D-C124-8CF9-FB1BC000837A}"/>
+              </a:ext>
+            </a:extLst>
+          </p:cNvPr>
+          <p:cNvSpPr txBox="1"/>
+          <p:nvPr/>
+        </p:nvSpPr>
+        <p:spPr>
+          <a:xfrm>
+            <a:off x="1268963" y="1278294"/>
+            <a:ext cx="8145625" cy="3970318"/>
+          </a:xfrm>
+          <a:prstGeom prst="rect">
+            <a:avLst/>
+          </a:prstGeom>
+          <a:noFill/>
+        </p:spPr>
+        <p:txBody>
+          <a:bodyPr wrap="square" rtlCol="0">
+            <a:spAutoFit/>
+          </a:bodyPr>
+          <a:lstStyle/>
+          <a:p>
+            <a:r>
+              <a:rPr lang="ru-RU" dirty="0">
+                <a:solidFill>
+                  <a:schemeClr val="bg1">
+                    <a:lumMod val="95000"/>
+                    <a:lumOff val="5000"/>
+                  </a:schemeClr>
+                </a:solidFill>
+              </a:rPr>
+              <a:t>На основании полученных результатов можно попробовать сделать несколько выводов:</a:t>
+            </a:r>
+          </a:p>
+          <a:p>
+            <a:pPr marL="342900" indent="-342900">
+              <a:buAutoNum type="arabicPeriod"/>
+            </a:pPr>
+            <a:r>
+              <a:rPr lang="ru-RU" dirty="0">
+                <a:solidFill>
+                  <a:schemeClr val="bg1">
+                    <a:lumMod val="95000"/>
+                    <a:lumOff val="5000"/>
+                  </a:schemeClr>
+                </a:solidFill>
+              </a:rPr>
+              <a:t>Полученные результаты говорят о возможности применения машинного обучения для решения подобных задач.</a:t>
+            </a:r>
+          </a:p>
+          <a:p>
+            <a:pPr marL="342900" indent="-342900">
+              <a:buAutoNum type="arabicPeriod"/>
+            </a:pPr>
+            <a:r>
+              <a:rPr lang="ru-RU" dirty="0">
+                <a:solidFill>
+                  <a:schemeClr val="bg1">
+                    <a:lumMod val="95000"/>
+                    <a:lumOff val="5000"/>
+                  </a:schemeClr>
+                </a:solidFill>
+              </a:rPr>
+              <a:t>Точность модели далеко не всегда зависит от количества признаков учитываемых при обучении модели</a:t>
+            </a:r>
+          </a:p>
+          <a:p>
+            <a:pPr marL="342900" indent="-342900">
+              <a:buAutoNum type="arabicPeriod"/>
+            </a:pPr>
+            <a:r>
+              <a:rPr lang="ru-RU" dirty="0">
+                <a:solidFill>
+                  <a:schemeClr val="bg1">
+                    <a:lumMod val="95000"/>
+                    <a:lumOff val="5000"/>
+                  </a:schemeClr>
+                </a:solidFill>
+              </a:rPr>
+              <a:t>Размер </a:t>
+            </a:r>
+            <a:r>
+              <a:rPr lang="ru-RU" dirty="0" err="1">
+                <a:solidFill>
+                  <a:schemeClr val="bg1">
+                    <a:lumMod val="95000"/>
+                    <a:lumOff val="5000"/>
+                  </a:schemeClr>
+                </a:solidFill>
+              </a:rPr>
+              <a:t>датасета</a:t>
+            </a:r>
+            <a:r>
+              <a:rPr lang="ru-RU" dirty="0">
+                <a:solidFill>
+                  <a:schemeClr val="bg1">
+                    <a:lumMod val="95000"/>
+                    <a:lumOff val="5000"/>
+                  </a:schemeClr>
+                </a:solidFill>
+              </a:rPr>
+              <a:t> напрямую влияет на достоверность результатов и точность предсказания.</a:t>
+            </a:r>
+          </a:p>
+          <a:p>
+            <a:pPr marL="342900" indent="-342900">
+              <a:buAutoNum type="arabicPeriod"/>
+            </a:pPr>
+            <a:r>
+              <a:rPr lang="ru-RU" dirty="0">
+                <a:solidFill>
+                  <a:schemeClr val="bg1">
+                    <a:lumMod val="95000"/>
+                    <a:lumOff val="5000"/>
+                  </a:schemeClr>
+                </a:solidFill>
+              </a:rPr>
+              <a:t>Качество предсказаний в значительной степени зависит от примененных методов </a:t>
+            </a:r>
+            <a:r>
+              <a:rPr lang="ru-RU" dirty="0" err="1">
+                <a:solidFill>
+                  <a:schemeClr val="bg1">
+                    <a:lumMod val="95000"/>
+                    <a:lumOff val="5000"/>
+                  </a:schemeClr>
+                </a:solidFill>
+              </a:rPr>
+              <a:t>препроцессинга</a:t>
+            </a:r>
+            <a:r>
+              <a:rPr lang="ru-RU" dirty="0">
+                <a:solidFill>
+                  <a:schemeClr val="bg1">
+                    <a:lumMod val="95000"/>
+                    <a:lumOff val="5000"/>
+                  </a:schemeClr>
+                </a:solidFill>
+              </a:rPr>
+              <a:t> для </a:t>
+            </a:r>
+            <a:r>
+              <a:rPr lang="ru-RU" dirty="0" err="1">
+                <a:solidFill>
+                  <a:schemeClr val="bg1">
+                    <a:lumMod val="95000"/>
+                    <a:lumOff val="5000"/>
+                  </a:schemeClr>
+                </a:solidFill>
+              </a:rPr>
+              <a:t>датасета</a:t>
+            </a:r>
+            <a:r>
+              <a:rPr lang="ru-RU" dirty="0">
+                <a:solidFill>
+                  <a:schemeClr val="bg1">
+                    <a:lumMod val="95000"/>
+                    <a:lumOff val="5000"/>
+                  </a:schemeClr>
+                </a:solidFill>
+              </a:rPr>
+              <a:t>. Наличие оставленных выбросов или наоборот, слишком сглаженные графики распределения </a:t>
+            </a:r>
+            <a:r>
+              <a:rPr lang="ru-RU" dirty="0" err="1">
+                <a:solidFill>
+                  <a:schemeClr val="bg1">
+                    <a:lumMod val="95000"/>
+                    <a:lumOff val="5000"/>
+                  </a:schemeClr>
+                </a:solidFill>
+              </a:rPr>
+              <a:t>еличин</a:t>
+            </a:r>
+            <a:r>
+              <a:rPr lang="ru-RU" dirty="0">
+                <a:solidFill>
+                  <a:schemeClr val="bg1">
+                    <a:lumMod val="95000"/>
+                    <a:lumOff val="5000"/>
+                  </a:schemeClr>
+                </a:solidFill>
+              </a:rPr>
+              <a:t> способны значительно ухудшить точность предсказания.</a:t>
+            </a:r>
+          </a:p>
+          <a:p>
+            <a:pPr marL="342900" indent="-342900">
+              <a:buAutoNum type="arabicPeriod"/>
+            </a:pPr>
+            <a:r>
+              <a:rPr lang="ru-RU" dirty="0">
+                <a:solidFill>
+                  <a:schemeClr val="bg1">
+                    <a:lumMod val="95000"/>
+                    <a:lumOff val="5000"/>
+                  </a:schemeClr>
+                </a:solidFill>
+              </a:rPr>
+              <a:t>Полученная величина предсказания является ориентировочной.</a:t>
+            </a:r>
+            <a:endParaRPr lang="en-US" dirty="0">
+              <a:solidFill>
+                <a:schemeClr val="bg1">
+                  <a:lumMod val="95000"/>
+                  <a:lumOff val="5000"/>
+                </a:schemeClr>
+              </a:solidFill>
+            </a:endParaRPr>
           </a:p>
         </p:txBody>
       </p:sp>

--- a/Final_project_presentation.pptx
+++ b/Final_project_presentation.pptx
@@ -309,7 +309,7 @@
           <a:p>
             <a:fld id="{040172E9-3018-4399-AF48-14950ACD53D7}" type="datetimeFigureOut">
               <a:rPr lang="en-US" smtClean="0"/>
-              <a:t>7/19/2022</a:t>
+              <a:t>7/24/2022</a:t>
             </a:fld>
             <a:endParaRPr lang="en-US"/>
           </a:p>
@@ -745,7 +745,7 @@
           <a:p>
             <a:fld id="{040172E9-3018-4399-AF48-14950ACD53D7}" type="datetimeFigureOut">
               <a:rPr lang="en-US" smtClean="0"/>
-              <a:t>7/19/2022</a:t>
+              <a:t>7/24/2022</a:t>
             </a:fld>
             <a:endParaRPr lang="en-US"/>
           </a:p>
@@ -995,7 +995,7 @@
           <a:p>
             <a:fld id="{040172E9-3018-4399-AF48-14950ACD53D7}" type="datetimeFigureOut">
               <a:rPr lang="en-US" smtClean="0"/>
-              <a:t>7/19/2022</a:t>
+              <a:t>7/24/2022</a:t>
             </a:fld>
             <a:endParaRPr lang="en-US"/>
           </a:p>
@@ -1303,7 +1303,7 @@
           <a:p>
             <a:fld id="{040172E9-3018-4399-AF48-14950ACD53D7}" type="datetimeFigureOut">
               <a:rPr lang="en-US" smtClean="0"/>
-              <a:t>7/19/2022</a:t>
+              <a:t>7/24/2022</a:t>
             </a:fld>
             <a:endParaRPr lang="en-US"/>
           </a:p>
@@ -1621,7 +1621,7 @@
           <a:p>
             <a:fld id="{040172E9-3018-4399-AF48-14950ACD53D7}" type="datetimeFigureOut">
               <a:rPr lang="en-US" smtClean="0"/>
-              <a:t>7/19/2022</a:t>
+              <a:t>7/24/2022</a:t>
             </a:fld>
             <a:endParaRPr lang="en-US"/>
           </a:p>
@@ -1923,7 +1923,7 @@
           <a:p>
             <a:fld id="{040172E9-3018-4399-AF48-14950ACD53D7}" type="datetimeFigureOut">
               <a:rPr lang="en-US" smtClean="0"/>
-              <a:t>7/19/2022</a:t>
+              <a:t>7/24/2022</a:t>
             </a:fld>
             <a:endParaRPr lang="en-US"/>
           </a:p>
@@ -2290,7 +2290,7 @@
           <a:p>
             <a:fld id="{040172E9-3018-4399-AF48-14950ACD53D7}" type="datetimeFigureOut">
               <a:rPr lang="en-US" smtClean="0"/>
-              <a:t>7/19/2022</a:t>
+              <a:t>7/24/2022</a:t>
             </a:fld>
             <a:endParaRPr lang="en-US"/>
           </a:p>
@@ -2464,7 +2464,7 @@
           <a:p>
             <a:fld id="{040172E9-3018-4399-AF48-14950ACD53D7}" type="datetimeFigureOut">
               <a:rPr lang="en-US" smtClean="0"/>
-              <a:t>7/19/2022</a:t>
+              <a:t>7/24/2022</a:t>
             </a:fld>
             <a:endParaRPr lang="en-US"/>
           </a:p>
@@ -2644,7 +2644,7 @@
           <a:p>
             <a:fld id="{040172E9-3018-4399-AF48-14950ACD53D7}" type="datetimeFigureOut">
               <a:rPr lang="en-US" smtClean="0"/>
-              <a:t>7/19/2022</a:t>
+              <a:t>7/24/2022</a:t>
             </a:fld>
             <a:endParaRPr lang="en-US"/>
           </a:p>
@@ -2814,7 +2814,7 @@
           <a:p>
             <a:fld id="{040172E9-3018-4399-AF48-14950ACD53D7}" type="datetimeFigureOut">
               <a:rPr lang="en-US" smtClean="0"/>
-              <a:t>7/19/2022</a:t>
+              <a:t>7/24/2022</a:t>
             </a:fld>
             <a:endParaRPr lang="en-US"/>
           </a:p>
@@ -3064,7 +3064,7 @@
           <a:p>
             <a:fld id="{040172E9-3018-4399-AF48-14950ACD53D7}" type="datetimeFigureOut">
               <a:rPr lang="en-US" smtClean="0"/>
-              <a:t>7/19/2022</a:t>
+              <a:t>7/24/2022</a:t>
             </a:fld>
             <a:endParaRPr lang="en-US"/>
           </a:p>
@@ -3300,7 +3300,7 @@
           <a:p>
             <a:fld id="{040172E9-3018-4399-AF48-14950ACD53D7}" type="datetimeFigureOut">
               <a:rPr lang="en-US" smtClean="0"/>
-              <a:t>7/19/2022</a:t>
+              <a:t>7/24/2022</a:t>
             </a:fld>
             <a:endParaRPr lang="en-US"/>
           </a:p>
@@ -3682,7 +3682,7 @@
           <a:p>
             <a:fld id="{040172E9-3018-4399-AF48-14950ACD53D7}" type="datetimeFigureOut">
               <a:rPr lang="en-US" smtClean="0"/>
-              <a:t>7/19/2022</a:t>
+              <a:t>7/24/2022</a:t>
             </a:fld>
             <a:endParaRPr lang="en-US"/>
           </a:p>
@@ -3800,7 +3800,7 @@
           <a:p>
             <a:fld id="{040172E9-3018-4399-AF48-14950ACD53D7}" type="datetimeFigureOut">
               <a:rPr lang="en-US" smtClean="0"/>
-              <a:t>7/19/2022</a:t>
+              <a:t>7/24/2022</a:t>
             </a:fld>
             <a:endParaRPr lang="en-US"/>
           </a:p>
@@ -3895,7 +3895,7 @@
           <a:p>
             <a:fld id="{040172E9-3018-4399-AF48-14950ACD53D7}" type="datetimeFigureOut">
               <a:rPr lang="en-US" smtClean="0"/>
-              <a:t>7/19/2022</a:t>
+              <a:t>7/24/2022</a:t>
             </a:fld>
             <a:endParaRPr lang="en-US"/>
           </a:p>
@@ -4150,7 +4150,7 @@
           <a:p>
             <a:fld id="{040172E9-3018-4399-AF48-14950ACD53D7}" type="datetimeFigureOut">
               <a:rPr lang="en-US" smtClean="0"/>
-              <a:t>7/19/2022</a:t>
+              <a:t>7/24/2022</a:t>
             </a:fld>
             <a:endParaRPr lang="en-US"/>
           </a:p>
@@ -4433,7 +4433,7 @@
           <a:p>
             <a:fld id="{040172E9-3018-4399-AF48-14950ACD53D7}" type="datetimeFigureOut">
               <a:rPr lang="en-US" smtClean="0"/>
-              <a:t>7/19/2022</a:t>
+              <a:t>7/24/2022</a:t>
             </a:fld>
             <a:endParaRPr lang="en-US"/>
           </a:p>
@@ -4839,7 +4839,7 @@
           <a:p>
             <a:fld id="{040172E9-3018-4399-AF48-14950ACD53D7}" type="datetimeFigureOut">
               <a:rPr lang="en-US" smtClean="0"/>
-              <a:t>7/19/2022</a:t>
+              <a:t>7/24/2022</a:t>
             </a:fld>
             <a:endParaRPr lang="en-US"/>
           </a:p>
@@ -5424,7 +5424,27 @@
                 <a:latin typeface="Aero Matics" panose="020B0803060101010101" pitchFamily="34" charset="-128"/>
                 <a:ea typeface="Aero Matics" panose="020B0803060101010101" pitchFamily="34" charset="-128"/>
               </a:rPr>
-              <a:t>Предсказание цены недвижимости</a:t>
+              <a:t>Предсказание </a:t>
+            </a:r>
+            <a:r>
+              <a:rPr lang="ru-RU" sz="5400" b="1" dirty="0" err="1">
+                <a:solidFill>
+                  <a:srgbClr val="002060"/>
+                </a:solidFill>
+                <a:latin typeface="Aero Matics" panose="020B0803060101010101" pitchFamily="34" charset="-128"/>
+                <a:ea typeface="Aero Matics" panose="020B0803060101010101" pitchFamily="34" charset="-128"/>
+              </a:rPr>
+              <a:t>ценЬ</a:t>
+            </a:r>
+            <a:r>
+              <a:rPr lang="ru-RU" sz="5400" b="1" dirty="0">
+                <a:solidFill>
+                  <a:srgbClr val="002060"/>
+                </a:solidFill>
+                <a:latin typeface="Aero Matics" panose="020B0803060101010101" pitchFamily="34" charset="-128"/>
+                <a:ea typeface="Aero Matics" panose="020B0803060101010101" pitchFamily="34" charset="-128"/>
+              </a:rPr>
+              <a:t> недвижимости</a:t>
             </a:r>
             <a:endParaRPr lang="en-US" sz="5400" b="1" dirty="0">
               <a:solidFill>
@@ -5869,7 +5889,7 @@
                 <a:solidFill>
                   <a:srgbClr val="002060"/>
                 </a:solidFill>
-                <a:latin typeface="Aero Matics" panose="020B0803060101010101" pitchFamily="34" charset="-128"/>
+                <a:latin typeface="AllodsWest" panose="02000000000000000000" pitchFamily="2" charset="0"/>
                 <a:ea typeface="Aero Matics" panose="020B0803060101010101" pitchFamily="34" charset="-128"/>
                 <a:cs typeface="Times New Roman" panose="02020603050405020304" pitchFamily="18" charset="0"/>
               </a:rPr>
@@ -5884,7 +5904,7 @@
               <a:solidFill>
                 <a:srgbClr val="002060"/>
               </a:solidFill>
-              <a:latin typeface="Aero Matics" panose="020B0803060101010101" pitchFamily="34" charset="-128"/>
+              <a:latin typeface="AllodsWest" panose="02000000000000000000" pitchFamily="2" charset="0"/>
               <a:ea typeface="Aero Matics" panose="020B0803060101010101" pitchFamily="34" charset="-128"/>
               <a:cs typeface="Times New Roman" panose="02020603050405020304" pitchFamily="18" charset="0"/>
             </a:endParaRPr>
@@ -5898,7 +5918,7 @@
                 <a:solidFill>
                   <a:srgbClr val="002060"/>
                 </a:solidFill>
-                <a:latin typeface="Aero Matics" panose="020B0803060101010101" pitchFamily="34" charset="-128"/>
+                <a:latin typeface="AllodsWest" panose="02000000000000000000" pitchFamily="2" charset="0"/>
                 <a:ea typeface="Aero Matics" panose="020B0803060101010101" pitchFamily="34" charset="-128"/>
                 <a:cs typeface="Times New Roman" panose="02020603050405020304" pitchFamily="18" charset="0"/>
               </a:rPr>
@@ -5909,7 +5929,7 @@
                 <a:solidFill>
                   <a:srgbClr val="002060"/>
                 </a:solidFill>
-                <a:latin typeface="Aero Matics" panose="020B0803060101010101" pitchFamily="34" charset="-128"/>
+                <a:latin typeface="AllodsWest" panose="02000000000000000000" pitchFamily="2" charset="0"/>
                 <a:ea typeface="Aero Matics" panose="020B0803060101010101" pitchFamily="34" charset="-128"/>
                 <a:cs typeface="Times New Roman" panose="02020603050405020304" pitchFamily="18" charset="0"/>
               </a:rPr>
@@ -5920,7 +5940,7 @@
                 <a:solidFill>
                   <a:srgbClr val="002060"/>
                 </a:solidFill>
-                <a:latin typeface="Aero Matics" panose="020B0803060101010101" pitchFamily="34" charset="-128"/>
+                <a:latin typeface="AllodsWest" panose="02000000000000000000" pitchFamily="2" charset="0"/>
                 <a:ea typeface="Aero Matics" panose="020B0803060101010101" pitchFamily="34" charset="-128"/>
                 <a:cs typeface="Times New Roman" panose="02020603050405020304" pitchFamily="18" charset="0"/>
               </a:rPr>
@@ -5931,7 +5951,7 @@
                 <a:solidFill>
                   <a:srgbClr val="002060"/>
                 </a:solidFill>
-                <a:latin typeface="Aero Matics" panose="020B0803060101010101" pitchFamily="34" charset="-128"/>
+                <a:latin typeface="AllodsWest" panose="02000000000000000000" pitchFamily="2" charset="0"/>
                 <a:ea typeface="Aero Matics" panose="020B0803060101010101" pitchFamily="34" charset="-128"/>
                 <a:cs typeface="Times New Roman" panose="02020603050405020304" pitchFamily="18" charset="0"/>
               </a:rPr>
@@ -5942,7 +5962,7 @@
                 <a:solidFill>
                   <a:srgbClr val="002060"/>
                 </a:solidFill>
-                <a:latin typeface="Aero Matics" panose="020B0803060101010101" pitchFamily="34" charset="-128"/>
+                <a:latin typeface="AllodsWest" panose="02000000000000000000" pitchFamily="2" charset="0"/>
                 <a:ea typeface="Aero Matics" panose="020B0803060101010101" pitchFamily="34" charset="-128"/>
                 <a:cs typeface="Times New Roman" panose="02020603050405020304" pitchFamily="18" charset="0"/>
               </a:rPr>
@@ -5958,7 +5978,7 @@
                 <a:solidFill>
                   <a:srgbClr val="002060"/>
                 </a:solidFill>
-                <a:latin typeface="Aero Matics" panose="020B0803060101010101" pitchFamily="34" charset="-128"/>
+                <a:latin typeface="AllodsWest" panose="02000000000000000000" pitchFamily="2" charset="0"/>
                 <a:ea typeface="Aero Matics" panose="020B0803060101010101" pitchFamily="34" charset="-128"/>
                 <a:cs typeface="Times New Roman" panose="02020603050405020304" pitchFamily="18" charset="0"/>
               </a:rPr>
@@ -5969,7 +5989,7 @@
                 <a:solidFill>
                   <a:srgbClr val="002060"/>
                 </a:solidFill>
-                <a:latin typeface="Aero Matics" panose="020B0803060101010101" pitchFamily="34" charset="-128"/>
+                <a:latin typeface="AllodsWest" panose="02000000000000000000" pitchFamily="2" charset="0"/>
                 <a:ea typeface="Aero Matics" panose="020B0803060101010101" pitchFamily="34" charset="-128"/>
                 <a:cs typeface="Times New Roman" panose="02020603050405020304" pitchFamily="18" charset="0"/>
               </a:rPr>
@@ -5980,7 +6000,7 @@
                 <a:solidFill>
                   <a:srgbClr val="002060"/>
                 </a:solidFill>
-                <a:latin typeface="Aero Matics" panose="020B0803060101010101" pitchFamily="34" charset="-128"/>
+                <a:latin typeface="AllodsWest" panose="02000000000000000000" pitchFamily="2" charset="0"/>
                 <a:ea typeface="Aero Matics" panose="020B0803060101010101" pitchFamily="34" charset="-128"/>
                 <a:cs typeface="Times New Roman" panose="02020603050405020304" pitchFamily="18" charset="0"/>
               </a:rPr>
@@ -5996,7 +6016,7 @@
                 <a:solidFill>
                   <a:srgbClr val="002060"/>
                 </a:solidFill>
-                <a:latin typeface="Aero Matics" panose="020B0803060101010101" pitchFamily="34" charset="-128"/>
+                <a:latin typeface="AllodsWest" panose="02000000000000000000" pitchFamily="2" charset="0"/>
                 <a:ea typeface="Aero Matics" panose="020B0803060101010101" pitchFamily="34" charset="-128"/>
                 <a:cs typeface="Times New Roman" panose="02020603050405020304" pitchFamily="18" charset="0"/>
               </a:rPr>
@@ -6007,7 +6027,7 @@
                 <a:solidFill>
                   <a:srgbClr val="002060"/>
                 </a:solidFill>
-                <a:latin typeface="Aero Matics" panose="020B0803060101010101" pitchFamily="34" charset="-128"/>
+                <a:latin typeface="AllodsWest" panose="02000000000000000000" pitchFamily="2" charset="0"/>
                 <a:ea typeface="Aero Matics" panose="020B0803060101010101" pitchFamily="34" charset="-128"/>
                 <a:cs typeface="Times New Roman" panose="02020603050405020304" pitchFamily="18" charset="0"/>
               </a:rPr>
@@ -6018,7 +6038,7 @@
                 <a:solidFill>
                   <a:srgbClr val="002060"/>
                 </a:solidFill>
-                <a:latin typeface="Aero Matics" panose="020B0803060101010101" pitchFamily="34" charset="-128"/>
+                <a:latin typeface="AllodsWest" panose="02000000000000000000" pitchFamily="2" charset="0"/>
                 <a:ea typeface="Aero Matics" panose="020B0803060101010101" pitchFamily="34" charset="-128"/>
                 <a:cs typeface="Times New Roman" panose="02020603050405020304" pitchFamily="18" charset="0"/>
               </a:rPr>
@@ -6029,7 +6049,7 @@
                 <a:solidFill>
                   <a:srgbClr val="002060"/>
                 </a:solidFill>
-                <a:latin typeface="Aero Matics" panose="020B0803060101010101" pitchFamily="34" charset="-128"/>
+                <a:latin typeface="AllodsWest" panose="02000000000000000000" pitchFamily="2" charset="0"/>
                 <a:ea typeface="Aero Matics" panose="020B0803060101010101" pitchFamily="34" charset="-128"/>
                 <a:cs typeface="Times New Roman" panose="02020603050405020304" pitchFamily="18" charset="0"/>
               </a:rPr>
@@ -6040,7 +6060,7 @@
                 <a:solidFill>
                   <a:srgbClr val="002060"/>
                 </a:solidFill>
-                <a:latin typeface="Aero Matics" panose="020B0803060101010101" pitchFamily="34" charset="-128"/>
+                <a:latin typeface="AllodsWest" panose="02000000000000000000" pitchFamily="2" charset="0"/>
                 <a:ea typeface="Aero Matics" panose="020B0803060101010101" pitchFamily="34" charset="-128"/>
                 <a:cs typeface="Times New Roman" panose="02020603050405020304" pitchFamily="18" charset="0"/>
               </a:rPr>
@@ -6051,7 +6071,7 @@
                 <a:solidFill>
                   <a:srgbClr val="002060"/>
                 </a:solidFill>
-                <a:latin typeface="Aero Matics" panose="020B0803060101010101" pitchFamily="34" charset="-128"/>
+                <a:latin typeface="AllodsWest" panose="02000000000000000000" pitchFamily="2" charset="0"/>
                 <a:ea typeface="Aero Matics" panose="020B0803060101010101" pitchFamily="34" charset="-128"/>
                 <a:cs typeface="Times New Roman" panose="02020603050405020304" pitchFamily="18" charset="0"/>
               </a:rPr>
@@ -6062,7 +6082,7 @@
                 <a:solidFill>
                   <a:srgbClr val="002060"/>
                 </a:solidFill>
-                <a:latin typeface="Aero Matics" panose="020B0803060101010101" pitchFamily="34" charset="-128"/>
+                <a:latin typeface="AllodsWest" panose="02000000000000000000" pitchFamily="2" charset="0"/>
                 <a:ea typeface="Aero Matics" panose="020B0803060101010101" pitchFamily="34" charset="-128"/>
                 <a:cs typeface="Times New Roman" panose="02020603050405020304" pitchFamily="18" charset="0"/>
               </a:rPr>
@@ -6073,7 +6093,7 @@
                 <a:solidFill>
                   <a:srgbClr val="002060"/>
                 </a:solidFill>
-                <a:latin typeface="Aero Matics" panose="020B0803060101010101" pitchFamily="34" charset="-128"/>
+                <a:latin typeface="AllodsWest" panose="02000000000000000000" pitchFamily="2" charset="0"/>
                 <a:ea typeface="Aero Matics" panose="020B0803060101010101" pitchFamily="34" charset="-128"/>
                 <a:cs typeface="Times New Roman" panose="02020603050405020304" pitchFamily="18" charset="0"/>
               </a:rPr>
@@ -6083,7 +6103,7 @@
               <a:solidFill>
                 <a:srgbClr val="002060"/>
               </a:solidFill>
-              <a:latin typeface="Aero Matics" panose="020B0803060101010101" pitchFamily="34" charset="-128"/>
+              <a:latin typeface="AllodsWest" panose="02000000000000000000" pitchFamily="2" charset="0"/>
               <a:ea typeface="Aero Matics" panose="020B0803060101010101" pitchFamily="34" charset="-128"/>
               <a:cs typeface="Times New Roman" panose="02020603050405020304" pitchFamily="18" charset="0"/>
             </a:endParaRPr>
@@ -6096,7 +6116,7 @@
               <a:solidFill>
                 <a:srgbClr val="002060"/>
               </a:solidFill>
-              <a:latin typeface="Aero Matics" panose="020B0803060101010101" pitchFamily="34" charset="-128"/>
+              <a:latin typeface="AllodsWest" panose="02000000000000000000" pitchFamily="2" charset="0"/>
               <a:ea typeface="Aero Matics" panose="020B0803060101010101" pitchFamily="34" charset="-128"/>
               <a:cs typeface="Times New Roman" panose="02020603050405020304" pitchFamily="18" charset="0"/>
             </a:endParaRPr>
@@ -6110,7 +6130,7 @@
                 <a:solidFill>
                   <a:srgbClr val="002060"/>
                 </a:solidFill>
-                <a:latin typeface="Aero Matics" panose="020B0803060101010101" pitchFamily="34" charset="-128"/>
+                <a:latin typeface="AllodsWest" panose="02000000000000000000" pitchFamily="2" charset="0"/>
                 <a:ea typeface="Aero Matics" panose="020B0803060101010101" pitchFamily="34" charset="-128"/>
                 <a:cs typeface="Times New Roman" panose="02020603050405020304" pitchFamily="18" charset="0"/>
               </a:rPr>
@@ -6121,7 +6141,7 @@
                 <a:solidFill>
                   <a:srgbClr val="002060"/>
                 </a:solidFill>
-                <a:latin typeface="Aero Matics" panose="020B0803060101010101" pitchFamily="34" charset="-128"/>
+                <a:latin typeface="AllodsWest" panose="02000000000000000000" pitchFamily="2" charset="0"/>
                 <a:ea typeface="Aero Matics" panose="020B0803060101010101" pitchFamily="34" charset="-128"/>
                 <a:cs typeface="Times New Roman" panose="02020603050405020304" pitchFamily="18" charset="0"/>
               </a:rPr>
@@ -6132,7 +6152,7 @@
                 <a:solidFill>
                   <a:srgbClr val="002060"/>
                 </a:solidFill>
-                <a:latin typeface="Aero Matics" panose="020B0803060101010101" pitchFamily="34" charset="-128"/>
+                <a:latin typeface="AllodsWest" panose="02000000000000000000" pitchFamily="2" charset="0"/>
                 <a:ea typeface="Aero Matics" panose="020B0803060101010101" pitchFamily="34" charset="-128"/>
                 <a:cs typeface="Times New Roman" panose="02020603050405020304" pitchFamily="18" charset="0"/>
               </a:rPr>
@@ -6439,7 +6459,7 @@
         <p:spPr>
           <a:xfrm>
             <a:off x="438539" y="766732"/>
-            <a:ext cx="11000792" cy="5632311"/>
+            <a:ext cx="11000792" cy="5078313"/>
           </a:xfrm>
           <a:prstGeom prst="rect">
             <a:avLst/>
@@ -6453,14 +6473,14 @@
           <a:lstStyle/>
           <a:p>
             <a:r>
-              <a:rPr lang="ru-RU" sz="2000" dirty="0">
+              <a:rPr lang="ru-RU" dirty="0">
                 <a:solidFill>
                   <a:schemeClr val="bg1">
                     <a:lumMod val="95000"/>
                     <a:lumOff val="5000"/>
                   </a:schemeClr>
                 </a:solidFill>
-                <a:latin typeface="+mj-lt"/>
+                <a:latin typeface="AllodsWest" panose="02000000000000000000" pitchFamily="2" charset="0"/>
                 <a:cs typeface="Times New Roman" panose="02020603050405020304" pitchFamily="18" charset="0"/>
               </a:rPr>
               <a:t>Выполнение работы проводилось в несколько этапов:</a:t>
@@ -6471,14 +6491,14 @@
               <a:buAutoNum type="arabicPeriod"/>
             </a:pPr>
             <a:r>
-              <a:rPr lang="ru-RU" sz="2000" dirty="0">
+              <a:rPr lang="ru-RU" dirty="0">
                 <a:solidFill>
                   <a:schemeClr val="bg1">
                     <a:lumMod val="95000"/>
                     <a:lumOff val="5000"/>
                   </a:schemeClr>
                 </a:solidFill>
-                <a:latin typeface="+mj-lt"/>
+                <a:latin typeface="AllodsWest" panose="02000000000000000000" pitchFamily="2" charset="0"/>
                 <a:cs typeface="Times New Roman" panose="02020603050405020304" pitchFamily="18" charset="0"/>
               </a:rPr>
               <a:t>Первичный анализ признаков. Основные признаки были визуализированы при помощи графиков и представлены в ноутбуке</a:t>
@@ -6489,14 +6509,14 @@
               <a:buAutoNum type="arabicPeriod"/>
             </a:pPr>
             <a:r>
-              <a:rPr lang="ru-RU" sz="2000" dirty="0">
+              <a:rPr lang="ru-RU" dirty="0">
                 <a:solidFill>
                   <a:schemeClr val="bg1">
                     <a:lumMod val="95000"/>
                     <a:lumOff val="5000"/>
                   </a:schemeClr>
                 </a:solidFill>
-                <a:latin typeface="+mj-lt"/>
+                <a:latin typeface="AllodsWest" panose="02000000000000000000" pitchFamily="2" charset="0"/>
                 <a:cs typeface="Times New Roman" panose="02020603050405020304" pitchFamily="18" charset="0"/>
               </a:rPr>
               <a:t>Обработка признаков. Для этой цели были написаны несколько функций, обеспечивающий фильтрацию исходных данных, заполнение пропущенных значений данными усреднёнными по району</a:t>
@@ -6507,39 +6527,39 @@
               <a:buAutoNum type="arabicPeriod"/>
             </a:pPr>
             <a:r>
-              <a:rPr lang="ru-RU" sz="2000" dirty="0">
+              <a:rPr lang="ru-RU" dirty="0">
                 <a:solidFill>
                   <a:schemeClr val="bg1">
                     <a:lumMod val="95000"/>
                     <a:lumOff val="5000"/>
                   </a:schemeClr>
                 </a:solidFill>
-                <a:latin typeface="+mj-lt"/>
+                <a:latin typeface="AllodsWest" panose="02000000000000000000" pitchFamily="2" charset="0"/>
                 <a:cs typeface="Times New Roman" panose="02020603050405020304" pitchFamily="18" charset="0"/>
               </a:rPr>
               <a:t>Первичное обучение модели. Была использована библиотека машинного обучения </a:t>
             </a:r>
             <a:r>
-              <a:rPr lang="en-US" sz="2000" dirty="0" err="1">
+              <a:rPr lang="en-US" dirty="0" err="1">
                 <a:solidFill>
                   <a:schemeClr val="bg1">
                     <a:lumMod val="95000"/>
                     <a:lumOff val="5000"/>
                   </a:schemeClr>
                 </a:solidFill>
-                <a:latin typeface="+mj-lt"/>
+                <a:latin typeface="AllodsWest" panose="02000000000000000000" pitchFamily="2" charset="0"/>
                 <a:cs typeface="Times New Roman" panose="02020603050405020304" pitchFamily="18" charset="0"/>
               </a:rPr>
               <a:t>CatBoost</a:t>
             </a:r>
-            <a:endParaRPr lang="en-US" sz="2000" dirty="0">
+            <a:endParaRPr lang="en-US" dirty="0">
               <a:solidFill>
                 <a:schemeClr val="bg1">
                   <a:lumMod val="95000"/>
                   <a:lumOff val="5000"/>
                 </a:schemeClr>
               </a:solidFill>
-              <a:latin typeface="+mj-lt"/>
+              <a:latin typeface="AllodsWest" panose="02000000000000000000" pitchFamily="2" charset="0"/>
               <a:cs typeface="Times New Roman" panose="02020603050405020304" pitchFamily="18" charset="0"/>
             </a:endParaRPr>
           </a:p>
@@ -6548,14 +6568,14 @@
               <a:buAutoNum type="arabicPeriod"/>
             </a:pPr>
             <a:r>
-              <a:rPr lang="ru-RU" sz="2000" dirty="0">
+              <a:rPr lang="ru-RU" dirty="0">
                 <a:solidFill>
                   <a:schemeClr val="bg1">
                     <a:lumMod val="95000"/>
                     <a:lumOff val="5000"/>
                   </a:schemeClr>
                 </a:solidFill>
-                <a:latin typeface="+mj-lt"/>
+                <a:latin typeface="AllodsWest" panose="02000000000000000000" pitchFamily="2" charset="0"/>
                 <a:cs typeface="Times New Roman" panose="02020603050405020304" pitchFamily="18" charset="0"/>
               </a:rPr>
               <a:t>На основе обученной модели были выполнены предсказания.</a:t>
@@ -6566,14 +6586,14 @@
               <a:buAutoNum type="arabicPeriod"/>
             </a:pPr>
             <a:r>
-              <a:rPr lang="ru-RU" sz="2000" dirty="0">
+              <a:rPr lang="ru-RU" dirty="0">
                 <a:solidFill>
                   <a:schemeClr val="bg1">
                     <a:lumMod val="95000"/>
                     <a:lumOff val="5000"/>
                   </a:schemeClr>
                 </a:solidFill>
-                <a:latin typeface="+mj-lt"/>
+                <a:latin typeface="AllodsWest" panose="02000000000000000000" pitchFamily="2" charset="0"/>
                 <a:cs typeface="Times New Roman" panose="02020603050405020304" pitchFamily="18" charset="0"/>
               </a:rPr>
               <a:t>После обучения был проеден анализ важности признаков</a:t>
@@ -6584,40 +6604,40 @@
               <a:buAutoNum type="arabicPeriod"/>
             </a:pPr>
             <a:r>
-              <a:rPr lang="ru-RU" sz="2000" dirty="0">
+              <a:rPr lang="ru-RU" dirty="0">
                 <a:solidFill>
                   <a:schemeClr val="bg1">
                     <a:lumMod val="95000"/>
                     <a:lumOff val="5000"/>
                   </a:schemeClr>
                 </a:solidFill>
-                <a:latin typeface="+mj-lt"/>
+                <a:latin typeface="AllodsWest" panose="02000000000000000000" pitchFamily="2" charset="0"/>
                 <a:cs typeface="Times New Roman" panose="02020603050405020304" pitchFamily="18" charset="0"/>
               </a:rPr>
               <a:t>По результатам анализа важности признаков исходный </a:t>
             </a:r>
             <a:r>
-              <a:rPr lang="ru-RU" sz="2000" dirty="0" err="1">
+              <a:rPr lang="ru-RU" dirty="0" err="1">
                 <a:solidFill>
                   <a:schemeClr val="bg1">
                     <a:lumMod val="95000"/>
                     <a:lumOff val="5000"/>
                   </a:schemeClr>
                 </a:solidFill>
-                <a:latin typeface="+mj-lt"/>
+                <a:latin typeface="AllodsWest" panose="02000000000000000000" pitchFamily="2" charset="0"/>
                 <a:cs typeface="Times New Roman" panose="02020603050405020304" pitchFamily="18" charset="0"/>
               </a:rPr>
               <a:t>датасет</a:t>
             </a:r>
             <a:r>
-              <a:rPr lang="ru-RU" sz="2000" dirty="0">
+              <a:rPr lang="ru-RU" dirty="0">
                 <a:solidFill>
                   <a:schemeClr val="bg1">
                     <a:lumMod val="95000"/>
                     <a:lumOff val="5000"/>
                   </a:schemeClr>
                 </a:solidFill>
-                <a:latin typeface="+mj-lt"/>
+                <a:latin typeface="AllodsWest" panose="02000000000000000000" pitchFamily="2" charset="0"/>
                 <a:cs typeface="Times New Roman" panose="02020603050405020304" pitchFamily="18" charset="0"/>
               </a:rPr>
               <a:t> был трансформирован для удаления признаков имеющих низкую важность.</a:t>
@@ -6628,14 +6648,14 @@
               <a:buAutoNum type="arabicPeriod"/>
             </a:pPr>
             <a:r>
-              <a:rPr lang="ru-RU" sz="2000" dirty="0">
+              <a:rPr lang="ru-RU" dirty="0">
                 <a:solidFill>
                   <a:schemeClr val="bg1">
                     <a:lumMod val="95000"/>
                     <a:lumOff val="5000"/>
                   </a:schemeClr>
                 </a:solidFill>
-                <a:latin typeface="+mj-lt"/>
+                <a:latin typeface="AllodsWest" panose="02000000000000000000" pitchFamily="2" charset="0"/>
                 <a:cs typeface="Times New Roman" panose="02020603050405020304" pitchFamily="18" charset="0"/>
               </a:rPr>
               <a:t>С использованием отредактированного набора признаков еще раз была обучена модель и получены предсказания цены.</a:t>
@@ -6646,92 +6666,92 @@
               <a:buAutoNum type="arabicPeriod"/>
             </a:pPr>
             <a:r>
-              <a:rPr lang="ru-RU" sz="2000" dirty="0">
+              <a:rPr lang="ru-RU" dirty="0">
                 <a:solidFill>
                   <a:schemeClr val="bg1">
                     <a:lumMod val="95000"/>
                     <a:lumOff val="5000"/>
                   </a:schemeClr>
                 </a:solidFill>
-                <a:latin typeface="+mj-lt"/>
+                <a:latin typeface="AllodsWest" panose="02000000000000000000" pitchFamily="2" charset="0"/>
                 <a:cs typeface="Times New Roman" panose="02020603050405020304" pitchFamily="18" charset="0"/>
               </a:rPr>
               <a:t>Был сформирован обновленный </a:t>
             </a:r>
             <a:r>
-              <a:rPr lang="ru-RU" sz="2000" dirty="0" err="1">
+              <a:rPr lang="ru-RU" dirty="0" err="1">
                 <a:solidFill>
                   <a:schemeClr val="bg1">
                     <a:lumMod val="95000"/>
                     <a:lumOff val="5000"/>
                   </a:schemeClr>
                 </a:solidFill>
-                <a:latin typeface="+mj-lt"/>
+                <a:latin typeface="AllodsWest" panose="02000000000000000000" pitchFamily="2" charset="0"/>
                 <a:cs typeface="Times New Roman" panose="02020603050405020304" pitchFamily="18" charset="0"/>
               </a:rPr>
               <a:t>датасет</a:t>
             </a:r>
             <a:r>
-              <a:rPr lang="ru-RU" sz="2000" dirty="0">
+              <a:rPr lang="ru-RU" dirty="0">
                 <a:solidFill>
                   <a:schemeClr val="bg1">
                     <a:lumMod val="95000"/>
                     <a:lumOff val="5000"/>
                   </a:schemeClr>
                 </a:solidFill>
-                <a:latin typeface="+mj-lt"/>
+                <a:latin typeface="AllodsWest" panose="02000000000000000000" pitchFamily="2" charset="0"/>
                 <a:cs typeface="Times New Roman" panose="02020603050405020304" pitchFamily="18" charset="0"/>
               </a:rPr>
               <a:t> с использованием макроэкономических показателей. </a:t>
             </a:r>
             <a:r>
-              <a:rPr lang="ru-RU" sz="2000" dirty="0" err="1">
+              <a:rPr lang="ru-RU" dirty="0" err="1">
                 <a:solidFill>
                   <a:schemeClr val="bg1">
                     <a:lumMod val="95000"/>
                     <a:lumOff val="5000"/>
                   </a:schemeClr>
                 </a:solidFill>
-                <a:latin typeface="+mj-lt"/>
+                <a:latin typeface="AllodsWest" panose="02000000000000000000" pitchFamily="2" charset="0"/>
                 <a:cs typeface="Times New Roman" panose="02020603050405020304" pitchFamily="18" charset="0"/>
               </a:rPr>
               <a:t>Датасет</a:t>
             </a:r>
             <a:r>
-              <a:rPr lang="ru-RU" sz="2000" dirty="0">
+              <a:rPr lang="ru-RU" dirty="0">
                 <a:solidFill>
                   <a:schemeClr val="bg1">
                     <a:lumMod val="95000"/>
                     <a:lumOff val="5000"/>
                   </a:schemeClr>
                 </a:solidFill>
-                <a:latin typeface="+mj-lt"/>
+                <a:latin typeface="AllodsWest" panose="02000000000000000000" pitchFamily="2" charset="0"/>
                 <a:cs typeface="Times New Roman" panose="02020603050405020304" pitchFamily="18" charset="0"/>
               </a:rPr>
               <a:t> был обработан  и на основании этого </a:t>
             </a:r>
             <a:r>
-              <a:rPr lang="ru-RU" sz="2000" dirty="0" err="1">
+              <a:rPr lang="ru-RU" dirty="0" err="1">
                 <a:solidFill>
                   <a:schemeClr val="bg1">
                     <a:lumMod val="95000"/>
                     <a:lumOff val="5000"/>
                   </a:schemeClr>
                 </a:solidFill>
-                <a:latin typeface="+mj-lt"/>
+                <a:latin typeface="AllodsWest" panose="02000000000000000000" pitchFamily="2" charset="0"/>
                 <a:cs typeface="Times New Roman" panose="02020603050405020304" pitchFamily="18" charset="0"/>
               </a:rPr>
               <a:t>датасета</a:t>
             </a:r>
             <a:r>
-              <a:rPr lang="ru-RU" sz="2000" dirty="0">
+              <a:rPr lang="ru-RU" dirty="0">
                 <a:solidFill>
                   <a:schemeClr val="bg1">
                     <a:lumMod val="95000"/>
                     <a:lumOff val="5000"/>
                   </a:schemeClr>
                 </a:solidFill>
-                <a:latin typeface="+mj-lt"/>
+                <a:latin typeface="AllodsWest" panose="02000000000000000000" pitchFamily="2" charset="0"/>
                 <a:cs typeface="Times New Roman" panose="02020603050405020304" pitchFamily="18" charset="0"/>
               </a:rPr>
               <a:t> была обучена модель и получены предсказания.</a:t>
@@ -6742,14 +6762,14 @@
               <a:buAutoNum type="arabicPeriod"/>
             </a:pPr>
             <a:r>
-              <a:rPr lang="ru-RU" sz="2000" dirty="0">
+              <a:rPr lang="ru-RU" dirty="0">
                 <a:solidFill>
                   <a:schemeClr val="bg1">
                     <a:lumMod val="95000"/>
                     <a:lumOff val="5000"/>
                   </a:schemeClr>
                 </a:solidFill>
-                <a:latin typeface="+mj-lt"/>
+                <a:latin typeface="AllodsWest" panose="02000000000000000000" pitchFamily="2" charset="0"/>
                 <a:cs typeface="Times New Roman" panose="02020603050405020304" pitchFamily="18" charset="0"/>
               </a:rPr>
               <a:t>Было выполнено сравнение результатов, полученных для трех вариантов модели.</a:t>
